--- a/Apresentação/Limpeza e Organização_sugestao.pptx
+++ b/Apresentação/Limpeza e Organização_sugestao.pptx
@@ -9521,6 +9521,52 @@
           </a:p>
         </p:txBody>
       </p:sp>
+      <p:pic>
+        <p:nvPicPr>
+          <p:cNvPr id="16" name="Imagem 15">
+            <a:extLst>
+              <a:ext uri="{FF2B5EF4-FFF2-40B4-BE49-F238E27FC236}">
+                <a16:creationId xmlns:a16="http://schemas.microsoft.com/office/drawing/2014/main" id="{BB0FAC27-ACF5-431C-BD15-B91C438E36D0}"/>
+              </a:ext>
+            </a:extLst>
+          </p:cNvPr>
+          <p:cNvPicPr>
+            <a:picLocks noChangeAspect="1"/>
+          </p:cNvPicPr>
+          <p:nvPr/>
+        </p:nvPicPr>
+        <p:blipFill>
+          <a:blip r:embed="rId3">
+            <a:extLst>
+              <a:ext uri="{28A0092B-C50C-407E-A947-70E740481C1C}">
+                <a14:useLocalDpi xmlns:a14="http://schemas.microsoft.com/office/drawing/2010/main" val="0"/>
+              </a:ext>
+            </a:extLst>
+          </a:blip>
+          <a:stretch>
+            <a:fillRect/>
+          </a:stretch>
+        </p:blipFill>
+        <p:spPr>
+          <a:xfrm>
+            <a:off x="3890078" y="1521016"/>
+            <a:ext cx="3209192" cy="3209192"/>
+          </a:xfrm>
+          <a:prstGeom prst="rect">
+            <a:avLst/>
+          </a:prstGeom>
+          <a:ln>
+            <a:noFill/>
+          </a:ln>
+          <a:effectLst>
+            <a:outerShdw blurRad="292100" dist="139700" dir="2700000" algn="tl" rotWithShape="0">
+              <a:srgbClr val="333333">
+                <a:alpha val="65000"/>
+              </a:srgbClr>
+            </a:outerShdw>
+          </a:effectLst>
+        </p:spPr>
+      </p:pic>
     </p:spTree>
     <p:extLst>
       <p:ext uri="{BB962C8B-B14F-4D97-AF65-F5344CB8AC3E}">
@@ -9772,7 +9818,7 @@
                                           </p:stCondLst>
                                         </p:cTn>
                                         <p:tgtEl>
-                                          <p:spTgt spid="24"/>
+                                          <p:spTgt spid="15"/>
                                         </p:tgtEl>
                                         <p:attrNameLst>
                                           <p:attrName>style.visibility</p:attrName>
@@ -9817,7 +9863,7 @@
                                           </p:stCondLst>
                                         </p:cTn>
                                         <p:tgtEl>
-                                          <p:spTgt spid="22"/>
+                                          <p:spTgt spid="24"/>
                                         </p:tgtEl>
                                         <p:attrNameLst>
                                           <p:attrName>style.visibility</p:attrName>
@@ -9862,7 +9908,7 @@
                                           </p:stCondLst>
                                         </p:cTn>
                                         <p:tgtEl>
-                                          <p:spTgt spid="15"/>
+                                          <p:spTgt spid="22"/>
                                         </p:tgtEl>
                                         <p:attrNameLst>
                                           <p:attrName>style.visibility</p:attrName>
@@ -9872,6 +9918,59 @@
                                         <p:strVal val="visible"/>
                                       </p:to>
                                     </p:set>
+                                  </p:childTnLst>
+                                </p:cTn>
+                              </p:par>
+                            </p:childTnLst>
+                          </p:cTn>
+                        </p:par>
+                      </p:childTnLst>
+                    </p:cTn>
+                  </p:par>
+                  <p:par>
+                    <p:cTn id="33" fill="hold">
+                      <p:stCondLst>
+                        <p:cond delay="indefinite"/>
+                      </p:stCondLst>
+                      <p:childTnLst>
+                        <p:par>
+                          <p:cTn id="34" fill="hold">
+                            <p:stCondLst>
+                              <p:cond delay="0"/>
+                            </p:stCondLst>
+                            <p:childTnLst>
+                              <p:par>
+                                <p:cTn id="35" presetID="10" presetClass="entr" presetSubtype="0" fill="hold" nodeType="clickEffect">
+                                  <p:stCondLst>
+                                    <p:cond delay="0"/>
+                                  </p:stCondLst>
+                                  <p:childTnLst>
+                                    <p:set>
+                                      <p:cBhvr>
+                                        <p:cTn id="36" dur="1" fill="hold">
+                                          <p:stCondLst>
+                                            <p:cond delay="0"/>
+                                          </p:stCondLst>
+                                        </p:cTn>
+                                        <p:tgtEl>
+                                          <p:spTgt spid="16"/>
+                                        </p:tgtEl>
+                                        <p:attrNameLst>
+                                          <p:attrName>style.visibility</p:attrName>
+                                        </p:attrNameLst>
+                                      </p:cBhvr>
+                                      <p:to>
+                                        <p:strVal val="visible"/>
+                                      </p:to>
+                                    </p:set>
+                                    <p:animEffect transition="in" filter="fade">
+                                      <p:cBhvr>
+                                        <p:cTn id="37" dur="500"/>
+                                        <p:tgtEl>
+                                          <p:spTgt spid="16"/>
+                                        </p:tgtEl>
+                                      </p:cBhvr>
+                                    </p:animEffect>
                                   </p:childTnLst>
                                 </p:cTn>
                               </p:par>
@@ -10838,7 +10937,7 @@
                                           </p:stCondLst>
                                         </p:cTn>
                                         <p:tgtEl>
-                                          <p:spTgt spid="24"/>
+                                          <p:spTgt spid="15"/>
                                         </p:tgtEl>
                                         <p:attrNameLst>
                                           <p:attrName>style.visibility</p:attrName>
@@ -10883,7 +10982,7 @@
                                           </p:stCondLst>
                                         </p:cTn>
                                         <p:tgtEl>
-                                          <p:spTgt spid="22"/>
+                                          <p:spTgt spid="24"/>
                                         </p:tgtEl>
                                         <p:attrNameLst>
                                           <p:attrName>style.visibility</p:attrName>
@@ -10928,7 +11027,7 @@
                                           </p:stCondLst>
                                         </p:cTn>
                                         <p:tgtEl>
-                                          <p:spTgt spid="15"/>
+                                          <p:spTgt spid="22"/>
                                         </p:tgtEl>
                                         <p:attrNameLst>
                                           <p:attrName>style.visibility</p:attrName>

--- a/Apresentação/Limpeza e Organização_sugestao.pptx
+++ b/Apresentação/Limpeza e Organização_sugestao.pptx
@@ -6206,7 +6206,7 @@
         </p:nvSpPr>
         <p:spPr>
           <a:xfrm>
-            <a:off x="1016210" y="1854466"/>
+            <a:off x="1574948" y="1956757"/>
             <a:ext cx="1820064" cy="538740"/>
           </a:xfrm>
           <a:prstGeom prst="rect">
@@ -6215,7 +6215,7 @@
         </p:spPr>
         <p:txBody>
           <a:bodyPr vert="horz" lIns="91440" tIns="45720" rIns="91440" bIns="45720" rtlCol="0" anchor="b">
-            <a:normAutofit/>
+            <a:normAutofit fontScale="92500" lnSpcReduction="10000"/>
           </a:bodyPr>
           <a:lstStyle>
             <a:lvl1pPr algn="l" defTabSz="914400" rtl="0" eaLnBrk="1" latinLnBrk="0" hangingPunct="1">
@@ -6239,14 +6239,14 @@
           <a:p>
             <a:pPr algn="ctr"/>
             <a:r>
-              <a:rPr lang="en-US" sz="3200" dirty="0" err="1">
+              <a:rPr lang="en-US" sz="3600" dirty="0" err="1">
                 <a:solidFill>
                   <a:schemeClr val="bg1"/>
                 </a:solidFill>
               </a:rPr>
               <a:t>Problema</a:t>
             </a:r>
-            <a:endParaRPr lang="en-US" sz="3200" dirty="0">
+            <a:endParaRPr lang="en-US" sz="2800" dirty="0">
               <a:solidFill>
                 <a:schemeClr val="bg1"/>
               </a:solidFill>
@@ -6268,8 +6268,8 @@
         </p:nvSpPr>
         <p:spPr>
           <a:xfrm>
-            <a:off x="899529" y="2514821"/>
-            <a:ext cx="2279560" cy="1477328"/>
+            <a:off x="1152917" y="2598219"/>
+            <a:ext cx="2870613" cy="2308324"/>
           </a:xfrm>
           <a:prstGeom prst="rect">
             <a:avLst/>
@@ -6282,8 +6282,12 @@
           </a:bodyPr>
           <a:lstStyle/>
           <a:p>
-            <a:r>
-              <a:rPr lang="pt-BR" dirty="0">
+            <a:pPr marL="285750" indent="-285750">
+              <a:buFont typeface="Arial" panose="020B0604020202020204" pitchFamily="34" charset="0"/>
+              <a:buChar char="•"/>
+            </a:pPr>
+            <a:r>
+              <a:rPr lang="pt-BR" sz="2400" dirty="0">
                 <a:solidFill>
                   <a:schemeClr val="bg1"/>
                 </a:solidFill>
@@ -6292,15 +6296,23 @@
             </a:r>
           </a:p>
           <a:p>
-            <a:endParaRPr lang="pt-BR" dirty="0">
+            <a:pPr marL="285750" indent="-285750">
+              <a:buFont typeface="Arial" panose="020B0604020202020204" pitchFamily="34" charset="0"/>
+              <a:buChar char="•"/>
+            </a:pPr>
+            <a:endParaRPr lang="pt-BR" sz="2400" dirty="0">
               <a:solidFill>
                 <a:schemeClr val="bg1"/>
               </a:solidFill>
             </a:endParaRPr>
           </a:p>
           <a:p>
-            <a:r>
-              <a:rPr lang="pt-BR" dirty="0">
+            <a:pPr marL="285750" indent="-285750">
+              <a:buFont typeface="Arial" panose="020B0604020202020204" pitchFamily="34" charset="0"/>
+              <a:buChar char="•"/>
+            </a:pPr>
+            <a:r>
+              <a:rPr lang="pt-BR" sz="2400" dirty="0">
                 <a:solidFill>
                   <a:schemeClr val="bg1"/>
                 </a:solidFill>
@@ -6309,15 +6321,23 @@
             </a:r>
           </a:p>
           <a:p>
-            <a:endParaRPr lang="pt-BR" dirty="0">
+            <a:pPr marL="285750" indent="-285750">
+              <a:buFont typeface="Arial" panose="020B0604020202020204" pitchFamily="34" charset="0"/>
+              <a:buChar char="•"/>
+            </a:pPr>
+            <a:endParaRPr lang="pt-BR" sz="2400" dirty="0">
               <a:solidFill>
                 <a:schemeClr val="bg1"/>
               </a:solidFill>
             </a:endParaRPr>
           </a:p>
           <a:p>
-            <a:r>
-              <a:rPr lang="pt-BR" dirty="0">
+            <a:pPr marL="285750" indent="-285750">
+              <a:buFont typeface="Arial" panose="020B0604020202020204" pitchFamily="34" charset="0"/>
+              <a:buChar char="•"/>
+            </a:pPr>
+            <a:r>
+              <a:rPr lang="pt-BR" sz="2400" dirty="0">
                 <a:solidFill>
                   <a:schemeClr val="bg1"/>
                 </a:solidFill>
@@ -6343,8 +6363,8 @@
         </p:nvSpPr>
         <p:spPr>
           <a:xfrm>
-            <a:off x="7616214" y="1854466"/>
-            <a:ext cx="1488194" cy="538740"/>
+            <a:off x="7055807" y="1902384"/>
+            <a:ext cx="1820064" cy="538740"/>
           </a:xfrm>
           <a:prstGeom prst="rect">
             <a:avLst/>
@@ -6352,7 +6372,7 @@
         </p:spPr>
         <p:txBody>
           <a:bodyPr vert="horz" lIns="91440" tIns="45720" rIns="91440" bIns="45720" rtlCol="0" anchor="b">
-            <a:normAutofit/>
+            <a:normAutofit fontScale="92500" lnSpcReduction="10000"/>
           </a:bodyPr>
           <a:lstStyle>
             <a:lvl1pPr algn="l" defTabSz="914400" rtl="0" eaLnBrk="1" latinLnBrk="0" hangingPunct="1">
@@ -6376,14 +6396,14 @@
           <a:p>
             <a:pPr algn="ctr"/>
             <a:r>
-              <a:rPr lang="en-US" sz="3200" dirty="0" err="1">
+              <a:rPr lang="en-US" sz="3600" dirty="0" err="1">
                 <a:solidFill>
                   <a:schemeClr val="bg1"/>
                 </a:solidFill>
               </a:rPr>
               <a:t>Solução</a:t>
             </a:r>
-            <a:endParaRPr lang="en-US" sz="3200" dirty="0">
+            <a:endParaRPr lang="en-US" sz="3600" dirty="0">
               <a:solidFill>
                 <a:schemeClr val="bg1"/>
               </a:solidFill>
@@ -6405,8 +6425,8 @@
         </p:nvSpPr>
         <p:spPr>
           <a:xfrm>
-            <a:off x="7164662" y="2558168"/>
-            <a:ext cx="3103808" cy="1200329"/>
+            <a:off x="6471806" y="2484539"/>
+            <a:ext cx="3874421" cy="1569660"/>
           </a:xfrm>
           <a:prstGeom prst="rect">
             <a:avLst/>
@@ -6419,8 +6439,12 @@
           </a:bodyPr>
           <a:lstStyle/>
           <a:p>
-            <a:r>
-              <a:rPr lang="pt-BR" dirty="0">
+            <a:pPr marL="285750" indent="-285750">
+              <a:buFont typeface="Arial" panose="020B0604020202020204" pitchFamily="34" charset="0"/>
+              <a:buChar char="•"/>
+            </a:pPr>
+            <a:r>
+              <a:rPr lang="pt-BR" sz="2400" dirty="0">
                 <a:solidFill>
                   <a:schemeClr val="bg1"/>
                 </a:solidFill>
@@ -6429,15 +6453,23 @@
             </a:r>
           </a:p>
           <a:p>
-            <a:endParaRPr lang="pt-BR" dirty="0">
+            <a:pPr marL="285750" indent="-285750">
+              <a:buFont typeface="Arial" panose="020B0604020202020204" pitchFamily="34" charset="0"/>
+              <a:buChar char="•"/>
+            </a:pPr>
+            <a:endParaRPr lang="pt-BR" sz="2400" dirty="0">
               <a:solidFill>
                 <a:schemeClr val="bg1"/>
               </a:solidFill>
             </a:endParaRPr>
           </a:p>
           <a:p>
-            <a:r>
-              <a:rPr lang="pt-BR" dirty="0">
+            <a:pPr marL="285750" indent="-285750">
+              <a:buFont typeface="Arial" panose="020B0604020202020204" pitchFamily="34" charset="0"/>
+              <a:buChar char="•"/>
+            </a:pPr>
+            <a:r>
+              <a:rPr lang="pt-BR" sz="2400" dirty="0">
                 <a:solidFill>
                   <a:schemeClr val="bg1"/>
                 </a:solidFill>
@@ -6446,7 +6478,7 @@
             </a:r>
           </a:p>
           <a:p>
-            <a:endParaRPr lang="pt-BR" dirty="0">
+            <a:endParaRPr lang="pt-BR" sz="2400" dirty="0">
               <a:solidFill>
                 <a:schemeClr val="bg1"/>
               </a:solidFill>
@@ -6468,8 +6500,8 @@
         </p:nvSpPr>
         <p:spPr>
           <a:xfrm>
-            <a:off x="3636621" y="586587"/>
-            <a:ext cx="3694175" cy="461665"/>
+            <a:off x="2951834" y="604068"/>
+            <a:ext cx="6288331" cy="646331"/>
           </a:xfrm>
           <a:prstGeom prst="rect">
             <a:avLst/>
@@ -6483,17 +6515,21 @@
           <a:lstStyle/>
           <a:p>
             <a:r>
-              <a:rPr lang="pt-BR" sz="2400" dirty="0">
+              <a:rPr lang="pt-BR" sz="3600" b="1" dirty="0">
                 <a:solidFill>
                   <a:schemeClr val="bg1"/>
                 </a:solidFill>
+                <a:latin typeface="Avenir Next LT Pro" panose="020B0504020202020204" pitchFamily="34" charset="0"/>
+                <a:cs typeface="Arial" panose="020B0604020202020204" pitchFamily="34" charset="0"/>
               </a:rPr>
               <a:t>Aglomeração durante picos</a:t>
             </a:r>
-            <a:endParaRPr lang="pt-BR" dirty="0">
+            <a:endParaRPr lang="pt-BR" sz="2800" b="1" dirty="0">
               <a:solidFill>
                 <a:schemeClr val="bg1"/>
               </a:solidFill>
+              <a:latin typeface="Avenir Next LT Pro" panose="020B0504020202020204" pitchFamily="34" charset="0"/>
+              <a:cs typeface="Arial" panose="020B0604020202020204" pitchFamily="34" charset="0"/>
             </a:endParaRPr>
           </a:p>
         </p:txBody>
@@ -6871,8 +6907,8 @@
         </p:nvSpPr>
         <p:spPr>
           <a:xfrm>
-            <a:off x="3818155" y="476765"/>
-            <a:ext cx="3331107" cy="461665"/>
+            <a:off x="3047087" y="547606"/>
+            <a:ext cx="6161089" cy="646331"/>
           </a:xfrm>
           <a:prstGeom prst="rect">
             <a:avLst/>
@@ -6886,18 +6922,14 @@
           <a:lstStyle/>
           <a:p>
             <a:r>
-              <a:rPr lang="pt-BR" sz="2400" dirty="0">
+              <a:rPr lang="pt-BR" sz="3600" b="1" dirty="0">
                 <a:solidFill>
                   <a:schemeClr val="bg1"/>
                 </a:solidFill>
+                <a:latin typeface="Avenir Next LT Pro" panose="020B0504020202020204" pitchFamily="34" charset="0"/>
               </a:rPr>
               <a:t>Administração Biblioteca</a:t>
             </a:r>
-            <a:endParaRPr lang="pt-BR" dirty="0">
-              <a:solidFill>
-                <a:schemeClr val="bg1"/>
-              </a:solidFill>
-            </a:endParaRPr>
           </a:p>
         </p:txBody>
       </p:sp>
@@ -6917,7 +6949,7 @@
         </p:nvSpPr>
         <p:spPr>
           <a:xfrm>
-            <a:off x="857407" y="1603899"/>
+            <a:off x="1636042" y="1755793"/>
             <a:ext cx="1820064" cy="538740"/>
           </a:xfrm>
           <a:prstGeom prst="rect">
@@ -6926,7 +6958,7 @@
         </p:spPr>
         <p:txBody>
           <a:bodyPr vert="horz" lIns="91440" tIns="45720" rIns="91440" bIns="45720" rtlCol="0" anchor="b">
-            <a:normAutofit/>
+            <a:normAutofit fontScale="92500" lnSpcReduction="10000"/>
           </a:bodyPr>
           <a:lstStyle>
             <a:lvl1pPr algn="l" defTabSz="914400" rtl="0" eaLnBrk="1" latinLnBrk="0" hangingPunct="1">
@@ -6950,7 +6982,7 @@
           <a:p>
             <a:pPr algn="ctr"/>
             <a:r>
-              <a:rPr lang="en-US" sz="3200" dirty="0" err="1">
+              <a:rPr lang="en-US" sz="3600" dirty="0" err="1">
                 <a:solidFill>
                   <a:srgbClr val="FFFFFF"/>
                 </a:solidFill>
@@ -6981,7 +7013,7 @@
         </p:nvSpPr>
         <p:spPr>
           <a:xfrm>
-            <a:off x="8778662" y="1603899"/>
+            <a:off x="7052905" y="1741543"/>
             <a:ext cx="1820064" cy="538740"/>
           </a:xfrm>
           <a:prstGeom prst="rect">
@@ -6990,7 +7022,7 @@
         </p:spPr>
         <p:txBody>
           <a:bodyPr vert="horz" lIns="91440" tIns="45720" rIns="91440" bIns="45720" rtlCol="0" anchor="b">
-            <a:normAutofit/>
+            <a:normAutofit fontScale="92500" lnSpcReduction="10000"/>
           </a:bodyPr>
           <a:lstStyle>
             <a:lvl1pPr algn="l" defTabSz="914400" rtl="0" eaLnBrk="1" latinLnBrk="0" hangingPunct="1">
@@ -7014,7 +7046,7 @@
           <a:p>
             <a:pPr algn="ctr"/>
             <a:r>
-              <a:rPr lang="en-US" sz="3200" dirty="0" err="1">
+              <a:rPr lang="en-US" sz="3600" dirty="0" err="1">
                 <a:solidFill>
                   <a:srgbClr val="FFFFFF"/>
                 </a:solidFill>
@@ -7043,8 +7075,8 @@
         </p:nvSpPr>
         <p:spPr>
           <a:xfrm>
-            <a:off x="454881" y="2316232"/>
-            <a:ext cx="4182386" cy="369332"/>
+            <a:off x="819715" y="2328881"/>
+            <a:ext cx="4454744" cy="830997"/>
           </a:xfrm>
           <a:prstGeom prst="rect">
             <a:avLst/>
@@ -7057,8 +7089,12 @@
           </a:bodyPr>
           <a:lstStyle/>
           <a:p>
-            <a:r>
-              <a:rPr lang="pt-BR" dirty="0">
+            <a:pPr marL="285750" indent="-285750">
+              <a:buFont typeface="Arial" panose="020B0604020202020204" pitchFamily="34" charset="0"/>
+              <a:buChar char="•"/>
+            </a:pPr>
+            <a:r>
+              <a:rPr lang="pt-BR" sz="2400" dirty="0">
                 <a:solidFill>
                   <a:schemeClr val="bg1"/>
                 </a:solidFill>
@@ -7082,8 +7118,8 @@
         </p:nvSpPr>
         <p:spPr>
           <a:xfrm>
-            <a:off x="454881" y="2749082"/>
-            <a:ext cx="4182386" cy="369332"/>
+            <a:off x="819715" y="3159878"/>
+            <a:ext cx="4182386" cy="461665"/>
           </a:xfrm>
           <a:prstGeom prst="rect">
             <a:avLst/>
@@ -7096,8 +7132,12 @@
           </a:bodyPr>
           <a:lstStyle/>
           <a:p>
-            <a:r>
-              <a:rPr lang="pt-BR" dirty="0">
+            <a:pPr marL="285750" indent="-285750">
+              <a:buFont typeface="Arial" panose="020B0604020202020204" pitchFamily="34" charset="0"/>
+              <a:buChar char="•"/>
+            </a:pPr>
+            <a:r>
+              <a:rPr lang="pt-BR" sz="2400" dirty="0">
                 <a:solidFill>
                   <a:schemeClr val="bg1"/>
                 </a:solidFill>
@@ -7121,8 +7161,8 @@
         </p:nvSpPr>
         <p:spPr>
           <a:xfrm>
-            <a:off x="454881" y="3181932"/>
-            <a:ext cx="4182386" cy="369332"/>
+            <a:off x="819715" y="3795136"/>
+            <a:ext cx="4182386" cy="461665"/>
           </a:xfrm>
           <a:prstGeom prst="rect">
             <a:avLst/>
@@ -7135,8 +7175,12 @@
           </a:bodyPr>
           <a:lstStyle/>
           <a:p>
-            <a:r>
-              <a:rPr lang="pt-BR" dirty="0">
+            <a:pPr marL="285750" indent="-285750">
+              <a:buFont typeface="Arial" panose="020B0604020202020204" pitchFamily="34" charset="0"/>
+              <a:buChar char="•"/>
+            </a:pPr>
+            <a:r>
+              <a:rPr lang="pt-BR" sz="2400" dirty="0">
                 <a:solidFill>
                   <a:schemeClr val="bg1"/>
                 </a:solidFill>
@@ -7160,8 +7204,8 @@
         </p:nvSpPr>
         <p:spPr>
           <a:xfrm>
-            <a:off x="7946136" y="3175313"/>
-            <a:ext cx="4182386" cy="369332"/>
+            <a:off x="6685321" y="3753997"/>
+            <a:ext cx="4182386" cy="830997"/>
           </a:xfrm>
           <a:prstGeom prst="rect">
             <a:avLst/>
@@ -7174,8 +7218,12 @@
           </a:bodyPr>
           <a:lstStyle/>
           <a:p>
-            <a:r>
-              <a:rPr lang="pt-BR" dirty="0">
+            <a:pPr marL="285750" indent="-285750">
+              <a:buFont typeface="Arial" panose="020B0604020202020204" pitchFamily="34" charset="0"/>
+              <a:buChar char="•"/>
+            </a:pPr>
+            <a:r>
+              <a:rPr lang="pt-BR" sz="2400" dirty="0">
                 <a:solidFill>
                   <a:schemeClr val="bg1"/>
                 </a:solidFill>
@@ -7199,8 +7247,8 @@
         </p:nvSpPr>
         <p:spPr>
           <a:xfrm>
-            <a:off x="7960034" y="2345758"/>
-            <a:ext cx="4182386" cy="369332"/>
+            <a:off x="6685321" y="2366224"/>
+            <a:ext cx="4182386" cy="461665"/>
           </a:xfrm>
           <a:prstGeom prst="rect">
             <a:avLst/>
@@ -7213,8 +7261,12 @@
           </a:bodyPr>
           <a:lstStyle/>
           <a:p>
-            <a:r>
-              <a:rPr lang="pt-BR" dirty="0">
+            <a:pPr marL="285750" indent="-285750">
+              <a:buFont typeface="Arial" panose="020B0604020202020204" pitchFamily="34" charset="0"/>
+              <a:buChar char="•"/>
+            </a:pPr>
+            <a:r>
+              <a:rPr lang="pt-BR" sz="2400" dirty="0">
                 <a:solidFill>
                   <a:schemeClr val="bg1"/>
                 </a:solidFill>
@@ -7238,8 +7290,8 @@
         </p:nvSpPr>
         <p:spPr>
           <a:xfrm>
-            <a:off x="7941110" y="2756280"/>
-            <a:ext cx="4182386" cy="369332"/>
+            <a:off x="6685321" y="2867925"/>
+            <a:ext cx="4182386" cy="830997"/>
           </a:xfrm>
           <a:prstGeom prst="rect">
             <a:avLst/>
@@ -7252,8 +7304,12 @@
           </a:bodyPr>
           <a:lstStyle/>
           <a:p>
-            <a:r>
-              <a:rPr lang="pt-BR" dirty="0">
+            <a:pPr marL="285750" indent="-285750">
+              <a:buFont typeface="Arial" panose="020B0604020202020204" pitchFamily="34" charset="0"/>
+              <a:buChar char="•"/>
+            </a:pPr>
+            <a:r>
+              <a:rPr lang="pt-BR" sz="2400" dirty="0">
                 <a:solidFill>
                   <a:schemeClr val="bg1"/>
                 </a:solidFill>
@@ -8000,8 +8056,8 @@
         </p:nvSpPr>
         <p:spPr>
           <a:xfrm>
-            <a:off x="4503955" y="353673"/>
-            <a:ext cx="2362837" cy="461665"/>
+            <a:off x="3958646" y="655231"/>
+            <a:ext cx="4274707" cy="646331"/>
           </a:xfrm>
           <a:prstGeom prst="rect">
             <a:avLst/>
@@ -8015,18 +8071,14 @@
           <a:lstStyle/>
           <a:p>
             <a:r>
-              <a:rPr lang="pt-BR" sz="2400" dirty="0">
+              <a:rPr lang="pt-BR" sz="3600" b="1" dirty="0">
                 <a:solidFill>
                   <a:schemeClr val="bg1"/>
                 </a:solidFill>
+                <a:latin typeface="Avenir Next LT Pro" panose="020B0504020202020204" pitchFamily="34" charset="0"/>
               </a:rPr>
               <a:t>Filas no refeitório</a:t>
             </a:r>
-            <a:endParaRPr lang="pt-BR" dirty="0">
-              <a:solidFill>
-                <a:schemeClr val="bg1"/>
-              </a:solidFill>
-            </a:endParaRPr>
           </a:p>
         </p:txBody>
       </p:sp>
@@ -8046,7 +8098,7 @@
         </p:nvSpPr>
         <p:spPr>
           <a:xfrm>
-            <a:off x="857407" y="1603899"/>
+            <a:off x="1636042" y="1807018"/>
             <a:ext cx="1820064" cy="538740"/>
           </a:xfrm>
           <a:prstGeom prst="rect">
@@ -8055,7 +8107,7 @@
         </p:spPr>
         <p:txBody>
           <a:bodyPr vert="horz" lIns="91440" tIns="45720" rIns="91440" bIns="45720" rtlCol="0" anchor="b">
-            <a:normAutofit/>
+            <a:noAutofit/>
           </a:bodyPr>
           <a:lstStyle>
             <a:lvl1pPr algn="l" defTabSz="914400" rtl="0" eaLnBrk="1" latinLnBrk="0" hangingPunct="1">
@@ -8079,14 +8131,14 @@
           <a:p>
             <a:pPr algn="ctr"/>
             <a:r>
-              <a:rPr lang="en-US" sz="3200" dirty="0" err="1">
+              <a:rPr lang="en-US" sz="3300" dirty="0" err="1">
                 <a:solidFill>
                   <a:srgbClr val="FFFFFF"/>
                 </a:solidFill>
               </a:rPr>
               <a:t>Problema</a:t>
             </a:r>
-            <a:endParaRPr lang="en-US" sz="3200" dirty="0">
+            <a:endParaRPr lang="en-US" sz="3300" dirty="0">
               <a:solidFill>
                 <a:srgbClr val="FFFFFF"/>
               </a:solidFill>
@@ -8110,7 +8162,7 @@
         </p:nvSpPr>
         <p:spPr>
           <a:xfrm>
-            <a:off x="8778662" y="1603899"/>
+            <a:off x="7052905" y="1783588"/>
             <a:ext cx="1820064" cy="538740"/>
           </a:xfrm>
           <a:prstGeom prst="rect">
@@ -8119,7 +8171,7 @@
         </p:spPr>
         <p:txBody>
           <a:bodyPr vert="horz" lIns="91440" tIns="45720" rIns="91440" bIns="45720" rtlCol="0" anchor="b">
-            <a:normAutofit/>
+            <a:noAutofit/>
           </a:bodyPr>
           <a:lstStyle>
             <a:lvl1pPr algn="l" defTabSz="914400" rtl="0" eaLnBrk="1" latinLnBrk="0" hangingPunct="1">
@@ -8143,14 +8195,14 @@
           <a:p>
             <a:pPr algn="ctr"/>
             <a:r>
-              <a:rPr lang="en-US" sz="3200" dirty="0" err="1">
+              <a:rPr lang="en-US" sz="3300" dirty="0" err="1">
                 <a:solidFill>
                   <a:srgbClr val="FFFFFF"/>
                 </a:solidFill>
               </a:rPr>
               <a:t>Solução</a:t>
             </a:r>
-            <a:endParaRPr lang="en-US" sz="3200" dirty="0">
+            <a:endParaRPr lang="en-US" sz="3300" dirty="0">
               <a:solidFill>
                 <a:srgbClr val="FFFFFF"/>
               </a:solidFill>
@@ -8172,8 +8224,8 @@
         </p:nvSpPr>
         <p:spPr>
           <a:xfrm>
-            <a:off x="454881" y="2316232"/>
-            <a:ext cx="4182386" cy="369332"/>
+            <a:off x="1090308" y="2386559"/>
+            <a:ext cx="4182386" cy="830997"/>
           </a:xfrm>
           <a:prstGeom prst="rect">
             <a:avLst/>
@@ -8186,8 +8238,12 @@
           </a:bodyPr>
           <a:lstStyle/>
           <a:p>
-            <a:r>
-              <a:rPr lang="pt-BR" dirty="0">
+            <a:pPr marL="285750" indent="-285750">
+              <a:buFont typeface="Arial" panose="020B0604020202020204" pitchFamily="34" charset="0"/>
+              <a:buChar char="•"/>
+            </a:pPr>
+            <a:r>
+              <a:rPr lang="pt-BR" sz="2400" dirty="0">
                 <a:solidFill>
                   <a:schemeClr val="bg1"/>
                 </a:solidFill>
@@ -8211,8 +8267,8 @@
         </p:nvSpPr>
         <p:spPr>
           <a:xfrm>
-            <a:off x="454881" y="2749082"/>
-            <a:ext cx="4182386" cy="369332"/>
+            <a:off x="1087112" y="3175497"/>
+            <a:ext cx="4182386" cy="830997"/>
           </a:xfrm>
           <a:prstGeom prst="rect">
             <a:avLst/>
@@ -8225,8 +8281,12 @@
           </a:bodyPr>
           <a:lstStyle/>
           <a:p>
-            <a:r>
-              <a:rPr lang="pt-BR" dirty="0">
+            <a:pPr marL="285750" indent="-285750">
+              <a:buFont typeface="Arial" panose="020B0604020202020204" pitchFamily="34" charset="0"/>
+              <a:buChar char="•"/>
+            </a:pPr>
+            <a:r>
+              <a:rPr lang="pt-BR" sz="2400" dirty="0">
                 <a:solidFill>
                   <a:schemeClr val="bg1"/>
                 </a:solidFill>
@@ -8250,8 +8310,8 @@
         </p:nvSpPr>
         <p:spPr>
           <a:xfrm>
-            <a:off x="454881" y="3181932"/>
-            <a:ext cx="4182386" cy="369332"/>
+            <a:off x="1087112" y="4152776"/>
+            <a:ext cx="4182386" cy="461665"/>
           </a:xfrm>
           <a:prstGeom prst="rect">
             <a:avLst/>
@@ -8264,8 +8324,12 @@
           </a:bodyPr>
           <a:lstStyle/>
           <a:p>
-            <a:r>
-              <a:rPr lang="pt-BR" dirty="0">
+            <a:pPr marL="285750" indent="-285750">
+              <a:buFont typeface="Arial" panose="020B0604020202020204" pitchFamily="34" charset="0"/>
+              <a:buChar char="•"/>
+            </a:pPr>
+            <a:r>
+              <a:rPr lang="pt-BR" sz="2400" dirty="0">
                 <a:solidFill>
                   <a:schemeClr val="bg1"/>
                 </a:solidFill>
@@ -8289,8 +8353,8 @@
         </p:nvSpPr>
         <p:spPr>
           <a:xfrm>
-            <a:off x="7946136" y="3175313"/>
-            <a:ext cx="4182386" cy="369332"/>
+            <a:off x="6653737" y="3975093"/>
+            <a:ext cx="4182386" cy="461665"/>
           </a:xfrm>
           <a:prstGeom prst="rect">
             <a:avLst/>
@@ -8303,8 +8367,12 @@
           </a:bodyPr>
           <a:lstStyle/>
           <a:p>
-            <a:r>
-              <a:rPr lang="pt-BR" dirty="0">
+            <a:pPr marL="342900" indent="-342900">
+              <a:buFont typeface="Arial" panose="020B0604020202020204" pitchFamily="34" charset="0"/>
+              <a:buChar char="•"/>
+            </a:pPr>
+            <a:r>
+              <a:rPr lang="pt-BR" sz="2400" dirty="0">
                 <a:solidFill>
                   <a:schemeClr val="bg1"/>
                 </a:solidFill>
@@ -8328,8 +8396,8 @@
         </p:nvSpPr>
         <p:spPr>
           <a:xfrm>
-            <a:off x="7960034" y="2345758"/>
-            <a:ext cx="4182386" cy="369332"/>
+            <a:off x="6655691" y="2389792"/>
+            <a:ext cx="4182386" cy="830997"/>
           </a:xfrm>
           <a:prstGeom prst="rect">
             <a:avLst/>
@@ -8342,8 +8410,12 @@
           </a:bodyPr>
           <a:lstStyle/>
           <a:p>
-            <a:r>
-              <a:rPr lang="pt-BR" dirty="0">
+            <a:pPr marL="342900" indent="-342900">
+              <a:buFont typeface="Arial" panose="020B0604020202020204" pitchFamily="34" charset="0"/>
+              <a:buChar char="•"/>
+            </a:pPr>
+            <a:r>
+              <a:rPr lang="pt-BR" sz="2400" dirty="0">
                 <a:solidFill>
                   <a:schemeClr val="bg1"/>
                 </a:solidFill>
@@ -8367,8 +8439,8 @@
         </p:nvSpPr>
         <p:spPr>
           <a:xfrm>
-            <a:off x="7941110" y="2756280"/>
-            <a:ext cx="4182386" cy="369332"/>
+            <a:off x="6655691" y="3360162"/>
+            <a:ext cx="4182386" cy="461665"/>
           </a:xfrm>
           <a:prstGeom prst="rect">
             <a:avLst/>
@@ -8381,8 +8453,12 @@
           </a:bodyPr>
           <a:lstStyle/>
           <a:p>
-            <a:r>
-              <a:rPr lang="pt-BR" dirty="0">
+            <a:pPr marL="342900" indent="-342900">
+              <a:buFont typeface="Arial" panose="020B0604020202020204" pitchFamily="34" charset="0"/>
+              <a:buChar char="•"/>
+            </a:pPr>
+            <a:r>
+              <a:rPr lang="pt-BR" sz="2400" dirty="0">
                 <a:solidFill>
                   <a:schemeClr val="bg1"/>
                 </a:solidFill>
@@ -9129,8 +9205,8 @@
         </p:nvSpPr>
         <p:spPr>
           <a:xfrm>
-            <a:off x="4503955" y="353673"/>
-            <a:ext cx="2863999" cy="461665"/>
+            <a:off x="3434769" y="698578"/>
+            <a:ext cx="5322461" cy="646331"/>
           </a:xfrm>
           <a:prstGeom prst="rect">
             <a:avLst/>
@@ -9144,18 +9220,14 @@
           <a:lstStyle/>
           <a:p>
             <a:r>
-              <a:rPr lang="pt-BR" sz="2400" dirty="0">
+              <a:rPr lang="pt-BR" sz="3600" b="1" dirty="0">
                 <a:solidFill>
                   <a:schemeClr val="bg1"/>
                 </a:solidFill>
+                <a:latin typeface="Avenir Next LT Pro" panose="020B0504020202020204" pitchFamily="34" charset="0"/>
               </a:rPr>
               <a:t>Zelo pelos notebooks</a:t>
             </a:r>
-            <a:endParaRPr lang="pt-BR" dirty="0">
-              <a:solidFill>
-                <a:schemeClr val="bg1"/>
-              </a:solidFill>
-            </a:endParaRPr>
           </a:p>
         </p:txBody>
       </p:sp>
@@ -9184,7 +9256,7 @@
         </p:spPr>
         <p:txBody>
           <a:bodyPr vert="horz" lIns="91440" tIns="45720" rIns="91440" bIns="45720" rtlCol="0" anchor="b">
-            <a:normAutofit/>
+            <a:normAutofit fontScale="92500" lnSpcReduction="10000"/>
           </a:bodyPr>
           <a:lstStyle>
             <a:lvl1pPr algn="l" defTabSz="914400" rtl="0" eaLnBrk="1" latinLnBrk="0" hangingPunct="1">
@@ -9208,7 +9280,7 @@
           <a:p>
             <a:pPr algn="ctr"/>
             <a:r>
-              <a:rPr lang="en-US" sz="3200" dirty="0" err="1">
+              <a:rPr lang="en-US" sz="3600" dirty="0" err="1">
                 <a:solidFill>
                   <a:srgbClr val="FFFFFF"/>
                 </a:solidFill>
@@ -9239,7 +9311,7 @@
         </p:nvSpPr>
         <p:spPr>
           <a:xfrm>
-            <a:off x="8646778" y="1603899"/>
+            <a:off x="8162135" y="1619229"/>
             <a:ext cx="1820064" cy="538740"/>
           </a:xfrm>
           <a:prstGeom prst="rect">
@@ -9248,7 +9320,7 @@
         </p:spPr>
         <p:txBody>
           <a:bodyPr vert="horz" lIns="91440" tIns="45720" rIns="91440" bIns="45720" rtlCol="0" anchor="b">
-            <a:normAutofit/>
+            <a:noAutofit/>
           </a:bodyPr>
           <a:lstStyle>
             <a:lvl1pPr algn="l" defTabSz="914400" rtl="0" eaLnBrk="1" latinLnBrk="0" hangingPunct="1">
@@ -9272,14 +9344,14 @@
           <a:p>
             <a:pPr algn="ctr"/>
             <a:r>
-              <a:rPr lang="en-US" sz="3200" dirty="0" err="1">
+              <a:rPr lang="en-US" sz="3300" dirty="0" err="1">
                 <a:solidFill>
                   <a:srgbClr val="FFFFFF"/>
                 </a:solidFill>
               </a:rPr>
               <a:t>Solução</a:t>
             </a:r>
-            <a:endParaRPr lang="en-US" sz="3200" dirty="0">
+            <a:endParaRPr lang="en-US" sz="3300" dirty="0">
               <a:solidFill>
                 <a:srgbClr val="FFFFFF"/>
               </a:solidFill>
@@ -9301,8 +9373,8 @@
         </p:nvSpPr>
         <p:spPr>
           <a:xfrm>
-            <a:off x="454881" y="2316232"/>
-            <a:ext cx="4182386" cy="369332"/>
+            <a:off x="240457" y="2244749"/>
+            <a:ext cx="4182386" cy="461665"/>
           </a:xfrm>
           <a:prstGeom prst="rect">
             <a:avLst/>
@@ -9315,8 +9387,12 @@
           </a:bodyPr>
           <a:lstStyle/>
           <a:p>
-            <a:r>
-              <a:rPr lang="pt-BR" dirty="0">
+            <a:pPr marL="457200" indent="-457200">
+              <a:buFont typeface="Arial" panose="020B0604020202020204" pitchFamily="34" charset="0"/>
+              <a:buChar char="•"/>
+            </a:pPr>
+            <a:r>
+              <a:rPr lang="pt-BR" sz="2400" dirty="0">
                 <a:solidFill>
                   <a:schemeClr val="bg1"/>
                 </a:solidFill>
@@ -9340,8 +9416,8 @@
         </p:nvSpPr>
         <p:spPr>
           <a:xfrm>
-            <a:off x="454881" y="2749082"/>
-            <a:ext cx="4182386" cy="369332"/>
+            <a:off x="200388" y="2817884"/>
+            <a:ext cx="4182386" cy="461665"/>
           </a:xfrm>
           <a:prstGeom prst="rect">
             <a:avLst/>
@@ -9354,8 +9430,12 @@
           </a:bodyPr>
           <a:lstStyle/>
           <a:p>
-            <a:r>
-              <a:rPr lang="pt-BR" dirty="0">
+            <a:pPr marL="457200" indent="-457200">
+              <a:buFont typeface="Arial" panose="020B0604020202020204" pitchFamily="34" charset="0"/>
+              <a:buChar char="•"/>
+            </a:pPr>
+            <a:r>
+              <a:rPr lang="pt-BR" sz="2400" dirty="0">
                 <a:solidFill>
                   <a:schemeClr val="bg1"/>
                 </a:solidFill>
@@ -9379,8 +9459,8 @@
         </p:nvSpPr>
         <p:spPr>
           <a:xfrm>
-            <a:off x="454881" y="3181932"/>
-            <a:ext cx="4182386" cy="369332"/>
+            <a:off x="240457" y="3391019"/>
+            <a:ext cx="4182386" cy="461665"/>
           </a:xfrm>
           <a:prstGeom prst="rect">
             <a:avLst/>
@@ -9393,8 +9473,12 @@
           </a:bodyPr>
           <a:lstStyle/>
           <a:p>
-            <a:r>
-              <a:rPr lang="pt-BR" dirty="0">
+            <a:pPr marL="457200" indent="-457200">
+              <a:buFont typeface="Arial" panose="020B0604020202020204" pitchFamily="34" charset="0"/>
+              <a:buChar char="•"/>
+            </a:pPr>
+            <a:r>
+              <a:rPr lang="pt-BR" sz="2400" dirty="0">
                 <a:solidFill>
                   <a:schemeClr val="bg1"/>
                 </a:solidFill>
@@ -9418,8 +9502,8 @@
         </p:nvSpPr>
         <p:spPr>
           <a:xfrm>
-            <a:off x="7814252" y="3175313"/>
-            <a:ext cx="2850817" cy="646331"/>
+            <a:off x="7472515" y="3628409"/>
+            <a:ext cx="3516833" cy="830997"/>
           </a:xfrm>
           <a:prstGeom prst="rect">
             <a:avLst/>
@@ -9432,8 +9516,12 @@
           </a:bodyPr>
           <a:lstStyle/>
           <a:p>
-            <a:r>
-              <a:rPr lang="pt-BR" dirty="0">
+            <a:pPr marL="342900" indent="-342900">
+              <a:buFont typeface="Arial" panose="020B0604020202020204" pitchFamily="34" charset="0"/>
+              <a:buChar char="•"/>
+            </a:pPr>
+            <a:r>
+              <a:rPr lang="pt-BR" sz="2400" dirty="0">
                 <a:solidFill>
                   <a:schemeClr val="bg1"/>
                 </a:solidFill>
@@ -9457,8 +9545,8 @@
         </p:nvSpPr>
         <p:spPr>
           <a:xfrm>
-            <a:off x="7809226" y="2756280"/>
-            <a:ext cx="4182386" cy="369332"/>
+            <a:off x="7447954" y="3083760"/>
+            <a:ext cx="4182386" cy="461665"/>
           </a:xfrm>
           <a:prstGeom prst="rect">
             <a:avLst/>
@@ -9471,8 +9559,12 @@
           </a:bodyPr>
           <a:lstStyle/>
           <a:p>
-            <a:r>
-              <a:rPr lang="pt-BR" dirty="0">
+            <a:pPr marL="342900" indent="-342900">
+              <a:buFont typeface="Arial" panose="020B0604020202020204" pitchFamily="34" charset="0"/>
+              <a:buChar char="•"/>
+            </a:pPr>
+            <a:r>
+              <a:rPr lang="pt-BR" sz="2400" dirty="0">
                 <a:solidFill>
                   <a:schemeClr val="bg1"/>
                 </a:solidFill>
@@ -9496,8 +9588,8 @@
         </p:nvSpPr>
         <p:spPr>
           <a:xfrm>
-            <a:off x="7803364" y="2354777"/>
-            <a:ext cx="4182386" cy="369332"/>
+            <a:off x="7472515" y="2177117"/>
+            <a:ext cx="4182386" cy="830997"/>
           </a:xfrm>
           <a:prstGeom prst="rect">
             <a:avLst/>
@@ -9510,8 +9602,12 @@
           </a:bodyPr>
           <a:lstStyle/>
           <a:p>
-            <a:r>
-              <a:rPr lang="pt-BR" dirty="0">
+            <a:pPr marL="342900" indent="-342900">
+              <a:buFont typeface="Arial" panose="020B0604020202020204" pitchFamily="34" charset="0"/>
+              <a:buChar char="•"/>
+            </a:pPr>
+            <a:r>
+              <a:rPr lang="pt-BR" sz="2400" dirty="0">
                 <a:solidFill>
                   <a:schemeClr val="bg1"/>
                 </a:solidFill>
@@ -10375,8 +10471,8 @@
         </p:nvSpPr>
         <p:spPr>
           <a:xfrm>
-            <a:off x="4503956" y="353673"/>
-            <a:ext cx="1861676" cy="369332"/>
+            <a:off x="3832249" y="648033"/>
+            <a:ext cx="4527502" cy="646331"/>
           </a:xfrm>
           <a:prstGeom prst="rect">
             <a:avLst/>
@@ -10390,10 +10486,11 @@
           <a:lstStyle/>
           <a:p>
             <a:r>
-              <a:rPr lang="pt-BR" dirty="0">
+              <a:rPr lang="pt-BR" sz="3600" b="1" dirty="0">
                 <a:solidFill>
                   <a:schemeClr val="bg1"/>
                 </a:solidFill>
+                <a:latin typeface="Avenir Next LT Pro" panose="020B0504020202020204" pitchFamily="34" charset="0"/>
               </a:rPr>
               <a:t>Fila nos banheiros</a:t>
             </a:r>
@@ -10416,7 +10513,7 @@
         </p:nvSpPr>
         <p:spPr>
           <a:xfrm>
-            <a:off x="857407" y="1603899"/>
+            <a:off x="1913576" y="1786565"/>
             <a:ext cx="1820064" cy="538740"/>
           </a:xfrm>
           <a:prstGeom prst="rect">
@@ -10425,7 +10522,7 @@
         </p:spPr>
         <p:txBody>
           <a:bodyPr vert="horz" lIns="91440" tIns="45720" rIns="91440" bIns="45720" rtlCol="0" anchor="b">
-            <a:normAutofit/>
+            <a:normAutofit fontScale="92500" lnSpcReduction="10000"/>
           </a:bodyPr>
           <a:lstStyle>
             <a:lvl1pPr algn="l" defTabSz="914400" rtl="0" eaLnBrk="1" latinLnBrk="0" hangingPunct="1">
@@ -10449,7 +10546,7 @@
           <a:p>
             <a:pPr algn="ctr"/>
             <a:r>
-              <a:rPr lang="en-US" sz="3200" dirty="0" err="1">
+              <a:rPr lang="en-US" sz="3600" dirty="0" err="1">
                 <a:solidFill>
                   <a:srgbClr val="FFFFFF"/>
                 </a:solidFill>
@@ -10480,7 +10577,7 @@
         </p:nvSpPr>
         <p:spPr>
           <a:xfrm>
-            <a:off x="8646778" y="1603899"/>
+            <a:off x="7449719" y="1749418"/>
             <a:ext cx="1820064" cy="538740"/>
           </a:xfrm>
           <a:prstGeom prst="rect">
@@ -10489,7 +10586,7 @@
         </p:spPr>
         <p:txBody>
           <a:bodyPr vert="horz" lIns="91440" tIns="45720" rIns="91440" bIns="45720" rtlCol="0" anchor="b">
-            <a:normAutofit/>
+            <a:noAutofit/>
           </a:bodyPr>
           <a:lstStyle>
             <a:lvl1pPr algn="l" defTabSz="914400" rtl="0" eaLnBrk="1" latinLnBrk="0" hangingPunct="1">
@@ -10513,14 +10610,14 @@
           <a:p>
             <a:pPr algn="ctr"/>
             <a:r>
-              <a:rPr lang="en-US" sz="3200" dirty="0" err="1">
+              <a:rPr lang="en-US" sz="3300" dirty="0" err="1">
                 <a:solidFill>
                   <a:srgbClr val="FFFFFF"/>
                 </a:solidFill>
               </a:rPr>
               <a:t>Solução</a:t>
             </a:r>
-            <a:endParaRPr lang="en-US" sz="3200" dirty="0">
+            <a:endParaRPr lang="en-US" sz="3300" dirty="0">
               <a:solidFill>
                 <a:srgbClr val="FFFFFF"/>
               </a:solidFill>
@@ -10542,8 +10639,8 @@
         </p:nvSpPr>
         <p:spPr>
           <a:xfrm>
-            <a:off x="454881" y="2316232"/>
-            <a:ext cx="4182386" cy="369332"/>
+            <a:off x="1526931" y="2373131"/>
+            <a:ext cx="4182386" cy="461665"/>
           </a:xfrm>
           <a:prstGeom prst="rect">
             <a:avLst/>
@@ -10556,8 +10653,12 @@
           </a:bodyPr>
           <a:lstStyle/>
           <a:p>
-            <a:r>
-              <a:rPr lang="pt-BR" dirty="0">
+            <a:pPr marL="342900" indent="-342900">
+              <a:buFont typeface="Arial" panose="020B0604020202020204" pitchFamily="34" charset="0"/>
+              <a:buChar char="•"/>
+            </a:pPr>
+            <a:r>
+              <a:rPr lang="pt-BR" sz="2400" dirty="0">
                 <a:solidFill>
                   <a:schemeClr val="bg1"/>
                 </a:solidFill>
@@ -10581,8 +10682,8 @@
         </p:nvSpPr>
         <p:spPr>
           <a:xfrm>
-            <a:off x="454881" y="2749082"/>
-            <a:ext cx="4182386" cy="369332"/>
+            <a:off x="1526931" y="2834796"/>
+            <a:ext cx="4182386" cy="461665"/>
           </a:xfrm>
           <a:prstGeom prst="rect">
             <a:avLst/>
@@ -10595,8 +10696,12 @@
           </a:bodyPr>
           <a:lstStyle/>
           <a:p>
-            <a:r>
-              <a:rPr lang="pt-BR" dirty="0" err="1">
+            <a:pPr marL="342900" indent="-342900">
+              <a:buFont typeface="Arial" panose="020B0604020202020204" pitchFamily="34" charset="0"/>
+              <a:buChar char="•"/>
+            </a:pPr>
+            <a:r>
+              <a:rPr lang="pt-BR" sz="2400" dirty="0" err="1">
                 <a:solidFill>
                   <a:schemeClr val="bg1"/>
                 </a:solidFill>
@@ -10604,7 +10709,7 @@
               <a:t>Mals</a:t>
             </a:r>
             <a:r>
-              <a:rPr lang="pt-BR" dirty="0">
+              <a:rPr lang="pt-BR" sz="2400" dirty="0">
                 <a:solidFill>
                   <a:schemeClr val="bg1"/>
                 </a:solidFill>
@@ -10628,8 +10733,8 @@
         </p:nvSpPr>
         <p:spPr>
           <a:xfrm>
-            <a:off x="7814252" y="3175313"/>
-            <a:ext cx="2850817" cy="369332"/>
+            <a:off x="7332891" y="3296461"/>
+            <a:ext cx="3474276" cy="461665"/>
           </a:xfrm>
           <a:prstGeom prst="rect">
             <a:avLst/>
@@ -10642,8 +10747,12 @@
           </a:bodyPr>
           <a:lstStyle/>
           <a:p>
-            <a:r>
-              <a:rPr lang="pt-BR" dirty="0">
+            <a:pPr marL="342900" indent="-342900">
+              <a:buFont typeface="Arial" panose="020B0604020202020204" pitchFamily="34" charset="0"/>
+              <a:buChar char="•"/>
+            </a:pPr>
+            <a:r>
+              <a:rPr lang="pt-BR" sz="2400" dirty="0">
                 <a:solidFill>
                   <a:schemeClr val="bg1"/>
                 </a:solidFill>
@@ -10667,8 +10776,8 @@
         </p:nvSpPr>
         <p:spPr>
           <a:xfrm>
-            <a:off x="7809226" y="2756280"/>
-            <a:ext cx="4182386" cy="369332"/>
+            <a:off x="7332891" y="2756296"/>
+            <a:ext cx="4182386" cy="461665"/>
           </a:xfrm>
           <a:prstGeom prst="rect">
             <a:avLst/>
@@ -10681,8 +10790,12 @@
           </a:bodyPr>
           <a:lstStyle/>
           <a:p>
-            <a:r>
-              <a:rPr lang="pt-BR" dirty="0">
+            <a:pPr marL="342900" indent="-342900">
+              <a:buFont typeface="Arial" panose="020B0604020202020204" pitchFamily="34" charset="0"/>
+              <a:buChar char="•"/>
+            </a:pPr>
+            <a:r>
+              <a:rPr lang="pt-BR" sz="2400" dirty="0">
                 <a:solidFill>
                   <a:schemeClr val="bg1"/>
                 </a:solidFill>
@@ -10706,8 +10819,8 @@
         </p:nvSpPr>
         <p:spPr>
           <a:xfrm>
-            <a:off x="7803364" y="2354777"/>
-            <a:ext cx="4182386" cy="369332"/>
+            <a:off x="7332891" y="2291380"/>
+            <a:ext cx="4182386" cy="461665"/>
           </a:xfrm>
           <a:prstGeom prst="rect">
             <a:avLst/>
@@ -10720,8 +10833,12 @@
           </a:bodyPr>
           <a:lstStyle/>
           <a:p>
-            <a:r>
-              <a:rPr lang="pt-BR" dirty="0">
+            <a:pPr marL="342900" indent="-342900">
+              <a:buFont typeface="Arial" panose="020B0604020202020204" pitchFamily="34" charset="0"/>
+              <a:buChar char="•"/>
+            </a:pPr>
+            <a:r>
+              <a:rPr lang="pt-BR" sz="2400" dirty="0">
                 <a:solidFill>
                   <a:schemeClr val="bg1"/>
                 </a:solidFill>
@@ -11739,7 +11856,7 @@
         <p:spPr>
           <a:xfrm>
             <a:off x="4624754" y="3833446"/>
-            <a:ext cx="3156438" cy="369332"/>
+            <a:ext cx="4797770" cy="461665"/>
           </a:xfrm>
           <a:prstGeom prst="rect">
             <a:avLst/>
@@ -11752,8 +11869,12 @@
           </a:bodyPr>
           <a:lstStyle/>
           <a:p>
-            <a:r>
-              <a:rPr lang="pt-BR" dirty="0"/>
+            <a:pPr marL="457200" indent="-457200">
+              <a:buFont typeface="Arial" panose="020B0604020202020204" pitchFamily="34" charset="0"/>
+              <a:buChar char="•"/>
+            </a:pPr>
+            <a:r>
+              <a:rPr lang="pt-BR" sz="2400" dirty="0"/>
               <a:t>Tudo que você planta é colhido</a:t>
             </a:r>
           </a:p>
@@ -11773,8 +11894,8 @@
         </p:nvSpPr>
         <p:spPr>
           <a:xfrm>
-            <a:off x="4624754" y="4275258"/>
-            <a:ext cx="3156438" cy="369332"/>
+            <a:off x="4624754" y="4501415"/>
+            <a:ext cx="4448908" cy="461665"/>
           </a:xfrm>
           <a:prstGeom prst="rect">
             <a:avLst/>
@@ -11787,8 +11908,12 @@
           </a:bodyPr>
           <a:lstStyle/>
           <a:p>
-            <a:r>
-              <a:rPr lang="pt-BR" dirty="0"/>
+            <a:pPr marL="457200" indent="-457200">
+              <a:buFont typeface="Arial" panose="020B0604020202020204" pitchFamily="34" charset="0"/>
+              <a:buChar char="•"/>
+            </a:pPr>
+            <a:r>
+              <a:rPr lang="pt-BR" sz="2400" dirty="0"/>
               <a:t>Custos</a:t>
             </a:r>
           </a:p>
@@ -11808,8 +11933,8 @@
         </p:nvSpPr>
         <p:spPr>
           <a:xfrm>
-            <a:off x="4624754" y="4717072"/>
-            <a:ext cx="3156438" cy="369332"/>
+            <a:off x="4624754" y="5209877"/>
+            <a:ext cx="4448908" cy="461665"/>
           </a:xfrm>
           <a:prstGeom prst="rect">
             <a:avLst/>
@@ -11822,8 +11947,12 @@
           </a:bodyPr>
           <a:lstStyle/>
           <a:p>
-            <a:r>
-              <a:rPr lang="pt-BR" dirty="0"/>
+            <a:pPr marL="457200" indent="-457200">
+              <a:buFont typeface="Arial" panose="020B0604020202020204" pitchFamily="34" charset="0"/>
+              <a:buChar char="•"/>
+            </a:pPr>
+            <a:r>
+              <a:rPr lang="pt-BR" sz="2400" dirty="0"/>
               <a:t>Punição</a:t>
             </a:r>
           </a:p>
@@ -12373,7 +12502,7 @@
         </p:nvSpPr>
         <p:spPr>
           <a:xfrm>
-            <a:off x="5221249" y="573911"/>
+            <a:off x="5206993" y="616114"/>
             <a:ext cx="6507579" cy="1011853"/>
           </a:xfrm>
         </p:spPr>
@@ -12436,7 +12565,7 @@
         </p:nvSpPr>
         <p:spPr>
           <a:xfrm>
-            <a:off x="5221249" y="1502688"/>
+            <a:off x="5206992" y="1565328"/>
             <a:ext cx="6507579" cy="5355312"/>
           </a:xfrm>
           <a:prstGeom prst="rect">
@@ -12888,7 +13017,7 @@
         </p:nvSpPr>
         <p:spPr>
           <a:xfrm>
-            <a:off x="200025" y="2618268"/>
+            <a:off x="228161" y="2876047"/>
             <a:ext cx="7336920" cy="1921329"/>
           </a:xfrm>
         </p:spPr>

--- a/Apresentação/Limpeza e Organização_sugestao.pptx
+++ b/Apresentação/Limpeza e Organização_sugestao.pptx
@@ -5,7 +5,7 @@
     <p:sldMasterId id="2147483648" r:id="rId1"/>
   </p:sldMasterIdLst>
   <p:notesMasterIdLst>
-    <p:notesMasterId r:id="rId20"/>
+    <p:notesMasterId r:id="rId22"/>
   </p:notesMasterIdLst>
   <p:sldIdLst>
     <p:sldId id="256" r:id="rId2"/>
@@ -17,15 +17,17 @@
     <p:sldId id="301" r:id="rId8"/>
     <p:sldId id="284" r:id="rId9"/>
     <p:sldId id="285" r:id="rId10"/>
-    <p:sldId id="257" r:id="rId11"/>
-    <p:sldId id="303" r:id="rId12"/>
-    <p:sldId id="304" r:id="rId13"/>
-    <p:sldId id="305" r:id="rId14"/>
-    <p:sldId id="306" r:id="rId15"/>
-    <p:sldId id="307" r:id="rId16"/>
-    <p:sldId id="259" r:id="rId17"/>
-    <p:sldId id="279" r:id="rId18"/>
-    <p:sldId id="272" r:id="rId19"/>
+    <p:sldId id="310" r:id="rId11"/>
+    <p:sldId id="257" r:id="rId12"/>
+    <p:sldId id="303" r:id="rId13"/>
+    <p:sldId id="304" r:id="rId14"/>
+    <p:sldId id="305" r:id="rId15"/>
+    <p:sldId id="306" r:id="rId16"/>
+    <p:sldId id="307" r:id="rId17"/>
+    <p:sldId id="308" r:id="rId18"/>
+    <p:sldId id="259" r:id="rId19"/>
+    <p:sldId id="279" r:id="rId20"/>
+    <p:sldId id="272" r:id="rId21"/>
   </p:sldIdLst>
   <p:sldSz cx="12192000" cy="6858000"/>
   <p:notesSz cx="6858000" cy="9144000"/>
@@ -247,7 +249,7 @@
           <a:p>
             <a:fld id="{44AFD816-C32E-46E5-B20E-7A8C6A611BF8}" type="datetimeFigureOut">
               <a:rPr lang="pt-BR" smtClean="0"/>
-              <a:t>24/05/2020</a:t>
+              <a:t>25/05/2020</a:t>
             </a:fld>
             <a:endParaRPr lang="pt-BR"/>
           </a:p>
@@ -661,7 +663,7 @@
           <a:p>
             <a:fld id="{1EA69406-B18C-4324-90DB-24E22BAE98B6}" type="datetimeFigureOut">
               <a:rPr lang="pt-BR" smtClean="0"/>
-              <a:t>24/05/2020</a:t>
+              <a:t>25/05/2020</a:t>
             </a:fld>
             <a:endParaRPr lang="pt-BR" dirty="0"/>
           </a:p>
@@ -859,7 +861,7 @@
           <a:p>
             <a:fld id="{1EA69406-B18C-4324-90DB-24E22BAE98B6}" type="datetimeFigureOut">
               <a:rPr lang="pt-BR" smtClean="0"/>
-              <a:t>24/05/2020</a:t>
+              <a:t>25/05/2020</a:t>
             </a:fld>
             <a:endParaRPr lang="pt-BR" dirty="0"/>
           </a:p>
@@ -1067,7 +1069,7 @@
           <a:p>
             <a:fld id="{1EA69406-B18C-4324-90DB-24E22BAE98B6}" type="datetimeFigureOut">
               <a:rPr lang="pt-BR" smtClean="0"/>
-              <a:t>24/05/2020</a:t>
+              <a:t>25/05/2020</a:t>
             </a:fld>
             <a:endParaRPr lang="pt-BR" dirty="0"/>
           </a:p>
@@ -1265,7 +1267,7 @@
           <a:p>
             <a:fld id="{1EA69406-B18C-4324-90DB-24E22BAE98B6}" type="datetimeFigureOut">
               <a:rPr lang="pt-BR" smtClean="0"/>
-              <a:t>24/05/2020</a:t>
+              <a:t>25/05/2020</a:t>
             </a:fld>
             <a:endParaRPr lang="pt-BR" dirty="0"/>
           </a:p>
@@ -1540,7 +1542,7 @@
           <a:p>
             <a:fld id="{1EA69406-B18C-4324-90DB-24E22BAE98B6}" type="datetimeFigureOut">
               <a:rPr lang="pt-BR" smtClean="0"/>
-              <a:t>24/05/2020</a:t>
+              <a:t>25/05/2020</a:t>
             </a:fld>
             <a:endParaRPr lang="pt-BR" dirty="0"/>
           </a:p>
@@ -1805,7 +1807,7 @@
           <a:p>
             <a:fld id="{1EA69406-B18C-4324-90DB-24E22BAE98B6}" type="datetimeFigureOut">
               <a:rPr lang="pt-BR" smtClean="0"/>
-              <a:t>24/05/2020</a:t>
+              <a:t>25/05/2020</a:t>
             </a:fld>
             <a:endParaRPr lang="pt-BR" dirty="0"/>
           </a:p>
@@ -2217,7 +2219,7 @@
           <a:p>
             <a:fld id="{1EA69406-B18C-4324-90DB-24E22BAE98B6}" type="datetimeFigureOut">
               <a:rPr lang="pt-BR" smtClean="0"/>
-              <a:t>24/05/2020</a:t>
+              <a:t>25/05/2020</a:t>
             </a:fld>
             <a:endParaRPr lang="pt-BR" dirty="0"/>
           </a:p>
@@ -2358,7 +2360,7 @@
           <a:p>
             <a:fld id="{1EA69406-B18C-4324-90DB-24E22BAE98B6}" type="datetimeFigureOut">
               <a:rPr lang="pt-BR" smtClean="0"/>
-              <a:t>24/05/2020</a:t>
+              <a:t>25/05/2020</a:t>
             </a:fld>
             <a:endParaRPr lang="pt-BR" dirty="0"/>
           </a:p>
@@ -2471,7 +2473,7 @@
           <a:p>
             <a:fld id="{1EA69406-B18C-4324-90DB-24E22BAE98B6}" type="datetimeFigureOut">
               <a:rPr lang="pt-BR" smtClean="0"/>
-              <a:t>24/05/2020</a:t>
+              <a:t>25/05/2020</a:t>
             </a:fld>
             <a:endParaRPr lang="pt-BR" dirty="0"/>
           </a:p>
@@ -2782,7 +2784,7 @@
           <a:p>
             <a:fld id="{1EA69406-B18C-4324-90DB-24E22BAE98B6}" type="datetimeFigureOut">
               <a:rPr lang="pt-BR" smtClean="0"/>
-              <a:t>24/05/2020</a:t>
+              <a:t>25/05/2020</a:t>
             </a:fld>
             <a:endParaRPr lang="pt-BR" dirty="0"/>
           </a:p>
@@ -3074,7 +3076,7 @@
           <a:p>
             <a:fld id="{1EA69406-B18C-4324-90DB-24E22BAE98B6}" type="datetimeFigureOut">
               <a:rPr lang="pt-BR" smtClean="0"/>
-              <a:t>24/05/2020</a:t>
+              <a:t>25/05/2020</a:t>
             </a:fld>
             <a:endParaRPr lang="pt-BR" dirty="0"/>
           </a:p>
@@ -3315,7 +3317,7 @@
           <a:p>
             <a:fld id="{1EA69406-B18C-4324-90DB-24E22BAE98B6}" type="datetimeFigureOut">
               <a:rPr lang="pt-BR" smtClean="0"/>
-              <a:t>24/05/2020</a:t>
+              <a:t>25/05/2020</a:t>
             </a:fld>
             <a:endParaRPr lang="pt-BR" dirty="0"/>
           </a:p>
@@ -3748,7 +3750,7 @@
                 <a16:creationId xmlns:a16="http://schemas.microsoft.com/office/drawing/2014/main" id="{362D44EE-C852-4460-B8B5-C4F2BC20510C}"/>
               </a:ext>
               <a:ext uri="{C183D7F6-B498-43B3-948B-1728B52AA6E4}">
-                <adec:decorative xmlns:adec="http://schemas.microsoft.com/office/drawing/2017/decorative" val="1"/>
+                <adec:decorative xmlns:adec="http://schemas.microsoft.com/office/drawing/2017/decorative" xmlns="" val="1"/>
               </a:ext>
             </a:extLst>
           </p:cNvPr>
@@ -3848,7 +3850,7 @@
                 <a16:creationId xmlns:a16="http://schemas.microsoft.com/office/drawing/2014/main" id="{658970D8-8D1D-4B5C-894B-E871CC86543D}"/>
               </a:ext>
               <a:ext uri="{C183D7F6-B498-43B3-948B-1728B52AA6E4}">
-                <adec:decorative xmlns:adec="http://schemas.microsoft.com/office/drawing/2017/decorative" val="1"/>
+                <adec:decorative xmlns:adec="http://schemas.microsoft.com/office/drawing/2017/decorative" xmlns="" val="1"/>
               </a:ext>
             </a:extLst>
           </p:cNvPr>
@@ -3968,7 +3970,7 @@
                 <a16:creationId xmlns:a16="http://schemas.microsoft.com/office/drawing/2014/main" id="{F227E5B6-9132-43CA-B503-37A18562ADF2}"/>
               </a:ext>
               <a:ext uri="{C183D7F6-B498-43B3-948B-1728B52AA6E4}">
-                <adec:decorative xmlns:adec="http://schemas.microsoft.com/office/drawing/2017/decorative" val="1"/>
+                <adec:decorative xmlns:adec="http://schemas.microsoft.com/office/drawing/2017/decorative" xmlns="" val="1"/>
               </a:ext>
             </a:extLst>
           </p:cNvPr>
@@ -4095,7 +4097,7 @@
                 <a16:creationId xmlns:a16="http://schemas.microsoft.com/office/drawing/2014/main" id="{03C2051E-A88D-48E5-BACF-AAED17892722}"/>
               </a:ext>
               <a:ext uri="{C183D7F6-B498-43B3-948B-1728B52AA6E4}">
-                <adec:decorative xmlns:adec="http://schemas.microsoft.com/office/drawing/2017/decorative" val="1"/>
+                <adec:decorative xmlns:adec="http://schemas.microsoft.com/office/drawing/2017/decorative" xmlns="" val="1"/>
               </a:ext>
             </a:extLst>
           </p:cNvPr>
@@ -4215,7 +4217,7 @@
                 <a16:creationId xmlns:a16="http://schemas.microsoft.com/office/drawing/2014/main" id="{7821A508-2985-4905-874A-527429BAABFA}"/>
               </a:ext>
               <a:ext uri="{C183D7F6-B498-43B3-948B-1728B52AA6E4}">
-                <adec:decorative xmlns:adec="http://schemas.microsoft.com/office/drawing/2017/decorative" val="1"/>
+                <adec:decorative xmlns:adec="http://schemas.microsoft.com/office/drawing/2017/decorative" xmlns="" val="1"/>
               </a:ext>
             </a:extLst>
           </p:cNvPr>
@@ -4340,7 +4342,7 @@
                 <a16:creationId xmlns:a16="http://schemas.microsoft.com/office/drawing/2014/main" id="{D2929CB1-0E3C-4B2D-ADC5-0154FB33BA44}"/>
               </a:ext>
               <a:ext uri="{C183D7F6-B498-43B3-948B-1728B52AA6E4}">
-                <adec:decorative xmlns:adec="http://schemas.microsoft.com/office/drawing/2017/decorative" val="1"/>
+                <adec:decorative xmlns:adec="http://schemas.microsoft.com/office/drawing/2017/decorative" xmlns="" val="1"/>
               </a:ext>
             </a:extLst>
           </p:cNvPr>
@@ -4690,7 +4692,7 @@
                 <a14:useLocalDpi xmlns:a14="http://schemas.microsoft.com/office/drawing/2010/main" val="0"/>
               </a:ext>
               <a:ext uri="{837473B0-CC2E-450A-ABE3-18F120FF3D39}">
-                <a1611:picAttrSrcUrl xmlns:a1611="http://schemas.microsoft.com/office/drawing/2016/11/main" r:id="rId3"/>
+                <a1611:picAttrSrcUrl xmlns:a1611="http://schemas.microsoft.com/office/drawing/2016/11/main" xmlns="" r:id="rId3"/>
               </a:ext>
             </a:extLst>
           </a:blip>
@@ -4747,7 +4749,7 @@
                 <a16:creationId xmlns:a16="http://schemas.microsoft.com/office/drawing/2014/main" id="{5F2F0C84-BE8C-4DC2-A6D3-30349A801D5C}"/>
               </a:ext>
               <a:ext uri="{C183D7F6-B498-43B3-948B-1728B52AA6E4}">
-                <adec:decorative xmlns:adec="http://schemas.microsoft.com/office/drawing/2017/decorative" val="1"/>
+                <adec:decorative xmlns:adec="http://schemas.microsoft.com/office/drawing/2017/decorative" xmlns="" val="1"/>
               </a:ext>
             </a:extLst>
           </p:cNvPr>
@@ -4905,6 +4907,333 @@
           <a:chExt cx="0" cy="0"/>
         </a:xfrm>
       </p:grpSpPr>
+      <p:sp>
+        <p:nvSpPr>
+          <p:cNvPr id="10" name="Rectangle 9">
+            <a:extLst>
+              <a:ext uri="{FF2B5EF4-FFF2-40B4-BE49-F238E27FC236}">
+                <a16:creationId xmlns:a16="http://schemas.microsoft.com/office/drawing/2014/main" id="{67009BBA-DC62-4808-B0A8-DC86986B7608}"/>
+              </a:ext>
+              <a:ext uri="{C183D7F6-B498-43B3-948B-1728B52AA6E4}">
+                <adec:decorative xmlns:adec="http://schemas.microsoft.com/office/drawing/2017/decorative" xmlns="" val="1"/>
+              </a:ext>
+            </a:extLst>
+          </p:cNvPr>
+          <p:cNvSpPr>
+            <a:spLocks noGrp="1" noRot="1" noChangeAspect="1" noMove="1" noResize="1" noEditPoints="1" noAdjustHandles="1" noChangeArrowheads="1" noChangeShapeType="1" noTextEdit="1"/>
+          </p:cNvSpPr>
+          <p:nvPr>
+            <p:extLst>
+              <p:ext uri="{386F3935-93C4-4BCD-93E2-E3B085C9AB24}">
+                <p16:designElem xmlns:p16="http://schemas.microsoft.com/office/powerpoint/2015/main" val="1"/>
+              </p:ext>
+            </p:extLst>
+          </p:nvPr>
+        </p:nvSpPr>
+        <p:spPr>
+          <a:xfrm>
+            <a:off x="0" y="0"/>
+            <a:ext cx="12192000" cy="6858000"/>
+          </a:xfrm>
+          <a:prstGeom prst="rect">
+            <a:avLst/>
+          </a:prstGeom>
+          <a:solidFill>
+            <a:schemeClr val="accent2"/>
+          </a:solidFill>
+          <a:ln>
+            <a:noFill/>
+          </a:ln>
+        </p:spPr>
+        <p:style>
+          <a:lnRef idx="2">
+            <a:schemeClr val="accent1">
+              <a:shade val="50000"/>
+            </a:schemeClr>
+          </a:lnRef>
+          <a:fillRef idx="1">
+            <a:schemeClr val="accent1"/>
+          </a:fillRef>
+          <a:effectRef idx="0">
+            <a:schemeClr val="accent1"/>
+          </a:effectRef>
+          <a:fontRef idx="minor">
+            <a:schemeClr val="lt1"/>
+          </a:fontRef>
+        </p:style>
+        <p:txBody>
+          <a:bodyPr rtlCol="0" anchor="ctr"/>
+          <a:lstStyle/>
+          <a:p>
+            <a:pPr algn="ctr"/>
+            <a:endParaRPr lang="en-US">
+              <a:solidFill>
+                <a:schemeClr val="bg1"/>
+              </a:solidFill>
+            </a:endParaRPr>
+          </a:p>
+        </p:txBody>
+      </p:sp>
+      <p:sp>
+        <p:nvSpPr>
+          <p:cNvPr id="12" name="Arc 11">
+            <a:extLst>
+              <a:ext uri="{FF2B5EF4-FFF2-40B4-BE49-F238E27FC236}">
+                <a16:creationId xmlns:a16="http://schemas.microsoft.com/office/drawing/2014/main" id="{3F9BDB9F-8714-4605-B1BF-670E94960019}"/>
+              </a:ext>
+              <a:ext uri="{C183D7F6-B498-43B3-948B-1728B52AA6E4}">
+                <adec:decorative xmlns:adec="http://schemas.microsoft.com/office/drawing/2017/decorative" xmlns="" val="1"/>
+              </a:ext>
+            </a:extLst>
+          </p:cNvPr>
+          <p:cNvSpPr>
+            <a:spLocks noGrp="1" noRot="1" noChangeAspect="1" noMove="1" noResize="1" noEditPoints="1" noAdjustHandles="1" noChangeArrowheads="1" noChangeShapeType="1" noTextEdit="1"/>
+          </p:cNvSpPr>
+          <p:nvPr>
+            <p:extLst>
+              <p:ext uri="{386F3935-93C4-4BCD-93E2-E3B085C9AB24}">
+                <p16:designElem xmlns:p16="http://schemas.microsoft.com/office/powerpoint/2015/main" val="1"/>
+              </p:ext>
+            </p:extLst>
+          </p:nvPr>
+        </p:nvSpPr>
+        <p:spPr>
+          <a:xfrm rot="1657504">
+            <a:off x="8488250" y="695616"/>
+            <a:ext cx="2987899" cy="2987899"/>
+          </a:xfrm>
+          <a:prstGeom prst="arc">
+            <a:avLst>
+              <a:gd name="adj1" fmla="val 16200000"/>
+              <a:gd name="adj2" fmla="val 2188646"/>
+            </a:avLst>
+          </a:prstGeom>
+          <a:ln w="127000" cap="rnd">
+            <a:solidFill>
+              <a:schemeClr val="accent4"/>
+            </a:solidFill>
+            <a:prstDash val="dash"/>
+          </a:ln>
+        </p:spPr>
+        <p:style>
+          <a:lnRef idx="1">
+            <a:schemeClr val="accent1"/>
+          </a:lnRef>
+          <a:fillRef idx="0">
+            <a:schemeClr val="accent1"/>
+          </a:fillRef>
+          <a:effectRef idx="0">
+            <a:schemeClr val="accent1"/>
+          </a:effectRef>
+          <a:fontRef idx="minor">
+            <a:schemeClr val="tx1"/>
+          </a:fontRef>
+        </p:style>
+        <p:txBody>
+          <a:bodyPr rtlCol="0" anchor="ctr"/>
+          <a:lstStyle/>
+          <a:p>
+            <a:pPr marL="0" marR="0" lvl="0" indent="0" algn="ctr" defTabSz="914400" rtl="0" eaLnBrk="1" fontAlgn="auto" latinLnBrk="0" hangingPunct="1">
+              <a:lnSpc>
+                <a:spcPct val="100000"/>
+              </a:lnSpc>
+              <a:spcBef>
+                <a:spcPts val="0"/>
+              </a:spcBef>
+              <a:spcAft>
+                <a:spcPts val="0"/>
+              </a:spcAft>
+              <a:buClrTx/>
+              <a:buSzTx/>
+              <a:buFontTx/>
+              <a:buNone/>
+              <a:tabLst/>
+              <a:defRPr/>
+            </a:pPr>
+            <a:endParaRPr kumimoji="0" lang="en-US" sz="1800" b="0" i="0" u="none" strike="noStrike" kern="1200" cap="none" spc="0" normalizeH="0" baseline="0" noProof="0">
+              <a:ln>
+                <a:noFill/>
+              </a:ln>
+              <a:solidFill>
+                <a:srgbClr val="000000"/>
+              </a:solidFill>
+              <a:effectLst/>
+              <a:uLnTx/>
+              <a:uFillTx/>
+              <a:latin typeface="Calibri" panose="020F0502020204030204"/>
+              <a:ea typeface="+mn-ea"/>
+              <a:cs typeface="+mn-cs"/>
+            </a:endParaRPr>
+          </a:p>
+        </p:txBody>
+      </p:sp>
+      <p:sp>
+        <p:nvSpPr>
+          <p:cNvPr id="14" name="Oval 13">
+            <a:extLst>
+              <a:ext uri="{FF2B5EF4-FFF2-40B4-BE49-F238E27FC236}">
+                <a16:creationId xmlns:a16="http://schemas.microsoft.com/office/drawing/2014/main" id="{CB339924-0C86-4476-A81F-37DCF289E1AB}"/>
+              </a:ext>
+              <a:ext uri="{C183D7F6-B498-43B3-948B-1728B52AA6E4}">
+                <adec:decorative xmlns:adec="http://schemas.microsoft.com/office/drawing/2017/decorative" xmlns="" val="1"/>
+              </a:ext>
+            </a:extLst>
+          </p:cNvPr>
+          <p:cNvSpPr>
+            <a:spLocks noGrp="1" noRot="1" noChangeAspect="1" noMove="1" noResize="1" noEditPoints="1" noAdjustHandles="1" noChangeArrowheads="1" noChangeShapeType="1" noTextEdit="1"/>
+          </p:cNvSpPr>
+          <p:nvPr>
+            <p:extLst>
+              <p:ext uri="{386F3935-93C4-4BCD-93E2-E3B085C9AB24}">
+                <p16:designElem xmlns:p16="http://schemas.microsoft.com/office/powerpoint/2015/main" val="1"/>
+              </p:ext>
+            </p:extLst>
+          </p:nvPr>
+        </p:nvSpPr>
+        <p:spPr>
+          <a:xfrm>
+            <a:off x="4637267" y="4948670"/>
+            <a:ext cx="846442" cy="823480"/>
+          </a:xfrm>
+          <a:prstGeom prst="ellipse">
+            <a:avLst/>
+          </a:prstGeom>
+          <a:solidFill>
+            <a:schemeClr val="accent4"/>
+          </a:solidFill>
+          <a:ln>
+            <a:noFill/>
+          </a:ln>
+        </p:spPr>
+        <p:style>
+          <a:lnRef idx="2">
+            <a:schemeClr val="accent1">
+              <a:shade val="50000"/>
+            </a:schemeClr>
+          </a:lnRef>
+          <a:fillRef idx="1">
+            <a:schemeClr val="accent1"/>
+          </a:fillRef>
+          <a:effectRef idx="0">
+            <a:schemeClr val="accent1"/>
+          </a:effectRef>
+          <a:fontRef idx="minor">
+            <a:schemeClr val="lt1"/>
+          </a:fontRef>
+        </p:style>
+        <p:txBody>
+          <a:bodyPr rtlCol="0" anchor="ctr"/>
+          <a:lstStyle/>
+          <a:p>
+            <a:pPr marL="0" marR="0" lvl="0" indent="0" algn="ctr" defTabSz="914400" rtl="0" eaLnBrk="1" fontAlgn="auto" latinLnBrk="0" hangingPunct="1">
+              <a:lnSpc>
+                <a:spcPct val="100000"/>
+              </a:lnSpc>
+              <a:spcBef>
+                <a:spcPts val="0"/>
+              </a:spcBef>
+              <a:spcAft>
+                <a:spcPts val="0"/>
+              </a:spcAft>
+              <a:buClrTx/>
+              <a:buSzTx/>
+              <a:buFontTx/>
+              <a:buNone/>
+              <a:tabLst/>
+              <a:defRPr/>
+            </a:pPr>
+            <a:endParaRPr kumimoji="0" lang="en-US" sz="1800" b="0" i="0" u="none" strike="noStrike" kern="1200" cap="none" spc="0" normalizeH="0" baseline="0" noProof="0">
+              <a:ln>
+                <a:noFill/>
+              </a:ln>
+              <a:solidFill>
+                <a:srgbClr val="FFFFFF"/>
+              </a:solidFill>
+              <a:effectLst/>
+              <a:uLnTx/>
+              <a:uFillTx/>
+              <a:latin typeface="Calibri" panose="020F0502020204030204"/>
+              <a:ea typeface="+mn-ea"/>
+              <a:cs typeface="+mn-cs"/>
+            </a:endParaRPr>
+          </a:p>
+        </p:txBody>
+      </p:sp>
+      <p:pic>
+        <p:nvPicPr>
+          <p:cNvPr id="7" name="Imagem 6"/>
+          <p:cNvPicPr>
+            <a:picLocks noChangeAspect="1"/>
+          </p:cNvPicPr>
+          <p:nvPr/>
+        </p:nvPicPr>
+        <p:blipFill>
+          <a:blip r:embed="rId2" cstate="print">
+            <a:extLst>
+              <a:ext uri="{28A0092B-C50C-407E-A947-70E740481C1C}">
+                <a14:useLocalDpi xmlns:a14="http://schemas.microsoft.com/office/drawing/2010/main" val="0"/>
+              </a:ext>
+            </a:extLst>
+          </a:blip>
+          <a:stretch>
+            <a:fillRect/>
+          </a:stretch>
+        </p:blipFill>
+        <p:spPr>
+          <a:xfrm>
+            <a:off x="1367143" y="273966"/>
+            <a:ext cx="9457714" cy="6310068"/>
+          </a:xfrm>
+          <a:prstGeom prst="rect">
+            <a:avLst/>
+          </a:prstGeom>
+        </p:spPr>
+      </p:pic>
+    </p:spTree>
+    <p:extLst>
+      <p:ext uri="{BB962C8B-B14F-4D97-AF65-F5344CB8AC3E}">
+        <p14:creationId xmlns:p14="http://schemas.microsoft.com/office/powerpoint/2010/main" val="3713571329"/>
+      </p:ext>
+    </p:extLst>
+  </p:cSld>
+  <p:clrMapOvr>
+    <a:masterClrMapping/>
+  </p:clrMapOvr>
+  <p:timing>
+    <p:tnLst>
+      <p:par>
+        <p:cTn id="1" dur="indefinite" restart="never" nodeType="tmRoot"/>
+      </p:par>
+    </p:tnLst>
+  </p:timing>
+</p:sld>
+</file>
+
+<file path=ppt/slides/slide11.xml><?xml version="1.0" encoding="utf-8"?>
+<p:sld xmlns:a="http://schemas.openxmlformats.org/drawingml/2006/main" xmlns:r="http://schemas.openxmlformats.org/officeDocument/2006/relationships" xmlns:p="http://schemas.openxmlformats.org/presentationml/2006/main">
+  <p:cSld>
+    <p:bg>
+      <p:bgPr>
+        <a:solidFill>
+          <a:schemeClr val="bg1"/>
+        </a:solidFill>
+        <a:effectLst/>
+      </p:bgPr>
+    </p:bg>
+    <p:spTree>
+      <p:nvGrpSpPr>
+        <p:cNvPr id="1" name=""/>
+        <p:cNvGrpSpPr/>
+        <p:nvPr/>
+      </p:nvGrpSpPr>
+      <p:grpSpPr>
+        <a:xfrm>
+          <a:off x="0" y="0"/>
+          <a:ext cx="0" cy="0"/>
+          <a:chOff x="0" y="0"/>
+          <a:chExt cx="0" cy="0"/>
+        </a:xfrm>
+      </p:grpSpPr>
       <p:sp useBgFill="1">
         <p:nvSpPr>
           <p:cNvPr id="25" name="Rectangle 24">
@@ -4913,7 +5242,7 @@
                 <a16:creationId xmlns:a16="http://schemas.microsoft.com/office/drawing/2014/main" id="{59EF30C2-29AC-4A0D-BC0A-A679CF113EDD}"/>
               </a:ext>
               <a:ext uri="{C183D7F6-B498-43B3-948B-1728B52AA6E4}">
-                <adec:decorative xmlns:adec="http://schemas.microsoft.com/office/drawing/2017/decorative" val="1"/>
+                <adec:decorative xmlns:adec="http://schemas.microsoft.com/office/drawing/2017/decorative" xmlns="" val="1"/>
               </a:ext>
             </a:extLst>
           </p:cNvPr>
@@ -4973,7 +5302,7 @@
                 <a16:creationId xmlns:a16="http://schemas.microsoft.com/office/drawing/2014/main" id="{9C682A1A-5B2D-4111-BBD6-620165633E5B}"/>
               </a:ext>
               <a:ext uri="{C183D7F6-B498-43B3-948B-1728B52AA6E4}">
-                <adec:decorative xmlns:adec="http://schemas.microsoft.com/office/drawing/2017/decorative" val="1"/>
+                <adec:decorative xmlns:adec="http://schemas.microsoft.com/office/drawing/2017/decorative" xmlns="" val="1"/>
               </a:ext>
             </a:extLst>
           </p:cNvPr>
@@ -5235,7 +5564,7 @@
                 <a16:creationId xmlns:a16="http://schemas.microsoft.com/office/drawing/2014/main" id="{266A0658-1CC4-4B0D-AAB7-A702286AFB03}"/>
               </a:ext>
               <a:ext uri="{C183D7F6-B498-43B3-948B-1728B52AA6E4}">
-                <adec:decorative xmlns:adec="http://schemas.microsoft.com/office/drawing/2017/decorative" val="1"/>
+                <adec:decorative xmlns:adec="http://schemas.microsoft.com/office/drawing/2017/decorative" xmlns="" val="1"/>
               </a:ext>
             </a:extLst>
           </p:cNvPr>
@@ -5288,7 +5617,7 @@
                 <a16:creationId xmlns:a16="http://schemas.microsoft.com/office/drawing/2014/main" id="{A04F1504-431A-4D86-9091-AE7E4B33376B}"/>
               </a:ext>
               <a:ext uri="{C183D7F6-B498-43B3-948B-1728B52AA6E4}">
-                <adec:decorative xmlns:adec="http://schemas.microsoft.com/office/drawing/2017/decorative" val="1"/>
+                <adec:decorative xmlns:adec="http://schemas.microsoft.com/office/drawing/2017/decorative" xmlns="" val="1"/>
               </a:ext>
             </a:extLst>
           </p:cNvPr>
@@ -5415,7 +5744,7 @@
                 <a16:creationId xmlns:a16="http://schemas.microsoft.com/office/drawing/2014/main" id="{EA804283-B929-4503-802F-4585376E2B42}"/>
               </a:ext>
               <a:ext uri="{C183D7F6-B498-43B3-948B-1728B52AA6E4}">
-                <adec:decorative xmlns:adec="http://schemas.microsoft.com/office/drawing/2017/decorative" val="1"/>
+                <adec:decorative xmlns:adec="http://schemas.microsoft.com/office/drawing/2017/decorative" xmlns="" val="1"/>
               </a:ext>
             </a:extLst>
           </p:cNvPr>
@@ -5535,7 +5864,7 @@
                 <a16:creationId xmlns:a16="http://schemas.microsoft.com/office/drawing/2014/main" id="{AD3811F5-514E-49A4-B382-673ED228A4CC}"/>
               </a:ext>
               <a:ext uri="{C183D7F6-B498-43B3-948B-1728B52AA6E4}">
-                <adec:decorative xmlns:adec="http://schemas.microsoft.com/office/drawing/2017/decorative" val="1"/>
+                <adec:decorative xmlns:adec="http://schemas.microsoft.com/office/drawing/2017/decorative" xmlns="" val="1"/>
               </a:ext>
             </a:extLst>
           </p:cNvPr>
@@ -5627,7 +5956,7 @@
                 <a16:creationId xmlns:a16="http://schemas.microsoft.com/office/drawing/2014/main" id="{067AD921-1CEE-4C1B-9AA3-C66D908DDD14}"/>
               </a:ext>
               <a:ext uri="{C183D7F6-B498-43B3-948B-1728B52AA6E4}">
-                <adec:decorative xmlns:adec="http://schemas.microsoft.com/office/drawing/2017/decorative" val="1"/>
+                <adec:decorative xmlns:adec="http://schemas.microsoft.com/office/drawing/2017/decorative" xmlns="" val="1"/>
               </a:ext>
             </a:extLst>
           </p:cNvPr>
@@ -5778,7 +6107,7 @@
                 <a16:creationId xmlns:a16="http://schemas.microsoft.com/office/drawing/2014/main" id="{C36A08F5-3B56-47C5-A371-9187BE56E1E5}"/>
               </a:ext>
               <a:ext uri="{C183D7F6-B498-43B3-948B-1728B52AA6E4}">
-                <adec:decorative xmlns:adec="http://schemas.microsoft.com/office/drawing/2017/decorative" val="1"/>
+                <adec:decorative xmlns:adec="http://schemas.microsoft.com/office/drawing/2017/decorative" xmlns="" val="1"/>
               </a:ext>
             </a:extLst>
           </p:cNvPr>
@@ -5841,10 +6170,17 @@
   <p:clrMapOvr>
     <a:masterClrMapping/>
   </p:clrMapOvr>
+  <p:timing>
+    <p:tnLst>
+      <p:par>
+        <p:cTn id="1" dur="indefinite" restart="never" nodeType="tmRoot"/>
+      </p:par>
+    </p:tnLst>
+  </p:timing>
 </p:sld>
 </file>
 
-<file path=ppt/slides/slide11.xml><?xml version="1.0" encoding="utf-8"?>
+<file path=ppt/slides/slide12.xml><?xml version="1.0" encoding="utf-8"?>
 <p:sld xmlns:a="http://schemas.openxmlformats.org/drawingml/2006/main" xmlns:r="http://schemas.openxmlformats.org/officeDocument/2006/relationships" xmlns:p="http://schemas.openxmlformats.org/presentationml/2006/main">
   <p:cSld>
     <p:bg>
@@ -5877,7 +6213,7 @@
                 <a16:creationId xmlns:a16="http://schemas.microsoft.com/office/drawing/2014/main" id="{67009BBA-DC62-4808-B0A8-DC86986B7608}"/>
               </a:ext>
               <a:ext uri="{C183D7F6-B498-43B3-948B-1728B52AA6E4}">
-                <adec:decorative xmlns:adec="http://schemas.microsoft.com/office/drawing/2017/decorative" val="1"/>
+                <adec:decorative xmlns:adec="http://schemas.microsoft.com/office/drawing/2017/decorative" xmlns="" val="1"/>
               </a:ext>
             </a:extLst>
           </p:cNvPr>
@@ -6013,7 +6349,7 @@
                 <a16:creationId xmlns:a16="http://schemas.microsoft.com/office/drawing/2014/main" id="{3F9BDB9F-8714-4605-B1BF-670E94960019}"/>
               </a:ext>
               <a:ext uri="{C183D7F6-B498-43B3-948B-1728B52AA6E4}">
-                <adec:decorative xmlns:adec="http://schemas.microsoft.com/office/drawing/2017/decorative" val="1"/>
+                <adec:decorative xmlns:adec="http://schemas.microsoft.com/office/drawing/2017/decorative" xmlns="" val="1"/>
               </a:ext>
             </a:extLst>
           </p:cNvPr>
@@ -6106,7 +6442,7 @@
                 <a16:creationId xmlns:a16="http://schemas.microsoft.com/office/drawing/2014/main" id="{CB339924-0C86-4476-A81F-37DCF289E1AB}"/>
               </a:ext>
               <a:ext uri="{C183D7F6-B498-43B3-948B-1728B52AA6E4}">
-                <adec:decorative xmlns:adec="http://schemas.microsoft.com/office/drawing/2017/decorative" val="1"/>
+                <adec:decorative xmlns:adec="http://schemas.microsoft.com/office/drawing/2017/decorative" xmlns="" val="1"/>
               </a:ext>
             </a:extLst>
           </p:cNvPr>
@@ -6239,14 +6575,14 @@
           <a:p>
             <a:pPr algn="ctr"/>
             <a:r>
-              <a:rPr lang="en-US" sz="3600" dirty="0" err="1">
+              <a:rPr lang="en-US" sz="3600" b="1" dirty="0" err="1">
                 <a:solidFill>
                   <a:schemeClr val="bg1"/>
                 </a:solidFill>
               </a:rPr>
               <a:t>Problema</a:t>
             </a:r>
-            <a:endParaRPr lang="en-US" sz="2800" dirty="0">
+            <a:endParaRPr lang="en-US" sz="2800" b="1" dirty="0">
               <a:solidFill>
                 <a:schemeClr val="bg1"/>
               </a:solidFill>
@@ -6396,14 +6732,14 @@
           <a:p>
             <a:pPr algn="ctr"/>
             <a:r>
-              <a:rPr lang="en-US" sz="3600" dirty="0" err="1">
+              <a:rPr lang="en-US" sz="3600" b="1" dirty="0" err="1">
                 <a:solidFill>
                   <a:schemeClr val="bg1"/>
                 </a:solidFill>
               </a:rPr>
               <a:t>Solução</a:t>
             </a:r>
-            <a:endParaRPr lang="en-US" sz="3600" dirty="0">
+            <a:endParaRPr lang="en-US" sz="3600" b="1" dirty="0">
               <a:solidFill>
                 <a:schemeClr val="bg1"/>
               </a:solidFill>
@@ -6544,10 +6880,17 @@
   <p:clrMapOvr>
     <a:masterClrMapping/>
   </p:clrMapOvr>
+  <p:timing>
+    <p:tnLst>
+      <p:par>
+        <p:cTn id="1" dur="indefinite" restart="never" nodeType="tmRoot"/>
+      </p:par>
+    </p:tnLst>
+  </p:timing>
 </p:sld>
 </file>
 
-<file path=ppt/slides/slide12.xml><?xml version="1.0" encoding="utf-8"?>
+<file path=ppt/slides/slide13.xml><?xml version="1.0" encoding="utf-8"?>
 <p:sld xmlns:a="http://schemas.openxmlformats.org/drawingml/2006/main" xmlns:r="http://schemas.openxmlformats.org/officeDocument/2006/relationships" xmlns:p="http://schemas.openxmlformats.org/presentationml/2006/main">
   <p:cSld>
     <p:bg>
@@ -6580,7 +6923,7 @@
                 <a16:creationId xmlns:a16="http://schemas.microsoft.com/office/drawing/2014/main" id="{67009BBA-DC62-4808-B0A8-DC86986B7608}"/>
               </a:ext>
               <a:ext uri="{C183D7F6-B498-43B3-948B-1728B52AA6E4}">
-                <adec:decorative xmlns:adec="http://schemas.microsoft.com/office/drawing/2017/decorative" val="1"/>
+                <adec:decorative xmlns:adec="http://schemas.microsoft.com/office/drawing/2017/decorative" xmlns="" val="1"/>
               </a:ext>
             </a:extLst>
           </p:cNvPr>
@@ -6716,7 +7059,7 @@
                 <a16:creationId xmlns:a16="http://schemas.microsoft.com/office/drawing/2014/main" id="{3F9BDB9F-8714-4605-B1BF-670E94960019}"/>
               </a:ext>
               <a:ext uri="{C183D7F6-B498-43B3-948B-1728B52AA6E4}">
-                <adec:decorative xmlns:adec="http://schemas.microsoft.com/office/drawing/2017/decorative" val="1"/>
+                <adec:decorative xmlns:adec="http://schemas.microsoft.com/office/drawing/2017/decorative" xmlns="" val="1"/>
               </a:ext>
             </a:extLst>
           </p:cNvPr>
@@ -6809,7 +7152,7 @@
                 <a16:creationId xmlns:a16="http://schemas.microsoft.com/office/drawing/2014/main" id="{CB339924-0C86-4476-A81F-37DCF289E1AB}"/>
               </a:ext>
               <a:ext uri="{C183D7F6-B498-43B3-948B-1728B52AA6E4}">
-                <adec:decorative xmlns:adec="http://schemas.microsoft.com/office/drawing/2017/decorative" val="1"/>
+                <adec:decorative xmlns:adec="http://schemas.microsoft.com/office/drawing/2017/decorative" xmlns="" val="1"/>
               </a:ext>
             </a:extLst>
           </p:cNvPr>
@@ -6982,14 +7325,14 @@
           <a:p>
             <a:pPr algn="ctr"/>
             <a:r>
-              <a:rPr lang="en-US" sz="3600" dirty="0" err="1">
+              <a:rPr lang="en-US" sz="3600" b="1" dirty="0" err="1">
                 <a:solidFill>
                   <a:srgbClr val="FFFFFF"/>
                 </a:solidFill>
               </a:rPr>
               <a:t>Problema</a:t>
             </a:r>
-            <a:endParaRPr lang="en-US" sz="3200" dirty="0">
+            <a:endParaRPr lang="en-US" sz="3200" b="1" dirty="0">
               <a:solidFill>
                 <a:srgbClr val="FFFFFF"/>
               </a:solidFill>
@@ -7046,14 +7389,14 @@
           <a:p>
             <a:pPr algn="ctr"/>
             <a:r>
-              <a:rPr lang="en-US" sz="3600" dirty="0" err="1">
+              <a:rPr lang="en-US" sz="3600" b="1" dirty="0" err="1">
                 <a:solidFill>
                   <a:srgbClr val="FFFFFF"/>
                 </a:solidFill>
               </a:rPr>
               <a:t>Solução</a:t>
             </a:r>
-            <a:endParaRPr lang="en-US" sz="3200" dirty="0">
+            <a:endParaRPr lang="en-US" sz="3200" b="1" dirty="0">
               <a:solidFill>
                 <a:srgbClr val="FFFFFF"/>
               </a:solidFill>
@@ -7323,1155 +7666,6 @@
     <p:extLst>
       <p:ext uri="{BB962C8B-B14F-4D97-AF65-F5344CB8AC3E}">
         <p14:creationId xmlns:p14="http://schemas.microsoft.com/office/powerpoint/2010/main" val="1609395887"/>
-      </p:ext>
-    </p:extLst>
-  </p:cSld>
-  <p:clrMapOvr>
-    <a:masterClrMapping/>
-  </p:clrMapOvr>
-  <p:timing>
-    <p:tnLst>
-      <p:par>
-        <p:cTn id="1" dur="indefinite" restart="never" nodeType="tmRoot">
-          <p:childTnLst>
-            <p:seq concurrent="1" nextAc="seek">
-              <p:cTn id="2" dur="indefinite" nodeType="mainSeq">
-                <p:childTnLst>
-                  <p:par>
-                    <p:cTn id="3" fill="hold">
-                      <p:stCondLst>
-                        <p:cond delay="indefinite"/>
-                      </p:stCondLst>
-                      <p:childTnLst>
-                        <p:par>
-                          <p:cTn id="4" fill="hold">
-                            <p:stCondLst>
-                              <p:cond delay="0"/>
-                            </p:stCondLst>
-                            <p:childTnLst>
-                              <p:par>
-                                <p:cTn id="5" presetID="1" presetClass="entr" presetSubtype="0" fill="hold" grpId="0" nodeType="clickEffect">
-                                  <p:stCondLst>
-                                    <p:cond delay="0"/>
-                                  </p:stCondLst>
-                                  <p:childTnLst>
-                                    <p:set>
-                                      <p:cBhvr>
-                                        <p:cTn id="6" dur="1" fill="hold">
-                                          <p:stCondLst>
-                                            <p:cond delay="0"/>
-                                          </p:stCondLst>
-                                        </p:cTn>
-                                        <p:tgtEl>
-                                          <p:spTgt spid="17"/>
-                                        </p:tgtEl>
-                                        <p:attrNameLst>
-                                          <p:attrName>style.visibility</p:attrName>
-                                        </p:attrNameLst>
-                                      </p:cBhvr>
-                                      <p:to>
-                                        <p:strVal val="visible"/>
-                                      </p:to>
-                                    </p:set>
-                                  </p:childTnLst>
-                                </p:cTn>
-                              </p:par>
-                              <p:par>
-                                <p:cTn id="7" presetID="1" presetClass="entr" presetSubtype="0" fill="hold" grpId="0" nodeType="withEffect">
-                                  <p:stCondLst>
-                                    <p:cond delay="0"/>
-                                  </p:stCondLst>
-                                  <p:childTnLst>
-                                    <p:set>
-                                      <p:cBhvr>
-                                        <p:cTn id="8" dur="1" fill="hold">
-                                          <p:stCondLst>
-                                            <p:cond delay="0"/>
-                                          </p:stCondLst>
-                                        </p:cTn>
-                                        <p:tgtEl>
-                                          <p:spTgt spid="19"/>
-                                        </p:tgtEl>
-                                        <p:attrNameLst>
-                                          <p:attrName>style.visibility</p:attrName>
-                                        </p:attrNameLst>
-                                      </p:cBhvr>
-                                      <p:to>
-                                        <p:strVal val="visible"/>
-                                      </p:to>
-                                    </p:set>
-                                  </p:childTnLst>
-                                </p:cTn>
-                              </p:par>
-                            </p:childTnLst>
-                          </p:cTn>
-                        </p:par>
-                      </p:childTnLst>
-                    </p:cTn>
-                  </p:par>
-                  <p:par>
-                    <p:cTn id="9" fill="hold">
-                      <p:stCondLst>
-                        <p:cond delay="indefinite"/>
-                      </p:stCondLst>
-                      <p:childTnLst>
-                        <p:par>
-                          <p:cTn id="10" fill="hold">
-                            <p:stCondLst>
-                              <p:cond delay="0"/>
-                            </p:stCondLst>
-                            <p:childTnLst>
-                              <p:par>
-                                <p:cTn id="11" presetID="1" presetClass="entr" presetSubtype="0" fill="hold" grpId="0" nodeType="clickEffect">
-                                  <p:stCondLst>
-                                    <p:cond delay="0"/>
-                                  </p:stCondLst>
-                                  <p:childTnLst>
-                                    <p:set>
-                                      <p:cBhvr>
-                                        <p:cTn id="12" dur="1" fill="hold">
-                                          <p:stCondLst>
-                                            <p:cond delay="0"/>
-                                          </p:stCondLst>
-                                        </p:cTn>
-                                        <p:tgtEl>
-                                          <p:spTgt spid="20"/>
-                                        </p:tgtEl>
-                                        <p:attrNameLst>
-                                          <p:attrName>style.visibility</p:attrName>
-                                        </p:attrNameLst>
-                                      </p:cBhvr>
-                                      <p:to>
-                                        <p:strVal val="visible"/>
-                                      </p:to>
-                                    </p:set>
-                                  </p:childTnLst>
-                                </p:cTn>
-                              </p:par>
-                            </p:childTnLst>
-                          </p:cTn>
-                        </p:par>
-                      </p:childTnLst>
-                    </p:cTn>
-                  </p:par>
-                  <p:par>
-                    <p:cTn id="13" fill="hold">
-                      <p:stCondLst>
-                        <p:cond delay="indefinite"/>
-                      </p:stCondLst>
-                      <p:childTnLst>
-                        <p:par>
-                          <p:cTn id="14" fill="hold">
-                            <p:stCondLst>
-                              <p:cond delay="0"/>
-                            </p:stCondLst>
-                            <p:childTnLst>
-                              <p:par>
-                                <p:cTn id="15" presetID="1" presetClass="entr" presetSubtype="0" fill="hold" grpId="0" nodeType="clickEffect">
-                                  <p:stCondLst>
-                                    <p:cond delay="0"/>
-                                  </p:stCondLst>
-                                  <p:childTnLst>
-                                    <p:set>
-                                      <p:cBhvr>
-                                        <p:cTn id="16" dur="1" fill="hold">
-                                          <p:stCondLst>
-                                            <p:cond delay="0"/>
-                                          </p:stCondLst>
-                                        </p:cTn>
-                                        <p:tgtEl>
-                                          <p:spTgt spid="21"/>
-                                        </p:tgtEl>
-                                        <p:attrNameLst>
-                                          <p:attrName>style.visibility</p:attrName>
-                                        </p:attrNameLst>
-                                      </p:cBhvr>
-                                      <p:to>
-                                        <p:strVal val="visible"/>
-                                      </p:to>
-                                    </p:set>
-                                  </p:childTnLst>
-                                </p:cTn>
-                              </p:par>
-                            </p:childTnLst>
-                          </p:cTn>
-                        </p:par>
-                      </p:childTnLst>
-                    </p:cTn>
-                  </p:par>
-                  <p:par>
-                    <p:cTn id="17" fill="hold">
-                      <p:stCondLst>
-                        <p:cond delay="indefinite"/>
-                      </p:stCondLst>
-                      <p:childTnLst>
-                        <p:par>
-                          <p:cTn id="18" fill="hold">
-                            <p:stCondLst>
-                              <p:cond delay="0"/>
-                            </p:stCondLst>
-                            <p:childTnLst>
-                              <p:par>
-                                <p:cTn id="19" presetID="1" presetClass="entr" presetSubtype="0" fill="hold" grpId="0" nodeType="clickEffect">
-                                  <p:stCondLst>
-                                    <p:cond delay="0"/>
-                                  </p:stCondLst>
-                                  <p:childTnLst>
-                                    <p:set>
-                                      <p:cBhvr>
-                                        <p:cTn id="20" dur="1" fill="hold">
-                                          <p:stCondLst>
-                                            <p:cond delay="0"/>
-                                          </p:stCondLst>
-                                        </p:cTn>
-                                        <p:tgtEl>
-                                          <p:spTgt spid="18"/>
-                                        </p:tgtEl>
-                                        <p:attrNameLst>
-                                          <p:attrName>style.visibility</p:attrName>
-                                        </p:attrNameLst>
-                                      </p:cBhvr>
-                                      <p:to>
-                                        <p:strVal val="visible"/>
-                                      </p:to>
-                                    </p:set>
-                                  </p:childTnLst>
-                                </p:cTn>
-                              </p:par>
-                              <p:par>
-                                <p:cTn id="21" presetID="1" presetClass="entr" presetSubtype="0" fill="hold" grpId="0" nodeType="withEffect">
-                                  <p:stCondLst>
-                                    <p:cond delay="0"/>
-                                  </p:stCondLst>
-                                  <p:childTnLst>
-                                    <p:set>
-                                      <p:cBhvr>
-                                        <p:cTn id="22" dur="1" fill="hold">
-                                          <p:stCondLst>
-                                            <p:cond delay="0"/>
-                                          </p:stCondLst>
-                                        </p:cTn>
-                                        <p:tgtEl>
-                                          <p:spTgt spid="23"/>
-                                        </p:tgtEl>
-                                        <p:attrNameLst>
-                                          <p:attrName>style.visibility</p:attrName>
-                                        </p:attrNameLst>
-                                      </p:cBhvr>
-                                      <p:to>
-                                        <p:strVal val="visible"/>
-                                      </p:to>
-                                    </p:set>
-                                  </p:childTnLst>
-                                </p:cTn>
-                              </p:par>
-                            </p:childTnLst>
-                          </p:cTn>
-                        </p:par>
-                      </p:childTnLst>
-                    </p:cTn>
-                  </p:par>
-                  <p:par>
-                    <p:cTn id="23" fill="hold">
-                      <p:stCondLst>
-                        <p:cond delay="indefinite"/>
-                      </p:stCondLst>
-                      <p:childTnLst>
-                        <p:par>
-                          <p:cTn id="24" fill="hold">
-                            <p:stCondLst>
-                              <p:cond delay="0"/>
-                            </p:stCondLst>
-                            <p:childTnLst>
-                              <p:par>
-                                <p:cTn id="25" presetID="1" presetClass="entr" presetSubtype="0" fill="hold" grpId="0" nodeType="clickEffect">
-                                  <p:stCondLst>
-                                    <p:cond delay="0"/>
-                                  </p:stCondLst>
-                                  <p:childTnLst>
-                                    <p:set>
-                                      <p:cBhvr>
-                                        <p:cTn id="26" dur="1" fill="hold">
-                                          <p:stCondLst>
-                                            <p:cond delay="0"/>
-                                          </p:stCondLst>
-                                        </p:cTn>
-                                        <p:tgtEl>
-                                          <p:spTgt spid="24"/>
-                                        </p:tgtEl>
-                                        <p:attrNameLst>
-                                          <p:attrName>style.visibility</p:attrName>
-                                        </p:attrNameLst>
-                                      </p:cBhvr>
-                                      <p:to>
-                                        <p:strVal val="visible"/>
-                                      </p:to>
-                                    </p:set>
-                                  </p:childTnLst>
-                                </p:cTn>
-                              </p:par>
-                            </p:childTnLst>
-                          </p:cTn>
-                        </p:par>
-                      </p:childTnLst>
-                    </p:cTn>
-                  </p:par>
-                  <p:par>
-                    <p:cTn id="27" fill="hold">
-                      <p:stCondLst>
-                        <p:cond delay="indefinite"/>
-                      </p:stCondLst>
-                      <p:childTnLst>
-                        <p:par>
-                          <p:cTn id="28" fill="hold">
-                            <p:stCondLst>
-                              <p:cond delay="0"/>
-                            </p:stCondLst>
-                            <p:childTnLst>
-                              <p:par>
-                                <p:cTn id="29" presetID="1" presetClass="entr" presetSubtype="0" fill="hold" grpId="0" nodeType="clickEffect">
-                                  <p:stCondLst>
-                                    <p:cond delay="0"/>
-                                  </p:stCondLst>
-                                  <p:childTnLst>
-                                    <p:set>
-                                      <p:cBhvr>
-                                        <p:cTn id="30" dur="1" fill="hold">
-                                          <p:stCondLst>
-                                            <p:cond delay="0"/>
-                                          </p:stCondLst>
-                                        </p:cTn>
-                                        <p:tgtEl>
-                                          <p:spTgt spid="22"/>
-                                        </p:tgtEl>
-                                        <p:attrNameLst>
-                                          <p:attrName>style.visibility</p:attrName>
-                                        </p:attrNameLst>
-                                      </p:cBhvr>
-                                      <p:to>
-                                        <p:strVal val="visible"/>
-                                      </p:to>
-                                    </p:set>
-                                  </p:childTnLst>
-                                </p:cTn>
-                              </p:par>
-                            </p:childTnLst>
-                          </p:cTn>
-                        </p:par>
-                      </p:childTnLst>
-                    </p:cTn>
-                  </p:par>
-                </p:childTnLst>
-              </p:cTn>
-              <p:prevCondLst>
-                <p:cond evt="onPrev" delay="0">
-                  <p:tgtEl>
-                    <p:sldTgt/>
-                  </p:tgtEl>
-                </p:cond>
-              </p:prevCondLst>
-              <p:nextCondLst>
-                <p:cond evt="onNext" delay="0">
-                  <p:tgtEl>
-                    <p:sldTgt/>
-                  </p:tgtEl>
-                </p:cond>
-              </p:nextCondLst>
-            </p:seq>
-          </p:childTnLst>
-        </p:cTn>
-      </p:par>
-    </p:tnLst>
-    <p:bldLst>
-      <p:bldP spid="17" grpId="0"/>
-      <p:bldP spid="18" grpId="0"/>
-      <p:bldP spid="19" grpId="0"/>
-      <p:bldP spid="20" grpId="0"/>
-      <p:bldP spid="21" grpId="0"/>
-      <p:bldP spid="22" grpId="0"/>
-      <p:bldP spid="23" grpId="0"/>
-      <p:bldP spid="24" grpId="0"/>
-    </p:bldLst>
-  </p:timing>
-</p:sld>
-</file>
-
-<file path=ppt/slides/slide13.xml><?xml version="1.0" encoding="utf-8"?>
-<p:sld xmlns:a="http://schemas.openxmlformats.org/drawingml/2006/main" xmlns:r="http://schemas.openxmlformats.org/officeDocument/2006/relationships" xmlns:p="http://schemas.openxmlformats.org/presentationml/2006/main">
-  <p:cSld>
-    <p:bg>
-      <p:bgPr>
-        <a:solidFill>
-          <a:schemeClr val="bg1"/>
-        </a:solidFill>
-        <a:effectLst/>
-      </p:bgPr>
-    </p:bg>
-    <p:spTree>
-      <p:nvGrpSpPr>
-        <p:cNvPr id="1" name=""/>
-        <p:cNvGrpSpPr/>
-        <p:nvPr/>
-      </p:nvGrpSpPr>
-      <p:grpSpPr>
-        <a:xfrm>
-          <a:off x="0" y="0"/>
-          <a:ext cx="0" cy="0"/>
-          <a:chOff x="0" y="0"/>
-          <a:chExt cx="0" cy="0"/>
-        </a:xfrm>
-      </p:grpSpPr>
-      <p:sp>
-        <p:nvSpPr>
-          <p:cNvPr id="10" name="Rectangle 9">
-            <a:extLst>
-              <a:ext uri="{FF2B5EF4-FFF2-40B4-BE49-F238E27FC236}">
-                <a16:creationId xmlns:a16="http://schemas.microsoft.com/office/drawing/2014/main" id="{67009BBA-DC62-4808-B0A8-DC86986B7608}"/>
-              </a:ext>
-              <a:ext uri="{C183D7F6-B498-43B3-948B-1728B52AA6E4}">
-                <adec:decorative xmlns:adec="http://schemas.microsoft.com/office/drawing/2017/decorative" val="1"/>
-              </a:ext>
-            </a:extLst>
-          </p:cNvPr>
-          <p:cNvSpPr>
-            <a:spLocks noGrp="1" noRot="1" noChangeAspect="1" noMove="1" noResize="1" noEditPoints="1" noAdjustHandles="1" noChangeArrowheads="1" noChangeShapeType="1" noTextEdit="1"/>
-          </p:cNvSpPr>
-          <p:nvPr>
-            <p:extLst>
-              <p:ext uri="{386F3935-93C4-4BCD-93E2-E3B085C9AB24}">
-                <p16:designElem xmlns:p16="http://schemas.microsoft.com/office/powerpoint/2015/main" val="1"/>
-              </p:ext>
-            </p:extLst>
-          </p:nvPr>
-        </p:nvSpPr>
-        <p:spPr>
-          <a:xfrm>
-            <a:off x="0" y="0"/>
-            <a:ext cx="12192000" cy="6858000"/>
-          </a:xfrm>
-          <a:prstGeom prst="rect">
-            <a:avLst/>
-          </a:prstGeom>
-          <a:solidFill>
-            <a:schemeClr val="accent2"/>
-          </a:solidFill>
-          <a:ln>
-            <a:noFill/>
-          </a:ln>
-        </p:spPr>
-        <p:style>
-          <a:lnRef idx="2">
-            <a:schemeClr val="accent1">
-              <a:shade val="50000"/>
-            </a:schemeClr>
-          </a:lnRef>
-          <a:fillRef idx="1">
-            <a:schemeClr val="accent1"/>
-          </a:fillRef>
-          <a:effectRef idx="0">
-            <a:schemeClr val="accent1"/>
-          </a:effectRef>
-          <a:fontRef idx="minor">
-            <a:schemeClr val="lt1"/>
-          </a:fontRef>
-        </p:style>
-        <p:txBody>
-          <a:bodyPr rtlCol="0" anchor="ctr"/>
-          <a:lstStyle/>
-          <a:p>
-            <a:pPr algn="ctr"/>
-            <a:endParaRPr lang="en-US">
-              <a:solidFill>
-                <a:schemeClr val="bg1"/>
-              </a:solidFill>
-            </a:endParaRPr>
-          </a:p>
-        </p:txBody>
-      </p:sp>
-      <p:pic>
-        <p:nvPicPr>
-          <p:cNvPr id="5" name="Espaço Reservado para Conteúdo 4" descr="Uma imagem contendo lego&#10;&#10;Descrição gerada automaticamente">
-            <a:extLst>
-              <a:ext uri="{FF2B5EF4-FFF2-40B4-BE49-F238E27FC236}">
-                <a16:creationId xmlns:a16="http://schemas.microsoft.com/office/drawing/2014/main" id="{7C9CDD52-56D6-404C-8D83-86C396A6AF0E}"/>
-              </a:ext>
-            </a:extLst>
-          </p:cNvPr>
-          <p:cNvPicPr>
-            <a:picLocks noGrp="1" noChangeAspect="1"/>
-          </p:cNvPicPr>
-          <p:nvPr>
-            <p:ph idx="1"/>
-          </p:nvPr>
-        </p:nvPicPr>
-        <p:blipFill rotWithShape="1">
-          <a:blip r:embed="rId2">
-            <a:extLst>
-              <a:ext uri="{28A0092B-C50C-407E-A947-70E740481C1C}">
-                <a14:useLocalDpi xmlns:a14="http://schemas.microsoft.com/office/drawing/2010/main" val="0"/>
-              </a:ext>
-            </a:extLst>
-          </a:blip>
-          <a:srcRect r="-2" b="-2"/>
-          <a:stretch/>
-        </p:blipFill>
-        <p:spPr>
-          <a:xfrm>
-            <a:off x="9826416" y="4788081"/>
-            <a:ext cx="1896714" cy="1896714"/>
-          </a:xfrm>
-          <a:custGeom>
-            <a:avLst/>
-            <a:gdLst/>
-            <a:ahLst/>
-            <a:cxnLst/>
-            <a:rect l="l" t="t" r="r" b="b"/>
-            <a:pathLst>
-              <a:path w="2232338" h="2232338">
-                <a:moveTo>
-                  <a:pt x="1116169" y="0"/>
-                </a:moveTo>
-                <a:cubicBezTo>
-                  <a:pt x="1732612" y="0"/>
-                  <a:pt x="2232338" y="499726"/>
-                  <a:pt x="2232338" y="1116169"/>
-                </a:cubicBezTo>
-                <a:cubicBezTo>
-                  <a:pt x="2232338" y="1732612"/>
-                  <a:pt x="1732612" y="2232338"/>
-                  <a:pt x="1116169" y="2232338"/>
-                </a:cubicBezTo>
-                <a:cubicBezTo>
-                  <a:pt x="499726" y="2232338"/>
-                  <a:pt x="0" y="1732612"/>
-                  <a:pt x="0" y="1116169"/>
-                </a:cubicBezTo>
-                <a:cubicBezTo>
-                  <a:pt x="0" y="499726"/>
-                  <a:pt x="499726" y="0"/>
-                  <a:pt x="1116169" y="0"/>
-                </a:cubicBezTo>
-                <a:close/>
-              </a:path>
-            </a:pathLst>
-          </a:custGeom>
-        </p:spPr>
-      </p:pic>
-      <p:sp>
-        <p:nvSpPr>
-          <p:cNvPr id="12" name="Arc 11">
-            <a:extLst>
-              <a:ext uri="{FF2B5EF4-FFF2-40B4-BE49-F238E27FC236}">
-                <a16:creationId xmlns:a16="http://schemas.microsoft.com/office/drawing/2014/main" id="{3F9BDB9F-8714-4605-B1BF-670E94960019}"/>
-              </a:ext>
-              <a:ext uri="{C183D7F6-B498-43B3-948B-1728B52AA6E4}">
-                <adec:decorative xmlns:adec="http://schemas.microsoft.com/office/drawing/2017/decorative" val="1"/>
-              </a:ext>
-            </a:extLst>
-          </p:cNvPr>
-          <p:cNvSpPr>
-            <a:spLocks noGrp="1" noRot="1" noChangeAspect="1" noMove="1" noResize="1" noEditPoints="1" noAdjustHandles="1" noChangeArrowheads="1" noChangeShapeType="1" noTextEdit="1"/>
-          </p:cNvSpPr>
-          <p:nvPr>
-            <p:extLst>
-              <p:ext uri="{386F3935-93C4-4BCD-93E2-E3B085C9AB24}">
-                <p16:designElem xmlns:p16="http://schemas.microsoft.com/office/powerpoint/2015/main" val="1"/>
-              </p:ext>
-            </p:extLst>
-          </p:nvPr>
-        </p:nvSpPr>
-        <p:spPr>
-          <a:xfrm rot="1657504">
-            <a:off x="8488250" y="695616"/>
-            <a:ext cx="2987899" cy="2987899"/>
-          </a:xfrm>
-          <a:prstGeom prst="arc">
-            <a:avLst>
-              <a:gd name="adj1" fmla="val 16200000"/>
-              <a:gd name="adj2" fmla="val 2188646"/>
-            </a:avLst>
-          </a:prstGeom>
-          <a:ln w="127000" cap="rnd">
-            <a:solidFill>
-              <a:schemeClr val="accent4"/>
-            </a:solidFill>
-            <a:prstDash val="dash"/>
-          </a:ln>
-        </p:spPr>
-        <p:style>
-          <a:lnRef idx="1">
-            <a:schemeClr val="accent1"/>
-          </a:lnRef>
-          <a:fillRef idx="0">
-            <a:schemeClr val="accent1"/>
-          </a:fillRef>
-          <a:effectRef idx="0">
-            <a:schemeClr val="accent1"/>
-          </a:effectRef>
-          <a:fontRef idx="minor">
-            <a:schemeClr val="tx1"/>
-          </a:fontRef>
-        </p:style>
-        <p:txBody>
-          <a:bodyPr rtlCol="0" anchor="ctr"/>
-          <a:lstStyle/>
-          <a:p>
-            <a:pPr marL="0" marR="0" lvl="0" indent="0" algn="ctr" defTabSz="914400" rtl="0" eaLnBrk="1" fontAlgn="auto" latinLnBrk="0" hangingPunct="1">
-              <a:lnSpc>
-                <a:spcPct val="100000"/>
-              </a:lnSpc>
-              <a:spcBef>
-                <a:spcPts val="0"/>
-              </a:spcBef>
-              <a:spcAft>
-                <a:spcPts val="0"/>
-              </a:spcAft>
-              <a:buClrTx/>
-              <a:buSzTx/>
-              <a:buFontTx/>
-              <a:buNone/>
-              <a:tabLst/>
-              <a:defRPr/>
-            </a:pPr>
-            <a:endParaRPr kumimoji="0" lang="en-US" sz="1800" b="0" i="0" u="none" strike="noStrike" kern="1200" cap="none" spc="0" normalizeH="0" baseline="0" noProof="0">
-              <a:ln>
-                <a:noFill/>
-              </a:ln>
-              <a:solidFill>
-                <a:srgbClr val="000000"/>
-              </a:solidFill>
-              <a:effectLst/>
-              <a:uLnTx/>
-              <a:uFillTx/>
-              <a:latin typeface="Calibri" panose="020F0502020204030204"/>
-              <a:ea typeface="+mn-ea"/>
-              <a:cs typeface="+mn-cs"/>
-            </a:endParaRPr>
-          </a:p>
-        </p:txBody>
-      </p:sp>
-      <p:sp>
-        <p:nvSpPr>
-          <p:cNvPr id="14" name="Oval 13">
-            <a:extLst>
-              <a:ext uri="{FF2B5EF4-FFF2-40B4-BE49-F238E27FC236}">
-                <a16:creationId xmlns:a16="http://schemas.microsoft.com/office/drawing/2014/main" id="{CB339924-0C86-4476-A81F-37DCF289E1AB}"/>
-              </a:ext>
-              <a:ext uri="{C183D7F6-B498-43B3-948B-1728B52AA6E4}">
-                <adec:decorative xmlns:adec="http://schemas.microsoft.com/office/drawing/2017/decorative" val="1"/>
-              </a:ext>
-            </a:extLst>
-          </p:cNvPr>
-          <p:cNvSpPr>
-            <a:spLocks noGrp="1" noRot="1" noChangeAspect="1" noMove="1" noResize="1" noEditPoints="1" noAdjustHandles="1" noChangeArrowheads="1" noChangeShapeType="1" noTextEdit="1"/>
-          </p:cNvSpPr>
-          <p:nvPr>
-            <p:extLst>
-              <p:ext uri="{386F3935-93C4-4BCD-93E2-E3B085C9AB24}">
-                <p16:designElem xmlns:p16="http://schemas.microsoft.com/office/powerpoint/2015/main" val="1"/>
-              </p:ext>
-            </p:extLst>
-          </p:nvPr>
-        </p:nvSpPr>
-        <p:spPr>
-          <a:xfrm>
-            <a:off x="4637267" y="4948670"/>
-            <a:ext cx="846442" cy="823480"/>
-          </a:xfrm>
-          <a:prstGeom prst="ellipse">
-            <a:avLst/>
-          </a:prstGeom>
-          <a:solidFill>
-            <a:schemeClr val="accent4"/>
-          </a:solidFill>
-          <a:ln>
-            <a:noFill/>
-          </a:ln>
-        </p:spPr>
-        <p:style>
-          <a:lnRef idx="2">
-            <a:schemeClr val="accent1">
-              <a:shade val="50000"/>
-            </a:schemeClr>
-          </a:lnRef>
-          <a:fillRef idx="1">
-            <a:schemeClr val="accent1"/>
-          </a:fillRef>
-          <a:effectRef idx="0">
-            <a:schemeClr val="accent1"/>
-          </a:effectRef>
-          <a:fontRef idx="minor">
-            <a:schemeClr val="lt1"/>
-          </a:fontRef>
-        </p:style>
-        <p:txBody>
-          <a:bodyPr rtlCol="0" anchor="ctr"/>
-          <a:lstStyle/>
-          <a:p>
-            <a:pPr marL="0" marR="0" lvl="0" indent="0" algn="ctr" defTabSz="914400" rtl="0" eaLnBrk="1" fontAlgn="auto" latinLnBrk="0" hangingPunct="1">
-              <a:lnSpc>
-                <a:spcPct val="100000"/>
-              </a:lnSpc>
-              <a:spcBef>
-                <a:spcPts val="0"/>
-              </a:spcBef>
-              <a:spcAft>
-                <a:spcPts val="0"/>
-              </a:spcAft>
-              <a:buClrTx/>
-              <a:buSzTx/>
-              <a:buFontTx/>
-              <a:buNone/>
-              <a:tabLst/>
-              <a:defRPr/>
-            </a:pPr>
-            <a:endParaRPr kumimoji="0" lang="en-US" sz="1800" b="0" i="0" u="none" strike="noStrike" kern="1200" cap="none" spc="0" normalizeH="0" baseline="0" noProof="0">
-              <a:ln>
-                <a:noFill/>
-              </a:ln>
-              <a:solidFill>
-                <a:srgbClr val="FFFFFF"/>
-              </a:solidFill>
-              <a:effectLst/>
-              <a:uLnTx/>
-              <a:uFillTx/>
-              <a:latin typeface="Calibri" panose="020F0502020204030204"/>
-              <a:ea typeface="+mn-ea"/>
-              <a:cs typeface="+mn-cs"/>
-            </a:endParaRPr>
-          </a:p>
-        </p:txBody>
-      </p:sp>
-      <p:sp>
-        <p:nvSpPr>
-          <p:cNvPr id="9" name="CaixaDeTexto 8">
-            <a:extLst>
-              <a:ext uri="{FF2B5EF4-FFF2-40B4-BE49-F238E27FC236}">
-                <a16:creationId xmlns:a16="http://schemas.microsoft.com/office/drawing/2014/main" id="{FC756D13-C3AF-4587-AB14-68430EF34789}"/>
-              </a:ext>
-            </a:extLst>
-          </p:cNvPr>
-          <p:cNvSpPr txBox="1"/>
-          <p:nvPr/>
-        </p:nvSpPr>
-        <p:spPr>
-          <a:xfrm>
-            <a:off x="3958646" y="655231"/>
-            <a:ext cx="4274707" cy="646331"/>
-          </a:xfrm>
-          <a:prstGeom prst="rect">
-            <a:avLst/>
-          </a:prstGeom>
-          <a:noFill/>
-        </p:spPr>
-        <p:txBody>
-          <a:bodyPr wrap="square" rtlCol="0">
-            <a:spAutoFit/>
-          </a:bodyPr>
-          <a:lstStyle/>
-          <a:p>
-            <a:r>
-              <a:rPr lang="pt-BR" sz="3600" b="1" dirty="0">
-                <a:solidFill>
-                  <a:schemeClr val="bg1"/>
-                </a:solidFill>
-                <a:latin typeface="Avenir Next LT Pro" panose="020B0504020202020204" pitchFamily="34" charset="0"/>
-              </a:rPr>
-              <a:t>Filas no refeitório</a:t>
-            </a:r>
-          </a:p>
-        </p:txBody>
-      </p:sp>
-      <p:sp>
-        <p:nvSpPr>
-          <p:cNvPr id="17" name="Título 1">
-            <a:extLst>
-              <a:ext uri="{FF2B5EF4-FFF2-40B4-BE49-F238E27FC236}">
-                <a16:creationId xmlns:a16="http://schemas.microsoft.com/office/drawing/2014/main" id="{2F7E216E-0EBE-4A88-8E52-9EBCC41FED0F}"/>
-              </a:ext>
-            </a:extLst>
-          </p:cNvPr>
-          <p:cNvSpPr txBox="1">
-            <a:spLocks/>
-          </p:cNvSpPr>
-          <p:nvPr/>
-        </p:nvSpPr>
-        <p:spPr>
-          <a:xfrm>
-            <a:off x="1636042" y="1807018"/>
-            <a:ext cx="1820064" cy="538740"/>
-          </a:xfrm>
-          <a:prstGeom prst="rect">
-            <a:avLst/>
-          </a:prstGeom>
-        </p:spPr>
-        <p:txBody>
-          <a:bodyPr vert="horz" lIns="91440" tIns="45720" rIns="91440" bIns="45720" rtlCol="0" anchor="b">
-            <a:noAutofit/>
-          </a:bodyPr>
-          <a:lstStyle>
-            <a:lvl1pPr algn="l" defTabSz="914400" rtl="0" eaLnBrk="1" latinLnBrk="0" hangingPunct="1">
-              <a:lnSpc>
-                <a:spcPct val="90000"/>
-              </a:lnSpc>
-              <a:spcBef>
-                <a:spcPct val="0"/>
-              </a:spcBef>
-              <a:buNone/>
-              <a:defRPr sz="4400" kern="1200">
-                <a:solidFill>
-                  <a:schemeClr val="tx1"/>
-                </a:solidFill>
-                <a:latin typeface="+mj-lt"/>
-                <a:ea typeface="+mj-ea"/>
-                <a:cs typeface="+mj-cs"/>
-              </a:defRPr>
-            </a:lvl1pPr>
-          </a:lstStyle>
-          <a:p>
-            <a:pPr algn="ctr"/>
-            <a:r>
-              <a:rPr lang="en-US" sz="3300" dirty="0" err="1">
-                <a:solidFill>
-                  <a:srgbClr val="FFFFFF"/>
-                </a:solidFill>
-              </a:rPr>
-              <a:t>Problema</a:t>
-            </a:r>
-            <a:endParaRPr lang="en-US" sz="3300" dirty="0">
-              <a:solidFill>
-                <a:srgbClr val="FFFFFF"/>
-              </a:solidFill>
-            </a:endParaRPr>
-          </a:p>
-        </p:txBody>
-      </p:sp>
-      <p:sp>
-        <p:nvSpPr>
-          <p:cNvPr id="18" name="Título 1">
-            <a:extLst>
-              <a:ext uri="{FF2B5EF4-FFF2-40B4-BE49-F238E27FC236}">
-                <a16:creationId xmlns:a16="http://schemas.microsoft.com/office/drawing/2014/main" id="{1BCF2138-30A4-4433-ADB6-E853B90A3902}"/>
-              </a:ext>
-            </a:extLst>
-          </p:cNvPr>
-          <p:cNvSpPr txBox="1">
-            <a:spLocks/>
-          </p:cNvSpPr>
-          <p:nvPr/>
-        </p:nvSpPr>
-        <p:spPr>
-          <a:xfrm>
-            <a:off x="7052905" y="1783588"/>
-            <a:ext cx="1820064" cy="538740"/>
-          </a:xfrm>
-          <a:prstGeom prst="rect">
-            <a:avLst/>
-          </a:prstGeom>
-        </p:spPr>
-        <p:txBody>
-          <a:bodyPr vert="horz" lIns="91440" tIns="45720" rIns="91440" bIns="45720" rtlCol="0" anchor="b">
-            <a:noAutofit/>
-          </a:bodyPr>
-          <a:lstStyle>
-            <a:lvl1pPr algn="l" defTabSz="914400" rtl="0" eaLnBrk="1" latinLnBrk="0" hangingPunct="1">
-              <a:lnSpc>
-                <a:spcPct val="90000"/>
-              </a:lnSpc>
-              <a:spcBef>
-                <a:spcPct val="0"/>
-              </a:spcBef>
-              <a:buNone/>
-              <a:defRPr sz="4400" kern="1200">
-                <a:solidFill>
-                  <a:schemeClr val="tx1"/>
-                </a:solidFill>
-                <a:latin typeface="+mj-lt"/>
-                <a:ea typeface="+mj-ea"/>
-                <a:cs typeface="+mj-cs"/>
-              </a:defRPr>
-            </a:lvl1pPr>
-          </a:lstStyle>
-          <a:p>
-            <a:pPr algn="ctr"/>
-            <a:r>
-              <a:rPr lang="en-US" sz="3300" dirty="0" err="1">
-                <a:solidFill>
-                  <a:srgbClr val="FFFFFF"/>
-                </a:solidFill>
-              </a:rPr>
-              <a:t>Solução</a:t>
-            </a:r>
-            <a:endParaRPr lang="en-US" sz="3300" dirty="0">
-              <a:solidFill>
-                <a:srgbClr val="FFFFFF"/>
-              </a:solidFill>
-            </a:endParaRPr>
-          </a:p>
-        </p:txBody>
-      </p:sp>
-      <p:sp>
-        <p:nvSpPr>
-          <p:cNvPr id="19" name="CaixaDeTexto 18">
-            <a:extLst>
-              <a:ext uri="{FF2B5EF4-FFF2-40B4-BE49-F238E27FC236}">
-                <a16:creationId xmlns:a16="http://schemas.microsoft.com/office/drawing/2014/main" id="{9431996C-34E1-4CF6-A634-C4C504B41497}"/>
-              </a:ext>
-            </a:extLst>
-          </p:cNvPr>
-          <p:cNvSpPr txBox="1"/>
-          <p:nvPr/>
-        </p:nvSpPr>
-        <p:spPr>
-          <a:xfrm>
-            <a:off x="1090308" y="2386559"/>
-            <a:ext cx="4182386" cy="830997"/>
-          </a:xfrm>
-          <a:prstGeom prst="rect">
-            <a:avLst/>
-          </a:prstGeom>
-          <a:noFill/>
-        </p:spPr>
-        <p:txBody>
-          <a:bodyPr wrap="square" rtlCol="0">
-            <a:spAutoFit/>
-          </a:bodyPr>
-          <a:lstStyle/>
-          <a:p>
-            <a:pPr marL="285750" indent="-285750">
-              <a:buFont typeface="Arial" panose="020B0604020202020204" pitchFamily="34" charset="0"/>
-              <a:buChar char="•"/>
-            </a:pPr>
-            <a:r>
-              <a:rPr lang="pt-BR" sz="2400" dirty="0">
-                <a:solidFill>
-                  <a:schemeClr val="bg1"/>
-                </a:solidFill>
-              </a:rPr>
-              <a:t>Pico de pessoas durante o intervalo</a:t>
-            </a:r>
-          </a:p>
-        </p:txBody>
-      </p:sp>
-      <p:sp>
-        <p:nvSpPr>
-          <p:cNvPr id="20" name="CaixaDeTexto 19">
-            <a:extLst>
-              <a:ext uri="{FF2B5EF4-FFF2-40B4-BE49-F238E27FC236}">
-                <a16:creationId xmlns:a16="http://schemas.microsoft.com/office/drawing/2014/main" id="{0F635B58-B33A-4FA6-A126-B5A8FFDAE957}"/>
-              </a:ext>
-            </a:extLst>
-          </p:cNvPr>
-          <p:cNvSpPr txBox="1"/>
-          <p:nvPr/>
-        </p:nvSpPr>
-        <p:spPr>
-          <a:xfrm>
-            <a:off x="1087112" y="3175497"/>
-            <a:ext cx="4182386" cy="830997"/>
-          </a:xfrm>
-          <a:prstGeom prst="rect">
-            <a:avLst/>
-          </a:prstGeom>
-          <a:noFill/>
-        </p:spPr>
-        <p:txBody>
-          <a:bodyPr wrap="square" rtlCol="0">
-            <a:spAutoFit/>
-          </a:bodyPr>
-          <a:lstStyle/>
-          <a:p>
-            <a:pPr marL="285750" indent="-285750">
-              <a:buFont typeface="Arial" panose="020B0604020202020204" pitchFamily="34" charset="0"/>
-              <a:buChar char="•"/>
-            </a:pPr>
-            <a:r>
-              <a:rPr lang="pt-BR" sz="2400" dirty="0">
-                <a:solidFill>
-                  <a:schemeClr val="bg1"/>
-                </a:solidFill>
-              </a:rPr>
-              <a:t>Aglomeração no mesmo ambiente</a:t>
-            </a:r>
-          </a:p>
-        </p:txBody>
-      </p:sp>
-      <p:sp>
-        <p:nvSpPr>
-          <p:cNvPr id="21" name="CaixaDeTexto 20">
-            <a:extLst>
-              <a:ext uri="{FF2B5EF4-FFF2-40B4-BE49-F238E27FC236}">
-                <a16:creationId xmlns:a16="http://schemas.microsoft.com/office/drawing/2014/main" id="{46C58EF7-B745-436F-BA08-B97EA51AE8AC}"/>
-              </a:ext>
-            </a:extLst>
-          </p:cNvPr>
-          <p:cNvSpPr txBox="1"/>
-          <p:nvPr/>
-        </p:nvSpPr>
-        <p:spPr>
-          <a:xfrm>
-            <a:off x="1087112" y="4152776"/>
-            <a:ext cx="4182386" cy="461665"/>
-          </a:xfrm>
-          <a:prstGeom prst="rect">
-            <a:avLst/>
-          </a:prstGeom>
-          <a:noFill/>
-        </p:spPr>
-        <p:txBody>
-          <a:bodyPr wrap="square" rtlCol="0">
-            <a:spAutoFit/>
-          </a:bodyPr>
-          <a:lstStyle/>
-          <a:p>
-            <a:pPr marL="285750" indent="-285750">
-              <a:buFont typeface="Arial" panose="020B0604020202020204" pitchFamily="34" charset="0"/>
-              <a:buChar char="•"/>
-            </a:pPr>
-            <a:r>
-              <a:rPr lang="pt-BR" sz="2400" dirty="0">
-                <a:solidFill>
-                  <a:schemeClr val="bg1"/>
-                </a:solidFill>
-              </a:rPr>
-              <a:t>Falta de organização</a:t>
-            </a:r>
-          </a:p>
-        </p:txBody>
-      </p:sp>
-      <p:sp>
-        <p:nvSpPr>
-          <p:cNvPr id="22" name="CaixaDeTexto 21">
-            <a:extLst>
-              <a:ext uri="{FF2B5EF4-FFF2-40B4-BE49-F238E27FC236}">
-                <a16:creationId xmlns:a16="http://schemas.microsoft.com/office/drawing/2014/main" id="{818B1DD2-F872-463F-A547-6F4FE6B02595}"/>
-              </a:ext>
-            </a:extLst>
-          </p:cNvPr>
-          <p:cNvSpPr txBox="1"/>
-          <p:nvPr/>
-        </p:nvSpPr>
-        <p:spPr>
-          <a:xfrm>
-            <a:off x="6653737" y="3975093"/>
-            <a:ext cx="4182386" cy="461665"/>
-          </a:xfrm>
-          <a:prstGeom prst="rect">
-            <a:avLst/>
-          </a:prstGeom>
-          <a:noFill/>
-        </p:spPr>
-        <p:txBody>
-          <a:bodyPr wrap="square" rtlCol="0">
-            <a:spAutoFit/>
-          </a:bodyPr>
-          <a:lstStyle/>
-          <a:p>
-            <a:pPr marL="342900" indent="-342900">
-              <a:buFont typeface="Arial" panose="020B0604020202020204" pitchFamily="34" charset="0"/>
-              <a:buChar char="•"/>
-            </a:pPr>
-            <a:r>
-              <a:rPr lang="pt-BR" sz="2400" dirty="0">
-                <a:solidFill>
-                  <a:schemeClr val="bg1"/>
-                </a:solidFill>
-              </a:rPr>
-              <a:t>Agendamento online</a:t>
-            </a:r>
-          </a:p>
-        </p:txBody>
-      </p:sp>
-      <p:sp>
-        <p:nvSpPr>
-          <p:cNvPr id="23" name="CaixaDeTexto 22">
-            <a:extLst>
-              <a:ext uri="{FF2B5EF4-FFF2-40B4-BE49-F238E27FC236}">
-                <a16:creationId xmlns:a16="http://schemas.microsoft.com/office/drawing/2014/main" id="{092CF1D4-3CCF-4500-9A04-44DD85C4DB33}"/>
-              </a:ext>
-            </a:extLst>
-          </p:cNvPr>
-          <p:cNvSpPr txBox="1"/>
-          <p:nvPr/>
-        </p:nvSpPr>
-        <p:spPr>
-          <a:xfrm>
-            <a:off x="6655691" y="2389792"/>
-            <a:ext cx="4182386" cy="830997"/>
-          </a:xfrm>
-          <a:prstGeom prst="rect">
-            <a:avLst/>
-          </a:prstGeom>
-          <a:noFill/>
-        </p:spPr>
-        <p:txBody>
-          <a:bodyPr wrap="square" rtlCol="0">
-            <a:spAutoFit/>
-          </a:bodyPr>
-          <a:lstStyle/>
-          <a:p>
-            <a:pPr marL="342900" indent="-342900">
-              <a:buFont typeface="Arial" panose="020B0604020202020204" pitchFamily="34" charset="0"/>
-              <a:buChar char="•"/>
-            </a:pPr>
-            <a:r>
-              <a:rPr lang="pt-BR" sz="2400" dirty="0">
-                <a:solidFill>
-                  <a:schemeClr val="bg1"/>
-                </a:solidFill>
-              </a:rPr>
-              <a:t>Redistribuir os aparelhos pelo prédio</a:t>
-            </a:r>
-          </a:p>
-        </p:txBody>
-      </p:sp>
-      <p:sp>
-        <p:nvSpPr>
-          <p:cNvPr id="24" name="CaixaDeTexto 23">
-            <a:extLst>
-              <a:ext uri="{FF2B5EF4-FFF2-40B4-BE49-F238E27FC236}">
-                <a16:creationId xmlns:a16="http://schemas.microsoft.com/office/drawing/2014/main" id="{DAA4315D-CFD4-4230-98F1-355C9D5CB9E1}"/>
-              </a:ext>
-            </a:extLst>
-          </p:cNvPr>
-          <p:cNvSpPr txBox="1"/>
-          <p:nvPr/>
-        </p:nvSpPr>
-        <p:spPr>
-          <a:xfrm>
-            <a:off x="6655691" y="3360162"/>
-            <a:ext cx="4182386" cy="461665"/>
-          </a:xfrm>
-          <a:prstGeom prst="rect">
-            <a:avLst/>
-          </a:prstGeom>
-          <a:noFill/>
-        </p:spPr>
-        <p:txBody>
-          <a:bodyPr wrap="square" rtlCol="0">
-            <a:spAutoFit/>
-          </a:bodyPr>
-          <a:lstStyle/>
-          <a:p>
-            <a:pPr marL="342900" indent="-342900">
-              <a:buFont typeface="Arial" panose="020B0604020202020204" pitchFamily="34" charset="0"/>
-              <a:buChar char="•"/>
-            </a:pPr>
-            <a:r>
-              <a:rPr lang="pt-BR" sz="2400" dirty="0">
-                <a:solidFill>
-                  <a:schemeClr val="bg1"/>
-                </a:solidFill>
-              </a:rPr>
-              <a:t>Distância mínima nas filas</a:t>
-            </a:r>
-          </a:p>
-        </p:txBody>
-      </p:sp>
-    </p:spTree>
-    <p:extLst>
-      <p:ext uri="{BB962C8B-B14F-4D97-AF65-F5344CB8AC3E}">
-        <p14:creationId xmlns:p14="http://schemas.microsoft.com/office/powerpoint/2010/main" val="248095726"/>
       </p:ext>
     </p:extLst>
   </p:cSld>
@@ -8878,7 +8072,7 @@
                 <a16:creationId xmlns:a16="http://schemas.microsoft.com/office/drawing/2014/main" id="{67009BBA-DC62-4808-B0A8-DC86986B7608}"/>
               </a:ext>
               <a:ext uri="{C183D7F6-B498-43B3-948B-1728B52AA6E4}">
-                <adec:decorative xmlns:adec="http://schemas.microsoft.com/office/drawing/2017/decorative" val="1"/>
+                <adec:decorative xmlns:adec="http://schemas.microsoft.com/office/drawing/2017/decorative" xmlns="" val="1"/>
               </a:ext>
             </a:extLst>
           </p:cNvPr>
@@ -9014,7 +8208,7 @@
                 <a16:creationId xmlns:a16="http://schemas.microsoft.com/office/drawing/2014/main" id="{3F9BDB9F-8714-4605-B1BF-670E94960019}"/>
               </a:ext>
               <a:ext uri="{C183D7F6-B498-43B3-948B-1728B52AA6E4}">
-                <adec:decorative xmlns:adec="http://schemas.microsoft.com/office/drawing/2017/decorative" val="1"/>
+                <adec:decorative xmlns:adec="http://schemas.microsoft.com/office/drawing/2017/decorative" xmlns="" val="1"/>
               </a:ext>
             </a:extLst>
           </p:cNvPr>
@@ -9107,7 +8301,7 @@
                 <a16:creationId xmlns:a16="http://schemas.microsoft.com/office/drawing/2014/main" id="{CB339924-0C86-4476-A81F-37DCF289E1AB}"/>
               </a:ext>
               <a:ext uri="{C183D7F6-B498-43B3-948B-1728B52AA6E4}">
-                <adec:decorative xmlns:adec="http://schemas.microsoft.com/office/drawing/2017/decorative" val="1"/>
+                <adec:decorative xmlns:adec="http://schemas.microsoft.com/office/drawing/2017/decorative" xmlns="" val="1"/>
               </a:ext>
             </a:extLst>
           </p:cNvPr>
@@ -9205,6 +8399,1155 @@
         </p:nvSpPr>
         <p:spPr>
           <a:xfrm>
+            <a:off x="3958646" y="655231"/>
+            <a:ext cx="4274707" cy="646331"/>
+          </a:xfrm>
+          <a:prstGeom prst="rect">
+            <a:avLst/>
+          </a:prstGeom>
+          <a:noFill/>
+        </p:spPr>
+        <p:txBody>
+          <a:bodyPr wrap="square" rtlCol="0">
+            <a:spAutoFit/>
+          </a:bodyPr>
+          <a:lstStyle/>
+          <a:p>
+            <a:r>
+              <a:rPr lang="pt-BR" sz="3600" b="1" dirty="0">
+                <a:solidFill>
+                  <a:schemeClr val="bg1"/>
+                </a:solidFill>
+                <a:latin typeface="Avenir Next LT Pro" panose="020B0504020202020204" pitchFamily="34" charset="0"/>
+              </a:rPr>
+              <a:t>Filas no refeitório</a:t>
+            </a:r>
+          </a:p>
+        </p:txBody>
+      </p:sp>
+      <p:sp>
+        <p:nvSpPr>
+          <p:cNvPr id="17" name="Título 1">
+            <a:extLst>
+              <a:ext uri="{FF2B5EF4-FFF2-40B4-BE49-F238E27FC236}">
+                <a16:creationId xmlns:a16="http://schemas.microsoft.com/office/drawing/2014/main" id="{2F7E216E-0EBE-4A88-8E52-9EBCC41FED0F}"/>
+              </a:ext>
+            </a:extLst>
+          </p:cNvPr>
+          <p:cNvSpPr txBox="1">
+            <a:spLocks/>
+          </p:cNvSpPr>
+          <p:nvPr/>
+        </p:nvSpPr>
+        <p:spPr>
+          <a:xfrm>
+            <a:off x="1636042" y="1807018"/>
+            <a:ext cx="1820064" cy="538740"/>
+          </a:xfrm>
+          <a:prstGeom prst="rect">
+            <a:avLst/>
+          </a:prstGeom>
+        </p:spPr>
+        <p:txBody>
+          <a:bodyPr vert="horz" lIns="91440" tIns="45720" rIns="91440" bIns="45720" rtlCol="0" anchor="b">
+            <a:noAutofit/>
+          </a:bodyPr>
+          <a:lstStyle>
+            <a:lvl1pPr algn="l" defTabSz="914400" rtl="0" eaLnBrk="1" latinLnBrk="0" hangingPunct="1">
+              <a:lnSpc>
+                <a:spcPct val="90000"/>
+              </a:lnSpc>
+              <a:spcBef>
+                <a:spcPct val="0"/>
+              </a:spcBef>
+              <a:buNone/>
+              <a:defRPr sz="4400" kern="1200">
+                <a:solidFill>
+                  <a:schemeClr val="tx1"/>
+                </a:solidFill>
+                <a:latin typeface="+mj-lt"/>
+                <a:ea typeface="+mj-ea"/>
+                <a:cs typeface="+mj-cs"/>
+              </a:defRPr>
+            </a:lvl1pPr>
+          </a:lstStyle>
+          <a:p>
+            <a:pPr algn="ctr"/>
+            <a:r>
+              <a:rPr lang="en-US" sz="3300" b="1" dirty="0" err="1">
+                <a:solidFill>
+                  <a:srgbClr val="FFFFFF"/>
+                </a:solidFill>
+              </a:rPr>
+              <a:t>Problema</a:t>
+            </a:r>
+            <a:endParaRPr lang="en-US" sz="3300" b="1" dirty="0">
+              <a:solidFill>
+                <a:srgbClr val="FFFFFF"/>
+              </a:solidFill>
+            </a:endParaRPr>
+          </a:p>
+        </p:txBody>
+      </p:sp>
+      <p:sp>
+        <p:nvSpPr>
+          <p:cNvPr id="18" name="Título 1">
+            <a:extLst>
+              <a:ext uri="{FF2B5EF4-FFF2-40B4-BE49-F238E27FC236}">
+                <a16:creationId xmlns:a16="http://schemas.microsoft.com/office/drawing/2014/main" id="{1BCF2138-30A4-4433-ADB6-E853B90A3902}"/>
+              </a:ext>
+            </a:extLst>
+          </p:cNvPr>
+          <p:cNvSpPr txBox="1">
+            <a:spLocks/>
+          </p:cNvSpPr>
+          <p:nvPr/>
+        </p:nvSpPr>
+        <p:spPr>
+          <a:xfrm>
+            <a:off x="7052905" y="1783588"/>
+            <a:ext cx="1820064" cy="538740"/>
+          </a:xfrm>
+          <a:prstGeom prst="rect">
+            <a:avLst/>
+          </a:prstGeom>
+        </p:spPr>
+        <p:txBody>
+          <a:bodyPr vert="horz" lIns="91440" tIns="45720" rIns="91440" bIns="45720" rtlCol="0" anchor="b">
+            <a:noAutofit/>
+          </a:bodyPr>
+          <a:lstStyle>
+            <a:lvl1pPr algn="l" defTabSz="914400" rtl="0" eaLnBrk="1" latinLnBrk="0" hangingPunct="1">
+              <a:lnSpc>
+                <a:spcPct val="90000"/>
+              </a:lnSpc>
+              <a:spcBef>
+                <a:spcPct val="0"/>
+              </a:spcBef>
+              <a:buNone/>
+              <a:defRPr sz="4400" kern="1200">
+                <a:solidFill>
+                  <a:schemeClr val="tx1"/>
+                </a:solidFill>
+                <a:latin typeface="+mj-lt"/>
+                <a:ea typeface="+mj-ea"/>
+                <a:cs typeface="+mj-cs"/>
+              </a:defRPr>
+            </a:lvl1pPr>
+          </a:lstStyle>
+          <a:p>
+            <a:pPr algn="ctr"/>
+            <a:r>
+              <a:rPr lang="en-US" sz="3300" b="1" dirty="0" err="1">
+                <a:solidFill>
+                  <a:srgbClr val="FFFFFF"/>
+                </a:solidFill>
+              </a:rPr>
+              <a:t>Solução</a:t>
+            </a:r>
+            <a:endParaRPr lang="en-US" sz="3300" b="1" dirty="0">
+              <a:solidFill>
+                <a:srgbClr val="FFFFFF"/>
+              </a:solidFill>
+            </a:endParaRPr>
+          </a:p>
+        </p:txBody>
+      </p:sp>
+      <p:sp>
+        <p:nvSpPr>
+          <p:cNvPr id="19" name="CaixaDeTexto 18">
+            <a:extLst>
+              <a:ext uri="{FF2B5EF4-FFF2-40B4-BE49-F238E27FC236}">
+                <a16:creationId xmlns:a16="http://schemas.microsoft.com/office/drawing/2014/main" id="{9431996C-34E1-4CF6-A634-C4C504B41497}"/>
+              </a:ext>
+            </a:extLst>
+          </p:cNvPr>
+          <p:cNvSpPr txBox="1"/>
+          <p:nvPr/>
+        </p:nvSpPr>
+        <p:spPr>
+          <a:xfrm>
+            <a:off x="1090308" y="2386559"/>
+            <a:ext cx="4182386" cy="830997"/>
+          </a:xfrm>
+          <a:prstGeom prst="rect">
+            <a:avLst/>
+          </a:prstGeom>
+          <a:noFill/>
+        </p:spPr>
+        <p:txBody>
+          <a:bodyPr wrap="square" rtlCol="0">
+            <a:spAutoFit/>
+          </a:bodyPr>
+          <a:lstStyle/>
+          <a:p>
+            <a:pPr marL="285750" indent="-285750">
+              <a:buFont typeface="Arial" panose="020B0604020202020204" pitchFamily="34" charset="0"/>
+              <a:buChar char="•"/>
+            </a:pPr>
+            <a:r>
+              <a:rPr lang="pt-BR" sz="2400" dirty="0">
+                <a:solidFill>
+                  <a:schemeClr val="bg1"/>
+                </a:solidFill>
+              </a:rPr>
+              <a:t>Pico de pessoas durante o intervalo</a:t>
+            </a:r>
+          </a:p>
+        </p:txBody>
+      </p:sp>
+      <p:sp>
+        <p:nvSpPr>
+          <p:cNvPr id="20" name="CaixaDeTexto 19">
+            <a:extLst>
+              <a:ext uri="{FF2B5EF4-FFF2-40B4-BE49-F238E27FC236}">
+                <a16:creationId xmlns:a16="http://schemas.microsoft.com/office/drawing/2014/main" id="{0F635B58-B33A-4FA6-A126-B5A8FFDAE957}"/>
+              </a:ext>
+            </a:extLst>
+          </p:cNvPr>
+          <p:cNvSpPr txBox="1"/>
+          <p:nvPr/>
+        </p:nvSpPr>
+        <p:spPr>
+          <a:xfrm>
+            <a:off x="1087112" y="3175497"/>
+            <a:ext cx="4182386" cy="830997"/>
+          </a:xfrm>
+          <a:prstGeom prst="rect">
+            <a:avLst/>
+          </a:prstGeom>
+          <a:noFill/>
+        </p:spPr>
+        <p:txBody>
+          <a:bodyPr wrap="square" rtlCol="0">
+            <a:spAutoFit/>
+          </a:bodyPr>
+          <a:lstStyle/>
+          <a:p>
+            <a:pPr marL="285750" indent="-285750">
+              <a:buFont typeface="Arial" panose="020B0604020202020204" pitchFamily="34" charset="0"/>
+              <a:buChar char="•"/>
+            </a:pPr>
+            <a:r>
+              <a:rPr lang="pt-BR" sz="2400" dirty="0">
+                <a:solidFill>
+                  <a:schemeClr val="bg1"/>
+                </a:solidFill>
+              </a:rPr>
+              <a:t>Aglomeração no mesmo ambiente</a:t>
+            </a:r>
+          </a:p>
+        </p:txBody>
+      </p:sp>
+      <p:sp>
+        <p:nvSpPr>
+          <p:cNvPr id="21" name="CaixaDeTexto 20">
+            <a:extLst>
+              <a:ext uri="{FF2B5EF4-FFF2-40B4-BE49-F238E27FC236}">
+                <a16:creationId xmlns:a16="http://schemas.microsoft.com/office/drawing/2014/main" id="{46C58EF7-B745-436F-BA08-B97EA51AE8AC}"/>
+              </a:ext>
+            </a:extLst>
+          </p:cNvPr>
+          <p:cNvSpPr txBox="1"/>
+          <p:nvPr/>
+        </p:nvSpPr>
+        <p:spPr>
+          <a:xfrm>
+            <a:off x="1087112" y="4152776"/>
+            <a:ext cx="4182386" cy="461665"/>
+          </a:xfrm>
+          <a:prstGeom prst="rect">
+            <a:avLst/>
+          </a:prstGeom>
+          <a:noFill/>
+        </p:spPr>
+        <p:txBody>
+          <a:bodyPr wrap="square" rtlCol="0">
+            <a:spAutoFit/>
+          </a:bodyPr>
+          <a:lstStyle/>
+          <a:p>
+            <a:pPr marL="285750" indent="-285750">
+              <a:buFont typeface="Arial" panose="020B0604020202020204" pitchFamily="34" charset="0"/>
+              <a:buChar char="•"/>
+            </a:pPr>
+            <a:r>
+              <a:rPr lang="pt-BR" sz="2400" dirty="0">
+                <a:solidFill>
+                  <a:schemeClr val="bg1"/>
+                </a:solidFill>
+              </a:rPr>
+              <a:t>Falta de organização</a:t>
+            </a:r>
+          </a:p>
+        </p:txBody>
+      </p:sp>
+      <p:sp>
+        <p:nvSpPr>
+          <p:cNvPr id="22" name="CaixaDeTexto 21">
+            <a:extLst>
+              <a:ext uri="{FF2B5EF4-FFF2-40B4-BE49-F238E27FC236}">
+                <a16:creationId xmlns:a16="http://schemas.microsoft.com/office/drawing/2014/main" id="{818B1DD2-F872-463F-A547-6F4FE6B02595}"/>
+              </a:ext>
+            </a:extLst>
+          </p:cNvPr>
+          <p:cNvSpPr txBox="1"/>
+          <p:nvPr/>
+        </p:nvSpPr>
+        <p:spPr>
+          <a:xfrm>
+            <a:off x="6653737" y="3975093"/>
+            <a:ext cx="4182386" cy="461665"/>
+          </a:xfrm>
+          <a:prstGeom prst="rect">
+            <a:avLst/>
+          </a:prstGeom>
+          <a:noFill/>
+        </p:spPr>
+        <p:txBody>
+          <a:bodyPr wrap="square" rtlCol="0">
+            <a:spAutoFit/>
+          </a:bodyPr>
+          <a:lstStyle/>
+          <a:p>
+            <a:pPr marL="342900" indent="-342900">
+              <a:buFont typeface="Arial" panose="020B0604020202020204" pitchFamily="34" charset="0"/>
+              <a:buChar char="•"/>
+            </a:pPr>
+            <a:r>
+              <a:rPr lang="pt-BR" sz="2400" dirty="0">
+                <a:solidFill>
+                  <a:schemeClr val="bg1"/>
+                </a:solidFill>
+              </a:rPr>
+              <a:t>Agendamento online</a:t>
+            </a:r>
+          </a:p>
+        </p:txBody>
+      </p:sp>
+      <p:sp>
+        <p:nvSpPr>
+          <p:cNvPr id="23" name="CaixaDeTexto 22">
+            <a:extLst>
+              <a:ext uri="{FF2B5EF4-FFF2-40B4-BE49-F238E27FC236}">
+                <a16:creationId xmlns:a16="http://schemas.microsoft.com/office/drawing/2014/main" id="{092CF1D4-3CCF-4500-9A04-44DD85C4DB33}"/>
+              </a:ext>
+            </a:extLst>
+          </p:cNvPr>
+          <p:cNvSpPr txBox="1"/>
+          <p:nvPr/>
+        </p:nvSpPr>
+        <p:spPr>
+          <a:xfrm>
+            <a:off x="6655691" y="2389792"/>
+            <a:ext cx="4182386" cy="830997"/>
+          </a:xfrm>
+          <a:prstGeom prst="rect">
+            <a:avLst/>
+          </a:prstGeom>
+          <a:noFill/>
+        </p:spPr>
+        <p:txBody>
+          <a:bodyPr wrap="square" rtlCol="0">
+            <a:spAutoFit/>
+          </a:bodyPr>
+          <a:lstStyle/>
+          <a:p>
+            <a:pPr marL="342900" indent="-342900">
+              <a:buFont typeface="Arial" panose="020B0604020202020204" pitchFamily="34" charset="0"/>
+              <a:buChar char="•"/>
+            </a:pPr>
+            <a:r>
+              <a:rPr lang="pt-BR" sz="2400" dirty="0">
+                <a:solidFill>
+                  <a:schemeClr val="bg1"/>
+                </a:solidFill>
+              </a:rPr>
+              <a:t>Redistribuir os aparelhos pelo prédio</a:t>
+            </a:r>
+          </a:p>
+        </p:txBody>
+      </p:sp>
+      <p:sp>
+        <p:nvSpPr>
+          <p:cNvPr id="24" name="CaixaDeTexto 23">
+            <a:extLst>
+              <a:ext uri="{FF2B5EF4-FFF2-40B4-BE49-F238E27FC236}">
+                <a16:creationId xmlns:a16="http://schemas.microsoft.com/office/drawing/2014/main" id="{DAA4315D-CFD4-4230-98F1-355C9D5CB9E1}"/>
+              </a:ext>
+            </a:extLst>
+          </p:cNvPr>
+          <p:cNvSpPr txBox="1"/>
+          <p:nvPr/>
+        </p:nvSpPr>
+        <p:spPr>
+          <a:xfrm>
+            <a:off x="6655691" y="3360162"/>
+            <a:ext cx="4182386" cy="461665"/>
+          </a:xfrm>
+          <a:prstGeom prst="rect">
+            <a:avLst/>
+          </a:prstGeom>
+          <a:noFill/>
+        </p:spPr>
+        <p:txBody>
+          <a:bodyPr wrap="square" rtlCol="0">
+            <a:spAutoFit/>
+          </a:bodyPr>
+          <a:lstStyle/>
+          <a:p>
+            <a:pPr marL="342900" indent="-342900">
+              <a:buFont typeface="Arial" panose="020B0604020202020204" pitchFamily="34" charset="0"/>
+              <a:buChar char="•"/>
+            </a:pPr>
+            <a:r>
+              <a:rPr lang="pt-BR" sz="2400" dirty="0">
+                <a:solidFill>
+                  <a:schemeClr val="bg1"/>
+                </a:solidFill>
+              </a:rPr>
+              <a:t>Distância mínima nas filas</a:t>
+            </a:r>
+          </a:p>
+        </p:txBody>
+      </p:sp>
+    </p:spTree>
+    <p:extLst>
+      <p:ext uri="{BB962C8B-B14F-4D97-AF65-F5344CB8AC3E}">
+        <p14:creationId xmlns:p14="http://schemas.microsoft.com/office/powerpoint/2010/main" val="248095726"/>
+      </p:ext>
+    </p:extLst>
+  </p:cSld>
+  <p:clrMapOvr>
+    <a:masterClrMapping/>
+  </p:clrMapOvr>
+  <p:timing>
+    <p:tnLst>
+      <p:par>
+        <p:cTn id="1" dur="indefinite" restart="never" nodeType="tmRoot">
+          <p:childTnLst>
+            <p:seq concurrent="1" nextAc="seek">
+              <p:cTn id="2" dur="indefinite" nodeType="mainSeq">
+                <p:childTnLst>
+                  <p:par>
+                    <p:cTn id="3" fill="hold">
+                      <p:stCondLst>
+                        <p:cond delay="indefinite"/>
+                      </p:stCondLst>
+                      <p:childTnLst>
+                        <p:par>
+                          <p:cTn id="4" fill="hold">
+                            <p:stCondLst>
+                              <p:cond delay="0"/>
+                            </p:stCondLst>
+                            <p:childTnLst>
+                              <p:par>
+                                <p:cTn id="5" presetID="1" presetClass="entr" presetSubtype="0" fill="hold" grpId="0" nodeType="clickEffect">
+                                  <p:stCondLst>
+                                    <p:cond delay="0"/>
+                                  </p:stCondLst>
+                                  <p:childTnLst>
+                                    <p:set>
+                                      <p:cBhvr>
+                                        <p:cTn id="6" dur="1" fill="hold">
+                                          <p:stCondLst>
+                                            <p:cond delay="0"/>
+                                          </p:stCondLst>
+                                        </p:cTn>
+                                        <p:tgtEl>
+                                          <p:spTgt spid="17"/>
+                                        </p:tgtEl>
+                                        <p:attrNameLst>
+                                          <p:attrName>style.visibility</p:attrName>
+                                        </p:attrNameLst>
+                                      </p:cBhvr>
+                                      <p:to>
+                                        <p:strVal val="visible"/>
+                                      </p:to>
+                                    </p:set>
+                                  </p:childTnLst>
+                                </p:cTn>
+                              </p:par>
+                              <p:par>
+                                <p:cTn id="7" presetID="1" presetClass="entr" presetSubtype="0" fill="hold" grpId="0" nodeType="withEffect">
+                                  <p:stCondLst>
+                                    <p:cond delay="0"/>
+                                  </p:stCondLst>
+                                  <p:childTnLst>
+                                    <p:set>
+                                      <p:cBhvr>
+                                        <p:cTn id="8" dur="1" fill="hold">
+                                          <p:stCondLst>
+                                            <p:cond delay="0"/>
+                                          </p:stCondLst>
+                                        </p:cTn>
+                                        <p:tgtEl>
+                                          <p:spTgt spid="19"/>
+                                        </p:tgtEl>
+                                        <p:attrNameLst>
+                                          <p:attrName>style.visibility</p:attrName>
+                                        </p:attrNameLst>
+                                      </p:cBhvr>
+                                      <p:to>
+                                        <p:strVal val="visible"/>
+                                      </p:to>
+                                    </p:set>
+                                  </p:childTnLst>
+                                </p:cTn>
+                              </p:par>
+                            </p:childTnLst>
+                          </p:cTn>
+                        </p:par>
+                      </p:childTnLst>
+                    </p:cTn>
+                  </p:par>
+                  <p:par>
+                    <p:cTn id="9" fill="hold">
+                      <p:stCondLst>
+                        <p:cond delay="indefinite"/>
+                      </p:stCondLst>
+                      <p:childTnLst>
+                        <p:par>
+                          <p:cTn id="10" fill="hold">
+                            <p:stCondLst>
+                              <p:cond delay="0"/>
+                            </p:stCondLst>
+                            <p:childTnLst>
+                              <p:par>
+                                <p:cTn id="11" presetID="1" presetClass="entr" presetSubtype="0" fill="hold" grpId="0" nodeType="clickEffect">
+                                  <p:stCondLst>
+                                    <p:cond delay="0"/>
+                                  </p:stCondLst>
+                                  <p:childTnLst>
+                                    <p:set>
+                                      <p:cBhvr>
+                                        <p:cTn id="12" dur="1" fill="hold">
+                                          <p:stCondLst>
+                                            <p:cond delay="0"/>
+                                          </p:stCondLst>
+                                        </p:cTn>
+                                        <p:tgtEl>
+                                          <p:spTgt spid="20"/>
+                                        </p:tgtEl>
+                                        <p:attrNameLst>
+                                          <p:attrName>style.visibility</p:attrName>
+                                        </p:attrNameLst>
+                                      </p:cBhvr>
+                                      <p:to>
+                                        <p:strVal val="visible"/>
+                                      </p:to>
+                                    </p:set>
+                                  </p:childTnLst>
+                                </p:cTn>
+                              </p:par>
+                            </p:childTnLst>
+                          </p:cTn>
+                        </p:par>
+                      </p:childTnLst>
+                    </p:cTn>
+                  </p:par>
+                  <p:par>
+                    <p:cTn id="13" fill="hold">
+                      <p:stCondLst>
+                        <p:cond delay="indefinite"/>
+                      </p:stCondLst>
+                      <p:childTnLst>
+                        <p:par>
+                          <p:cTn id="14" fill="hold">
+                            <p:stCondLst>
+                              <p:cond delay="0"/>
+                            </p:stCondLst>
+                            <p:childTnLst>
+                              <p:par>
+                                <p:cTn id="15" presetID="1" presetClass="entr" presetSubtype="0" fill="hold" grpId="0" nodeType="clickEffect">
+                                  <p:stCondLst>
+                                    <p:cond delay="0"/>
+                                  </p:stCondLst>
+                                  <p:childTnLst>
+                                    <p:set>
+                                      <p:cBhvr>
+                                        <p:cTn id="16" dur="1" fill="hold">
+                                          <p:stCondLst>
+                                            <p:cond delay="0"/>
+                                          </p:stCondLst>
+                                        </p:cTn>
+                                        <p:tgtEl>
+                                          <p:spTgt spid="21"/>
+                                        </p:tgtEl>
+                                        <p:attrNameLst>
+                                          <p:attrName>style.visibility</p:attrName>
+                                        </p:attrNameLst>
+                                      </p:cBhvr>
+                                      <p:to>
+                                        <p:strVal val="visible"/>
+                                      </p:to>
+                                    </p:set>
+                                  </p:childTnLst>
+                                </p:cTn>
+                              </p:par>
+                            </p:childTnLst>
+                          </p:cTn>
+                        </p:par>
+                      </p:childTnLst>
+                    </p:cTn>
+                  </p:par>
+                  <p:par>
+                    <p:cTn id="17" fill="hold">
+                      <p:stCondLst>
+                        <p:cond delay="indefinite"/>
+                      </p:stCondLst>
+                      <p:childTnLst>
+                        <p:par>
+                          <p:cTn id="18" fill="hold">
+                            <p:stCondLst>
+                              <p:cond delay="0"/>
+                            </p:stCondLst>
+                            <p:childTnLst>
+                              <p:par>
+                                <p:cTn id="19" presetID="1" presetClass="entr" presetSubtype="0" fill="hold" grpId="0" nodeType="clickEffect">
+                                  <p:stCondLst>
+                                    <p:cond delay="0"/>
+                                  </p:stCondLst>
+                                  <p:childTnLst>
+                                    <p:set>
+                                      <p:cBhvr>
+                                        <p:cTn id="20" dur="1" fill="hold">
+                                          <p:stCondLst>
+                                            <p:cond delay="0"/>
+                                          </p:stCondLst>
+                                        </p:cTn>
+                                        <p:tgtEl>
+                                          <p:spTgt spid="18"/>
+                                        </p:tgtEl>
+                                        <p:attrNameLst>
+                                          <p:attrName>style.visibility</p:attrName>
+                                        </p:attrNameLst>
+                                      </p:cBhvr>
+                                      <p:to>
+                                        <p:strVal val="visible"/>
+                                      </p:to>
+                                    </p:set>
+                                  </p:childTnLst>
+                                </p:cTn>
+                              </p:par>
+                              <p:par>
+                                <p:cTn id="21" presetID="1" presetClass="entr" presetSubtype="0" fill="hold" grpId="0" nodeType="withEffect">
+                                  <p:stCondLst>
+                                    <p:cond delay="0"/>
+                                  </p:stCondLst>
+                                  <p:childTnLst>
+                                    <p:set>
+                                      <p:cBhvr>
+                                        <p:cTn id="22" dur="1" fill="hold">
+                                          <p:stCondLst>
+                                            <p:cond delay="0"/>
+                                          </p:stCondLst>
+                                        </p:cTn>
+                                        <p:tgtEl>
+                                          <p:spTgt spid="23"/>
+                                        </p:tgtEl>
+                                        <p:attrNameLst>
+                                          <p:attrName>style.visibility</p:attrName>
+                                        </p:attrNameLst>
+                                      </p:cBhvr>
+                                      <p:to>
+                                        <p:strVal val="visible"/>
+                                      </p:to>
+                                    </p:set>
+                                  </p:childTnLst>
+                                </p:cTn>
+                              </p:par>
+                            </p:childTnLst>
+                          </p:cTn>
+                        </p:par>
+                      </p:childTnLst>
+                    </p:cTn>
+                  </p:par>
+                  <p:par>
+                    <p:cTn id="23" fill="hold">
+                      <p:stCondLst>
+                        <p:cond delay="indefinite"/>
+                      </p:stCondLst>
+                      <p:childTnLst>
+                        <p:par>
+                          <p:cTn id="24" fill="hold">
+                            <p:stCondLst>
+                              <p:cond delay="0"/>
+                            </p:stCondLst>
+                            <p:childTnLst>
+                              <p:par>
+                                <p:cTn id="25" presetID="1" presetClass="entr" presetSubtype="0" fill="hold" grpId="0" nodeType="clickEffect">
+                                  <p:stCondLst>
+                                    <p:cond delay="0"/>
+                                  </p:stCondLst>
+                                  <p:childTnLst>
+                                    <p:set>
+                                      <p:cBhvr>
+                                        <p:cTn id="26" dur="1" fill="hold">
+                                          <p:stCondLst>
+                                            <p:cond delay="0"/>
+                                          </p:stCondLst>
+                                        </p:cTn>
+                                        <p:tgtEl>
+                                          <p:spTgt spid="24"/>
+                                        </p:tgtEl>
+                                        <p:attrNameLst>
+                                          <p:attrName>style.visibility</p:attrName>
+                                        </p:attrNameLst>
+                                      </p:cBhvr>
+                                      <p:to>
+                                        <p:strVal val="visible"/>
+                                      </p:to>
+                                    </p:set>
+                                  </p:childTnLst>
+                                </p:cTn>
+                              </p:par>
+                            </p:childTnLst>
+                          </p:cTn>
+                        </p:par>
+                      </p:childTnLst>
+                    </p:cTn>
+                  </p:par>
+                  <p:par>
+                    <p:cTn id="27" fill="hold">
+                      <p:stCondLst>
+                        <p:cond delay="indefinite"/>
+                      </p:stCondLst>
+                      <p:childTnLst>
+                        <p:par>
+                          <p:cTn id="28" fill="hold">
+                            <p:stCondLst>
+                              <p:cond delay="0"/>
+                            </p:stCondLst>
+                            <p:childTnLst>
+                              <p:par>
+                                <p:cTn id="29" presetID="1" presetClass="entr" presetSubtype="0" fill="hold" grpId="0" nodeType="clickEffect">
+                                  <p:stCondLst>
+                                    <p:cond delay="0"/>
+                                  </p:stCondLst>
+                                  <p:childTnLst>
+                                    <p:set>
+                                      <p:cBhvr>
+                                        <p:cTn id="30" dur="1" fill="hold">
+                                          <p:stCondLst>
+                                            <p:cond delay="0"/>
+                                          </p:stCondLst>
+                                        </p:cTn>
+                                        <p:tgtEl>
+                                          <p:spTgt spid="22"/>
+                                        </p:tgtEl>
+                                        <p:attrNameLst>
+                                          <p:attrName>style.visibility</p:attrName>
+                                        </p:attrNameLst>
+                                      </p:cBhvr>
+                                      <p:to>
+                                        <p:strVal val="visible"/>
+                                      </p:to>
+                                    </p:set>
+                                  </p:childTnLst>
+                                </p:cTn>
+                              </p:par>
+                            </p:childTnLst>
+                          </p:cTn>
+                        </p:par>
+                      </p:childTnLst>
+                    </p:cTn>
+                  </p:par>
+                </p:childTnLst>
+              </p:cTn>
+              <p:prevCondLst>
+                <p:cond evt="onPrev" delay="0">
+                  <p:tgtEl>
+                    <p:sldTgt/>
+                  </p:tgtEl>
+                </p:cond>
+              </p:prevCondLst>
+              <p:nextCondLst>
+                <p:cond evt="onNext" delay="0">
+                  <p:tgtEl>
+                    <p:sldTgt/>
+                  </p:tgtEl>
+                </p:cond>
+              </p:nextCondLst>
+            </p:seq>
+          </p:childTnLst>
+        </p:cTn>
+      </p:par>
+    </p:tnLst>
+    <p:bldLst>
+      <p:bldP spid="17" grpId="0"/>
+      <p:bldP spid="18" grpId="0"/>
+      <p:bldP spid="19" grpId="0"/>
+      <p:bldP spid="20" grpId="0"/>
+      <p:bldP spid="21" grpId="0"/>
+      <p:bldP spid="22" grpId="0"/>
+      <p:bldP spid="23" grpId="0"/>
+      <p:bldP spid="24" grpId="0"/>
+    </p:bldLst>
+  </p:timing>
+</p:sld>
+</file>
+
+<file path=ppt/slides/slide15.xml><?xml version="1.0" encoding="utf-8"?>
+<p:sld xmlns:a="http://schemas.openxmlformats.org/drawingml/2006/main" xmlns:r="http://schemas.openxmlformats.org/officeDocument/2006/relationships" xmlns:p="http://schemas.openxmlformats.org/presentationml/2006/main">
+  <p:cSld>
+    <p:bg>
+      <p:bgPr>
+        <a:solidFill>
+          <a:schemeClr val="bg1"/>
+        </a:solidFill>
+        <a:effectLst/>
+      </p:bgPr>
+    </p:bg>
+    <p:spTree>
+      <p:nvGrpSpPr>
+        <p:cNvPr id="1" name=""/>
+        <p:cNvGrpSpPr/>
+        <p:nvPr/>
+      </p:nvGrpSpPr>
+      <p:grpSpPr>
+        <a:xfrm>
+          <a:off x="0" y="0"/>
+          <a:ext cx="0" cy="0"/>
+          <a:chOff x="0" y="0"/>
+          <a:chExt cx="0" cy="0"/>
+        </a:xfrm>
+      </p:grpSpPr>
+      <p:sp>
+        <p:nvSpPr>
+          <p:cNvPr id="10" name="Rectangle 9">
+            <a:extLst>
+              <a:ext uri="{FF2B5EF4-FFF2-40B4-BE49-F238E27FC236}">
+                <a16:creationId xmlns:a16="http://schemas.microsoft.com/office/drawing/2014/main" id="{67009BBA-DC62-4808-B0A8-DC86986B7608}"/>
+              </a:ext>
+              <a:ext uri="{C183D7F6-B498-43B3-948B-1728B52AA6E4}">
+                <adec:decorative xmlns:adec="http://schemas.microsoft.com/office/drawing/2017/decorative" xmlns="" val="1"/>
+              </a:ext>
+            </a:extLst>
+          </p:cNvPr>
+          <p:cNvSpPr>
+            <a:spLocks noGrp="1" noRot="1" noChangeAspect="1" noMove="1" noResize="1" noEditPoints="1" noAdjustHandles="1" noChangeArrowheads="1" noChangeShapeType="1" noTextEdit="1"/>
+          </p:cNvSpPr>
+          <p:nvPr>
+            <p:extLst>
+              <p:ext uri="{386F3935-93C4-4BCD-93E2-E3B085C9AB24}">
+                <p16:designElem xmlns:p16="http://schemas.microsoft.com/office/powerpoint/2015/main" val="1"/>
+              </p:ext>
+            </p:extLst>
+          </p:nvPr>
+        </p:nvSpPr>
+        <p:spPr>
+          <a:xfrm>
+            <a:off x="0" y="0"/>
+            <a:ext cx="12192000" cy="6858000"/>
+          </a:xfrm>
+          <a:prstGeom prst="rect">
+            <a:avLst/>
+          </a:prstGeom>
+          <a:solidFill>
+            <a:schemeClr val="accent2"/>
+          </a:solidFill>
+          <a:ln>
+            <a:noFill/>
+          </a:ln>
+        </p:spPr>
+        <p:style>
+          <a:lnRef idx="2">
+            <a:schemeClr val="accent1">
+              <a:shade val="50000"/>
+            </a:schemeClr>
+          </a:lnRef>
+          <a:fillRef idx="1">
+            <a:schemeClr val="accent1"/>
+          </a:fillRef>
+          <a:effectRef idx="0">
+            <a:schemeClr val="accent1"/>
+          </a:effectRef>
+          <a:fontRef idx="minor">
+            <a:schemeClr val="lt1"/>
+          </a:fontRef>
+        </p:style>
+        <p:txBody>
+          <a:bodyPr rtlCol="0" anchor="ctr"/>
+          <a:lstStyle/>
+          <a:p>
+            <a:pPr algn="ctr"/>
+            <a:endParaRPr lang="en-US">
+              <a:solidFill>
+                <a:schemeClr val="bg1"/>
+              </a:solidFill>
+            </a:endParaRPr>
+          </a:p>
+        </p:txBody>
+      </p:sp>
+      <p:pic>
+        <p:nvPicPr>
+          <p:cNvPr id="5" name="Espaço Reservado para Conteúdo 4" descr="Uma imagem contendo lego&#10;&#10;Descrição gerada automaticamente">
+            <a:extLst>
+              <a:ext uri="{FF2B5EF4-FFF2-40B4-BE49-F238E27FC236}">
+                <a16:creationId xmlns:a16="http://schemas.microsoft.com/office/drawing/2014/main" id="{7C9CDD52-56D6-404C-8D83-86C396A6AF0E}"/>
+              </a:ext>
+            </a:extLst>
+          </p:cNvPr>
+          <p:cNvPicPr>
+            <a:picLocks noGrp="1" noChangeAspect="1"/>
+          </p:cNvPicPr>
+          <p:nvPr>
+            <p:ph idx="1"/>
+          </p:nvPr>
+        </p:nvPicPr>
+        <p:blipFill rotWithShape="1">
+          <a:blip r:embed="rId2">
+            <a:extLst>
+              <a:ext uri="{28A0092B-C50C-407E-A947-70E740481C1C}">
+                <a14:useLocalDpi xmlns:a14="http://schemas.microsoft.com/office/drawing/2010/main" val="0"/>
+              </a:ext>
+            </a:extLst>
+          </a:blip>
+          <a:srcRect r="-2" b="-2"/>
+          <a:stretch/>
+        </p:blipFill>
+        <p:spPr>
+          <a:xfrm>
+            <a:off x="9826416" y="4788081"/>
+            <a:ext cx="1896714" cy="1896714"/>
+          </a:xfrm>
+          <a:custGeom>
+            <a:avLst/>
+            <a:gdLst/>
+            <a:ahLst/>
+            <a:cxnLst/>
+            <a:rect l="l" t="t" r="r" b="b"/>
+            <a:pathLst>
+              <a:path w="2232338" h="2232338">
+                <a:moveTo>
+                  <a:pt x="1116169" y="0"/>
+                </a:moveTo>
+                <a:cubicBezTo>
+                  <a:pt x="1732612" y="0"/>
+                  <a:pt x="2232338" y="499726"/>
+                  <a:pt x="2232338" y="1116169"/>
+                </a:cubicBezTo>
+                <a:cubicBezTo>
+                  <a:pt x="2232338" y="1732612"/>
+                  <a:pt x="1732612" y="2232338"/>
+                  <a:pt x="1116169" y="2232338"/>
+                </a:cubicBezTo>
+                <a:cubicBezTo>
+                  <a:pt x="499726" y="2232338"/>
+                  <a:pt x="0" y="1732612"/>
+                  <a:pt x="0" y="1116169"/>
+                </a:cubicBezTo>
+                <a:cubicBezTo>
+                  <a:pt x="0" y="499726"/>
+                  <a:pt x="499726" y="0"/>
+                  <a:pt x="1116169" y="0"/>
+                </a:cubicBezTo>
+                <a:close/>
+              </a:path>
+            </a:pathLst>
+          </a:custGeom>
+        </p:spPr>
+      </p:pic>
+      <p:sp>
+        <p:nvSpPr>
+          <p:cNvPr id="12" name="Arc 11">
+            <a:extLst>
+              <a:ext uri="{FF2B5EF4-FFF2-40B4-BE49-F238E27FC236}">
+                <a16:creationId xmlns:a16="http://schemas.microsoft.com/office/drawing/2014/main" id="{3F9BDB9F-8714-4605-B1BF-670E94960019}"/>
+              </a:ext>
+              <a:ext uri="{C183D7F6-B498-43B3-948B-1728B52AA6E4}">
+                <adec:decorative xmlns:adec="http://schemas.microsoft.com/office/drawing/2017/decorative" xmlns="" val="1"/>
+              </a:ext>
+            </a:extLst>
+          </p:cNvPr>
+          <p:cNvSpPr>
+            <a:spLocks noGrp="1" noRot="1" noChangeAspect="1" noMove="1" noResize="1" noEditPoints="1" noAdjustHandles="1" noChangeArrowheads="1" noChangeShapeType="1" noTextEdit="1"/>
+          </p:cNvSpPr>
+          <p:nvPr>
+            <p:extLst>
+              <p:ext uri="{386F3935-93C4-4BCD-93E2-E3B085C9AB24}">
+                <p16:designElem xmlns:p16="http://schemas.microsoft.com/office/powerpoint/2015/main" val="1"/>
+              </p:ext>
+            </p:extLst>
+          </p:nvPr>
+        </p:nvSpPr>
+        <p:spPr>
+          <a:xfrm rot="1657504">
+            <a:off x="8488250" y="695616"/>
+            <a:ext cx="2987899" cy="2987899"/>
+          </a:xfrm>
+          <a:prstGeom prst="arc">
+            <a:avLst>
+              <a:gd name="adj1" fmla="val 16200000"/>
+              <a:gd name="adj2" fmla="val 2188646"/>
+            </a:avLst>
+          </a:prstGeom>
+          <a:ln w="127000" cap="rnd">
+            <a:solidFill>
+              <a:schemeClr val="accent4"/>
+            </a:solidFill>
+            <a:prstDash val="dash"/>
+          </a:ln>
+        </p:spPr>
+        <p:style>
+          <a:lnRef idx="1">
+            <a:schemeClr val="accent1"/>
+          </a:lnRef>
+          <a:fillRef idx="0">
+            <a:schemeClr val="accent1"/>
+          </a:fillRef>
+          <a:effectRef idx="0">
+            <a:schemeClr val="accent1"/>
+          </a:effectRef>
+          <a:fontRef idx="minor">
+            <a:schemeClr val="tx1"/>
+          </a:fontRef>
+        </p:style>
+        <p:txBody>
+          <a:bodyPr rtlCol="0" anchor="ctr"/>
+          <a:lstStyle/>
+          <a:p>
+            <a:pPr marL="0" marR="0" lvl="0" indent="0" algn="ctr" defTabSz="914400" rtl="0" eaLnBrk="1" fontAlgn="auto" latinLnBrk="0" hangingPunct="1">
+              <a:lnSpc>
+                <a:spcPct val="100000"/>
+              </a:lnSpc>
+              <a:spcBef>
+                <a:spcPts val="0"/>
+              </a:spcBef>
+              <a:spcAft>
+                <a:spcPts val="0"/>
+              </a:spcAft>
+              <a:buClrTx/>
+              <a:buSzTx/>
+              <a:buFontTx/>
+              <a:buNone/>
+              <a:tabLst/>
+              <a:defRPr/>
+            </a:pPr>
+            <a:endParaRPr kumimoji="0" lang="en-US" sz="1800" b="0" i="0" u="none" strike="noStrike" kern="1200" cap="none" spc="0" normalizeH="0" baseline="0" noProof="0">
+              <a:ln>
+                <a:noFill/>
+              </a:ln>
+              <a:solidFill>
+                <a:srgbClr val="000000"/>
+              </a:solidFill>
+              <a:effectLst/>
+              <a:uLnTx/>
+              <a:uFillTx/>
+              <a:latin typeface="Calibri" panose="020F0502020204030204"/>
+              <a:ea typeface="+mn-ea"/>
+              <a:cs typeface="+mn-cs"/>
+            </a:endParaRPr>
+          </a:p>
+        </p:txBody>
+      </p:sp>
+      <p:sp>
+        <p:nvSpPr>
+          <p:cNvPr id="14" name="Oval 13">
+            <a:extLst>
+              <a:ext uri="{FF2B5EF4-FFF2-40B4-BE49-F238E27FC236}">
+                <a16:creationId xmlns:a16="http://schemas.microsoft.com/office/drawing/2014/main" id="{CB339924-0C86-4476-A81F-37DCF289E1AB}"/>
+              </a:ext>
+              <a:ext uri="{C183D7F6-B498-43B3-948B-1728B52AA6E4}">
+                <adec:decorative xmlns:adec="http://schemas.microsoft.com/office/drawing/2017/decorative" xmlns="" val="1"/>
+              </a:ext>
+            </a:extLst>
+          </p:cNvPr>
+          <p:cNvSpPr>
+            <a:spLocks noGrp="1" noRot="1" noChangeAspect="1" noMove="1" noResize="1" noEditPoints="1" noAdjustHandles="1" noChangeArrowheads="1" noChangeShapeType="1" noTextEdit="1"/>
+          </p:cNvSpPr>
+          <p:nvPr>
+            <p:extLst>
+              <p:ext uri="{386F3935-93C4-4BCD-93E2-E3B085C9AB24}">
+                <p16:designElem xmlns:p16="http://schemas.microsoft.com/office/powerpoint/2015/main" val="1"/>
+              </p:ext>
+            </p:extLst>
+          </p:nvPr>
+        </p:nvSpPr>
+        <p:spPr>
+          <a:xfrm>
+            <a:off x="4637267" y="4948670"/>
+            <a:ext cx="846442" cy="823480"/>
+          </a:xfrm>
+          <a:prstGeom prst="ellipse">
+            <a:avLst/>
+          </a:prstGeom>
+          <a:solidFill>
+            <a:schemeClr val="accent4"/>
+          </a:solidFill>
+          <a:ln>
+            <a:noFill/>
+          </a:ln>
+        </p:spPr>
+        <p:style>
+          <a:lnRef idx="2">
+            <a:schemeClr val="accent1">
+              <a:shade val="50000"/>
+            </a:schemeClr>
+          </a:lnRef>
+          <a:fillRef idx="1">
+            <a:schemeClr val="accent1"/>
+          </a:fillRef>
+          <a:effectRef idx="0">
+            <a:schemeClr val="accent1"/>
+          </a:effectRef>
+          <a:fontRef idx="minor">
+            <a:schemeClr val="lt1"/>
+          </a:fontRef>
+        </p:style>
+        <p:txBody>
+          <a:bodyPr rtlCol="0" anchor="ctr"/>
+          <a:lstStyle/>
+          <a:p>
+            <a:pPr marL="0" marR="0" lvl="0" indent="0" algn="ctr" defTabSz="914400" rtl="0" eaLnBrk="1" fontAlgn="auto" latinLnBrk="0" hangingPunct="1">
+              <a:lnSpc>
+                <a:spcPct val="100000"/>
+              </a:lnSpc>
+              <a:spcBef>
+                <a:spcPts val="0"/>
+              </a:spcBef>
+              <a:spcAft>
+                <a:spcPts val="0"/>
+              </a:spcAft>
+              <a:buClrTx/>
+              <a:buSzTx/>
+              <a:buFontTx/>
+              <a:buNone/>
+              <a:tabLst/>
+              <a:defRPr/>
+            </a:pPr>
+            <a:endParaRPr kumimoji="0" lang="en-US" sz="1800" b="0" i="0" u="none" strike="noStrike" kern="1200" cap="none" spc="0" normalizeH="0" baseline="0" noProof="0">
+              <a:ln>
+                <a:noFill/>
+              </a:ln>
+              <a:solidFill>
+                <a:srgbClr val="FFFFFF"/>
+              </a:solidFill>
+              <a:effectLst/>
+              <a:uLnTx/>
+              <a:uFillTx/>
+              <a:latin typeface="Calibri" panose="020F0502020204030204"/>
+              <a:ea typeface="+mn-ea"/>
+              <a:cs typeface="+mn-cs"/>
+            </a:endParaRPr>
+          </a:p>
+        </p:txBody>
+      </p:sp>
+      <p:sp>
+        <p:nvSpPr>
+          <p:cNvPr id="9" name="CaixaDeTexto 8">
+            <a:extLst>
+              <a:ext uri="{FF2B5EF4-FFF2-40B4-BE49-F238E27FC236}">
+                <a16:creationId xmlns:a16="http://schemas.microsoft.com/office/drawing/2014/main" id="{FC756D13-C3AF-4587-AB14-68430EF34789}"/>
+              </a:ext>
+            </a:extLst>
+          </p:cNvPr>
+          <p:cNvSpPr txBox="1"/>
+          <p:nvPr/>
+        </p:nvSpPr>
+        <p:spPr>
+          <a:xfrm>
             <a:off x="3434769" y="698578"/>
             <a:ext cx="5322461" cy="646331"/>
           </a:xfrm>
@@ -9280,14 +9623,14 @@
           <a:p>
             <a:pPr algn="ctr"/>
             <a:r>
-              <a:rPr lang="en-US" sz="3600" dirty="0" err="1">
+              <a:rPr lang="en-US" sz="3600" b="1" dirty="0" err="1">
                 <a:solidFill>
                   <a:srgbClr val="FFFFFF"/>
                 </a:solidFill>
               </a:rPr>
               <a:t>Problema</a:t>
             </a:r>
-            <a:endParaRPr lang="en-US" sz="3200" dirty="0">
+            <a:endParaRPr lang="en-US" sz="3200" b="1" dirty="0">
               <a:solidFill>
                 <a:srgbClr val="FFFFFF"/>
               </a:solidFill>
@@ -9344,14 +9687,14 @@
           <a:p>
             <a:pPr algn="ctr"/>
             <a:r>
-              <a:rPr lang="en-US" sz="3300" dirty="0" err="1">
+              <a:rPr lang="en-US" sz="3300" b="1" dirty="0" err="1">
                 <a:solidFill>
                   <a:srgbClr val="FFFFFF"/>
                 </a:solidFill>
               </a:rPr>
               <a:t>Solução</a:t>
             </a:r>
-            <a:endParaRPr lang="en-US" sz="3300" dirty="0">
+            <a:endParaRPr lang="en-US" sz="3300" b="1" dirty="0">
               <a:solidFill>
                 <a:srgbClr val="FFFFFF"/>
               </a:solidFill>
@@ -9526,8 +9869,37 @@
                   <a:schemeClr val="bg1"/>
                 </a:solidFill>
               </a:rPr>
-              <a:t>Onde a economia pode ser investida?</a:t>
-            </a:r>
+              <a:t>Onde </a:t>
+            </a:r>
+            <a:r>
+              <a:rPr lang="pt-BR" sz="2400" dirty="0" smtClean="0">
+                <a:solidFill>
+                  <a:schemeClr val="bg1"/>
+                </a:solidFill>
+              </a:rPr>
+              <a:t>o dinheiro poderia </a:t>
+            </a:r>
+            <a:r>
+              <a:rPr lang="pt-BR" sz="2400" dirty="0">
+                <a:solidFill>
+                  <a:schemeClr val="bg1"/>
+                </a:solidFill>
+              </a:rPr>
+              <a:t>ser </a:t>
+            </a:r>
+            <a:r>
+              <a:rPr lang="pt-BR" sz="2400" dirty="0" smtClean="0">
+                <a:solidFill>
+                  <a:schemeClr val="bg1"/>
+                </a:solidFill>
+              </a:rPr>
+              <a:t>investido?</a:t>
+            </a:r>
+            <a:endParaRPr lang="pt-BR" sz="2400" dirty="0">
+              <a:solidFill>
+                <a:schemeClr val="bg1"/>
+              </a:solidFill>
+            </a:endParaRPr>
           </a:p>
         </p:txBody>
       </p:sp>
@@ -10111,7 +10483,7 @@
 </p:sld>
 </file>
 
-<file path=ppt/slides/slide15.xml><?xml version="1.0" encoding="utf-8"?>
+<file path=ppt/slides/slide16.xml><?xml version="1.0" encoding="utf-8"?>
 <p:sld xmlns:a="http://schemas.openxmlformats.org/drawingml/2006/main" xmlns:r="http://schemas.openxmlformats.org/officeDocument/2006/relationships" xmlns:p="http://schemas.openxmlformats.org/presentationml/2006/main">
   <p:cSld>
     <p:bg>
@@ -10144,7 +10516,7 @@
                 <a16:creationId xmlns:a16="http://schemas.microsoft.com/office/drawing/2014/main" id="{67009BBA-DC62-4808-B0A8-DC86986B7608}"/>
               </a:ext>
               <a:ext uri="{C183D7F6-B498-43B3-948B-1728B52AA6E4}">
-                <adec:decorative xmlns:adec="http://schemas.microsoft.com/office/drawing/2017/decorative" val="1"/>
+                <adec:decorative xmlns:adec="http://schemas.microsoft.com/office/drawing/2017/decorative" xmlns="" val="1"/>
               </a:ext>
             </a:extLst>
           </p:cNvPr>
@@ -10280,7 +10652,7 @@
                 <a16:creationId xmlns:a16="http://schemas.microsoft.com/office/drawing/2014/main" id="{3F9BDB9F-8714-4605-B1BF-670E94960019}"/>
               </a:ext>
               <a:ext uri="{C183D7F6-B498-43B3-948B-1728B52AA6E4}">
-                <adec:decorative xmlns:adec="http://schemas.microsoft.com/office/drawing/2017/decorative" val="1"/>
+                <adec:decorative xmlns:adec="http://schemas.microsoft.com/office/drawing/2017/decorative" xmlns="" val="1"/>
               </a:ext>
             </a:extLst>
           </p:cNvPr>
@@ -10373,7 +10745,7 @@
                 <a16:creationId xmlns:a16="http://schemas.microsoft.com/office/drawing/2014/main" id="{CB339924-0C86-4476-A81F-37DCF289E1AB}"/>
               </a:ext>
               <a:ext uri="{C183D7F6-B498-43B3-948B-1728B52AA6E4}">
-                <adec:decorative xmlns:adec="http://schemas.microsoft.com/office/drawing/2017/decorative" val="1"/>
+                <adec:decorative xmlns:adec="http://schemas.microsoft.com/office/drawing/2017/decorative" xmlns="" val="1"/>
               </a:ext>
             </a:extLst>
           </p:cNvPr>
@@ -10546,14 +10918,14 @@
           <a:p>
             <a:pPr algn="ctr"/>
             <a:r>
-              <a:rPr lang="en-US" sz="3600" dirty="0" err="1">
+              <a:rPr lang="en-US" sz="3600" b="1" dirty="0" err="1">
                 <a:solidFill>
                   <a:srgbClr val="FFFFFF"/>
                 </a:solidFill>
               </a:rPr>
               <a:t>Problema</a:t>
             </a:r>
-            <a:endParaRPr lang="en-US" sz="3200" dirty="0">
+            <a:endParaRPr lang="en-US" sz="3200" b="1" dirty="0">
               <a:solidFill>
                 <a:srgbClr val="FFFFFF"/>
               </a:solidFill>
@@ -10610,14 +10982,14 @@
           <a:p>
             <a:pPr algn="ctr"/>
             <a:r>
-              <a:rPr lang="en-US" sz="3300" dirty="0" err="1">
+              <a:rPr lang="en-US" sz="3300" b="1" dirty="0" err="1">
                 <a:solidFill>
                   <a:srgbClr val="FFFFFF"/>
                 </a:solidFill>
               </a:rPr>
               <a:t>Solução</a:t>
             </a:r>
-            <a:endParaRPr lang="en-US" sz="3300" dirty="0">
+            <a:endParaRPr lang="en-US" sz="3300" b="1" dirty="0">
               <a:solidFill>
                 <a:srgbClr val="FFFFFF"/>
               </a:solidFill>
@@ -10701,12 +11073,12 @@
               <a:buChar char="•"/>
             </a:pPr>
             <a:r>
-              <a:rPr lang="pt-BR" sz="2400" dirty="0" err="1">
+              <a:rPr lang="pt-BR" sz="2400" dirty="0" smtClean="0">
                 <a:solidFill>
                   <a:schemeClr val="bg1"/>
                 </a:solidFill>
               </a:rPr>
-              <a:t>Mals</a:t>
+              <a:t>Maus </a:t>
             </a:r>
             <a:r>
               <a:rPr lang="pt-BR" sz="2400" dirty="0">
@@ -10714,7 +11086,7 @@
                   <a:schemeClr val="bg1"/>
                 </a:solidFill>
               </a:rPr>
-              <a:t> hábitos </a:t>
+              <a:t>hábitos </a:t>
             </a:r>
           </a:p>
         </p:txBody>
@@ -11197,7 +11569,7 @@
 </p:sld>
 </file>
 
-<file path=ppt/slides/slide16.xml><?xml version="1.0" encoding="utf-8"?>
+<file path=ppt/slides/slide17.xml><?xml version="1.0" encoding="utf-8"?>
 <p:sld xmlns:a="http://schemas.openxmlformats.org/drawingml/2006/main" xmlns:r="http://schemas.openxmlformats.org/officeDocument/2006/relationships" xmlns:p="http://schemas.openxmlformats.org/presentationml/2006/main">
   <p:cSld>
     <p:bg>
@@ -11222,75 +11594,15 @@
           <a:chExt cx="0" cy="0"/>
         </a:xfrm>
       </p:grpSpPr>
-      <p:sp useBgFill="1">
-        <p:nvSpPr>
-          <p:cNvPr id="8" name="Rectangle 7">
-            <a:extLst>
-              <a:ext uri="{FF2B5EF4-FFF2-40B4-BE49-F238E27FC236}">
-                <a16:creationId xmlns:a16="http://schemas.microsoft.com/office/drawing/2014/main" id="{4E1BEB12-92AF-4445-98AD-4C7756E7C93B}"/>
+      <p:sp>
+        <p:nvSpPr>
+          <p:cNvPr id="10" name="Rectangle 9">
+            <a:extLst>
+              <a:ext uri="{FF2B5EF4-FFF2-40B4-BE49-F238E27FC236}">
+                <a16:creationId xmlns:a16="http://schemas.microsoft.com/office/drawing/2014/main" id="{67009BBA-DC62-4808-B0A8-DC86986B7608}"/>
               </a:ext>
               <a:ext uri="{C183D7F6-B498-43B3-948B-1728B52AA6E4}">
-                <adec:decorative xmlns:adec="http://schemas.microsoft.com/office/drawing/2017/decorative" val="1"/>
-              </a:ext>
-            </a:extLst>
-          </p:cNvPr>
-          <p:cNvSpPr>
-            <a:spLocks noGrp="1" noRot="1" noChangeAspect="1" noMove="1" noResize="1" noEditPoints="1" noAdjustHandles="1" noChangeArrowheads="1" noChangeShapeType="1" noTextEdit="1"/>
-          </p:cNvSpPr>
-          <p:nvPr>
-            <p:extLst>
-              <p:ext uri="{386F3935-93C4-4BCD-93E2-E3B085C9AB24}">
-                <p16:designElem xmlns:p16="http://schemas.microsoft.com/office/powerpoint/2015/main" val="1"/>
-              </p:ext>
-            </p:extLst>
-          </p:nvPr>
-        </p:nvSpPr>
-        <p:spPr>
-          <a:xfrm>
-            <a:off x="3048" y="0"/>
-            <a:ext cx="12188952" cy="6858000"/>
-          </a:xfrm>
-          <a:prstGeom prst="rect">
-            <a:avLst/>
-          </a:prstGeom>
-          <a:ln>
-            <a:noFill/>
-          </a:ln>
-        </p:spPr>
-        <p:style>
-          <a:lnRef idx="2">
-            <a:schemeClr val="accent1">
-              <a:shade val="50000"/>
-            </a:schemeClr>
-          </a:lnRef>
-          <a:fillRef idx="1">
-            <a:schemeClr val="accent1"/>
-          </a:fillRef>
-          <a:effectRef idx="0">
-            <a:schemeClr val="accent1"/>
-          </a:effectRef>
-          <a:fontRef idx="minor">
-            <a:schemeClr val="lt1"/>
-          </a:fontRef>
-        </p:style>
-        <p:txBody>
-          <a:bodyPr rtlCol="0" anchor="ctr"/>
-          <a:lstStyle/>
-          <a:p>
-            <a:pPr algn="ctr"/>
-            <a:endParaRPr lang="en-US" dirty="0"/>
-          </a:p>
-        </p:txBody>
-      </p:sp>
-      <p:sp>
-        <p:nvSpPr>
-          <p:cNvPr id="10" name="Rectangle 9">
-            <a:extLst>
-              <a:ext uri="{FF2B5EF4-FFF2-40B4-BE49-F238E27FC236}">
-                <a16:creationId xmlns:a16="http://schemas.microsoft.com/office/drawing/2014/main" id="{D0522C2C-7B5C-48A7-A969-03941E5D2E76}"/>
-              </a:ext>
-              <a:ext uri="{C183D7F6-B498-43B3-948B-1728B52AA6E4}">
-                <adec:decorative xmlns:adec="http://schemas.microsoft.com/office/drawing/2017/decorative" val="1"/>
+                <adec:decorative xmlns:adec="http://schemas.microsoft.com/office/drawing/2017/decorative" xmlns="" val="1"/>
               </a:ext>
             </a:extLst>
           </p:cNvPr>
@@ -11341,6 +11653,1027 @@
           <a:lstStyle/>
           <a:p>
             <a:pPr algn="ctr"/>
+            <a:endParaRPr lang="en-US">
+              <a:solidFill>
+                <a:schemeClr val="bg1"/>
+              </a:solidFill>
+            </a:endParaRPr>
+          </a:p>
+        </p:txBody>
+      </p:sp>
+      <p:pic>
+        <p:nvPicPr>
+          <p:cNvPr id="5" name="Espaço Reservado para Conteúdo 4" descr="Uma imagem contendo lego&#10;&#10;Descrição gerada automaticamente">
+            <a:extLst>
+              <a:ext uri="{FF2B5EF4-FFF2-40B4-BE49-F238E27FC236}">
+                <a16:creationId xmlns:a16="http://schemas.microsoft.com/office/drawing/2014/main" id="{7C9CDD52-56D6-404C-8D83-86C396A6AF0E}"/>
+              </a:ext>
+            </a:extLst>
+          </p:cNvPr>
+          <p:cNvPicPr>
+            <a:picLocks noGrp="1" noChangeAspect="1"/>
+          </p:cNvPicPr>
+          <p:nvPr>
+            <p:ph idx="1"/>
+          </p:nvPr>
+        </p:nvPicPr>
+        <p:blipFill rotWithShape="1">
+          <a:blip r:embed="rId2">
+            <a:extLst>
+              <a:ext uri="{28A0092B-C50C-407E-A947-70E740481C1C}">
+                <a14:useLocalDpi xmlns:a14="http://schemas.microsoft.com/office/drawing/2010/main" val="0"/>
+              </a:ext>
+            </a:extLst>
+          </a:blip>
+          <a:srcRect r="-2" b="-2"/>
+          <a:stretch/>
+        </p:blipFill>
+        <p:spPr>
+          <a:xfrm>
+            <a:off x="9826416" y="4788081"/>
+            <a:ext cx="1896714" cy="1896714"/>
+          </a:xfrm>
+          <a:custGeom>
+            <a:avLst/>
+            <a:gdLst/>
+            <a:ahLst/>
+            <a:cxnLst/>
+            <a:rect l="l" t="t" r="r" b="b"/>
+            <a:pathLst>
+              <a:path w="2232338" h="2232338">
+                <a:moveTo>
+                  <a:pt x="1116169" y="0"/>
+                </a:moveTo>
+                <a:cubicBezTo>
+                  <a:pt x="1732612" y="0"/>
+                  <a:pt x="2232338" y="499726"/>
+                  <a:pt x="2232338" y="1116169"/>
+                </a:cubicBezTo>
+                <a:cubicBezTo>
+                  <a:pt x="2232338" y="1732612"/>
+                  <a:pt x="1732612" y="2232338"/>
+                  <a:pt x="1116169" y="2232338"/>
+                </a:cubicBezTo>
+                <a:cubicBezTo>
+                  <a:pt x="499726" y="2232338"/>
+                  <a:pt x="0" y="1732612"/>
+                  <a:pt x="0" y="1116169"/>
+                </a:cubicBezTo>
+                <a:cubicBezTo>
+                  <a:pt x="0" y="499726"/>
+                  <a:pt x="499726" y="0"/>
+                  <a:pt x="1116169" y="0"/>
+                </a:cubicBezTo>
+                <a:close/>
+              </a:path>
+            </a:pathLst>
+          </a:custGeom>
+        </p:spPr>
+      </p:pic>
+      <p:sp>
+        <p:nvSpPr>
+          <p:cNvPr id="12" name="Arc 11">
+            <a:extLst>
+              <a:ext uri="{FF2B5EF4-FFF2-40B4-BE49-F238E27FC236}">
+                <a16:creationId xmlns:a16="http://schemas.microsoft.com/office/drawing/2014/main" id="{3F9BDB9F-8714-4605-B1BF-670E94960019}"/>
+              </a:ext>
+              <a:ext uri="{C183D7F6-B498-43B3-948B-1728B52AA6E4}">
+                <adec:decorative xmlns:adec="http://schemas.microsoft.com/office/drawing/2017/decorative" xmlns="" val="1"/>
+              </a:ext>
+            </a:extLst>
+          </p:cNvPr>
+          <p:cNvSpPr>
+            <a:spLocks noGrp="1" noRot="1" noChangeAspect="1" noMove="1" noResize="1" noEditPoints="1" noAdjustHandles="1" noChangeArrowheads="1" noChangeShapeType="1" noTextEdit="1"/>
+          </p:cNvSpPr>
+          <p:nvPr>
+            <p:extLst>
+              <p:ext uri="{386F3935-93C4-4BCD-93E2-E3B085C9AB24}">
+                <p16:designElem xmlns:p16="http://schemas.microsoft.com/office/powerpoint/2015/main" val="1"/>
+              </p:ext>
+            </p:extLst>
+          </p:nvPr>
+        </p:nvSpPr>
+        <p:spPr>
+          <a:xfrm rot="1657504">
+            <a:off x="8488250" y="695616"/>
+            <a:ext cx="2987899" cy="2987899"/>
+          </a:xfrm>
+          <a:prstGeom prst="arc">
+            <a:avLst>
+              <a:gd name="adj1" fmla="val 16200000"/>
+              <a:gd name="adj2" fmla="val 2188646"/>
+            </a:avLst>
+          </a:prstGeom>
+          <a:ln w="127000" cap="rnd">
+            <a:solidFill>
+              <a:schemeClr val="accent4"/>
+            </a:solidFill>
+            <a:prstDash val="dash"/>
+          </a:ln>
+        </p:spPr>
+        <p:style>
+          <a:lnRef idx="1">
+            <a:schemeClr val="accent1"/>
+          </a:lnRef>
+          <a:fillRef idx="0">
+            <a:schemeClr val="accent1"/>
+          </a:fillRef>
+          <a:effectRef idx="0">
+            <a:schemeClr val="accent1"/>
+          </a:effectRef>
+          <a:fontRef idx="minor">
+            <a:schemeClr val="tx1"/>
+          </a:fontRef>
+        </p:style>
+        <p:txBody>
+          <a:bodyPr rtlCol="0" anchor="ctr"/>
+          <a:lstStyle/>
+          <a:p>
+            <a:pPr marL="0" marR="0" lvl="0" indent="0" algn="ctr" defTabSz="914400" rtl="0" eaLnBrk="1" fontAlgn="auto" latinLnBrk="0" hangingPunct="1">
+              <a:lnSpc>
+                <a:spcPct val="100000"/>
+              </a:lnSpc>
+              <a:spcBef>
+                <a:spcPts val="0"/>
+              </a:spcBef>
+              <a:spcAft>
+                <a:spcPts val="0"/>
+              </a:spcAft>
+              <a:buClrTx/>
+              <a:buSzTx/>
+              <a:buFontTx/>
+              <a:buNone/>
+              <a:tabLst/>
+              <a:defRPr/>
+            </a:pPr>
+            <a:endParaRPr kumimoji="0" lang="en-US" sz="1800" b="0" i="0" u="none" strike="noStrike" kern="1200" cap="none" spc="0" normalizeH="0" baseline="0" noProof="0">
+              <a:ln>
+                <a:noFill/>
+              </a:ln>
+              <a:solidFill>
+                <a:srgbClr val="000000"/>
+              </a:solidFill>
+              <a:effectLst/>
+              <a:uLnTx/>
+              <a:uFillTx/>
+              <a:latin typeface="Calibri" panose="020F0502020204030204"/>
+              <a:ea typeface="+mn-ea"/>
+              <a:cs typeface="+mn-cs"/>
+            </a:endParaRPr>
+          </a:p>
+        </p:txBody>
+      </p:sp>
+      <p:sp>
+        <p:nvSpPr>
+          <p:cNvPr id="14" name="Oval 13">
+            <a:extLst>
+              <a:ext uri="{FF2B5EF4-FFF2-40B4-BE49-F238E27FC236}">
+                <a16:creationId xmlns:a16="http://schemas.microsoft.com/office/drawing/2014/main" id="{CB339924-0C86-4476-A81F-37DCF289E1AB}"/>
+              </a:ext>
+              <a:ext uri="{C183D7F6-B498-43B3-948B-1728B52AA6E4}">
+                <adec:decorative xmlns:adec="http://schemas.microsoft.com/office/drawing/2017/decorative" xmlns="" val="1"/>
+              </a:ext>
+            </a:extLst>
+          </p:cNvPr>
+          <p:cNvSpPr>
+            <a:spLocks noGrp="1" noRot="1" noChangeAspect="1" noMove="1" noResize="1" noEditPoints="1" noAdjustHandles="1" noChangeArrowheads="1" noChangeShapeType="1" noTextEdit="1"/>
+          </p:cNvSpPr>
+          <p:nvPr>
+            <p:extLst>
+              <p:ext uri="{386F3935-93C4-4BCD-93E2-E3B085C9AB24}">
+                <p16:designElem xmlns:p16="http://schemas.microsoft.com/office/powerpoint/2015/main" val="1"/>
+              </p:ext>
+            </p:extLst>
+          </p:nvPr>
+        </p:nvSpPr>
+        <p:spPr>
+          <a:xfrm>
+            <a:off x="4637267" y="4948670"/>
+            <a:ext cx="846442" cy="823480"/>
+          </a:xfrm>
+          <a:prstGeom prst="ellipse">
+            <a:avLst/>
+          </a:prstGeom>
+          <a:solidFill>
+            <a:schemeClr val="accent4"/>
+          </a:solidFill>
+          <a:ln>
+            <a:noFill/>
+          </a:ln>
+        </p:spPr>
+        <p:style>
+          <a:lnRef idx="2">
+            <a:schemeClr val="accent1">
+              <a:shade val="50000"/>
+            </a:schemeClr>
+          </a:lnRef>
+          <a:fillRef idx="1">
+            <a:schemeClr val="accent1"/>
+          </a:fillRef>
+          <a:effectRef idx="0">
+            <a:schemeClr val="accent1"/>
+          </a:effectRef>
+          <a:fontRef idx="minor">
+            <a:schemeClr val="lt1"/>
+          </a:fontRef>
+        </p:style>
+        <p:txBody>
+          <a:bodyPr rtlCol="0" anchor="ctr"/>
+          <a:lstStyle/>
+          <a:p>
+            <a:pPr marL="0" marR="0" lvl="0" indent="0" algn="ctr" defTabSz="914400" rtl="0" eaLnBrk="1" fontAlgn="auto" latinLnBrk="0" hangingPunct="1">
+              <a:lnSpc>
+                <a:spcPct val="100000"/>
+              </a:lnSpc>
+              <a:spcBef>
+                <a:spcPts val="0"/>
+              </a:spcBef>
+              <a:spcAft>
+                <a:spcPts val="0"/>
+              </a:spcAft>
+              <a:buClrTx/>
+              <a:buSzTx/>
+              <a:buFontTx/>
+              <a:buNone/>
+              <a:tabLst/>
+              <a:defRPr/>
+            </a:pPr>
+            <a:endParaRPr kumimoji="0" lang="en-US" sz="1800" b="0" i="0" u="none" strike="noStrike" kern="1200" cap="none" spc="0" normalizeH="0" baseline="0" noProof="0">
+              <a:ln>
+                <a:noFill/>
+              </a:ln>
+              <a:solidFill>
+                <a:srgbClr val="FFFFFF"/>
+              </a:solidFill>
+              <a:effectLst/>
+              <a:uLnTx/>
+              <a:uFillTx/>
+              <a:latin typeface="Calibri" panose="020F0502020204030204"/>
+              <a:ea typeface="+mn-ea"/>
+              <a:cs typeface="+mn-cs"/>
+            </a:endParaRPr>
+          </a:p>
+        </p:txBody>
+      </p:sp>
+      <p:sp>
+        <p:nvSpPr>
+          <p:cNvPr id="9" name="CaixaDeTexto 8">
+            <a:extLst>
+              <a:ext uri="{FF2B5EF4-FFF2-40B4-BE49-F238E27FC236}">
+                <a16:creationId xmlns:a16="http://schemas.microsoft.com/office/drawing/2014/main" id="{FC756D13-C3AF-4587-AB14-68430EF34789}"/>
+              </a:ext>
+            </a:extLst>
+          </p:cNvPr>
+          <p:cNvSpPr txBox="1"/>
+          <p:nvPr/>
+        </p:nvSpPr>
+        <p:spPr>
+          <a:xfrm>
+            <a:off x="2615779" y="730466"/>
+            <a:ext cx="6960442" cy="1200329"/>
+          </a:xfrm>
+          <a:prstGeom prst="rect">
+            <a:avLst/>
+          </a:prstGeom>
+          <a:noFill/>
+        </p:spPr>
+        <p:txBody>
+          <a:bodyPr wrap="square" rtlCol="0">
+            <a:spAutoFit/>
+          </a:bodyPr>
+          <a:lstStyle/>
+          <a:p>
+            <a:pPr algn="ctr"/>
+            <a:r>
+              <a:rPr lang="pt-BR" sz="3600" b="1" dirty="0" smtClean="0">
+                <a:solidFill>
+                  <a:schemeClr val="bg1"/>
+                </a:solidFill>
+                <a:latin typeface="Avenir Next LT Pro" panose="020B0504020202020204" pitchFamily="34" charset="0"/>
+              </a:rPr>
+              <a:t>Alto Número de Alunos em Sala</a:t>
+            </a:r>
+          </a:p>
+          <a:p>
+            <a:pPr algn="ctr"/>
+            <a:r>
+              <a:rPr lang="pt-BR" sz="3600" b="1" dirty="0" smtClean="0">
+                <a:solidFill>
+                  <a:schemeClr val="bg1"/>
+                </a:solidFill>
+                <a:latin typeface="Avenir Next LT Pro" panose="020B0504020202020204" pitchFamily="34" charset="0"/>
+              </a:rPr>
+              <a:t>COVID-19</a:t>
+            </a:r>
+            <a:endParaRPr lang="pt-BR" sz="3600" b="1" dirty="0">
+              <a:solidFill>
+                <a:schemeClr val="bg1"/>
+              </a:solidFill>
+              <a:latin typeface="Avenir Next LT Pro" panose="020B0504020202020204" pitchFamily="34" charset="0"/>
+            </a:endParaRPr>
+          </a:p>
+        </p:txBody>
+      </p:sp>
+      <p:sp>
+        <p:nvSpPr>
+          <p:cNvPr id="17" name="Título 1">
+            <a:extLst>
+              <a:ext uri="{FF2B5EF4-FFF2-40B4-BE49-F238E27FC236}">
+                <a16:creationId xmlns:a16="http://schemas.microsoft.com/office/drawing/2014/main" id="{2F7E216E-0EBE-4A88-8E52-9EBCC41FED0F}"/>
+              </a:ext>
+            </a:extLst>
+          </p:cNvPr>
+          <p:cNvSpPr txBox="1">
+            <a:spLocks/>
+          </p:cNvSpPr>
+          <p:nvPr/>
+        </p:nvSpPr>
+        <p:spPr>
+          <a:xfrm>
+            <a:off x="1913576" y="1786565"/>
+            <a:ext cx="1820064" cy="538740"/>
+          </a:xfrm>
+          <a:prstGeom prst="rect">
+            <a:avLst/>
+          </a:prstGeom>
+        </p:spPr>
+        <p:txBody>
+          <a:bodyPr vert="horz" lIns="91440" tIns="45720" rIns="91440" bIns="45720" rtlCol="0" anchor="b">
+            <a:normAutofit fontScale="92500" lnSpcReduction="10000"/>
+          </a:bodyPr>
+          <a:lstStyle>
+            <a:lvl1pPr algn="l" defTabSz="914400" rtl="0" eaLnBrk="1" latinLnBrk="0" hangingPunct="1">
+              <a:lnSpc>
+                <a:spcPct val="90000"/>
+              </a:lnSpc>
+              <a:spcBef>
+                <a:spcPct val="0"/>
+              </a:spcBef>
+              <a:buNone/>
+              <a:defRPr sz="4400" kern="1200">
+                <a:solidFill>
+                  <a:schemeClr val="tx1"/>
+                </a:solidFill>
+                <a:latin typeface="+mj-lt"/>
+                <a:ea typeface="+mj-ea"/>
+                <a:cs typeface="+mj-cs"/>
+              </a:defRPr>
+            </a:lvl1pPr>
+          </a:lstStyle>
+          <a:p>
+            <a:pPr algn="ctr"/>
+            <a:r>
+              <a:rPr lang="en-US" sz="3600" b="1" dirty="0" err="1">
+                <a:solidFill>
+                  <a:srgbClr val="FFFFFF"/>
+                </a:solidFill>
+              </a:rPr>
+              <a:t>Problema</a:t>
+            </a:r>
+            <a:endParaRPr lang="en-US" sz="3200" b="1" dirty="0">
+              <a:solidFill>
+                <a:srgbClr val="FFFFFF"/>
+              </a:solidFill>
+            </a:endParaRPr>
+          </a:p>
+        </p:txBody>
+      </p:sp>
+      <p:sp>
+        <p:nvSpPr>
+          <p:cNvPr id="18" name="Título 1">
+            <a:extLst>
+              <a:ext uri="{FF2B5EF4-FFF2-40B4-BE49-F238E27FC236}">
+                <a16:creationId xmlns:a16="http://schemas.microsoft.com/office/drawing/2014/main" id="{1BCF2138-30A4-4433-ADB6-E853B90A3902}"/>
+              </a:ext>
+            </a:extLst>
+          </p:cNvPr>
+          <p:cNvSpPr txBox="1">
+            <a:spLocks/>
+          </p:cNvSpPr>
+          <p:nvPr/>
+        </p:nvSpPr>
+        <p:spPr>
+          <a:xfrm>
+            <a:off x="7449719" y="1749418"/>
+            <a:ext cx="1820064" cy="538740"/>
+          </a:xfrm>
+          <a:prstGeom prst="rect">
+            <a:avLst/>
+          </a:prstGeom>
+        </p:spPr>
+        <p:txBody>
+          <a:bodyPr vert="horz" lIns="91440" tIns="45720" rIns="91440" bIns="45720" rtlCol="0" anchor="b">
+            <a:noAutofit/>
+          </a:bodyPr>
+          <a:lstStyle>
+            <a:lvl1pPr algn="l" defTabSz="914400" rtl="0" eaLnBrk="1" latinLnBrk="0" hangingPunct="1">
+              <a:lnSpc>
+                <a:spcPct val="90000"/>
+              </a:lnSpc>
+              <a:spcBef>
+                <a:spcPct val="0"/>
+              </a:spcBef>
+              <a:buNone/>
+              <a:defRPr sz="4400" kern="1200">
+                <a:solidFill>
+                  <a:schemeClr val="tx1"/>
+                </a:solidFill>
+                <a:latin typeface="+mj-lt"/>
+                <a:ea typeface="+mj-ea"/>
+                <a:cs typeface="+mj-cs"/>
+              </a:defRPr>
+            </a:lvl1pPr>
+          </a:lstStyle>
+          <a:p>
+            <a:pPr algn="ctr"/>
+            <a:r>
+              <a:rPr lang="en-US" sz="3300" b="1" dirty="0" err="1">
+                <a:solidFill>
+                  <a:srgbClr val="FFFFFF"/>
+                </a:solidFill>
+              </a:rPr>
+              <a:t>Solução</a:t>
+            </a:r>
+            <a:endParaRPr lang="en-US" sz="3300" b="1" dirty="0">
+              <a:solidFill>
+                <a:srgbClr val="FFFFFF"/>
+              </a:solidFill>
+            </a:endParaRPr>
+          </a:p>
+        </p:txBody>
+      </p:sp>
+      <p:sp>
+        <p:nvSpPr>
+          <p:cNvPr id="19" name="CaixaDeTexto 18">
+            <a:extLst>
+              <a:ext uri="{FF2B5EF4-FFF2-40B4-BE49-F238E27FC236}">
+                <a16:creationId xmlns:a16="http://schemas.microsoft.com/office/drawing/2014/main" id="{9431996C-34E1-4CF6-A634-C4C504B41497}"/>
+              </a:ext>
+            </a:extLst>
+          </p:cNvPr>
+          <p:cNvSpPr txBox="1"/>
+          <p:nvPr/>
+        </p:nvSpPr>
+        <p:spPr>
+          <a:xfrm>
+            <a:off x="1526930" y="2373131"/>
+            <a:ext cx="5322677" cy="1200329"/>
+          </a:xfrm>
+          <a:prstGeom prst="rect">
+            <a:avLst/>
+          </a:prstGeom>
+          <a:noFill/>
+        </p:spPr>
+        <p:txBody>
+          <a:bodyPr wrap="square" rtlCol="0">
+            <a:spAutoFit/>
+          </a:bodyPr>
+          <a:lstStyle/>
+          <a:p>
+            <a:pPr marL="342900" indent="-342900">
+              <a:buFont typeface="Arial" panose="020B0604020202020204" pitchFamily="34" charset="0"/>
+              <a:buChar char="•"/>
+            </a:pPr>
+            <a:r>
+              <a:rPr lang="pt-BR" sz="2400" dirty="0" smtClean="0">
+                <a:solidFill>
+                  <a:schemeClr val="bg1"/>
+                </a:solidFill>
+              </a:rPr>
+              <a:t>Aglomerações devem ser evitadas</a:t>
+            </a:r>
+            <a:endParaRPr lang="pt-BR" sz="2400" dirty="0">
+              <a:solidFill>
+                <a:schemeClr val="bg1"/>
+              </a:solidFill>
+            </a:endParaRPr>
+          </a:p>
+          <a:p>
+            <a:pPr marL="342900" indent="-342900">
+              <a:buFont typeface="Arial" panose="020B0604020202020204" pitchFamily="34" charset="0"/>
+              <a:buChar char="•"/>
+            </a:pPr>
+            <a:endParaRPr lang="pt-BR" sz="2400" dirty="0" smtClean="0">
+              <a:solidFill>
+                <a:schemeClr val="bg1"/>
+              </a:solidFill>
+            </a:endParaRPr>
+          </a:p>
+          <a:p>
+            <a:pPr marL="342900" indent="-342900">
+              <a:buFont typeface="Arial" panose="020B0604020202020204" pitchFamily="34" charset="0"/>
+              <a:buChar char="•"/>
+            </a:pPr>
+            <a:r>
+              <a:rPr lang="pt-BR" sz="2400" dirty="0" smtClean="0">
+                <a:solidFill>
+                  <a:schemeClr val="bg1"/>
+                </a:solidFill>
+              </a:rPr>
+              <a:t>Isolamento Social</a:t>
+            </a:r>
+            <a:endParaRPr lang="pt-BR" sz="2400" dirty="0" smtClean="0">
+              <a:solidFill>
+                <a:schemeClr val="bg1"/>
+              </a:solidFill>
+            </a:endParaRPr>
+          </a:p>
+        </p:txBody>
+      </p:sp>
+      <p:sp>
+        <p:nvSpPr>
+          <p:cNvPr id="15" name="CaixaDeTexto 14">
+            <a:extLst>
+              <a:ext uri="{FF2B5EF4-FFF2-40B4-BE49-F238E27FC236}">
+                <a16:creationId xmlns:a16="http://schemas.microsoft.com/office/drawing/2014/main" id="{D1BB707B-7CCD-4671-B68F-3CFCD90B3206}"/>
+              </a:ext>
+            </a:extLst>
+          </p:cNvPr>
+          <p:cNvSpPr txBox="1"/>
+          <p:nvPr/>
+        </p:nvSpPr>
+        <p:spPr>
+          <a:xfrm>
+            <a:off x="7332891" y="2291380"/>
+            <a:ext cx="4182386" cy="3416320"/>
+          </a:xfrm>
+          <a:prstGeom prst="rect">
+            <a:avLst/>
+          </a:prstGeom>
+          <a:noFill/>
+        </p:spPr>
+        <p:txBody>
+          <a:bodyPr wrap="square" rtlCol="0">
+            <a:spAutoFit/>
+          </a:bodyPr>
+          <a:lstStyle/>
+          <a:p>
+            <a:pPr marL="342900" indent="-342900">
+              <a:buFont typeface="Arial" panose="020B0604020202020204" pitchFamily="34" charset="0"/>
+              <a:buChar char="•"/>
+            </a:pPr>
+            <a:r>
+              <a:rPr lang="pt-BR" sz="2400" dirty="0" smtClean="0">
+                <a:solidFill>
+                  <a:schemeClr val="bg1"/>
+                </a:solidFill>
+              </a:rPr>
+              <a:t>Aulas Virtuais ao Vivo</a:t>
+            </a:r>
+          </a:p>
+          <a:p>
+            <a:pPr marL="342900" indent="-342900">
+              <a:buFont typeface="Arial" panose="020B0604020202020204" pitchFamily="34" charset="0"/>
+              <a:buChar char="•"/>
+            </a:pPr>
+            <a:endParaRPr lang="pt-BR" sz="2400" dirty="0" smtClean="0">
+              <a:solidFill>
+                <a:schemeClr val="bg1"/>
+              </a:solidFill>
+            </a:endParaRPr>
+          </a:p>
+          <a:p>
+            <a:pPr marL="342900" indent="-342900">
+              <a:buFont typeface="Arial" panose="020B0604020202020204" pitchFamily="34" charset="0"/>
+              <a:buChar char="•"/>
+            </a:pPr>
+            <a:r>
+              <a:rPr lang="pt-BR" sz="2400" dirty="0" smtClean="0">
+                <a:solidFill>
+                  <a:schemeClr val="bg1"/>
+                </a:solidFill>
+              </a:rPr>
+              <a:t>Seção da Turma</a:t>
+            </a:r>
+            <a:endParaRPr lang="pt-BR" sz="2400" dirty="0">
+              <a:solidFill>
+                <a:schemeClr val="bg1"/>
+              </a:solidFill>
+            </a:endParaRPr>
+          </a:p>
+          <a:p>
+            <a:pPr marL="342900" indent="-342900">
+              <a:buFont typeface="Arial" panose="020B0604020202020204" pitchFamily="34" charset="0"/>
+              <a:buChar char="•"/>
+            </a:pPr>
+            <a:endParaRPr lang="pt-BR" sz="2400" dirty="0">
+              <a:solidFill>
+                <a:schemeClr val="bg1"/>
+              </a:solidFill>
+            </a:endParaRPr>
+          </a:p>
+          <a:p>
+            <a:pPr marL="342900" indent="-342900">
+              <a:buFont typeface="Arial" panose="020B0604020202020204" pitchFamily="34" charset="0"/>
+              <a:buChar char="•"/>
+            </a:pPr>
+            <a:r>
+              <a:rPr lang="pt-BR" sz="2400" dirty="0" smtClean="0">
+                <a:solidFill>
+                  <a:schemeClr val="bg1"/>
+                </a:solidFill>
+              </a:rPr>
+              <a:t>Rodízio de alunos para aulas presencias</a:t>
+            </a:r>
+          </a:p>
+          <a:p>
+            <a:pPr marL="342900" indent="-342900">
+              <a:buFont typeface="Arial" panose="020B0604020202020204" pitchFamily="34" charset="0"/>
+              <a:buChar char="•"/>
+            </a:pPr>
+            <a:endParaRPr lang="pt-BR" sz="2400" dirty="0">
+              <a:solidFill>
+                <a:schemeClr val="bg1"/>
+              </a:solidFill>
+            </a:endParaRPr>
+          </a:p>
+          <a:p>
+            <a:pPr marL="342900" indent="-342900">
+              <a:buFont typeface="Arial" panose="020B0604020202020204" pitchFamily="34" charset="0"/>
+              <a:buChar char="•"/>
+            </a:pPr>
+            <a:r>
+              <a:rPr lang="pt-BR" sz="2400" dirty="0" smtClean="0">
+                <a:solidFill>
+                  <a:schemeClr val="bg1"/>
+                </a:solidFill>
+              </a:rPr>
+              <a:t>Aulas Simultâneas</a:t>
+            </a:r>
+            <a:endParaRPr lang="pt-BR" sz="2400" dirty="0">
+              <a:solidFill>
+                <a:schemeClr val="bg1"/>
+              </a:solidFill>
+            </a:endParaRPr>
+          </a:p>
+          <a:p>
+            <a:pPr marL="342900" indent="-342900">
+              <a:buFont typeface="Arial" panose="020B0604020202020204" pitchFamily="34" charset="0"/>
+              <a:buChar char="•"/>
+            </a:pPr>
+            <a:endParaRPr lang="pt-BR" sz="2400" dirty="0" smtClean="0">
+              <a:solidFill>
+                <a:schemeClr val="bg1"/>
+              </a:solidFill>
+            </a:endParaRPr>
+          </a:p>
+        </p:txBody>
+      </p:sp>
+    </p:spTree>
+    <p:extLst>
+      <p:ext uri="{BB962C8B-B14F-4D97-AF65-F5344CB8AC3E}">
+        <p14:creationId xmlns:p14="http://schemas.microsoft.com/office/powerpoint/2010/main" val="1302518986"/>
+      </p:ext>
+    </p:extLst>
+  </p:cSld>
+  <p:clrMapOvr>
+    <a:masterClrMapping/>
+  </p:clrMapOvr>
+  <p:timing>
+    <p:tnLst>
+      <p:par>
+        <p:cTn id="1" dur="indefinite" restart="never" nodeType="tmRoot">
+          <p:childTnLst>
+            <p:seq concurrent="1" nextAc="seek">
+              <p:cTn id="2" dur="indefinite" nodeType="mainSeq">
+                <p:childTnLst>
+                  <p:par>
+                    <p:cTn id="3" fill="hold">
+                      <p:stCondLst>
+                        <p:cond delay="indefinite"/>
+                      </p:stCondLst>
+                      <p:childTnLst>
+                        <p:par>
+                          <p:cTn id="4" fill="hold">
+                            <p:stCondLst>
+                              <p:cond delay="0"/>
+                            </p:stCondLst>
+                            <p:childTnLst>
+                              <p:par>
+                                <p:cTn id="5" presetID="1" presetClass="entr" presetSubtype="0" fill="hold" grpId="0" nodeType="clickEffect">
+                                  <p:stCondLst>
+                                    <p:cond delay="0"/>
+                                  </p:stCondLst>
+                                  <p:childTnLst>
+                                    <p:set>
+                                      <p:cBhvr>
+                                        <p:cTn id="6" dur="1" fill="hold">
+                                          <p:stCondLst>
+                                            <p:cond delay="0"/>
+                                          </p:stCondLst>
+                                        </p:cTn>
+                                        <p:tgtEl>
+                                          <p:spTgt spid="17"/>
+                                        </p:tgtEl>
+                                        <p:attrNameLst>
+                                          <p:attrName>style.visibility</p:attrName>
+                                        </p:attrNameLst>
+                                      </p:cBhvr>
+                                      <p:to>
+                                        <p:strVal val="visible"/>
+                                      </p:to>
+                                    </p:set>
+                                  </p:childTnLst>
+                                </p:cTn>
+                              </p:par>
+                              <p:par>
+                                <p:cTn id="7" presetID="1" presetClass="entr" presetSubtype="0" fill="hold" grpId="0" nodeType="withEffect">
+                                  <p:stCondLst>
+                                    <p:cond delay="0"/>
+                                  </p:stCondLst>
+                                  <p:childTnLst>
+                                    <p:set>
+                                      <p:cBhvr>
+                                        <p:cTn id="8" dur="1" fill="hold">
+                                          <p:stCondLst>
+                                            <p:cond delay="0"/>
+                                          </p:stCondLst>
+                                        </p:cTn>
+                                        <p:tgtEl>
+                                          <p:spTgt spid="19"/>
+                                        </p:tgtEl>
+                                        <p:attrNameLst>
+                                          <p:attrName>style.visibility</p:attrName>
+                                        </p:attrNameLst>
+                                      </p:cBhvr>
+                                      <p:to>
+                                        <p:strVal val="visible"/>
+                                      </p:to>
+                                    </p:set>
+                                  </p:childTnLst>
+                                </p:cTn>
+                              </p:par>
+                            </p:childTnLst>
+                          </p:cTn>
+                        </p:par>
+                      </p:childTnLst>
+                    </p:cTn>
+                  </p:par>
+                  <p:par>
+                    <p:cTn id="9" fill="hold">
+                      <p:stCondLst>
+                        <p:cond delay="indefinite"/>
+                      </p:stCondLst>
+                      <p:childTnLst>
+                        <p:par>
+                          <p:cTn id="10" fill="hold">
+                            <p:stCondLst>
+                              <p:cond delay="0"/>
+                            </p:stCondLst>
+                            <p:childTnLst>
+                              <p:par>
+                                <p:cTn id="11" presetID="1" presetClass="entr" presetSubtype="0" fill="hold" grpId="0" nodeType="clickEffect">
+                                  <p:stCondLst>
+                                    <p:cond delay="0"/>
+                                  </p:stCondLst>
+                                  <p:childTnLst>
+                                    <p:set>
+                                      <p:cBhvr>
+                                        <p:cTn id="12" dur="1" fill="hold">
+                                          <p:stCondLst>
+                                            <p:cond delay="0"/>
+                                          </p:stCondLst>
+                                        </p:cTn>
+                                        <p:tgtEl>
+                                          <p:spTgt spid="18"/>
+                                        </p:tgtEl>
+                                        <p:attrNameLst>
+                                          <p:attrName>style.visibility</p:attrName>
+                                        </p:attrNameLst>
+                                      </p:cBhvr>
+                                      <p:to>
+                                        <p:strVal val="visible"/>
+                                      </p:to>
+                                    </p:set>
+                                  </p:childTnLst>
+                                </p:cTn>
+                              </p:par>
+                            </p:childTnLst>
+                          </p:cTn>
+                        </p:par>
+                      </p:childTnLst>
+                    </p:cTn>
+                  </p:par>
+                  <p:par>
+                    <p:cTn id="13" fill="hold">
+                      <p:stCondLst>
+                        <p:cond delay="indefinite"/>
+                      </p:stCondLst>
+                      <p:childTnLst>
+                        <p:par>
+                          <p:cTn id="14" fill="hold">
+                            <p:stCondLst>
+                              <p:cond delay="0"/>
+                            </p:stCondLst>
+                            <p:childTnLst>
+                              <p:par>
+                                <p:cTn id="15" presetID="1" presetClass="entr" presetSubtype="0" fill="hold" grpId="0" nodeType="clickEffect">
+                                  <p:stCondLst>
+                                    <p:cond delay="0"/>
+                                  </p:stCondLst>
+                                  <p:childTnLst>
+                                    <p:set>
+                                      <p:cBhvr>
+                                        <p:cTn id="16" dur="1" fill="hold">
+                                          <p:stCondLst>
+                                            <p:cond delay="0"/>
+                                          </p:stCondLst>
+                                        </p:cTn>
+                                        <p:tgtEl>
+                                          <p:spTgt spid="15"/>
+                                        </p:tgtEl>
+                                        <p:attrNameLst>
+                                          <p:attrName>style.visibility</p:attrName>
+                                        </p:attrNameLst>
+                                      </p:cBhvr>
+                                      <p:to>
+                                        <p:strVal val="visible"/>
+                                      </p:to>
+                                    </p:set>
+                                  </p:childTnLst>
+                                </p:cTn>
+                              </p:par>
+                            </p:childTnLst>
+                          </p:cTn>
+                        </p:par>
+                      </p:childTnLst>
+                    </p:cTn>
+                  </p:par>
+                </p:childTnLst>
+              </p:cTn>
+              <p:prevCondLst>
+                <p:cond evt="onPrev" delay="0">
+                  <p:tgtEl>
+                    <p:sldTgt/>
+                  </p:tgtEl>
+                </p:cond>
+              </p:prevCondLst>
+              <p:nextCondLst>
+                <p:cond evt="onNext" delay="0">
+                  <p:tgtEl>
+                    <p:sldTgt/>
+                  </p:tgtEl>
+                </p:cond>
+              </p:nextCondLst>
+            </p:seq>
+          </p:childTnLst>
+        </p:cTn>
+      </p:par>
+    </p:tnLst>
+    <p:bldLst>
+      <p:bldP spid="17" grpId="0"/>
+      <p:bldP spid="18" grpId="0"/>
+      <p:bldP spid="19" grpId="0"/>
+      <p:bldP spid="15" grpId="0"/>
+    </p:bldLst>
+  </p:timing>
+</p:sld>
+</file>
+
+<file path=ppt/slides/slide18.xml><?xml version="1.0" encoding="utf-8"?>
+<p:sld xmlns:a="http://schemas.openxmlformats.org/drawingml/2006/main" xmlns:r="http://schemas.openxmlformats.org/officeDocument/2006/relationships" xmlns:p="http://schemas.openxmlformats.org/presentationml/2006/main">
+  <p:cSld>
+    <p:bg>
+      <p:bgPr>
+        <a:solidFill>
+          <a:schemeClr val="bg1"/>
+        </a:solidFill>
+        <a:effectLst/>
+      </p:bgPr>
+    </p:bg>
+    <p:spTree>
+      <p:nvGrpSpPr>
+        <p:cNvPr id="1" name=""/>
+        <p:cNvGrpSpPr/>
+        <p:nvPr/>
+      </p:nvGrpSpPr>
+      <p:grpSpPr>
+        <a:xfrm>
+          <a:off x="0" y="0"/>
+          <a:ext cx="0" cy="0"/>
+          <a:chOff x="0" y="0"/>
+          <a:chExt cx="0" cy="0"/>
+        </a:xfrm>
+      </p:grpSpPr>
+      <p:sp useBgFill="1">
+        <p:nvSpPr>
+          <p:cNvPr id="8" name="Rectangle 7">
+            <a:extLst>
+              <a:ext uri="{FF2B5EF4-FFF2-40B4-BE49-F238E27FC236}">
+                <a16:creationId xmlns:a16="http://schemas.microsoft.com/office/drawing/2014/main" id="{4E1BEB12-92AF-4445-98AD-4C7756E7C93B}"/>
+              </a:ext>
+              <a:ext uri="{C183D7F6-B498-43B3-948B-1728B52AA6E4}">
+                <adec:decorative xmlns:adec="http://schemas.microsoft.com/office/drawing/2017/decorative" xmlns="" val="1"/>
+              </a:ext>
+            </a:extLst>
+          </p:cNvPr>
+          <p:cNvSpPr>
+            <a:spLocks noGrp="1" noRot="1" noChangeAspect="1" noMove="1" noResize="1" noEditPoints="1" noAdjustHandles="1" noChangeArrowheads="1" noChangeShapeType="1" noTextEdit="1"/>
+          </p:cNvSpPr>
+          <p:nvPr>
+            <p:extLst>
+              <p:ext uri="{386F3935-93C4-4BCD-93E2-E3B085C9AB24}">
+                <p16:designElem xmlns:p16="http://schemas.microsoft.com/office/powerpoint/2015/main" val="1"/>
+              </p:ext>
+            </p:extLst>
+          </p:nvPr>
+        </p:nvSpPr>
+        <p:spPr>
+          <a:xfrm>
+            <a:off x="3048" y="0"/>
+            <a:ext cx="12188952" cy="6858000"/>
+          </a:xfrm>
+          <a:prstGeom prst="rect">
+            <a:avLst/>
+          </a:prstGeom>
+          <a:ln>
+            <a:noFill/>
+          </a:ln>
+        </p:spPr>
+        <p:style>
+          <a:lnRef idx="2">
+            <a:schemeClr val="accent1">
+              <a:shade val="50000"/>
+            </a:schemeClr>
+          </a:lnRef>
+          <a:fillRef idx="1">
+            <a:schemeClr val="accent1"/>
+          </a:fillRef>
+          <a:effectRef idx="0">
+            <a:schemeClr val="accent1"/>
+          </a:effectRef>
+          <a:fontRef idx="minor">
+            <a:schemeClr val="lt1"/>
+          </a:fontRef>
+        </p:style>
+        <p:txBody>
+          <a:bodyPr rtlCol="0" anchor="ctr"/>
+          <a:lstStyle/>
+          <a:p>
+            <a:pPr algn="ctr"/>
+            <a:endParaRPr lang="en-US" dirty="0"/>
+          </a:p>
+        </p:txBody>
+      </p:sp>
+      <p:sp>
+        <p:nvSpPr>
+          <p:cNvPr id="10" name="Rectangle 9">
+            <a:extLst>
+              <a:ext uri="{FF2B5EF4-FFF2-40B4-BE49-F238E27FC236}">
+                <a16:creationId xmlns:a16="http://schemas.microsoft.com/office/drawing/2014/main" id="{D0522C2C-7B5C-48A7-A969-03941E5D2E76}"/>
+              </a:ext>
+              <a:ext uri="{C183D7F6-B498-43B3-948B-1728B52AA6E4}">
+                <adec:decorative xmlns:adec="http://schemas.microsoft.com/office/drawing/2017/decorative" xmlns="" val="1"/>
+              </a:ext>
+            </a:extLst>
+          </p:cNvPr>
+          <p:cNvSpPr>
+            <a:spLocks noGrp="1" noRot="1" noChangeAspect="1" noMove="1" noResize="1" noEditPoints="1" noAdjustHandles="1" noChangeArrowheads="1" noChangeShapeType="1" noTextEdit="1"/>
+          </p:cNvSpPr>
+          <p:nvPr>
+            <p:extLst>
+              <p:ext uri="{386F3935-93C4-4BCD-93E2-E3B085C9AB24}">
+                <p16:designElem xmlns:p16="http://schemas.microsoft.com/office/powerpoint/2015/main" val="1"/>
+              </p:ext>
+            </p:extLst>
+          </p:nvPr>
+        </p:nvSpPr>
+        <p:spPr>
+          <a:xfrm>
+            <a:off x="0" y="0"/>
+            <a:ext cx="12192000" cy="6858000"/>
+          </a:xfrm>
+          <a:prstGeom prst="rect">
+            <a:avLst/>
+          </a:prstGeom>
+          <a:solidFill>
+            <a:schemeClr val="accent2"/>
+          </a:solidFill>
+          <a:ln>
+            <a:noFill/>
+          </a:ln>
+        </p:spPr>
+        <p:style>
+          <a:lnRef idx="2">
+            <a:schemeClr val="accent1">
+              <a:shade val="50000"/>
+            </a:schemeClr>
+          </a:lnRef>
+          <a:fillRef idx="1">
+            <a:schemeClr val="accent1"/>
+          </a:fillRef>
+          <a:effectRef idx="0">
+            <a:schemeClr val="accent1"/>
+          </a:effectRef>
+          <a:fontRef idx="minor">
+            <a:schemeClr val="lt1"/>
+          </a:fontRef>
+        </p:style>
+        <p:txBody>
+          <a:bodyPr rtlCol="0" anchor="ctr"/>
+          <a:lstStyle/>
+          <a:p>
+            <a:pPr algn="ctr"/>
             <a:endParaRPr lang="en-US" dirty="0">
               <a:solidFill>
                 <a:schemeClr val="tx1"/>
@@ -11357,7 +12690,7 @@
                 <a16:creationId xmlns:a16="http://schemas.microsoft.com/office/drawing/2014/main" id="{9C682A1A-5B2D-4111-BBD6-620165633E5B}"/>
               </a:ext>
               <a:ext uri="{C183D7F6-B498-43B3-948B-1728B52AA6E4}">
-                <adec:decorative xmlns:adec="http://schemas.microsoft.com/office/drawing/2017/decorative" val="1"/>
+                <adec:decorative xmlns:adec="http://schemas.microsoft.com/office/drawing/2017/decorative" xmlns="" val="1"/>
               </a:ext>
             </a:extLst>
           </p:cNvPr>
@@ -11532,7 +12865,7 @@
                 <a16:creationId xmlns:a16="http://schemas.microsoft.com/office/drawing/2014/main" id="{D6EE29F2-D77F-4BD0-A20B-334D316A1C9D}"/>
               </a:ext>
               <a:ext uri="{C183D7F6-B498-43B3-948B-1728B52AA6E4}">
-                <adec:decorative xmlns:adec="http://schemas.microsoft.com/office/drawing/2017/decorative" val="1"/>
+                <adec:decorative xmlns:adec="http://schemas.microsoft.com/office/drawing/2017/decorative" xmlns="" val="1"/>
               </a:ext>
             </a:extLst>
           </p:cNvPr>
@@ -11624,7 +12957,7 @@
                 <a16:creationId xmlns:a16="http://schemas.microsoft.com/office/drawing/2014/main" id="{22D09ED2-868F-42C6-866E-F92E0CEF314F}"/>
               </a:ext>
               <a:ext uri="{C183D7F6-B498-43B3-948B-1728B52AA6E4}">
-                <adec:decorative xmlns:adec="http://schemas.microsoft.com/office/drawing/2017/decorative" val="1"/>
+                <adec:decorative xmlns:adec="http://schemas.microsoft.com/office/drawing/2017/decorative" xmlns="" val="1"/>
               </a:ext>
             </a:extLst>
           </p:cNvPr>
@@ -11856,7 +13189,7 @@
         <p:spPr>
           <a:xfrm>
             <a:off x="4624754" y="3833446"/>
-            <a:ext cx="4797770" cy="461665"/>
+            <a:ext cx="4797770" cy="1938992"/>
           </a:xfrm>
           <a:prstGeom prst="rect">
             <a:avLst/>
@@ -11874,87 +13207,44 @@
               <a:buChar char="•"/>
             </a:pPr>
             <a:r>
-              <a:rPr lang="pt-BR" sz="2400" dirty="0"/>
-              <a:t>Tudo que você planta é colhido</a:t>
-            </a:r>
-          </a:p>
-        </p:txBody>
-      </p:sp>
-      <p:sp>
-        <p:nvSpPr>
-          <p:cNvPr id="9" name="CaixaDeTexto 8">
-            <a:extLst>
-              <a:ext uri="{FF2B5EF4-FFF2-40B4-BE49-F238E27FC236}">
-                <a16:creationId xmlns:a16="http://schemas.microsoft.com/office/drawing/2014/main" id="{D2D1CC1D-173A-40BF-9469-52B4C5338179}"/>
-              </a:ext>
-            </a:extLst>
-          </p:cNvPr>
-          <p:cNvSpPr txBox="1"/>
-          <p:nvPr/>
-        </p:nvSpPr>
-        <p:spPr>
-          <a:xfrm>
-            <a:off x="4624754" y="4501415"/>
-            <a:ext cx="4448908" cy="461665"/>
-          </a:xfrm>
-          <a:prstGeom prst="rect">
-            <a:avLst/>
-          </a:prstGeom>
-          <a:noFill/>
-        </p:spPr>
-        <p:txBody>
-          <a:bodyPr wrap="square" rtlCol="0">
-            <a:spAutoFit/>
-          </a:bodyPr>
-          <a:lstStyle/>
+              <a:rPr lang="pt-BR" sz="2400" dirty="0" smtClean="0"/>
+              <a:t>Ação e Reação</a:t>
+            </a:r>
+          </a:p>
           <a:p>
             <a:pPr marL="457200" indent="-457200">
               <a:buFont typeface="Arial" panose="020B0604020202020204" pitchFamily="34" charset="0"/>
               <a:buChar char="•"/>
             </a:pPr>
-            <a:r>
-              <a:rPr lang="pt-BR" sz="2400" dirty="0"/>
-              <a:t>Custos</a:t>
-            </a:r>
-          </a:p>
-        </p:txBody>
-      </p:sp>
-      <p:sp>
-        <p:nvSpPr>
-          <p:cNvPr id="11" name="CaixaDeTexto 10">
-            <a:extLst>
-              <a:ext uri="{FF2B5EF4-FFF2-40B4-BE49-F238E27FC236}">
-                <a16:creationId xmlns:a16="http://schemas.microsoft.com/office/drawing/2014/main" id="{6F73BB7C-ED9A-477B-8616-8D9CDFF382DA}"/>
-              </a:ext>
-            </a:extLst>
-          </p:cNvPr>
-          <p:cNvSpPr txBox="1"/>
-          <p:nvPr/>
-        </p:nvSpPr>
-        <p:spPr>
-          <a:xfrm>
-            <a:off x="4624754" y="5209877"/>
-            <a:ext cx="4448908" cy="461665"/>
-          </a:xfrm>
-          <a:prstGeom prst="rect">
-            <a:avLst/>
-          </a:prstGeom>
-          <a:noFill/>
-        </p:spPr>
-        <p:txBody>
-          <a:bodyPr wrap="square" rtlCol="0">
-            <a:spAutoFit/>
-          </a:bodyPr>
-          <a:lstStyle/>
+            <a:endParaRPr lang="pt-BR" sz="2400" dirty="0"/>
+          </a:p>
           <a:p>
             <a:pPr marL="457200" indent="-457200">
               <a:buFont typeface="Arial" panose="020B0604020202020204" pitchFamily="34" charset="0"/>
               <a:buChar char="•"/>
             </a:pPr>
             <a:r>
-              <a:rPr lang="pt-BR" sz="2400" dirty="0"/>
-              <a:t>Punição</a:t>
-            </a:r>
+              <a:rPr lang="pt-BR" sz="2400" dirty="0" smtClean="0"/>
+              <a:t>Custos</a:t>
+            </a:r>
+          </a:p>
+          <a:p>
+            <a:pPr marL="457200" indent="-457200">
+              <a:buFont typeface="Arial" panose="020B0604020202020204" pitchFamily="34" charset="0"/>
+              <a:buChar char="•"/>
+            </a:pPr>
+            <a:endParaRPr lang="pt-BR" sz="2400" dirty="0"/>
+          </a:p>
+          <a:p>
+            <a:pPr marL="457200" indent="-457200">
+              <a:buFont typeface="Arial" panose="020B0604020202020204" pitchFamily="34" charset="0"/>
+              <a:buChar char="•"/>
+            </a:pPr>
+            <a:r>
+              <a:rPr lang="pt-BR" sz="2400" dirty="0" smtClean="0"/>
+              <a:t>Pertencimento</a:t>
+            </a:r>
+            <a:endParaRPr lang="pt-BR" sz="2400" dirty="0"/>
           </a:p>
         </p:txBody>
       </p:sp>
@@ -11971,7 +13261,7 @@
 </p:sld>
 </file>
 
-<file path=ppt/slides/slide17.xml><?xml version="1.0" encoding="utf-8"?>
+<file path=ppt/slides/slide19.xml><?xml version="1.0" encoding="utf-8"?>
 <p:sld xmlns:a="http://schemas.openxmlformats.org/drawingml/2006/main" xmlns:r="http://schemas.openxmlformats.org/officeDocument/2006/relationships" xmlns:p="http://schemas.openxmlformats.org/presentationml/2006/main">
   <p:cSld>
     <p:bg>
@@ -12004,7 +13294,7 @@
                 <a16:creationId xmlns:a16="http://schemas.microsoft.com/office/drawing/2014/main" id="{4E1BEB12-92AF-4445-98AD-4C7756E7C93B}"/>
               </a:ext>
               <a:ext uri="{C183D7F6-B498-43B3-948B-1728B52AA6E4}">
-                <adec:decorative xmlns:adec="http://schemas.microsoft.com/office/drawing/2017/decorative" val="1"/>
+                <adec:decorative xmlns:adec="http://schemas.microsoft.com/office/drawing/2017/decorative" xmlns="" val="1"/>
               </a:ext>
             </a:extLst>
           </p:cNvPr>
@@ -12064,7 +13354,7 @@
                 <a16:creationId xmlns:a16="http://schemas.microsoft.com/office/drawing/2014/main" id="{D0522C2C-7B5C-48A7-A969-03941E5D2E76}"/>
               </a:ext>
               <a:ext uri="{C183D7F6-B498-43B3-948B-1728B52AA6E4}">
-                <adec:decorative xmlns:adec="http://schemas.microsoft.com/office/drawing/2017/decorative" val="1"/>
+                <adec:decorative xmlns:adec="http://schemas.microsoft.com/office/drawing/2017/decorative" xmlns="" val="1"/>
               </a:ext>
             </a:extLst>
           </p:cNvPr>
@@ -12131,7 +13421,7 @@
                 <a16:creationId xmlns:a16="http://schemas.microsoft.com/office/drawing/2014/main" id="{9C682A1A-5B2D-4111-BBD6-620165633E5B}"/>
               </a:ext>
               <a:ext uri="{C183D7F6-B498-43B3-948B-1728B52AA6E4}">
-                <adec:decorative xmlns:adec="http://schemas.microsoft.com/office/drawing/2017/decorative" val="1"/>
+                <adec:decorative xmlns:adec="http://schemas.microsoft.com/office/drawing/2017/decorative" xmlns="" val="1"/>
               </a:ext>
             </a:extLst>
           </p:cNvPr>
@@ -12306,7 +13596,7 @@
                 <a16:creationId xmlns:a16="http://schemas.microsoft.com/office/drawing/2014/main" id="{D6EE29F2-D77F-4BD0-A20B-334D316A1C9D}"/>
               </a:ext>
               <a:ext uri="{C183D7F6-B498-43B3-948B-1728B52AA6E4}">
-                <adec:decorative xmlns:adec="http://schemas.microsoft.com/office/drawing/2017/decorative" val="1"/>
+                <adec:decorative xmlns:adec="http://schemas.microsoft.com/office/drawing/2017/decorative" xmlns="" val="1"/>
               </a:ext>
             </a:extLst>
           </p:cNvPr>
@@ -12398,7 +13688,7 @@
                 <a16:creationId xmlns:a16="http://schemas.microsoft.com/office/drawing/2014/main" id="{22D09ED2-868F-42C6-866E-F92E0CEF314F}"/>
               </a:ext>
               <a:ext uri="{C183D7F6-B498-43B3-948B-1728B52AA6E4}">
-                <adec:decorative xmlns:adec="http://schemas.microsoft.com/office/drawing/2017/decorative" val="1"/>
+                <adec:decorative xmlns:adec="http://schemas.microsoft.com/office/drawing/2017/decorative" xmlns="" val="1"/>
               </a:ext>
             </a:extLst>
           </p:cNvPr>
@@ -12754,564 +14044,6 @@
     <p:extLst>
       <p:ext uri="{BB962C8B-B14F-4D97-AF65-F5344CB8AC3E}">
         <p14:creationId xmlns:p14="http://schemas.microsoft.com/office/powerpoint/2010/main" val="163808044"/>
-      </p:ext>
-    </p:extLst>
-  </p:cSld>
-  <p:clrMapOvr>
-    <a:masterClrMapping/>
-  </p:clrMapOvr>
-</p:sld>
-</file>
-
-<file path=ppt/slides/slide18.xml><?xml version="1.0" encoding="utf-8"?>
-<p:sld xmlns:a="http://schemas.openxmlformats.org/drawingml/2006/main" xmlns:r="http://schemas.openxmlformats.org/officeDocument/2006/relationships" xmlns:p="http://schemas.openxmlformats.org/presentationml/2006/main">
-  <p:cSld>
-    <p:bg>
-      <p:bgPr>
-        <a:solidFill>
-          <a:schemeClr val="bg1"/>
-        </a:solidFill>
-        <a:effectLst/>
-      </p:bgPr>
-    </p:bg>
-    <p:spTree>
-      <p:nvGrpSpPr>
-        <p:cNvPr id="1" name=""/>
-        <p:cNvGrpSpPr/>
-        <p:nvPr/>
-      </p:nvGrpSpPr>
-      <p:grpSpPr>
-        <a:xfrm>
-          <a:off x="0" y="0"/>
-          <a:ext cx="0" cy="0"/>
-          <a:chOff x="0" y="0"/>
-          <a:chExt cx="0" cy="0"/>
-        </a:xfrm>
-      </p:grpSpPr>
-      <p:sp useBgFill="1">
-        <p:nvSpPr>
-          <p:cNvPr id="21" name="Rectangle 20">
-            <a:extLst>
-              <a:ext uri="{FF2B5EF4-FFF2-40B4-BE49-F238E27FC236}">
-                <a16:creationId xmlns:a16="http://schemas.microsoft.com/office/drawing/2014/main" id="{A1D7EC86-7CB9-431D-8AC3-8AAF0440B162}"/>
-              </a:ext>
-              <a:ext uri="{C183D7F6-B498-43B3-948B-1728B52AA6E4}">
-                <adec:decorative xmlns:adec="http://schemas.microsoft.com/office/drawing/2017/decorative" val="1"/>
-              </a:ext>
-            </a:extLst>
-          </p:cNvPr>
-          <p:cNvSpPr>
-            <a:spLocks noGrp="1" noRot="1" noChangeAspect="1" noMove="1" noResize="1" noEditPoints="1" noAdjustHandles="1" noChangeArrowheads="1" noChangeShapeType="1" noTextEdit="1"/>
-          </p:cNvSpPr>
-          <p:nvPr>
-            <p:extLst>
-              <p:ext uri="{386F3935-93C4-4BCD-93E2-E3B085C9AB24}">
-                <p16:designElem xmlns:p16="http://schemas.microsoft.com/office/powerpoint/2015/main" val="1"/>
-              </p:ext>
-            </p:extLst>
-          </p:nvPr>
-        </p:nvSpPr>
-        <p:spPr>
-          <a:xfrm>
-            <a:off x="0" y="0"/>
-            <a:ext cx="12192000" cy="6858000"/>
-          </a:xfrm>
-          <a:prstGeom prst="rect">
-            <a:avLst/>
-          </a:prstGeom>
-        </p:spPr>
-        <p:style>
-          <a:lnRef idx="2">
-            <a:schemeClr val="accent1">
-              <a:shade val="50000"/>
-            </a:schemeClr>
-          </a:lnRef>
-          <a:fillRef idx="1">
-            <a:schemeClr val="accent1"/>
-          </a:fillRef>
-          <a:effectRef idx="0">
-            <a:schemeClr val="accent1"/>
-          </a:effectRef>
-          <a:fontRef idx="minor">
-            <a:schemeClr val="lt1"/>
-          </a:fontRef>
-        </p:style>
-        <p:txBody>
-          <a:bodyPr rtlCol="0" anchor="ctr"/>
-          <a:lstStyle/>
-          <a:p>
-            <a:pPr algn="ctr"/>
-            <a:endParaRPr lang="en-US"/>
-          </a:p>
-        </p:txBody>
-      </p:sp>
-      <p:sp useBgFill="1">
-        <p:nvSpPr>
-          <p:cNvPr id="23" name="Rectangle 22">
-            <a:extLst>
-              <a:ext uri="{FF2B5EF4-FFF2-40B4-BE49-F238E27FC236}">
-                <a16:creationId xmlns:a16="http://schemas.microsoft.com/office/drawing/2014/main" id="{D4B9777F-B610-419B-9193-80306388F3E2}"/>
-              </a:ext>
-              <a:ext uri="{C183D7F6-B498-43B3-948B-1728B52AA6E4}">
-                <adec:decorative xmlns:adec="http://schemas.microsoft.com/office/drawing/2017/decorative" val="1"/>
-              </a:ext>
-            </a:extLst>
-          </p:cNvPr>
-          <p:cNvSpPr>
-            <a:spLocks noGrp="1" noRot="1" noChangeAspect="1" noMove="1" noResize="1" noEditPoints="1" noAdjustHandles="1" noChangeArrowheads="1" noChangeShapeType="1" noTextEdit="1"/>
-          </p:cNvSpPr>
-          <p:nvPr>
-            <p:extLst>
-              <p:ext uri="{386F3935-93C4-4BCD-93E2-E3B085C9AB24}">
-                <p16:designElem xmlns:p16="http://schemas.microsoft.com/office/powerpoint/2015/main" val="1"/>
-              </p:ext>
-            </p:extLst>
-          </p:nvPr>
-        </p:nvSpPr>
-        <p:spPr>
-          <a:xfrm>
-            <a:off x="0" y="0"/>
-            <a:ext cx="12192000" cy="6858000"/>
-          </a:xfrm>
-          <a:prstGeom prst="rect">
-            <a:avLst/>
-          </a:prstGeom>
-          <a:ln>
-            <a:noFill/>
-          </a:ln>
-        </p:spPr>
-        <p:style>
-          <a:lnRef idx="2">
-            <a:schemeClr val="accent1">
-              <a:shade val="50000"/>
-            </a:schemeClr>
-          </a:lnRef>
-          <a:fillRef idx="1">
-            <a:schemeClr val="accent1"/>
-          </a:fillRef>
-          <a:effectRef idx="0">
-            <a:schemeClr val="accent1"/>
-          </a:effectRef>
-          <a:fontRef idx="minor">
-            <a:schemeClr val="lt1"/>
-          </a:fontRef>
-        </p:style>
-        <p:txBody>
-          <a:bodyPr rtlCol="0" anchor="ctr"/>
-          <a:lstStyle/>
-          <a:p>
-            <a:pPr algn="ctr"/>
-            <a:endParaRPr lang="en-US" dirty="0"/>
-          </a:p>
-        </p:txBody>
-      </p:sp>
-      <p:sp>
-        <p:nvSpPr>
-          <p:cNvPr id="25" name="Arc 24">
-            <a:extLst>
-              <a:ext uri="{FF2B5EF4-FFF2-40B4-BE49-F238E27FC236}">
-                <a16:creationId xmlns:a16="http://schemas.microsoft.com/office/drawing/2014/main" id="{311F016A-A753-449B-9EA6-322199B7119E}"/>
-              </a:ext>
-              <a:ext uri="{C183D7F6-B498-43B3-948B-1728B52AA6E4}">
-                <adec:decorative xmlns:adec="http://schemas.microsoft.com/office/drawing/2017/decorative" val="1"/>
-              </a:ext>
-            </a:extLst>
-          </p:cNvPr>
-          <p:cNvSpPr>
-            <a:spLocks noGrp="1" noRot="1" noChangeAspect="1" noMove="1" noResize="1" noEditPoints="1" noAdjustHandles="1" noChangeArrowheads="1" noChangeShapeType="1" noTextEdit="1"/>
-          </p:cNvSpPr>
-          <p:nvPr>
-            <p:extLst>
-              <p:ext uri="{386F3935-93C4-4BCD-93E2-E3B085C9AB24}">
-                <p16:designElem xmlns:p16="http://schemas.microsoft.com/office/powerpoint/2015/main" val="1"/>
-              </p:ext>
-            </p:extLst>
-          </p:nvPr>
-        </p:nvSpPr>
-        <p:spPr>
-          <a:xfrm rot="21427715">
-            <a:off x="1108520" y="775849"/>
-            <a:ext cx="2987899" cy="2987899"/>
-          </a:xfrm>
-          <a:prstGeom prst="arc">
-            <a:avLst>
-              <a:gd name="adj1" fmla="val 16200000"/>
-              <a:gd name="adj2" fmla="val 2287352"/>
-            </a:avLst>
-          </a:prstGeom>
-          <a:ln w="127000" cap="rnd">
-            <a:solidFill>
-              <a:schemeClr val="accent4"/>
-            </a:solidFill>
-            <a:prstDash val="dash"/>
-            <a:miter lim="800000"/>
-          </a:ln>
-        </p:spPr>
-        <p:style>
-          <a:lnRef idx="1">
-            <a:schemeClr val="accent1"/>
-          </a:lnRef>
-          <a:fillRef idx="0">
-            <a:schemeClr val="accent1"/>
-          </a:fillRef>
-          <a:effectRef idx="0">
-            <a:schemeClr val="accent1"/>
-          </a:effectRef>
-          <a:fontRef idx="minor">
-            <a:schemeClr val="tx1"/>
-          </a:fontRef>
-        </p:style>
-        <p:txBody>
-          <a:bodyPr rtlCol="0" anchor="ctr"/>
-          <a:lstStyle/>
-          <a:p>
-            <a:pPr marL="0" marR="0" lvl="0" indent="0" algn="ctr" defTabSz="914400" rtl="0" eaLnBrk="1" fontAlgn="auto" latinLnBrk="0" hangingPunct="1">
-              <a:lnSpc>
-                <a:spcPct val="100000"/>
-              </a:lnSpc>
-              <a:spcBef>
-                <a:spcPts val="0"/>
-              </a:spcBef>
-              <a:spcAft>
-                <a:spcPts val="0"/>
-              </a:spcAft>
-              <a:buClrTx/>
-              <a:buSzTx/>
-              <a:buFontTx/>
-              <a:buNone/>
-              <a:tabLst/>
-              <a:defRPr/>
-            </a:pPr>
-            <a:endParaRPr kumimoji="0" lang="en-US" sz="1800" b="0" i="0" u="none" strike="noStrike" kern="1200" cap="none" spc="0" normalizeH="0" baseline="0" noProof="0">
-              <a:ln>
-                <a:noFill/>
-              </a:ln>
-              <a:solidFill>
-                <a:srgbClr val="000000"/>
-              </a:solidFill>
-              <a:effectLst/>
-              <a:uLnTx/>
-              <a:uFillTx/>
-              <a:latin typeface="Calibri" panose="020F0502020204030204"/>
-              <a:ea typeface="+mn-ea"/>
-              <a:cs typeface="+mn-cs"/>
-            </a:endParaRPr>
-          </a:p>
-        </p:txBody>
-      </p:sp>
-      <p:sp>
-        <p:nvSpPr>
-          <p:cNvPr id="2" name="Título 1">
-            <a:extLst>
-              <a:ext uri="{FF2B5EF4-FFF2-40B4-BE49-F238E27FC236}">
-                <a16:creationId xmlns:a16="http://schemas.microsoft.com/office/drawing/2014/main" id="{CA3F7024-406B-446D-85F1-3B8C8E90F64F}"/>
-              </a:ext>
-            </a:extLst>
-          </p:cNvPr>
-          <p:cNvSpPr>
-            <a:spLocks noGrp="1"/>
-          </p:cNvSpPr>
-          <p:nvPr>
-            <p:ph type="title"/>
-          </p:nvPr>
-        </p:nvSpPr>
-        <p:spPr>
-          <a:xfrm>
-            <a:off x="228161" y="2876047"/>
-            <a:ext cx="7336920" cy="1921329"/>
-          </a:xfrm>
-        </p:spPr>
-        <p:txBody>
-          <a:bodyPr vert="horz" lIns="91440" tIns="45720" rIns="91440" bIns="45720" rtlCol="0" anchor="b">
-            <a:noAutofit/>
-          </a:bodyPr>
-          <a:lstStyle/>
-          <a:p>
-            <a:br>
-              <a:rPr lang="en-US" sz="5400" dirty="0"/>
-            </a:br>
-            <a:br>
-              <a:rPr lang="en-US" sz="5400" dirty="0"/>
-            </a:br>
-            <a:r>
-              <a:rPr lang="en-US" sz="5400" b="1" dirty="0"/>
-              <a:t>Obrigado pela </a:t>
-            </a:r>
-            <a:r>
-              <a:rPr lang="en-US" sz="5400" b="1" dirty="0" err="1"/>
-              <a:t>Atenção</a:t>
-            </a:r>
-            <a:r>
-              <a:rPr lang="en-US" sz="5400" b="1" dirty="0"/>
-              <a:t>!</a:t>
-            </a:r>
-            <a:br>
-              <a:rPr lang="en-US" sz="5400" dirty="0"/>
-            </a:br>
-            <a:endParaRPr lang="en-US" sz="5400" dirty="0"/>
-          </a:p>
-        </p:txBody>
-      </p:sp>
-      <p:pic>
-        <p:nvPicPr>
-          <p:cNvPr id="17" name="Picture 16">
-            <a:extLst>
-              <a:ext uri="{FF2B5EF4-FFF2-40B4-BE49-F238E27FC236}">
-                <a16:creationId xmlns:a16="http://schemas.microsoft.com/office/drawing/2014/main" id="{361387AF-3B99-462A-9AA4-9D7AFE9E794D}"/>
-              </a:ext>
-            </a:extLst>
-          </p:cNvPr>
-          <p:cNvPicPr>
-            <a:picLocks noChangeAspect="1"/>
-          </p:cNvPicPr>
-          <p:nvPr/>
-        </p:nvPicPr>
-        <p:blipFill>
-          <a:blip r:embed="rId2">
-            <a:extLst>
-              <a:ext uri="{28A0092B-C50C-407E-A947-70E740481C1C}">
-                <a14:useLocalDpi xmlns:a14="http://schemas.microsoft.com/office/drawing/2010/main" val="0"/>
-              </a:ext>
-            </a:extLst>
-          </a:blip>
-          <a:stretch/>
-        </p:blipFill>
-        <p:spPr>
-          <a:xfrm>
-            <a:off x="6975675" y="264885"/>
-            <a:ext cx="5175953" cy="5182049"/>
-          </a:xfrm>
-          <a:custGeom>
-            <a:avLst/>
-            <a:gdLst/>
-            <a:ahLst/>
-            <a:cxnLst/>
-            <a:rect l="l" t="t" r="r" b="b"/>
-            <a:pathLst>
-              <a:path w="6458232" h="6858001">
-                <a:moveTo>
-                  <a:pt x="2209000" y="0"/>
-                </a:moveTo>
-                <a:lnTo>
-                  <a:pt x="6458232" y="0"/>
-                </a:lnTo>
-                <a:lnTo>
-                  <a:pt x="6458232" y="6858001"/>
-                </a:lnTo>
-                <a:lnTo>
-                  <a:pt x="651045" y="6858001"/>
-                </a:lnTo>
-                <a:lnTo>
-                  <a:pt x="635146" y="6830200"/>
-                </a:lnTo>
-                <a:cubicBezTo>
-                  <a:pt x="230085" y="6080469"/>
-                  <a:pt x="0" y="5221296"/>
-                  <a:pt x="0" y="4308089"/>
-                </a:cubicBezTo>
-                <a:cubicBezTo>
-                  <a:pt x="0" y="2572997"/>
-                  <a:pt x="830606" y="1032965"/>
-                  <a:pt x="2113832" y="68046"/>
-                </a:cubicBezTo>
-                <a:close/>
-              </a:path>
-            </a:pathLst>
-          </a:custGeom>
-          <a:effectLst>
-            <a:reflection stA="99000" endPos="65000" dist="50800" dir="5400000" sy="-100000" algn="bl" rotWithShape="0"/>
-          </a:effectLst>
-        </p:spPr>
-      </p:pic>
-      <p:sp>
-        <p:nvSpPr>
-          <p:cNvPr id="27" name="Rectangle 26">
-            <a:extLst>
-              <a:ext uri="{FF2B5EF4-FFF2-40B4-BE49-F238E27FC236}">
-                <a16:creationId xmlns:a16="http://schemas.microsoft.com/office/drawing/2014/main" id="{95106A28-883A-4993-BF9E-C403B81A8D66}"/>
-              </a:ext>
-              <a:ext uri="{C183D7F6-B498-43B3-948B-1728B52AA6E4}">
-                <adec:decorative xmlns:adec="http://schemas.microsoft.com/office/drawing/2017/decorative" val="1"/>
-              </a:ext>
-            </a:extLst>
-          </p:cNvPr>
-          <p:cNvSpPr>
-            <a:spLocks noGrp="1" noRot="1" noChangeAspect="1" noMove="1" noResize="1" noEditPoints="1" noAdjustHandles="1" noChangeArrowheads="1" noChangeShapeType="1" noTextEdit="1"/>
-          </p:cNvSpPr>
-          <p:nvPr>
-            <p:extLst>
-              <p:ext uri="{386F3935-93C4-4BCD-93E2-E3B085C9AB24}">
-                <p16:designElem xmlns:p16="http://schemas.microsoft.com/office/powerpoint/2015/main" val="1"/>
-              </p:ext>
-            </p:extLst>
-          </p:nvPr>
-        </p:nvSpPr>
-        <p:spPr>
-          <a:xfrm>
-            <a:off x="5394269" y="4274457"/>
-            <a:ext cx="825256" cy="825256"/>
-          </a:xfrm>
-          <a:prstGeom prst="rect">
-            <a:avLst/>
-          </a:prstGeom>
-          <a:noFill/>
-          <a:ln w="127000">
-            <a:solidFill>
-              <a:schemeClr val="accent6"/>
-            </a:solidFill>
-            <a:round/>
-          </a:ln>
-        </p:spPr>
-        <p:style>
-          <a:lnRef idx="2">
-            <a:schemeClr val="accent1">
-              <a:shade val="50000"/>
-            </a:schemeClr>
-          </a:lnRef>
-          <a:fillRef idx="1">
-            <a:schemeClr val="accent1"/>
-          </a:fillRef>
-          <a:effectRef idx="0">
-            <a:schemeClr val="accent1"/>
-          </a:effectRef>
-          <a:fontRef idx="minor">
-            <a:schemeClr val="lt1"/>
-          </a:fontRef>
-        </p:style>
-        <p:txBody>
-          <a:bodyPr rtlCol="0" anchor="ctr"/>
-          <a:lstStyle/>
-          <a:p>
-            <a:pPr marL="0" marR="0" lvl="0" indent="0" algn="ctr" defTabSz="914400" rtl="0" eaLnBrk="1" fontAlgn="auto" latinLnBrk="0" hangingPunct="1">
-              <a:lnSpc>
-                <a:spcPct val="100000"/>
-              </a:lnSpc>
-              <a:spcBef>
-                <a:spcPts val="0"/>
-              </a:spcBef>
-              <a:spcAft>
-                <a:spcPts val="0"/>
-              </a:spcAft>
-              <a:buClrTx/>
-              <a:buSzTx/>
-              <a:buFontTx/>
-              <a:buNone/>
-              <a:tabLst/>
-              <a:defRPr/>
-            </a:pPr>
-            <a:endParaRPr kumimoji="0" lang="en-US" sz="1800" b="0" i="0" u="none" strike="noStrike" kern="1200" cap="none" spc="0" normalizeH="0" baseline="0" noProof="0">
-              <a:ln>
-                <a:noFill/>
-              </a:ln>
-              <a:solidFill>
-                <a:srgbClr val="FFFFFF"/>
-              </a:solidFill>
-              <a:effectLst/>
-              <a:uLnTx/>
-              <a:uFillTx/>
-              <a:latin typeface="Calibri" panose="020F0502020204030204"/>
-              <a:ea typeface="+mn-ea"/>
-              <a:cs typeface="+mn-cs"/>
-            </a:endParaRPr>
-          </a:p>
-        </p:txBody>
-      </p:sp>
-      <p:sp>
-        <p:nvSpPr>
-          <p:cNvPr id="29" name="Oval 28">
-            <a:extLst>
-              <a:ext uri="{FF2B5EF4-FFF2-40B4-BE49-F238E27FC236}">
-                <a16:creationId xmlns:a16="http://schemas.microsoft.com/office/drawing/2014/main" id="{F5AE4E4F-9F4C-43ED-8299-9BD63B74E8F0}"/>
-              </a:ext>
-              <a:ext uri="{C183D7F6-B498-43B3-948B-1728B52AA6E4}">
-                <adec:decorative xmlns:adec="http://schemas.microsoft.com/office/drawing/2017/decorative" val="1"/>
-              </a:ext>
-            </a:extLst>
-          </p:cNvPr>
-          <p:cNvSpPr>
-            <a:spLocks noGrp="1" noRot="1" noChangeAspect="1" noMove="1" noResize="1" noEditPoints="1" noAdjustHandles="1" noChangeArrowheads="1" noChangeShapeType="1" noTextEdit="1"/>
-          </p:cNvSpPr>
-          <p:nvPr>
-            <p:extLst>
-              <p:ext uri="{386F3935-93C4-4BCD-93E2-E3B085C9AB24}">
-                <p16:designElem xmlns:p16="http://schemas.microsoft.com/office/powerpoint/2015/main" val="1"/>
-              </p:ext>
-            </p:extLst>
-          </p:nvPr>
-        </p:nvSpPr>
-        <p:spPr>
-          <a:xfrm>
-            <a:off x="860742" y="5649686"/>
-            <a:ext cx="546100" cy="546100"/>
-          </a:xfrm>
-          <a:prstGeom prst="ellipse">
-            <a:avLst/>
-          </a:prstGeom>
-          <a:solidFill>
-            <a:schemeClr val="accent5"/>
-          </a:solidFill>
-          <a:ln>
-            <a:noFill/>
-          </a:ln>
-        </p:spPr>
-        <p:style>
-          <a:lnRef idx="2">
-            <a:schemeClr val="accent1">
-              <a:shade val="50000"/>
-            </a:schemeClr>
-          </a:lnRef>
-          <a:fillRef idx="1">
-            <a:schemeClr val="accent1"/>
-          </a:fillRef>
-          <a:effectRef idx="0">
-            <a:schemeClr val="accent1"/>
-          </a:effectRef>
-          <a:fontRef idx="minor">
-            <a:schemeClr val="lt1"/>
-          </a:fontRef>
-        </p:style>
-        <p:txBody>
-          <a:bodyPr rtlCol="0" anchor="ctr"/>
-          <a:lstStyle/>
-          <a:p>
-            <a:pPr marL="0" marR="0" lvl="0" indent="0" algn="ctr" defTabSz="914400" rtl="0" eaLnBrk="1" fontAlgn="auto" latinLnBrk="0" hangingPunct="1">
-              <a:lnSpc>
-                <a:spcPct val="100000"/>
-              </a:lnSpc>
-              <a:spcBef>
-                <a:spcPts val="0"/>
-              </a:spcBef>
-              <a:spcAft>
-                <a:spcPts val="0"/>
-              </a:spcAft>
-              <a:buClrTx/>
-              <a:buSzTx/>
-              <a:buFontTx/>
-              <a:buNone/>
-              <a:tabLst/>
-              <a:defRPr/>
-            </a:pPr>
-            <a:endParaRPr kumimoji="0" lang="en-US" sz="1800" b="0" i="0" u="none" strike="noStrike" kern="1200" cap="none" spc="0" normalizeH="0" baseline="0" noProof="0" dirty="0">
-              <a:ln>
-                <a:noFill/>
-              </a:ln>
-              <a:solidFill>
-                <a:srgbClr val="FFFFFF"/>
-              </a:solidFill>
-              <a:effectLst/>
-              <a:uLnTx/>
-              <a:uFillTx/>
-              <a:latin typeface="Calibri" panose="020F0502020204030204"/>
-              <a:ea typeface="+mn-ea"/>
-              <a:cs typeface="+mn-cs"/>
-            </a:endParaRPr>
-          </a:p>
-        </p:txBody>
-      </p:sp>
-    </p:spTree>
-    <p:extLst>
-      <p:ext uri="{BB962C8B-B14F-4D97-AF65-F5344CB8AC3E}">
-        <p14:creationId xmlns:p14="http://schemas.microsoft.com/office/powerpoint/2010/main" val="1251319222"/>
       </p:ext>
     </p:extLst>
   </p:cSld>
@@ -13354,7 +14086,7 @@
                 <a16:creationId xmlns:a16="http://schemas.microsoft.com/office/drawing/2014/main" id="{362D44EE-C852-4460-B8B5-C4F2BC20510C}"/>
               </a:ext>
               <a:ext uri="{C183D7F6-B498-43B3-948B-1728B52AA6E4}">
-                <adec:decorative xmlns:adec="http://schemas.microsoft.com/office/drawing/2017/decorative" val="1"/>
+                <adec:decorative xmlns:adec="http://schemas.microsoft.com/office/drawing/2017/decorative" xmlns="" val="1"/>
               </a:ext>
             </a:extLst>
           </p:cNvPr>
@@ -13471,6 +14203,10 @@
               </a:rPr>
               <a:t>:</a:t>
             </a:r>
+            <a:r>
+              <a:rPr lang="en-US" sz="6000" dirty="0"/>
+              <a:t/>
+            </a:r>
             <a:br>
               <a:rPr lang="en-US" sz="6000" dirty="0"/>
             </a:br>
@@ -13486,7 +14222,7 @@
                 <a16:creationId xmlns:a16="http://schemas.microsoft.com/office/drawing/2014/main" id="{658970D8-8D1D-4B5C-894B-E871CC86543D}"/>
               </a:ext>
               <a:ext uri="{C183D7F6-B498-43B3-948B-1728B52AA6E4}">
-                <adec:decorative xmlns:adec="http://schemas.microsoft.com/office/drawing/2017/decorative" val="1"/>
+                <adec:decorative xmlns:adec="http://schemas.microsoft.com/office/drawing/2017/decorative" xmlns="" val="1"/>
               </a:ext>
             </a:extLst>
           </p:cNvPr>
@@ -13606,7 +14342,7 @@
                 <a16:creationId xmlns:a16="http://schemas.microsoft.com/office/drawing/2014/main" id="{F227E5B6-9132-43CA-B503-37A18562ADF2}"/>
               </a:ext>
               <a:ext uri="{C183D7F6-B498-43B3-948B-1728B52AA6E4}">
-                <adec:decorative xmlns:adec="http://schemas.microsoft.com/office/drawing/2017/decorative" val="1"/>
+                <adec:decorative xmlns:adec="http://schemas.microsoft.com/office/drawing/2017/decorative" xmlns="" val="1"/>
               </a:ext>
             </a:extLst>
           </p:cNvPr>
@@ -13733,7 +14469,7 @@
                 <a16:creationId xmlns:a16="http://schemas.microsoft.com/office/drawing/2014/main" id="{03C2051E-A88D-48E5-BACF-AAED17892722}"/>
               </a:ext>
               <a:ext uri="{C183D7F6-B498-43B3-948B-1728B52AA6E4}">
-                <adec:decorative xmlns:adec="http://schemas.microsoft.com/office/drawing/2017/decorative" val="1"/>
+                <adec:decorative xmlns:adec="http://schemas.microsoft.com/office/drawing/2017/decorative" xmlns="" val="1"/>
               </a:ext>
             </a:extLst>
           </p:cNvPr>
@@ -13853,7 +14589,7 @@
                 <a16:creationId xmlns:a16="http://schemas.microsoft.com/office/drawing/2014/main" id="{7821A508-2985-4905-874A-527429BAABFA}"/>
               </a:ext>
               <a:ext uri="{C183D7F6-B498-43B3-948B-1728B52AA6E4}">
-                <adec:decorative xmlns:adec="http://schemas.microsoft.com/office/drawing/2017/decorative" val="1"/>
+                <adec:decorative xmlns:adec="http://schemas.microsoft.com/office/drawing/2017/decorative" xmlns="" val="1"/>
               </a:ext>
             </a:extLst>
           </p:cNvPr>
@@ -13978,7 +14714,7 @@
                 <a16:creationId xmlns:a16="http://schemas.microsoft.com/office/drawing/2014/main" id="{D2929CB1-0E3C-4B2D-ADC5-0154FB33BA44}"/>
               </a:ext>
               <a:ext uri="{C183D7F6-B498-43B3-948B-1728B52AA6E4}">
-                <adec:decorative xmlns:adec="http://schemas.microsoft.com/office/drawing/2017/decorative" val="1"/>
+                <adec:decorative xmlns:adec="http://schemas.microsoft.com/office/drawing/2017/decorative" xmlns="" val="1"/>
               </a:ext>
             </a:extLst>
           </p:cNvPr>
@@ -14384,7 +15120,7 @@
                 <a16:creationId xmlns:a16="http://schemas.microsoft.com/office/drawing/2014/main" id="{5F2F0C84-BE8C-4DC2-A6D3-30349A801D5C}"/>
               </a:ext>
               <a:ext uri="{C183D7F6-B498-43B3-948B-1728B52AA6E4}">
-                <adec:decorative xmlns:adec="http://schemas.microsoft.com/office/drawing/2017/decorative" val="1"/>
+                <adec:decorative xmlns:adec="http://schemas.microsoft.com/office/drawing/2017/decorative" xmlns="" val="1"/>
               </a:ext>
             </a:extLst>
           </p:cNvPr>
@@ -14666,6 +15402,576 @@
 </p:sld>
 </file>
 
+<file path=ppt/slides/slide20.xml><?xml version="1.0" encoding="utf-8"?>
+<p:sld xmlns:a="http://schemas.openxmlformats.org/drawingml/2006/main" xmlns:r="http://schemas.openxmlformats.org/officeDocument/2006/relationships" xmlns:p="http://schemas.openxmlformats.org/presentationml/2006/main">
+  <p:cSld>
+    <p:bg>
+      <p:bgPr>
+        <a:solidFill>
+          <a:schemeClr val="bg1"/>
+        </a:solidFill>
+        <a:effectLst/>
+      </p:bgPr>
+    </p:bg>
+    <p:spTree>
+      <p:nvGrpSpPr>
+        <p:cNvPr id="1" name=""/>
+        <p:cNvGrpSpPr/>
+        <p:nvPr/>
+      </p:nvGrpSpPr>
+      <p:grpSpPr>
+        <a:xfrm>
+          <a:off x="0" y="0"/>
+          <a:ext cx="0" cy="0"/>
+          <a:chOff x="0" y="0"/>
+          <a:chExt cx="0" cy="0"/>
+        </a:xfrm>
+      </p:grpSpPr>
+      <p:sp useBgFill="1">
+        <p:nvSpPr>
+          <p:cNvPr id="21" name="Rectangle 20">
+            <a:extLst>
+              <a:ext uri="{FF2B5EF4-FFF2-40B4-BE49-F238E27FC236}">
+                <a16:creationId xmlns:a16="http://schemas.microsoft.com/office/drawing/2014/main" id="{A1D7EC86-7CB9-431D-8AC3-8AAF0440B162}"/>
+              </a:ext>
+              <a:ext uri="{C183D7F6-B498-43B3-948B-1728B52AA6E4}">
+                <adec:decorative xmlns:adec="http://schemas.microsoft.com/office/drawing/2017/decorative" xmlns="" val="1"/>
+              </a:ext>
+            </a:extLst>
+          </p:cNvPr>
+          <p:cNvSpPr>
+            <a:spLocks noGrp="1" noRot="1" noChangeAspect="1" noMove="1" noResize="1" noEditPoints="1" noAdjustHandles="1" noChangeArrowheads="1" noChangeShapeType="1" noTextEdit="1"/>
+          </p:cNvSpPr>
+          <p:nvPr>
+            <p:extLst>
+              <p:ext uri="{386F3935-93C4-4BCD-93E2-E3B085C9AB24}">
+                <p16:designElem xmlns:p16="http://schemas.microsoft.com/office/powerpoint/2015/main" val="1"/>
+              </p:ext>
+            </p:extLst>
+          </p:nvPr>
+        </p:nvSpPr>
+        <p:spPr>
+          <a:xfrm>
+            <a:off x="0" y="0"/>
+            <a:ext cx="12192000" cy="6858000"/>
+          </a:xfrm>
+          <a:prstGeom prst="rect">
+            <a:avLst/>
+          </a:prstGeom>
+        </p:spPr>
+        <p:style>
+          <a:lnRef idx="2">
+            <a:schemeClr val="accent1">
+              <a:shade val="50000"/>
+            </a:schemeClr>
+          </a:lnRef>
+          <a:fillRef idx="1">
+            <a:schemeClr val="accent1"/>
+          </a:fillRef>
+          <a:effectRef idx="0">
+            <a:schemeClr val="accent1"/>
+          </a:effectRef>
+          <a:fontRef idx="minor">
+            <a:schemeClr val="lt1"/>
+          </a:fontRef>
+        </p:style>
+        <p:txBody>
+          <a:bodyPr rtlCol="0" anchor="ctr"/>
+          <a:lstStyle/>
+          <a:p>
+            <a:pPr algn="ctr"/>
+            <a:endParaRPr lang="en-US"/>
+          </a:p>
+        </p:txBody>
+      </p:sp>
+      <p:sp useBgFill="1">
+        <p:nvSpPr>
+          <p:cNvPr id="23" name="Rectangle 22">
+            <a:extLst>
+              <a:ext uri="{FF2B5EF4-FFF2-40B4-BE49-F238E27FC236}">
+                <a16:creationId xmlns:a16="http://schemas.microsoft.com/office/drawing/2014/main" id="{D4B9777F-B610-419B-9193-80306388F3E2}"/>
+              </a:ext>
+              <a:ext uri="{C183D7F6-B498-43B3-948B-1728B52AA6E4}">
+                <adec:decorative xmlns:adec="http://schemas.microsoft.com/office/drawing/2017/decorative" xmlns="" val="1"/>
+              </a:ext>
+            </a:extLst>
+          </p:cNvPr>
+          <p:cNvSpPr>
+            <a:spLocks noGrp="1" noRot="1" noChangeAspect="1" noMove="1" noResize="1" noEditPoints="1" noAdjustHandles="1" noChangeArrowheads="1" noChangeShapeType="1" noTextEdit="1"/>
+          </p:cNvSpPr>
+          <p:nvPr>
+            <p:extLst>
+              <p:ext uri="{386F3935-93C4-4BCD-93E2-E3B085C9AB24}">
+                <p16:designElem xmlns:p16="http://schemas.microsoft.com/office/powerpoint/2015/main" val="1"/>
+              </p:ext>
+            </p:extLst>
+          </p:nvPr>
+        </p:nvSpPr>
+        <p:spPr>
+          <a:xfrm>
+            <a:off x="0" y="0"/>
+            <a:ext cx="12192000" cy="6858000"/>
+          </a:xfrm>
+          <a:prstGeom prst="rect">
+            <a:avLst/>
+          </a:prstGeom>
+          <a:ln>
+            <a:noFill/>
+          </a:ln>
+        </p:spPr>
+        <p:style>
+          <a:lnRef idx="2">
+            <a:schemeClr val="accent1">
+              <a:shade val="50000"/>
+            </a:schemeClr>
+          </a:lnRef>
+          <a:fillRef idx="1">
+            <a:schemeClr val="accent1"/>
+          </a:fillRef>
+          <a:effectRef idx="0">
+            <a:schemeClr val="accent1"/>
+          </a:effectRef>
+          <a:fontRef idx="minor">
+            <a:schemeClr val="lt1"/>
+          </a:fontRef>
+        </p:style>
+        <p:txBody>
+          <a:bodyPr rtlCol="0" anchor="ctr"/>
+          <a:lstStyle/>
+          <a:p>
+            <a:pPr algn="ctr"/>
+            <a:endParaRPr lang="en-US" dirty="0"/>
+          </a:p>
+        </p:txBody>
+      </p:sp>
+      <p:sp>
+        <p:nvSpPr>
+          <p:cNvPr id="25" name="Arc 24">
+            <a:extLst>
+              <a:ext uri="{FF2B5EF4-FFF2-40B4-BE49-F238E27FC236}">
+                <a16:creationId xmlns:a16="http://schemas.microsoft.com/office/drawing/2014/main" id="{311F016A-A753-449B-9EA6-322199B7119E}"/>
+              </a:ext>
+              <a:ext uri="{C183D7F6-B498-43B3-948B-1728B52AA6E4}">
+                <adec:decorative xmlns:adec="http://schemas.microsoft.com/office/drawing/2017/decorative" xmlns="" val="1"/>
+              </a:ext>
+            </a:extLst>
+          </p:cNvPr>
+          <p:cNvSpPr>
+            <a:spLocks noGrp="1" noRot="1" noChangeAspect="1" noMove="1" noResize="1" noEditPoints="1" noAdjustHandles="1" noChangeArrowheads="1" noChangeShapeType="1" noTextEdit="1"/>
+          </p:cNvSpPr>
+          <p:nvPr>
+            <p:extLst>
+              <p:ext uri="{386F3935-93C4-4BCD-93E2-E3B085C9AB24}">
+                <p16:designElem xmlns:p16="http://schemas.microsoft.com/office/powerpoint/2015/main" val="1"/>
+              </p:ext>
+            </p:extLst>
+          </p:nvPr>
+        </p:nvSpPr>
+        <p:spPr>
+          <a:xfrm rot="21427715">
+            <a:off x="1108520" y="775849"/>
+            <a:ext cx="2987899" cy="2987899"/>
+          </a:xfrm>
+          <a:prstGeom prst="arc">
+            <a:avLst>
+              <a:gd name="adj1" fmla="val 16200000"/>
+              <a:gd name="adj2" fmla="val 2287352"/>
+            </a:avLst>
+          </a:prstGeom>
+          <a:ln w="127000" cap="rnd">
+            <a:solidFill>
+              <a:schemeClr val="accent4"/>
+            </a:solidFill>
+            <a:prstDash val="dash"/>
+            <a:miter lim="800000"/>
+          </a:ln>
+        </p:spPr>
+        <p:style>
+          <a:lnRef idx="1">
+            <a:schemeClr val="accent1"/>
+          </a:lnRef>
+          <a:fillRef idx="0">
+            <a:schemeClr val="accent1"/>
+          </a:fillRef>
+          <a:effectRef idx="0">
+            <a:schemeClr val="accent1"/>
+          </a:effectRef>
+          <a:fontRef idx="minor">
+            <a:schemeClr val="tx1"/>
+          </a:fontRef>
+        </p:style>
+        <p:txBody>
+          <a:bodyPr rtlCol="0" anchor="ctr"/>
+          <a:lstStyle/>
+          <a:p>
+            <a:pPr marL="0" marR="0" lvl="0" indent="0" algn="ctr" defTabSz="914400" rtl="0" eaLnBrk="1" fontAlgn="auto" latinLnBrk="0" hangingPunct="1">
+              <a:lnSpc>
+                <a:spcPct val="100000"/>
+              </a:lnSpc>
+              <a:spcBef>
+                <a:spcPts val="0"/>
+              </a:spcBef>
+              <a:spcAft>
+                <a:spcPts val="0"/>
+              </a:spcAft>
+              <a:buClrTx/>
+              <a:buSzTx/>
+              <a:buFontTx/>
+              <a:buNone/>
+              <a:tabLst/>
+              <a:defRPr/>
+            </a:pPr>
+            <a:endParaRPr kumimoji="0" lang="en-US" sz="1800" b="0" i="0" u="none" strike="noStrike" kern="1200" cap="none" spc="0" normalizeH="0" baseline="0" noProof="0">
+              <a:ln>
+                <a:noFill/>
+              </a:ln>
+              <a:solidFill>
+                <a:srgbClr val="000000"/>
+              </a:solidFill>
+              <a:effectLst/>
+              <a:uLnTx/>
+              <a:uFillTx/>
+              <a:latin typeface="Calibri" panose="020F0502020204030204"/>
+              <a:ea typeface="+mn-ea"/>
+              <a:cs typeface="+mn-cs"/>
+            </a:endParaRPr>
+          </a:p>
+        </p:txBody>
+      </p:sp>
+      <p:sp>
+        <p:nvSpPr>
+          <p:cNvPr id="2" name="Título 1">
+            <a:extLst>
+              <a:ext uri="{FF2B5EF4-FFF2-40B4-BE49-F238E27FC236}">
+                <a16:creationId xmlns:a16="http://schemas.microsoft.com/office/drawing/2014/main" id="{CA3F7024-406B-446D-85F1-3B8C8E90F64F}"/>
+              </a:ext>
+            </a:extLst>
+          </p:cNvPr>
+          <p:cNvSpPr>
+            <a:spLocks noGrp="1"/>
+          </p:cNvSpPr>
+          <p:nvPr>
+            <p:ph type="title"/>
+          </p:nvPr>
+        </p:nvSpPr>
+        <p:spPr>
+          <a:xfrm>
+            <a:off x="228161" y="2876047"/>
+            <a:ext cx="7336920" cy="1921329"/>
+          </a:xfrm>
+        </p:spPr>
+        <p:txBody>
+          <a:bodyPr vert="horz" lIns="91440" tIns="45720" rIns="91440" bIns="45720" rtlCol="0" anchor="b">
+            <a:noAutofit/>
+          </a:bodyPr>
+          <a:lstStyle/>
+          <a:p>
+            <a:r>
+              <a:rPr lang="en-US" sz="5400" dirty="0"/>
+              <a:t/>
+            </a:r>
+            <a:br>
+              <a:rPr lang="en-US" sz="5400" dirty="0"/>
+            </a:br>
+            <a:r>
+              <a:rPr lang="en-US" sz="5400" dirty="0"/>
+              <a:t/>
+            </a:r>
+            <a:br>
+              <a:rPr lang="en-US" sz="5400" dirty="0"/>
+            </a:br>
+            <a:r>
+              <a:rPr lang="en-US" sz="5400" b="1" dirty="0"/>
+              <a:t>Obrigado pela </a:t>
+            </a:r>
+            <a:r>
+              <a:rPr lang="en-US" sz="5400" b="1" dirty="0" err="1"/>
+              <a:t>Atenção</a:t>
+            </a:r>
+            <a:r>
+              <a:rPr lang="en-US" sz="5400" b="1" dirty="0"/>
+              <a:t>!</a:t>
+            </a:r>
+            <a:r>
+              <a:rPr lang="en-US" sz="5400" dirty="0"/>
+              <a:t/>
+            </a:r>
+            <a:br>
+              <a:rPr lang="en-US" sz="5400" dirty="0"/>
+            </a:br>
+            <a:endParaRPr lang="en-US" sz="5400" dirty="0"/>
+          </a:p>
+        </p:txBody>
+      </p:sp>
+      <p:pic>
+        <p:nvPicPr>
+          <p:cNvPr id="17" name="Picture 16">
+            <a:extLst>
+              <a:ext uri="{FF2B5EF4-FFF2-40B4-BE49-F238E27FC236}">
+                <a16:creationId xmlns:a16="http://schemas.microsoft.com/office/drawing/2014/main" id="{361387AF-3B99-462A-9AA4-9D7AFE9E794D}"/>
+              </a:ext>
+            </a:extLst>
+          </p:cNvPr>
+          <p:cNvPicPr>
+            <a:picLocks noChangeAspect="1"/>
+          </p:cNvPicPr>
+          <p:nvPr/>
+        </p:nvPicPr>
+        <p:blipFill>
+          <a:blip r:embed="rId2">
+            <a:extLst>
+              <a:ext uri="{28A0092B-C50C-407E-A947-70E740481C1C}">
+                <a14:useLocalDpi xmlns:a14="http://schemas.microsoft.com/office/drawing/2010/main" val="0"/>
+              </a:ext>
+            </a:extLst>
+          </a:blip>
+          <a:stretch/>
+        </p:blipFill>
+        <p:spPr>
+          <a:xfrm>
+            <a:off x="6975675" y="264885"/>
+            <a:ext cx="5175953" cy="5182049"/>
+          </a:xfrm>
+          <a:custGeom>
+            <a:avLst/>
+            <a:gdLst/>
+            <a:ahLst/>
+            <a:cxnLst/>
+            <a:rect l="l" t="t" r="r" b="b"/>
+            <a:pathLst>
+              <a:path w="6458232" h="6858001">
+                <a:moveTo>
+                  <a:pt x="2209000" y="0"/>
+                </a:moveTo>
+                <a:lnTo>
+                  <a:pt x="6458232" y="0"/>
+                </a:lnTo>
+                <a:lnTo>
+                  <a:pt x="6458232" y="6858001"/>
+                </a:lnTo>
+                <a:lnTo>
+                  <a:pt x="651045" y="6858001"/>
+                </a:lnTo>
+                <a:lnTo>
+                  <a:pt x="635146" y="6830200"/>
+                </a:lnTo>
+                <a:cubicBezTo>
+                  <a:pt x="230085" y="6080469"/>
+                  <a:pt x="0" y="5221296"/>
+                  <a:pt x="0" y="4308089"/>
+                </a:cubicBezTo>
+                <a:cubicBezTo>
+                  <a:pt x="0" y="2572997"/>
+                  <a:pt x="830606" y="1032965"/>
+                  <a:pt x="2113832" y="68046"/>
+                </a:cubicBezTo>
+                <a:close/>
+              </a:path>
+            </a:pathLst>
+          </a:custGeom>
+          <a:effectLst>
+            <a:reflection stA="99000" endPos="65000" dist="50800" dir="5400000" sy="-100000" algn="bl" rotWithShape="0"/>
+          </a:effectLst>
+        </p:spPr>
+      </p:pic>
+      <p:sp>
+        <p:nvSpPr>
+          <p:cNvPr id="27" name="Rectangle 26">
+            <a:extLst>
+              <a:ext uri="{FF2B5EF4-FFF2-40B4-BE49-F238E27FC236}">
+                <a16:creationId xmlns:a16="http://schemas.microsoft.com/office/drawing/2014/main" id="{95106A28-883A-4993-BF9E-C403B81A8D66}"/>
+              </a:ext>
+              <a:ext uri="{C183D7F6-B498-43B3-948B-1728B52AA6E4}">
+                <adec:decorative xmlns:adec="http://schemas.microsoft.com/office/drawing/2017/decorative" xmlns="" val="1"/>
+              </a:ext>
+            </a:extLst>
+          </p:cNvPr>
+          <p:cNvSpPr>
+            <a:spLocks noGrp="1" noRot="1" noChangeAspect="1" noMove="1" noResize="1" noEditPoints="1" noAdjustHandles="1" noChangeArrowheads="1" noChangeShapeType="1" noTextEdit="1"/>
+          </p:cNvSpPr>
+          <p:nvPr>
+            <p:extLst>
+              <p:ext uri="{386F3935-93C4-4BCD-93E2-E3B085C9AB24}">
+                <p16:designElem xmlns:p16="http://schemas.microsoft.com/office/powerpoint/2015/main" val="1"/>
+              </p:ext>
+            </p:extLst>
+          </p:nvPr>
+        </p:nvSpPr>
+        <p:spPr>
+          <a:xfrm>
+            <a:off x="5394269" y="4274457"/>
+            <a:ext cx="825256" cy="825256"/>
+          </a:xfrm>
+          <a:prstGeom prst="rect">
+            <a:avLst/>
+          </a:prstGeom>
+          <a:noFill/>
+          <a:ln w="127000">
+            <a:solidFill>
+              <a:schemeClr val="accent6"/>
+            </a:solidFill>
+            <a:round/>
+          </a:ln>
+        </p:spPr>
+        <p:style>
+          <a:lnRef idx="2">
+            <a:schemeClr val="accent1">
+              <a:shade val="50000"/>
+            </a:schemeClr>
+          </a:lnRef>
+          <a:fillRef idx="1">
+            <a:schemeClr val="accent1"/>
+          </a:fillRef>
+          <a:effectRef idx="0">
+            <a:schemeClr val="accent1"/>
+          </a:effectRef>
+          <a:fontRef idx="minor">
+            <a:schemeClr val="lt1"/>
+          </a:fontRef>
+        </p:style>
+        <p:txBody>
+          <a:bodyPr rtlCol="0" anchor="ctr"/>
+          <a:lstStyle/>
+          <a:p>
+            <a:pPr marL="0" marR="0" lvl="0" indent="0" algn="ctr" defTabSz="914400" rtl="0" eaLnBrk="1" fontAlgn="auto" latinLnBrk="0" hangingPunct="1">
+              <a:lnSpc>
+                <a:spcPct val="100000"/>
+              </a:lnSpc>
+              <a:spcBef>
+                <a:spcPts val="0"/>
+              </a:spcBef>
+              <a:spcAft>
+                <a:spcPts val="0"/>
+              </a:spcAft>
+              <a:buClrTx/>
+              <a:buSzTx/>
+              <a:buFontTx/>
+              <a:buNone/>
+              <a:tabLst/>
+              <a:defRPr/>
+            </a:pPr>
+            <a:endParaRPr kumimoji="0" lang="en-US" sz="1800" b="0" i="0" u="none" strike="noStrike" kern="1200" cap="none" spc="0" normalizeH="0" baseline="0" noProof="0">
+              <a:ln>
+                <a:noFill/>
+              </a:ln>
+              <a:solidFill>
+                <a:srgbClr val="FFFFFF"/>
+              </a:solidFill>
+              <a:effectLst/>
+              <a:uLnTx/>
+              <a:uFillTx/>
+              <a:latin typeface="Calibri" panose="020F0502020204030204"/>
+              <a:ea typeface="+mn-ea"/>
+              <a:cs typeface="+mn-cs"/>
+            </a:endParaRPr>
+          </a:p>
+        </p:txBody>
+      </p:sp>
+      <p:sp>
+        <p:nvSpPr>
+          <p:cNvPr id="29" name="Oval 28">
+            <a:extLst>
+              <a:ext uri="{FF2B5EF4-FFF2-40B4-BE49-F238E27FC236}">
+                <a16:creationId xmlns:a16="http://schemas.microsoft.com/office/drawing/2014/main" id="{F5AE4E4F-9F4C-43ED-8299-9BD63B74E8F0}"/>
+              </a:ext>
+              <a:ext uri="{C183D7F6-B498-43B3-948B-1728B52AA6E4}">
+                <adec:decorative xmlns:adec="http://schemas.microsoft.com/office/drawing/2017/decorative" xmlns="" val="1"/>
+              </a:ext>
+            </a:extLst>
+          </p:cNvPr>
+          <p:cNvSpPr>
+            <a:spLocks noGrp="1" noRot="1" noChangeAspect="1" noMove="1" noResize="1" noEditPoints="1" noAdjustHandles="1" noChangeArrowheads="1" noChangeShapeType="1" noTextEdit="1"/>
+          </p:cNvSpPr>
+          <p:nvPr>
+            <p:extLst>
+              <p:ext uri="{386F3935-93C4-4BCD-93E2-E3B085C9AB24}">
+                <p16:designElem xmlns:p16="http://schemas.microsoft.com/office/powerpoint/2015/main" val="1"/>
+              </p:ext>
+            </p:extLst>
+          </p:nvPr>
+        </p:nvSpPr>
+        <p:spPr>
+          <a:xfrm>
+            <a:off x="860742" y="5649686"/>
+            <a:ext cx="546100" cy="546100"/>
+          </a:xfrm>
+          <a:prstGeom prst="ellipse">
+            <a:avLst/>
+          </a:prstGeom>
+          <a:solidFill>
+            <a:schemeClr val="accent5"/>
+          </a:solidFill>
+          <a:ln>
+            <a:noFill/>
+          </a:ln>
+        </p:spPr>
+        <p:style>
+          <a:lnRef idx="2">
+            <a:schemeClr val="accent1">
+              <a:shade val="50000"/>
+            </a:schemeClr>
+          </a:lnRef>
+          <a:fillRef idx="1">
+            <a:schemeClr val="accent1"/>
+          </a:fillRef>
+          <a:effectRef idx="0">
+            <a:schemeClr val="accent1"/>
+          </a:effectRef>
+          <a:fontRef idx="minor">
+            <a:schemeClr val="lt1"/>
+          </a:fontRef>
+        </p:style>
+        <p:txBody>
+          <a:bodyPr rtlCol="0" anchor="ctr"/>
+          <a:lstStyle/>
+          <a:p>
+            <a:pPr marL="0" marR="0" lvl="0" indent="0" algn="ctr" defTabSz="914400" rtl="0" eaLnBrk="1" fontAlgn="auto" latinLnBrk="0" hangingPunct="1">
+              <a:lnSpc>
+                <a:spcPct val="100000"/>
+              </a:lnSpc>
+              <a:spcBef>
+                <a:spcPts val="0"/>
+              </a:spcBef>
+              <a:spcAft>
+                <a:spcPts val="0"/>
+              </a:spcAft>
+              <a:buClrTx/>
+              <a:buSzTx/>
+              <a:buFontTx/>
+              <a:buNone/>
+              <a:tabLst/>
+              <a:defRPr/>
+            </a:pPr>
+            <a:endParaRPr kumimoji="0" lang="en-US" sz="1800" b="0" i="0" u="none" strike="noStrike" kern="1200" cap="none" spc="0" normalizeH="0" baseline="0" noProof="0" dirty="0">
+              <a:ln>
+                <a:noFill/>
+              </a:ln>
+              <a:solidFill>
+                <a:srgbClr val="FFFFFF"/>
+              </a:solidFill>
+              <a:effectLst/>
+              <a:uLnTx/>
+              <a:uFillTx/>
+              <a:latin typeface="Calibri" panose="020F0502020204030204"/>
+              <a:ea typeface="+mn-ea"/>
+              <a:cs typeface="+mn-cs"/>
+            </a:endParaRPr>
+          </a:p>
+        </p:txBody>
+      </p:sp>
+    </p:spTree>
+    <p:extLst>
+      <p:ext uri="{BB962C8B-B14F-4D97-AF65-F5344CB8AC3E}">
+        <p14:creationId xmlns:p14="http://schemas.microsoft.com/office/powerpoint/2010/main" val="1251319222"/>
+      </p:ext>
+    </p:extLst>
+  </p:cSld>
+  <p:clrMapOvr>
+    <a:masterClrMapping/>
+  </p:clrMapOvr>
+</p:sld>
+</file>
+
 <file path=ppt/slides/slide3.xml><?xml version="1.0" encoding="utf-8"?>
 <p:sld xmlns:a="http://schemas.openxmlformats.org/drawingml/2006/main" xmlns:r="http://schemas.openxmlformats.org/officeDocument/2006/relationships" xmlns:p="http://schemas.openxmlformats.org/presentationml/2006/main">
   <p:cSld>
@@ -14699,7 +16005,7 @@
                 <a16:creationId xmlns:a16="http://schemas.microsoft.com/office/drawing/2014/main" id="{9AFC454B-A080-4D23-B177-6D5356C6E6EF}"/>
               </a:ext>
               <a:ext uri="{C183D7F6-B498-43B3-948B-1728B52AA6E4}">
-                <adec:decorative xmlns:adec="http://schemas.microsoft.com/office/drawing/2017/decorative" val="1"/>
+                <adec:decorative xmlns:adec="http://schemas.microsoft.com/office/drawing/2017/decorative" xmlns="" val="1"/>
               </a:ext>
             </a:extLst>
           </p:cNvPr>
@@ -14759,7 +16065,7 @@
                 <a16:creationId xmlns:a16="http://schemas.microsoft.com/office/drawing/2014/main" id="{D0522C2C-7B5C-48A7-A969-03941E5D2E76}"/>
               </a:ext>
               <a:ext uri="{C183D7F6-B498-43B3-948B-1728B52AA6E4}">
-                <adec:decorative xmlns:adec="http://schemas.microsoft.com/office/drawing/2017/decorative" val="1"/>
+                <adec:decorative xmlns:adec="http://schemas.microsoft.com/office/drawing/2017/decorative" xmlns="" val="1"/>
               </a:ext>
             </a:extLst>
           </p:cNvPr>
@@ -14826,7 +16132,7 @@
                 <a16:creationId xmlns:a16="http://schemas.microsoft.com/office/drawing/2014/main" id="{9C682A1A-5B2D-4111-BBD6-620165633E5B}"/>
               </a:ext>
               <a:ext uri="{C183D7F6-B498-43B3-948B-1728B52AA6E4}">
-                <adec:decorative xmlns:adec="http://schemas.microsoft.com/office/drawing/2017/decorative" val="1"/>
+                <adec:decorative xmlns:adec="http://schemas.microsoft.com/office/drawing/2017/decorative" xmlns="" val="1"/>
               </a:ext>
             </a:extLst>
           </p:cNvPr>
@@ -15001,7 +16307,7 @@
                 <a16:creationId xmlns:a16="http://schemas.microsoft.com/office/drawing/2014/main" id="{D6EE29F2-D77F-4BD0-A20B-334D316A1C9D}"/>
               </a:ext>
               <a:ext uri="{C183D7F6-B498-43B3-948B-1728B52AA6E4}">
-                <adec:decorative xmlns:adec="http://schemas.microsoft.com/office/drawing/2017/decorative" val="1"/>
+                <adec:decorative xmlns:adec="http://schemas.microsoft.com/office/drawing/2017/decorative" xmlns="" val="1"/>
               </a:ext>
             </a:extLst>
           </p:cNvPr>
@@ -15093,7 +16399,7 @@
                 <a16:creationId xmlns:a16="http://schemas.microsoft.com/office/drawing/2014/main" id="{22D09ED2-868F-42C6-866E-F92E0CEF314F}"/>
               </a:ext>
               <a:ext uri="{C183D7F6-B498-43B3-948B-1728B52AA6E4}">
-                <adec:decorative xmlns:adec="http://schemas.microsoft.com/office/drawing/2017/decorative" val="1"/>
+                <adec:decorative xmlns:adec="http://schemas.microsoft.com/office/drawing/2017/decorative" xmlns="" val="1"/>
               </a:ext>
             </a:extLst>
           </p:cNvPr>
@@ -15593,7 +16899,7 @@
                 <a16:creationId xmlns:a16="http://schemas.microsoft.com/office/drawing/2014/main" id="{9AFC454B-A080-4D23-B177-6D5356C6E6EF}"/>
               </a:ext>
               <a:ext uri="{C183D7F6-B498-43B3-948B-1728B52AA6E4}">
-                <adec:decorative xmlns:adec="http://schemas.microsoft.com/office/drawing/2017/decorative" val="1"/>
+                <adec:decorative xmlns:adec="http://schemas.microsoft.com/office/drawing/2017/decorative" xmlns="" val="1"/>
               </a:ext>
             </a:extLst>
           </p:cNvPr>
@@ -15653,7 +16959,7 @@
                 <a16:creationId xmlns:a16="http://schemas.microsoft.com/office/drawing/2014/main" id="{D0522C2C-7B5C-48A7-A969-03941E5D2E76}"/>
               </a:ext>
               <a:ext uri="{C183D7F6-B498-43B3-948B-1728B52AA6E4}">
-                <adec:decorative xmlns:adec="http://schemas.microsoft.com/office/drawing/2017/decorative" val="1"/>
+                <adec:decorative xmlns:adec="http://schemas.microsoft.com/office/drawing/2017/decorative" xmlns="" val="1"/>
               </a:ext>
             </a:extLst>
           </p:cNvPr>
@@ -15720,7 +17026,7 @@
                 <a16:creationId xmlns:a16="http://schemas.microsoft.com/office/drawing/2014/main" id="{9C682A1A-5B2D-4111-BBD6-620165633E5B}"/>
               </a:ext>
               <a:ext uri="{C183D7F6-B498-43B3-948B-1728B52AA6E4}">
-                <adec:decorative xmlns:adec="http://schemas.microsoft.com/office/drawing/2017/decorative" val="1"/>
+                <adec:decorative xmlns:adec="http://schemas.microsoft.com/office/drawing/2017/decorative" xmlns="" val="1"/>
               </a:ext>
             </a:extLst>
           </p:cNvPr>
@@ -15895,7 +17201,7 @@
                 <a16:creationId xmlns:a16="http://schemas.microsoft.com/office/drawing/2014/main" id="{D6EE29F2-D77F-4BD0-A20B-334D316A1C9D}"/>
               </a:ext>
               <a:ext uri="{C183D7F6-B498-43B3-948B-1728B52AA6E4}">
-                <adec:decorative xmlns:adec="http://schemas.microsoft.com/office/drawing/2017/decorative" val="1"/>
+                <adec:decorative xmlns:adec="http://schemas.microsoft.com/office/drawing/2017/decorative" xmlns="" val="1"/>
               </a:ext>
             </a:extLst>
           </p:cNvPr>
@@ -15987,7 +17293,7 @@
                 <a16:creationId xmlns:a16="http://schemas.microsoft.com/office/drawing/2014/main" id="{22D09ED2-868F-42C6-866E-F92E0CEF314F}"/>
               </a:ext>
               <a:ext uri="{C183D7F6-B498-43B3-948B-1728B52AA6E4}">
-                <adec:decorative xmlns:adec="http://schemas.microsoft.com/office/drawing/2017/decorative" val="1"/>
+                <adec:decorative xmlns:adec="http://schemas.microsoft.com/office/drawing/2017/decorative" xmlns="" val="1"/>
               </a:ext>
             </a:extLst>
           </p:cNvPr>
@@ -16227,7 +17533,7 @@
                 <a16:creationId xmlns:a16="http://schemas.microsoft.com/office/drawing/2014/main" id="{67009BBA-DC62-4808-B0A8-DC86986B7608}"/>
               </a:ext>
               <a:ext uri="{C183D7F6-B498-43B3-948B-1728B52AA6E4}">
-                <adec:decorative xmlns:adec="http://schemas.microsoft.com/office/drawing/2017/decorative" val="1"/>
+                <adec:decorative xmlns:adec="http://schemas.microsoft.com/office/drawing/2017/decorative" xmlns="" val="1"/>
               </a:ext>
             </a:extLst>
           </p:cNvPr>
@@ -16363,7 +17669,7 @@
                 <a16:creationId xmlns:a16="http://schemas.microsoft.com/office/drawing/2014/main" id="{3F9BDB9F-8714-4605-B1BF-670E94960019}"/>
               </a:ext>
               <a:ext uri="{C183D7F6-B498-43B3-948B-1728B52AA6E4}">
-                <adec:decorative xmlns:adec="http://schemas.microsoft.com/office/drawing/2017/decorative" val="1"/>
+                <adec:decorative xmlns:adec="http://schemas.microsoft.com/office/drawing/2017/decorative" xmlns="" val="1"/>
               </a:ext>
             </a:extLst>
           </p:cNvPr>
@@ -16501,7 +17807,7 @@
                 <a16:creationId xmlns:a16="http://schemas.microsoft.com/office/drawing/2014/main" id="{CB339924-0C86-4476-A81F-37DCF289E1AB}"/>
               </a:ext>
               <a:ext uri="{C183D7F6-B498-43B3-948B-1728B52AA6E4}">
-                <adec:decorative xmlns:adec="http://schemas.microsoft.com/office/drawing/2017/decorative" val="1"/>
+                <adec:decorative xmlns:adec="http://schemas.microsoft.com/office/drawing/2017/decorative" xmlns="" val="1"/>
               </a:ext>
             </a:extLst>
           </p:cNvPr>
@@ -16833,7 +18139,7 @@
                 <a16:creationId xmlns:a16="http://schemas.microsoft.com/office/drawing/2014/main" id="{9AFC454B-A080-4D23-B177-6D5356C6E6EF}"/>
               </a:ext>
               <a:ext uri="{C183D7F6-B498-43B3-948B-1728B52AA6E4}">
-                <adec:decorative xmlns:adec="http://schemas.microsoft.com/office/drawing/2017/decorative" val="1"/>
+                <adec:decorative xmlns:adec="http://schemas.microsoft.com/office/drawing/2017/decorative" xmlns="" val="1"/>
               </a:ext>
             </a:extLst>
           </p:cNvPr>
@@ -16893,7 +18199,7 @@
                 <a16:creationId xmlns:a16="http://schemas.microsoft.com/office/drawing/2014/main" id="{D0522C2C-7B5C-48A7-A969-03941E5D2E76}"/>
               </a:ext>
               <a:ext uri="{C183D7F6-B498-43B3-948B-1728B52AA6E4}">
-                <adec:decorative xmlns:adec="http://schemas.microsoft.com/office/drawing/2017/decorative" val="1"/>
+                <adec:decorative xmlns:adec="http://schemas.microsoft.com/office/drawing/2017/decorative" xmlns="" val="1"/>
               </a:ext>
             </a:extLst>
           </p:cNvPr>
@@ -16960,7 +18266,7 @@
                 <a16:creationId xmlns:a16="http://schemas.microsoft.com/office/drawing/2014/main" id="{9C682A1A-5B2D-4111-BBD6-620165633E5B}"/>
               </a:ext>
               <a:ext uri="{C183D7F6-B498-43B3-948B-1728B52AA6E4}">
-                <adec:decorative xmlns:adec="http://schemas.microsoft.com/office/drawing/2017/decorative" val="1"/>
+                <adec:decorative xmlns:adec="http://schemas.microsoft.com/office/drawing/2017/decorative" xmlns="" val="1"/>
               </a:ext>
             </a:extLst>
           </p:cNvPr>
@@ -17135,7 +18441,7 @@
                 <a16:creationId xmlns:a16="http://schemas.microsoft.com/office/drawing/2014/main" id="{D6EE29F2-D77F-4BD0-A20B-334D316A1C9D}"/>
               </a:ext>
               <a:ext uri="{C183D7F6-B498-43B3-948B-1728B52AA6E4}">
-                <adec:decorative xmlns:adec="http://schemas.microsoft.com/office/drawing/2017/decorative" val="1"/>
+                <adec:decorative xmlns:adec="http://schemas.microsoft.com/office/drawing/2017/decorative" xmlns="" val="1"/>
               </a:ext>
             </a:extLst>
           </p:cNvPr>
@@ -17227,7 +18533,7 @@
                 <a16:creationId xmlns:a16="http://schemas.microsoft.com/office/drawing/2014/main" id="{22D09ED2-868F-42C6-866E-F92E0CEF314F}"/>
               </a:ext>
               <a:ext uri="{C183D7F6-B498-43B3-948B-1728B52AA6E4}">
-                <adec:decorative xmlns:adec="http://schemas.microsoft.com/office/drawing/2017/decorative" val="1"/>
+                <adec:decorative xmlns:adec="http://schemas.microsoft.com/office/drawing/2017/decorative" xmlns="" val="1"/>
               </a:ext>
             </a:extLst>
           </p:cNvPr>
@@ -17452,7 +18758,7 @@
         <p:spPr>
           <a:xfrm>
             <a:off x="2233748" y="2011680"/>
-            <a:ext cx="7942217" cy="2308324"/>
+            <a:ext cx="7942217" cy="2862322"/>
           </a:xfrm>
           <a:prstGeom prst="rect">
             <a:avLst/>
@@ -17478,12 +18784,87 @@
           <a:p>
             <a:pPr algn="ctr"/>
             <a:r>
+              <a:rPr lang="pt-BR" sz="3600" dirty="0">
+                <a:solidFill>
+                  <a:schemeClr val="bg1"/>
+                </a:solidFill>
+              </a:rPr>
+              <a:t>Apelo </a:t>
+            </a:r>
+            <a:r>
+              <a:rPr lang="pt-BR" sz="3600" dirty="0" smtClean="0">
+                <a:solidFill>
+                  <a:schemeClr val="bg1"/>
+                </a:solidFill>
+              </a:rPr>
+              <a:t>emocional a seguir </a:t>
+            </a:r>
+          </a:p>
+          <a:p>
+            <a:pPr algn="ctr"/>
+            <a:r>
               <a:rPr lang="pt-BR" sz="3200" dirty="0">
                 <a:solidFill>
                   <a:schemeClr val="bg1"/>
                 </a:solidFill>
               </a:rPr>
-              <a:t>Apelo emocional, as imagens a seguir podem gerar fortes emoções. </a:t>
+              <a:t>A</a:t>
+            </a:r>
+            <a:r>
+              <a:rPr lang="pt-BR" sz="3200" dirty="0" smtClean="0">
+                <a:solidFill>
+                  <a:schemeClr val="bg1"/>
+                </a:solidFill>
+              </a:rPr>
+              <a:t>s </a:t>
+            </a:r>
+            <a:r>
+              <a:rPr lang="pt-BR" sz="3200" dirty="0">
+                <a:solidFill>
+                  <a:schemeClr val="bg1"/>
+                </a:solidFill>
+              </a:rPr>
+              <a:t>imagens a </a:t>
+            </a:r>
+            <a:r>
+              <a:rPr lang="pt-BR" sz="3200" dirty="0" smtClean="0">
+                <a:solidFill>
+                  <a:schemeClr val="bg1"/>
+                </a:solidFill>
+              </a:rPr>
+              <a:t>serem exibidas pod</a:t>
+            </a:r>
+            <a:r>
+              <a:rPr lang="pt-BR" sz="3200" dirty="0" smtClean="0">
+                <a:solidFill>
+                  <a:schemeClr val="bg1"/>
+                </a:solidFill>
+              </a:rPr>
+              <a:t>em </a:t>
+            </a:r>
+            <a:r>
+              <a:rPr lang="pt-BR" sz="3200" dirty="0" smtClean="0">
+                <a:solidFill>
+                  <a:schemeClr val="bg1"/>
+                </a:solidFill>
+              </a:rPr>
+              <a:t>gerar </a:t>
+            </a:r>
+            <a:r>
+              <a:rPr lang="pt-BR" sz="3200" dirty="0">
+                <a:solidFill>
+                  <a:schemeClr val="bg1"/>
+                </a:solidFill>
+              </a:rPr>
+              <a:t>fortes </a:t>
+            </a:r>
+            <a:r>
+              <a:rPr lang="pt-BR" sz="3200" dirty="0" smtClean="0">
+                <a:solidFill>
+                  <a:schemeClr val="bg1"/>
+                </a:solidFill>
+              </a:rPr>
+              <a:t>emoções em públicos sensíveis. </a:t>
             </a:r>
             <a:endParaRPr lang="pt-BR" dirty="0">
               <a:solidFill>
@@ -17533,6 +18914,13 @@
   <p:clrMapOvr>
     <a:masterClrMapping/>
   </p:clrMapOvr>
+  <p:timing>
+    <p:tnLst>
+      <p:par>
+        <p:cTn id="1" dur="indefinite" restart="never" nodeType="tmRoot"/>
+      </p:par>
+    </p:tnLst>
+  </p:timing>
 </p:sld>
 </file>
 
@@ -17569,7 +18957,7 @@
                 <a16:creationId xmlns:a16="http://schemas.microsoft.com/office/drawing/2014/main" id="{67009BBA-DC62-4808-B0A8-DC86986B7608}"/>
               </a:ext>
               <a:ext uri="{C183D7F6-B498-43B3-948B-1728B52AA6E4}">
-                <adec:decorative xmlns:adec="http://schemas.microsoft.com/office/drawing/2017/decorative" val="1"/>
+                <adec:decorative xmlns:adec="http://schemas.microsoft.com/office/drawing/2017/decorative" xmlns="" val="1"/>
               </a:ext>
             </a:extLst>
           </p:cNvPr>
@@ -17636,7 +19024,7 @@
                 <a16:creationId xmlns:a16="http://schemas.microsoft.com/office/drawing/2014/main" id="{3F9BDB9F-8714-4605-B1BF-670E94960019}"/>
               </a:ext>
               <a:ext uri="{C183D7F6-B498-43B3-948B-1728B52AA6E4}">
-                <adec:decorative xmlns:adec="http://schemas.microsoft.com/office/drawing/2017/decorative" val="1"/>
+                <adec:decorative xmlns:adec="http://schemas.microsoft.com/office/drawing/2017/decorative" xmlns="" val="1"/>
               </a:ext>
             </a:extLst>
           </p:cNvPr>
@@ -17729,7 +19117,7 @@
                 <a16:creationId xmlns:a16="http://schemas.microsoft.com/office/drawing/2014/main" id="{CB339924-0C86-4476-A81F-37DCF289E1AB}"/>
               </a:ext>
               <a:ext uri="{C183D7F6-B498-43B3-948B-1728B52AA6E4}">
-                <adec:decorative xmlns:adec="http://schemas.microsoft.com/office/drawing/2017/decorative" val="1"/>
+                <adec:decorative xmlns:adec="http://schemas.microsoft.com/office/drawing/2017/decorative" xmlns="" val="1"/>
               </a:ext>
             </a:extLst>
           </p:cNvPr>
@@ -17853,6 +19241,13 @@
   <p:clrMapOvr>
     <a:masterClrMapping/>
   </p:clrMapOvr>
+  <p:timing>
+    <p:tnLst>
+      <p:par>
+        <p:cTn id="1" dur="indefinite" restart="never" nodeType="tmRoot"/>
+      </p:par>
+    </p:tnLst>
+  </p:timing>
 </p:sld>
 </file>
 
@@ -17889,7 +19284,7 @@
                 <a16:creationId xmlns:a16="http://schemas.microsoft.com/office/drawing/2014/main" id="{67009BBA-DC62-4808-B0A8-DC86986B7608}"/>
               </a:ext>
               <a:ext uri="{C183D7F6-B498-43B3-948B-1728B52AA6E4}">
-                <adec:decorative xmlns:adec="http://schemas.microsoft.com/office/drawing/2017/decorative" val="1"/>
+                <adec:decorative xmlns:adec="http://schemas.microsoft.com/office/drawing/2017/decorative" xmlns="" val="1"/>
               </a:ext>
             </a:extLst>
           </p:cNvPr>
@@ -17956,7 +19351,7 @@
                 <a16:creationId xmlns:a16="http://schemas.microsoft.com/office/drawing/2014/main" id="{3F9BDB9F-8714-4605-B1BF-670E94960019}"/>
               </a:ext>
               <a:ext uri="{C183D7F6-B498-43B3-948B-1728B52AA6E4}">
-                <adec:decorative xmlns:adec="http://schemas.microsoft.com/office/drawing/2017/decorative" val="1"/>
+                <adec:decorative xmlns:adec="http://schemas.microsoft.com/office/drawing/2017/decorative" xmlns="" val="1"/>
               </a:ext>
             </a:extLst>
           </p:cNvPr>
@@ -18049,7 +19444,7 @@
                 <a16:creationId xmlns:a16="http://schemas.microsoft.com/office/drawing/2014/main" id="{CB339924-0C86-4476-A81F-37DCF289E1AB}"/>
               </a:ext>
               <a:ext uri="{C183D7F6-B498-43B3-948B-1728B52AA6E4}">
-                <adec:decorative xmlns:adec="http://schemas.microsoft.com/office/drawing/2017/decorative" val="1"/>
+                <adec:decorative xmlns:adec="http://schemas.microsoft.com/office/drawing/2017/decorative" xmlns="" val="1"/>
               </a:ext>
             </a:extLst>
           </p:cNvPr>
@@ -18173,6 +19568,13 @@
   <p:clrMapOvr>
     <a:masterClrMapping/>
   </p:clrMapOvr>
+  <p:timing>
+    <p:tnLst>
+      <p:par>
+        <p:cTn id="1" dur="indefinite" restart="never" nodeType="tmRoot"/>
+      </p:par>
+    </p:tnLst>
+  </p:timing>
 </p:sld>
 </file>
 

--- a/Apresentação/Limpeza e Organização_sugestao.pptx
+++ b/Apresentação/Limpeza e Organização_sugestao.pptx
@@ -3750,7 +3750,7 @@
                 <a16:creationId xmlns:a16="http://schemas.microsoft.com/office/drawing/2014/main" id="{362D44EE-C852-4460-B8B5-C4F2BC20510C}"/>
               </a:ext>
               <a:ext uri="{C183D7F6-B498-43B3-948B-1728B52AA6E4}">
-                <adec:decorative xmlns:adec="http://schemas.microsoft.com/office/drawing/2017/decorative" xmlns="" val="1"/>
+                <adec:decorative xmlns:adec="http://schemas.microsoft.com/office/drawing/2017/decorative" val="1"/>
               </a:ext>
             </a:extLst>
           </p:cNvPr>
@@ -3850,7 +3850,7 @@
                 <a16:creationId xmlns:a16="http://schemas.microsoft.com/office/drawing/2014/main" id="{658970D8-8D1D-4B5C-894B-E871CC86543D}"/>
               </a:ext>
               <a:ext uri="{C183D7F6-B498-43B3-948B-1728B52AA6E4}">
-                <adec:decorative xmlns:adec="http://schemas.microsoft.com/office/drawing/2017/decorative" xmlns="" val="1"/>
+                <adec:decorative xmlns:adec="http://schemas.microsoft.com/office/drawing/2017/decorative" val="1"/>
               </a:ext>
             </a:extLst>
           </p:cNvPr>
@@ -3970,7 +3970,7 @@
                 <a16:creationId xmlns:a16="http://schemas.microsoft.com/office/drawing/2014/main" id="{F227E5B6-9132-43CA-B503-37A18562ADF2}"/>
               </a:ext>
               <a:ext uri="{C183D7F6-B498-43B3-948B-1728B52AA6E4}">
-                <adec:decorative xmlns:adec="http://schemas.microsoft.com/office/drawing/2017/decorative" xmlns="" val="1"/>
+                <adec:decorative xmlns:adec="http://schemas.microsoft.com/office/drawing/2017/decorative" val="1"/>
               </a:ext>
             </a:extLst>
           </p:cNvPr>
@@ -4097,7 +4097,7 @@
                 <a16:creationId xmlns:a16="http://schemas.microsoft.com/office/drawing/2014/main" id="{03C2051E-A88D-48E5-BACF-AAED17892722}"/>
               </a:ext>
               <a:ext uri="{C183D7F6-B498-43B3-948B-1728B52AA6E4}">
-                <adec:decorative xmlns:adec="http://schemas.microsoft.com/office/drawing/2017/decorative" xmlns="" val="1"/>
+                <adec:decorative xmlns:adec="http://schemas.microsoft.com/office/drawing/2017/decorative" val="1"/>
               </a:ext>
             </a:extLst>
           </p:cNvPr>
@@ -4217,7 +4217,7 @@
                 <a16:creationId xmlns:a16="http://schemas.microsoft.com/office/drawing/2014/main" id="{7821A508-2985-4905-874A-527429BAABFA}"/>
               </a:ext>
               <a:ext uri="{C183D7F6-B498-43B3-948B-1728B52AA6E4}">
-                <adec:decorative xmlns:adec="http://schemas.microsoft.com/office/drawing/2017/decorative" xmlns="" val="1"/>
+                <adec:decorative xmlns:adec="http://schemas.microsoft.com/office/drawing/2017/decorative" val="1"/>
               </a:ext>
             </a:extLst>
           </p:cNvPr>
@@ -4342,7 +4342,7 @@
                 <a16:creationId xmlns:a16="http://schemas.microsoft.com/office/drawing/2014/main" id="{D2929CB1-0E3C-4B2D-ADC5-0154FB33BA44}"/>
               </a:ext>
               <a:ext uri="{C183D7F6-B498-43B3-948B-1728B52AA6E4}">
-                <adec:decorative xmlns:adec="http://schemas.microsoft.com/office/drawing/2017/decorative" xmlns="" val="1"/>
+                <adec:decorative xmlns:adec="http://schemas.microsoft.com/office/drawing/2017/decorative" val="1"/>
               </a:ext>
             </a:extLst>
           </p:cNvPr>
@@ -4692,7 +4692,7 @@
                 <a14:useLocalDpi xmlns:a14="http://schemas.microsoft.com/office/drawing/2010/main" val="0"/>
               </a:ext>
               <a:ext uri="{837473B0-CC2E-450A-ABE3-18F120FF3D39}">
-                <a1611:picAttrSrcUrl xmlns:a1611="http://schemas.microsoft.com/office/drawing/2016/11/main" xmlns="" r:id="rId3"/>
+                <a1611:picAttrSrcUrl xmlns:a1611="http://schemas.microsoft.com/office/drawing/2016/11/main" r:id="rId3"/>
               </a:ext>
             </a:extLst>
           </a:blip>
@@ -4749,7 +4749,7 @@
                 <a16:creationId xmlns:a16="http://schemas.microsoft.com/office/drawing/2014/main" id="{5F2F0C84-BE8C-4DC2-A6D3-30349A801D5C}"/>
               </a:ext>
               <a:ext uri="{C183D7F6-B498-43B3-948B-1728B52AA6E4}">
-                <adec:decorative xmlns:adec="http://schemas.microsoft.com/office/drawing/2017/decorative" xmlns="" val="1"/>
+                <adec:decorative xmlns:adec="http://schemas.microsoft.com/office/drawing/2017/decorative" val="1"/>
               </a:ext>
             </a:extLst>
           </p:cNvPr>
@@ -4915,7 +4915,7 @@
                 <a16:creationId xmlns:a16="http://schemas.microsoft.com/office/drawing/2014/main" id="{67009BBA-DC62-4808-B0A8-DC86986B7608}"/>
               </a:ext>
               <a:ext uri="{C183D7F6-B498-43B3-948B-1728B52AA6E4}">
-                <adec:decorative xmlns:adec="http://schemas.microsoft.com/office/drawing/2017/decorative" xmlns="" val="1"/>
+                <adec:decorative xmlns:adec="http://schemas.microsoft.com/office/drawing/2017/decorative" val="1"/>
               </a:ext>
             </a:extLst>
           </p:cNvPr>
@@ -4982,7 +4982,7 @@
                 <a16:creationId xmlns:a16="http://schemas.microsoft.com/office/drawing/2014/main" id="{3F9BDB9F-8714-4605-B1BF-670E94960019}"/>
               </a:ext>
               <a:ext uri="{C183D7F6-B498-43B3-948B-1728B52AA6E4}">
-                <adec:decorative xmlns:adec="http://schemas.microsoft.com/office/drawing/2017/decorative" xmlns="" val="1"/>
+                <adec:decorative xmlns:adec="http://schemas.microsoft.com/office/drawing/2017/decorative" val="1"/>
               </a:ext>
             </a:extLst>
           </p:cNvPr>
@@ -5075,7 +5075,7 @@
                 <a16:creationId xmlns:a16="http://schemas.microsoft.com/office/drawing/2014/main" id="{CB339924-0C86-4476-A81F-37DCF289E1AB}"/>
               </a:ext>
               <a:ext uri="{C183D7F6-B498-43B3-948B-1728B52AA6E4}">
-                <adec:decorative xmlns:adec="http://schemas.microsoft.com/office/drawing/2017/decorative" xmlns="" val="1"/>
+                <adec:decorative xmlns:adec="http://schemas.microsoft.com/office/drawing/2017/decorative" val="1"/>
               </a:ext>
             </a:extLst>
           </p:cNvPr>
@@ -5199,13 +5199,6 @@
   <p:clrMapOvr>
     <a:masterClrMapping/>
   </p:clrMapOvr>
-  <p:timing>
-    <p:tnLst>
-      <p:par>
-        <p:cTn id="1" dur="indefinite" restart="never" nodeType="tmRoot"/>
-      </p:par>
-    </p:tnLst>
-  </p:timing>
 </p:sld>
 </file>
 
@@ -5242,7 +5235,7 @@
                 <a16:creationId xmlns:a16="http://schemas.microsoft.com/office/drawing/2014/main" id="{59EF30C2-29AC-4A0D-BC0A-A679CF113EDD}"/>
               </a:ext>
               <a:ext uri="{C183D7F6-B498-43B3-948B-1728B52AA6E4}">
-                <adec:decorative xmlns:adec="http://schemas.microsoft.com/office/drawing/2017/decorative" xmlns="" val="1"/>
+                <adec:decorative xmlns:adec="http://schemas.microsoft.com/office/drawing/2017/decorative" val="1"/>
               </a:ext>
             </a:extLst>
           </p:cNvPr>
@@ -5302,7 +5295,7 @@
                 <a16:creationId xmlns:a16="http://schemas.microsoft.com/office/drawing/2014/main" id="{9C682A1A-5B2D-4111-BBD6-620165633E5B}"/>
               </a:ext>
               <a:ext uri="{C183D7F6-B498-43B3-948B-1728B52AA6E4}">
-                <adec:decorative xmlns:adec="http://schemas.microsoft.com/office/drawing/2017/decorative" xmlns="" val="1"/>
+                <adec:decorative xmlns:adec="http://schemas.microsoft.com/office/drawing/2017/decorative" val="1"/>
               </a:ext>
             </a:extLst>
           </p:cNvPr>
@@ -5542,17 +5535,14 @@
               </a:rPr>
               <a:t>ambiente</a:t>
             </a:r>
-            <a:r>
-              <a:rPr lang="en-US" sz="6000" b="1" kern="1200" dirty="0">
-                <a:solidFill>
-                  <a:srgbClr val="FFFFFF"/>
-                </a:solidFill>
-                <a:latin typeface="+mj-lt"/>
-                <a:ea typeface="+mj-ea"/>
-                <a:cs typeface="+mj-cs"/>
-              </a:rPr>
-              <a:t>.</a:t>
-            </a:r>
+            <a:endParaRPr lang="en-US" sz="6000" b="1" kern="1200" dirty="0">
+              <a:solidFill>
+                <a:srgbClr val="FFFFFF"/>
+              </a:solidFill>
+              <a:latin typeface="+mj-lt"/>
+              <a:ea typeface="+mj-ea"/>
+              <a:cs typeface="+mj-cs"/>
+            </a:endParaRPr>
           </a:p>
         </p:txBody>
       </p:sp>
@@ -5564,7 +5554,7 @@
                 <a16:creationId xmlns:a16="http://schemas.microsoft.com/office/drawing/2014/main" id="{266A0658-1CC4-4B0D-AAB7-A702286AFB03}"/>
               </a:ext>
               <a:ext uri="{C183D7F6-B498-43B3-948B-1728B52AA6E4}">
-                <adec:decorative xmlns:adec="http://schemas.microsoft.com/office/drawing/2017/decorative" xmlns="" val="1"/>
+                <adec:decorative xmlns:adec="http://schemas.microsoft.com/office/drawing/2017/decorative" val="1"/>
               </a:ext>
             </a:extLst>
           </p:cNvPr>
@@ -5617,7 +5607,7 @@
                 <a16:creationId xmlns:a16="http://schemas.microsoft.com/office/drawing/2014/main" id="{A04F1504-431A-4D86-9091-AE7E4B33376B}"/>
               </a:ext>
               <a:ext uri="{C183D7F6-B498-43B3-948B-1728B52AA6E4}">
-                <adec:decorative xmlns:adec="http://schemas.microsoft.com/office/drawing/2017/decorative" xmlns="" val="1"/>
+                <adec:decorative xmlns:adec="http://schemas.microsoft.com/office/drawing/2017/decorative" val="1"/>
               </a:ext>
             </a:extLst>
           </p:cNvPr>
@@ -5744,7 +5734,7 @@
                 <a16:creationId xmlns:a16="http://schemas.microsoft.com/office/drawing/2014/main" id="{EA804283-B929-4503-802F-4585376E2B42}"/>
               </a:ext>
               <a:ext uri="{C183D7F6-B498-43B3-948B-1728B52AA6E4}">
-                <adec:decorative xmlns:adec="http://schemas.microsoft.com/office/drawing/2017/decorative" xmlns="" val="1"/>
+                <adec:decorative xmlns:adec="http://schemas.microsoft.com/office/drawing/2017/decorative" val="1"/>
               </a:ext>
             </a:extLst>
           </p:cNvPr>
@@ -5864,7 +5854,7 @@
                 <a16:creationId xmlns:a16="http://schemas.microsoft.com/office/drawing/2014/main" id="{AD3811F5-514E-49A4-B382-673ED228A4CC}"/>
               </a:ext>
               <a:ext uri="{C183D7F6-B498-43B3-948B-1728B52AA6E4}">
-                <adec:decorative xmlns:adec="http://schemas.microsoft.com/office/drawing/2017/decorative" xmlns="" val="1"/>
+                <adec:decorative xmlns:adec="http://schemas.microsoft.com/office/drawing/2017/decorative" val="1"/>
               </a:ext>
             </a:extLst>
           </p:cNvPr>
@@ -5956,7 +5946,7 @@
                 <a16:creationId xmlns:a16="http://schemas.microsoft.com/office/drawing/2014/main" id="{067AD921-1CEE-4C1B-9AA3-C66D908DDD14}"/>
               </a:ext>
               <a:ext uri="{C183D7F6-B498-43B3-948B-1728B52AA6E4}">
-                <adec:decorative xmlns:adec="http://schemas.microsoft.com/office/drawing/2017/decorative" xmlns="" val="1"/>
+                <adec:decorative xmlns:adec="http://schemas.microsoft.com/office/drawing/2017/decorative" val="1"/>
               </a:ext>
             </a:extLst>
           </p:cNvPr>
@@ -6107,7 +6097,7 @@
                 <a16:creationId xmlns:a16="http://schemas.microsoft.com/office/drawing/2014/main" id="{C36A08F5-3B56-47C5-A371-9187BE56E1E5}"/>
               </a:ext>
               <a:ext uri="{C183D7F6-B498-43B3-948B-1728B52AA6E4}">
-                <adec:decorative xmlns:adec="http://schemas.microsoft.com/office/drawing/2017/decorative" xmlns="" val="1"/>
+                <adec:decorative xmlns:adec="http://schemas.microsoft.com/office/drawing/2017/decorative" val="1"/>
               </a:ext>
             </a:extLst>
           </p:cNvPr>
@@ -6170,13 +6160,6 @@
   <p:clrMapOvr>
     <a:masterClrMapping/>
   </p:clrMapOvr>
-  <p:timing>
-    <p:tnLst>
-      <p:par>
-        <p:cTn id="1" dur="indefinite" restart="never" nodeType="tmRoot"/>
-      </p:par>
-    </p:tnLst>
-  </p:timing>
 </p:sld>
 </file>
 
@@ -6213,7 +6196,7 @@
                 <a16:creationId xmlns:a16="http://schemas.microsoft.com/office/drawing/2014/main" id="{67009BBA-DC62-4808-B0A8-DC86986B7608}"/>
               </a:ext>
               <a:ext uri="{C183D7F6-B498-43B3-948B-1728B52AA6E4}">
-                <adec:decorative xmlns:adec="http://schemas.microsoft.com/office/drawing/2017/decorative" xmlns="" val="1"/>
+                <adec:decorative xmlns:adec="http://schemas.microsoft.com/office/drawing/2017/decorative" val="1"/>
               </a:ext>
             </a:extLst>
           </p:cNvPr>
@@ -6349,7 +6332,7 @@
                 <a16:creationId xmlns:a16="http://schemas.microsoft.com/office/drawing/2014/main" id="{3F9BDB9F-8714-4605-B1BF-670E94960019}"/>
               </a:ext>
               <a:ext uri="{C183D7F6-B498-43B3-948B-1728B52AA6E4}">
-                <adec:decorative xmlns:adec="http://schemas.microsoft.com/office/drawing/2017/decorative" xmlns="" val="1"/>
+                <adec:decorative xmlns:adec="http://schemas.microsoft.com/office/drawing/2017/decorative" val="1"/>
               </a:ext>
             </a:extLst>
           </p:cNvPr>
@@ -6442,7 +6425,7 @@
                 <a16:creationId xmlns:a16="http://schemas.microsoft.com/office/drawing/2014/main" id="{CB339924-0C86-4476-A81F-37DCF289E1AB}"/>
               </a:ext>
               <a:ext uri="{C183D7F6-B498-43B3-948B-1728B52AA6E4}">
-                <adec:decorative xmlns:adec="http://schemas.microsoft.com/office/drawing/2017/decorative" xmlns="" val="1"/>
+                <adec:decorative xmlns:adec="http://schemas.microsoft.com/office/drawing/2017/decorative" val="1"/>
               </a:ext>
             </a:extLst>
           </p:cNvPr>
@@ -6604,7 +6587,7 @@
         </p:nvSpPr>
         <p:spPr>
           <a:xfrm>
-            <a:off x="1152917" y="2598219"/>
+            <a:off x="1112306" y="2640346"/>
             <a:ext cx="2870613" cy="2308324"/>
           </a:xfrm>
           <a:prstGeom prst="rect">
@@ -6628,7 +6611,7 @@
                   <a:schemeClr val="bg1"/>
                 </a:solidFill>
               </a:rPr>
-              <a:t>Picos de pessoas;</a:t>
+              <a:t>Picos de pessoas</a:t>
             </a:r>
           </a:p>
           <a:p>
@@ -6653,7 +6636,7 @@
                   <a:schemeClr val="bg1"/>
                 </a:solidFill>
               </a:rPr>
-              <a:t>Falta de controle;</a:t>
+              <a:t>Falta de controle</a:t>
             </a:r>
           </a:p>
           <a:p>
@@ -6785,7 +6768,7 @@
                   <a:schemeClr val="bg1"/>
                 </a:solidFill>
               </a:rPr>
-              <a:t>Quadros de agendamento;</a:t>
+              <a:t>Quadros de agendamento</a:t>
             </a:r>
           </a:p>
           <a:p>
@@ -6810,7 +6793,7 @@
                   <a:schemeClr val="bg1"/>
                 </a:solidFill>
               </a:rPr>
-              <a:t>Controle de pessoas.</a:t>
+              <a:t>Controle de pessoas</a:t>
             </a:r>
           </a:p>
           <a:p>
@@ -6883,9 +6866,374 @@
   <p:timing>
     <p:tnLst>
       <p:par>
-        <p:cTn id="1" dur="indefinite" restart="never" nodeType="tmRoot"/>
+        <p:cTn id="1" dur="indefinite" restart="never" nodeType="tmRoot">
+          <p:childTnLst>
+            <p:seq concurrent="1" nextAc="seek">
+              <p:cTn id="2" dur="indefinite" nodeType="mainSeq">
+                <p:childTnLst>
+                  <p:par>
+                    <p:cTn id="3" fill="hold">
+                      <p:stCondLst>
+                        <p:cond delay="indefinite"/>
+                      </p:stCondLst>
+                      <p:childTnLst>
+                        <p:par>
+                          <p:cTn id="4" fill="hold">
+                            <p:stCondLst>
+                              <p:cond delay="0"/>
+                            </p:stCondLst>
+                            <p:childTnLst>
+                              <p:par>
+                                <p:cTn id="5" presetID="1" presetClass="entr" presetSubtype="0" fill="hold" grpId="0" nodeType="clickEffect">
+                                  <p:stCondLst>
+                                    <p:cond delay="0"/>
+                                  </p:stCondLst>
+                                  <p:childTnLst>
+                                    <p:set>
+                                      <p:cBhvr>
+                                        <p:cTn id="6" dur="1" fill="hold">
+                                          <p:stCondLst>
+                                            <p:cond delay="0"/>
+                                          </p:stCondLst>
+                                        </p:cTn>
+                                        <p:tgtEl>
+                                          <p:spTgt spid="11"/>
+                                        </p:tgtEl>
+                                        <p:attrNameLst>
+                                          <p:attrName>style.visibility</p:attrName>
+                                        </p:attrNameLst>
+                                      </p:cBhvr>
+                                      <p:to>
+                                        <p:strVal val="visible"/>
+                                      </p:to>
+                                    </p:set>
+                                  </p:childTnLst>
+                                </p:cTn>
+                              </p:par>
+                            </p:childTnLst>
+                          </p:cTn>
+                        </p:par>
+                      </p:childTnLst>
+                    </p:cTn>
+                  </p:par>
+                  <p:par>
+                    <p:cTn id="7" fill="hold">
+                      <p:stCondLst>
+                        <p:cond delay="indefinite"/>
+                      </p:stCondLst>
+                      <p:childTnLst>
+                        <p:par>
+                          <p:cTn id="8" fill="hold">
+                            <p:stCondLst>
+                              <p:cond delay="0"/>
+                            </p:stCondLst>
+                            <p:childTnLst>
+                              <p:par>
+                                <p:cTn id="9" presetID="1" presetClass="entr" presetSubtype="0" fill="hold" nodeType="clickEffect">
+                                  <p:stCondLst>
+                                    <p:cond delay="0"/>
+                                  </p:stCondLst>
+                                  <p:childTnLst>
+                                    <p:set>
+                                      <p:cBhvr>
+                                        <p:cTn id="10" dur="1" fill="hold">
+                                          <p:stCondLst>
+                                            <p:cond delay="0"/>
+                                          </p:stCondLst>
+                                        </p:cTn>
+                                        <p:tgtEl>
+                                          <p:spTgt spid="13">
+                                            <p:txEl>
+                                              <p:pRg st="0" end="0"/>
+                                            </p:txEl>
+                                          </p:spTgt>
+                                        </p:tgtEl>
+                                        <p:attrNameLst>
+                                          <p:attrName>style.visibility</p:attrName>
+                                        </p:attrNameLst>
+                                      </p:cBhvr>
+                                      <p:to>
+                                        <p:strVal val="visible"/>
+                                      </p:to>
+                                    </p:set>
+                                  </p:childTnLst>
+                                </p:cTn>
+                              </p:par>
+                            </p:childTnLst>
+                          </p:cTn>
+                        </p:par>
+                      </p:childTnLst>
+                    </p:cTn>
+                  </p:par>
+                  <p:par>
+                    <p:cTn id="11" fill="hold">
+                      <p:stCondLst>
+                        <p:cond delay="indefinite"/>
+                      </p:stCondLst>
+                      <p:childTnLst>
+                        <p:par>
+                          <p:cTn id="12" fill="hold">
+                            <p:stCondLst>
+                              <p:cond delay="0"/>
+                            </p:stCondLst>
+                            <p:childTnLst>
+                              <p:par>
+                                <p:cTn id="13" presetID="1" presetClass="entr" presetSubtype="0" fill="hold" nodeType="clickEffect">
+                                  <p:stCondLst>
+                                    <p:cond delay="0"/>
+                                  </p:stCondLst>
+                                  <p:childTnLst>
+                                    <p:set>
+                                      <p:cBhvr>
+                                        <p:cTn id="14" dur="1" fill="hold">
+                                          <p:stCondLst>
+                                            <p:cond delay="0"/>
+                                          </p:stCondLst>
+                                        </p:cTn>
+                                        <p:tgtEl>
+                                          <p:spTgt spid="13">
+                                            <p:txEl>
+                                              <p:pRg st="2" end="2"/>
+                                            </p:txEl>
+                                          </p:spTgt>
+                                        </p:tgtEl>
+                                        <p:attrNameLst>
+                                          <p:attrName>style.visibility</p:attrName>
+                                        </p:attrNameLst>
+                                      </p:cBhvr>
+                                      <p:to>
+                                        <p:strVal val="visible"/>
+                                      </p:to>
+                                    </p:set>
+                                  </p:childTnLst>
+                                </p:cTn>
+                              </p:par>
+                            </p:childTnLst>
+                          </p:cTn>
+                        </p:par>
+                      </p:childTnLst>
+                    </p:cTn>
+                  </p:par>
+                  <p:par>
+                    <p:cTn id="15" fill="hold">
+                      <p:stCondLst>
+                        <p:cond delay="indefinite"/>
+                      </p:stCondLst>
+                      <p:childTnLst>
+                        <p:par>
+                          <p:cTn id="16" fill="hold">
+                            <p:stCondLst>
+                              <p:cond delay="0"/>
+                            </p:stCondLst>
+                            <p:childTnLst>
+                              <p:par>
+                                <p:cTn id="17" presetID="1" presetClass="entr" presetSubtype="0" fill="hold" nodeType="clickEffect">
+                                  <p:stCondLst>
+                                    <p:cond delay="0"/>
+                                  </p:stCondLst>
+                                  <p:childTnLst>
+                                    <p:set>
+                                      <p:cBhvr>
+                                        <p:cTn id="18" dur="1" fill="hold">
+                                          <p:stCondLst>
+                                            <p:cond delay="0"/>
+                                          </p:stCondLst>
+                                        </p:cTn>
+                                        <p:tgtEl>
+                                          <p:spTgt spid="13">
+                                            <p:txEl>
+                                              <p:pRg st="4" end="4"/>
+                                            </p:txEl>
+                                          </p:spTgt>
+                                        </p:tgtEl>
+                                        <p:attrNameLst>
+                                          <p:attrName>style.visibility</p:attrName>
+                                        </p:attrNameLst>
+                                      </p:cBhvr>
+                                      <p:to>
+                                        <p:strVal val="visible"/>
+                                      </p:to>
+                                    </p:set>
+                                  </p:childTnLst>
+                                </p:cTn>
+                              </p:par>
+                            </p:childTnLst>
+                          </p:cTn>
+                        </p:par>
+                      </p:childTnLst>
+                    </p:cTn>
+                  </p:par>
+                  <p:par>
+                    <p:cTn id="19" fill="hold">
+                      <p:stCondLst>
+                        <p:cond delay="indefinite"/>
+                      </p:stCondLst>
+                      <p:childTnLst>
+                        <p:par>
+                          <p:cTn id="20" fill="hold">
+                            <p:stCondLst>
+                              <p:cond delay="0"/>
+                            </p:stCondLst>
+                            <p:childTnLst>
+                              <p:par>
+                                <p:cTn id="21" presetID="1" presetClass="entr" presetSubtype="0" fill="hold" nodeType="clickEffect">
+                                  <p:stCondLst>
+                                    <p:cond delay="0"/>
+                                  </p:stCondLst>
+                                  <p:childTnLst>
+                                    <p:set>
+                                      <p:cBhvr>
+                                        <p:cTn id="22" dur="1" fill="hold">
+                                          <p:stCondLst>
+                                            <p:cond delay="0"/>
+                                          </p:stCondLst>
+                                        </p:cTn>
+                                        <p:tgtEl>
+                                          <p:spTgt spid="15">
+                                            <p:txEl>
+                                              <p:pRg st="0" end="0"/>
+                                            </p:txEl>
+                                          </p:spTgt>
+                                        </p:tgtEl>
+                                        <p:attrNameLst>
+                                          <p:attrName>style.visibility</p:attrName>
+                                        </p:attrNameLst>
+                                      </p:cBhvr>
+                                      <p:to>
+                                        <p:strVal val="visible"/>
+                                      </p:to>
+                                    </p:set>
+                                  </p:childTnLst>
+                                </p:cTn>
+                              </p:par>
+                            </p:childTnLst>
+                          </p:cTn>
+                        </p:par>
+                      </p:childTnLst>
+                    </p:cTn>
+                  </p:par>
+                  <p:par>
+                    <p:cTn id="23" fill="hold">
+                      <p:stCondLst>
+                        <p:cond delay="indefinite"/>
+                      </p:stCondLst>
+                      <p:childTnLst>
+                        <p:par>
+                          <p:cTn id="24" fill="hold">
+                            <p:stCondLst>
+                              <p:cond delay="0"/>
+                            </p:stCondLst>
+                            <p:childTnLst>
+                              <p:par>
+                                <p:cTn id="25" presetID="1" presetClass="entr" presetSubtype="0" fill="hold" nodeType="clickEffect">
+                                  <p:stCondLst>
+                                    <p:cond delay="0"/>
+                                  </p:stCondLst>
+                                  <p:childTnLst>
+                                    <p:set>
+                                      <p:cBhvr>
+                                        <p:cTn id="26" dur="1" fill="hold">
+                                          <p:stCondLst>
+                                            <p:cond delay="0"/>
+                                          </p:stCondLst>
+                                        </p:cTn>
+                                        <p:tgtEl>
+                                          <p:spTgt spid="16">
+                                            <p:txEl>
+                                              <p:pRg st="0" end="0"/>
+                                            </p:txEl>
+                                          </p:spTgt>
+                                        </p:tgtEl>
+                                        <p:attrNameLst>
+                                          <p:attrName>style.visibility</p:attrName>
+                                        </p:attrNameLst>
+                                      </p:cBhvr>
+                                      <p:to>
+                                        <p:strVal val="visible"/>
+                                      </p:to>
+                                    </p:set>
+                                  </p:childTnLst>
+                                </p:cTn>
+                              </p:par>
+                            </p:childTnLst>
+                          </p:cTn>
+                        </p:par>
+                      </p:childTnLst>
+                    </p:cTn>
+                  </p:par>
+                  <p:par>
+                    <p:cTn id="27" fill="hold">
+                      <p:stCondLst>
+                        <p:cond delay="indefinite"/>
+                      </p:stCondLst>
+                      <p:childTnLst>
+                        <p:par>
+                          <p:cTn id="28" fill="hold">
+                            <p:stCondLst>
+                              <p:cond delay="0"/>
+                            </p:stCondLst>
+                            <p:childTnLst>
+                              <p:par>
+                                <p:cTn id="29" presetID="1" presetClass="entr" presetSubtype="0" fill="hold" nodeType="clickEffect">
+                                  <p:stCondLst>
+                                    <p:cond delay="0"/>
+                                  </p:stCondLst>
+                                  <p:childTnLst>
+                                    <p:set>
+                                      <p:cBhvr>
+                                        <p:cTn id="30" dur="1" fill="hold">
+                                          <p:stCondLst>
+                                            <p:cond delay="0"/>
+                                          </p:stCondLst>
+                                        </p:cTn>
+                                        <p:tgtEl>
+                                          <p:spTgt spid="16">
+                                            <p:txEl>
+                                              <p:pRg st="2" end="2"/>
+                                            </p:txEl>
+                                          </p:spTgt>
+                                        </p:tgtEl>
+                                        <p:attrNameLst>
+                                          <p:attrName>style.visibility</p:attrName>
+                                        </p:attrNameLst>
+                                      </p:cBhvr>
+                                      <p:to>
+                                        <p:strVal val="visible"/>
+                                      </p:to>
+                                    </p:set>
+                                  </p:childTnLst>
+                                </p:cTn>
+                              </p:par>
+                            </p:childTnLst>
+                          </p:cTn>
+                        </p:par>
+                      </p:childTnLst>
+                    </p:cTn>
+                  </p:par>
+                </p:childTnLst>
+              </p:cTn>
+              <p:prevCondLst>
+                <p:cond evt="onPrev" delay="0">
+                  <p:tgtEl>
+                    <p:sldTgt/>
+                  </p:tgtEl>
+                </p:cond>
+              </p:prevCondLst>
+              <p:nextCondLst>
+                <p:cond evt="onNext" delay="0">
+                  <p:tgtEl>
+                    <p:sldTgt/>
+                  </p:tgtEl>
+                </p:cond>
+              </p:nextCondLst>
+            </p:seq>
+          </p:childTnLst>
+        </p:cTn>
       </p:par>
     </p:tnLst>
+    <p:bldLst>
+      <p:bldP spid="11" grpId="0"/>
+    </p:bldLst>
   </p:timing>
 </p:sld>
 </file>
@@ -6923,7 +7271,7 @@
                 <a16:creationId xmlns:a16="http://schemas.microsoft.com/office/drawing/2014/main" id="{67009BBA-DC62-4808-B0A8-DC86986B7608}"/>
               </a:ext>
               <a:ext uri="{C183D7F6-B498-43B3-948B-1728B52AA6E4}">
-                <adec:decorative xmlns:adec="http://schemas.microsoft.com/office/drawing/2017/decorative" xmlns="" val="1"/>
+                <adec:decorative xmlns:adec="http://schemas.microsoft.com/office/drawing/2017/decorative" val="1"/>
               </a:ext>
             </a:extLst>
           </p:cNvPr>
@@ -7059,7 +7407,7 @@
                 <a16:creationId xmlns:a16="http://schemas.microsoft.com/office/drawing/2014/main" id="{3F9BDB9F-8714-4605-B1BF-670E94960019}"/>
               </a:ext>
               <a:ext uri="{C183D7F6-B498-43B3-948B-1728B52AA6E4}">
-                <adec:decorative xmlns:adec="http://schemas.microsoft.com/office/drawing/2017/decorative" xmlns="" val="1"/>
+                <adec:decorative xmlns:adec="http://schemas.microsoft.com/office/drawing/2017/decorative" val="1"/>
               </a:ext>
             </a:extLst>
           </p:cNvPr>
@@ -7152,7 +7500,7 @@
                 <a16:creationId xmlns:a16="http://schemas.microsoft.com/office/drawing/2014/main" id="{CB339924-0C86-4476-A81F-37DCF289E1AB}"/>
               </a:ext>
               <a:ext uri="{C183D7F6-B498-43B3-948B-1728B52AA6E4}">
-                <adec:decorative xmlns:adec="http://schemas.microsoft.com/office/drawing/2017/decorative" xmlns="" val="1"/>
+                <adec:decorative xmlns:adec="http://schemas.microsoft.com/office/drawing/2017/decorative" val="1"/>
               </a:ext>
             </a:extLst>
           </p:cNvPr>
@@ -8072,7 +8420,7 @@
                 <a16:creationId xmlns:a16="http://schemas.microsoft.com/office/drawing/2014/main" id="{67009BBA-DC62-4808-B0A8-DC86986B7608}"/>
               </a:ext>
               <a:ext uri="{C183D7F6-B498-43B3-948B-1728B52AA6E4}">
-                <adec:decorative xmlns:adec="http://schemas.microsoft.com/office/drawing/2017/decorative" xmlns="" val="1"/>
+                <adec:decorative xmlns:adec="http://schemas.microsoft.com/office/drawing/2017/decorative" val="1"/>
               </a:ext>
             </a:extLst>
           </p:cNvPr>
@@ -8208,7 +8556,7 @@
                 <a16:creationId xmlns:a16="http://schemas.microsoft.com/office/drawing/2014/main" id="{3F9BDB9F-8714-4605-B1BF-670E94960019}"/>
               </a:ext>
               <a:ext uri="{C183D7F6-B498-43B3-948B-1728B52AA6E4}">
-                <adec:decorative xmlns:adec="http://schemas.microsoft.com/office/drawing/2017/decorative" xmlns="" val="1"/>
+                <adec:decorative xmlns:adec="http://schemas.microsoft.com/office/drawing/2017/decorative" val="1"/>
               </a:ext>
             </a:extLst>
           </p:cNvPr>
@@ -8301,7 +8649,7 @@
                 <a16:creationId xmlns:a16="http://schemas.microsoft.com/office/drawing/2014/main" id="{CB339924-0C86-4476-A81F-37DCF289E1AB}"/>
               </a:ext>
               <a:ext uri="{C183D7F6-B498-43B3-948B-1728B52AA6E4}">
-                <adec:decorative xmlns:adec="http://schemas.microsoft.com/office/drawing/2017/decorative" xmlns="" val="1"/>
+                <adec:decorative xmlns:adec="http://schemas.microsoft.com/office/drawing/2017/decorative" val="1"/>
               </a:ext>
             </a:extLst>
           </p:cNvPr>
@@ -9221,7 +9569,7 @@
                 <a16:creationId xmlns:a16="http://schemas.microsoft.com/office/drawing/2014/main" id="{67009BBA-DC62-4808-B0A8-DC86986B7608}"/>
               </a:ext>
               <a:ext uri="{C183D7F6-B498-43B3-948B-1728B52AA6E4}">
-                <adec:decorative xmlns:adec="http://schemas.microsoft.com/office/drawing/2017/decorative" xmlns="" val="1"/>
+                <adec:decorative xmlns:adec="http://schemas.microsoft.com/office/drawing/2017/decorative" val="1"/>
               </a:ext>
             </a:extLst>
           </p:cNvPr>
@@ -9357,7 +9705,7 @@
                 <a16:creationId xmlns:a16="http://schemas.microsoft.com/office/drawing/2014/main" id="{3F9BDB9F-8714-4605-B1BF-670E94960019}"/>
               </a:ext>
               <a:ext uri="{C183D7F6-B498-43B3-948B-1728B52AA6E4}">
-                <adec:decorative xmlns:adec="http://schemas.microsoft.com/office/drawing/2017/decorative" xmlns="" val="1"/>
+                <adec:decorative xmlns:adec="http://schemas.microsoft.com/office/drawing/2017/decorative" val="1"/>
               </a:ext>
             </a:extLst>
           </p:cNvPr>
@@ -9450,7 +9798,7 @@
                 <a16:creationId xmlns:a16="http://schemas.microsoft.com/office/drawing/2014/main" id="{CB339924-0C86-4476-A81F-37DCF289E1AB}"/>
               </a:ext>
               <a:ext uri="{C183D7F6-B498-43B3-948B-1728B52AA6E4}">
-                <adec:decorative xmlns:adec="http://schemas.microsoft.com/office/drawing/2017/decorative" xmlns="" val="1"/>
+                <adec:decorative xmlns:adec="http://schemas.microsoft.com/office/drawing/2017/decorative" val="1"/>
               </a:ext>
             </a:extLst>
           </p:cNvPr>
@@ -9869,37 +10217,8 @@
                   <a:schemeClr val="bg1"/>
                 </a:solidFill>
               </a:rPr>
-              <a:t>Onde </a:t>
-            </a:r>
-            <a:r>
-              <a:rPr lang="pt-BR" sz="2400" dirty="0" smtClean="0">
-                <a:solidFill>
-                  <a:schemeClr val="bg1"/>
-                </a:solidFill>
-              </a:rPr>
-              <a:t>o dinheiro poderia </a:t>
-            </a:r>
-            <a:r>
-              <a:rPr lang="pt-BR" sz="2400" dirty="0">
-                <a:solidFill>
-                  <a:schemeClr val="bg1"/>
-                </a:solidFill>
-              </a:rPr>
-              <a:t>ser </a:t>
-            </a:r>
-            <a:r>
-              <a:rPr lang="pt-BR" sz="2400" dirty="0" smtClean="0">
-                <a:solidFill>
-                  <a:schemeClr val="bg1"/>
-                </a:solidFill>
-              </a:rPr>
-              <a:t>investido?</a:t>
-            </a:r>
-            <a:endParaRPr lang="pt-BR" sz="2400" dirty="0">
-              <a:solidFill>
-                <a:schemeClr val="bg1"/>
-              </a:solidFill>
-            </a:endParaRPr>
+              <a:t>Onde o dinheiro poderia ser investido?</a:t>
+            </a:r>
           </a:p>
         </p:txBody>
       </p:sp>
@@ -10486,14 +10805,6 @@
 <file path=ppt/slides/slide16.xml><?xml version="1.0" encoding="utf-8"?>
 <p:sld xmlns:a="http://schemas.openxmlformats.org/drawingml/2006/main" xmlns:r="http://schemas.openxmlformats.org/officeDocument/2006/relationships" xmlns:p="http://schemas.openxmlformats.org/presentationml/2006/main">
   <p:cSld>
-    <p:bg>
-      <p:bgPr>
-        <a:solidFill>
-          <a:schemeClr val="bg1"/>
-        </a:solidFill>
-        <a:effectLst/>
-      </p:bgPr>
-    </p:bg>
     <p:spTree>
       <p:nvGrpSpPr>
         <p:cNvPr id="1" name=""/>
@@ -10516,7 +10827,7 @@
                 <a16:creationId xmlns:a16="http://schemas.microsoft.com/office/drawing/2014/main" id="{67009BBA-DC62-4808-B0A8-DC86986B7608}"/>
               </a:ext>
               <a:ext uri="{C183D7F6-B498-43B3-948B-1728B52AA6E4}">
-                <adec:decorative xmlns:adec="http://schemas.microsoft.com/office/drawing/2017/decorative" xmlns="" val="1"/>
+                <adec:decorative xmlns:adec="http://schemas.microsoft.com/office/drawing/2017/decorative" val="1"/>
               </a:ext>
             </a:extLst>
           </p:cNvPr>
@@ -10652,7 +10963,7 @@
                 <a16:creationId xmlns:a16="http://schemas.microsoft.com/office/drawing/2014/main" id="{3F9BDB9F-8714-4605-B1BF-670E94960019}"/>
               </a:ext>
               <a:ext uri="{C183D7F6-B498-43B3-948B-1728B52AA6E4}">
-                <adec:decorative xmlns:adec="http://schemas.microsoft.com/office/drawing/2017/decorative" xmlns="" val="1"/>
+                <adec:decorative xmlns:adec="http://schemas.microsoft.com/office/drawing/2017/decorative" val="1"/>
               </a:ext>
             </a:extLst>
           </p:cNvPr>
@@ -10745,7 +11056,7 @@
                 <a16:creationId xmlns:a16="http://schemas.microsoft.com/office/drawing/2014/main" id="{CB339924-0C86-4476-A81F-37DCF289E1AB}"/>
               </a:ext>
               <a:ext uri="{C183D7F6-B498-43B3-948B-1728B52AA6E4}">
-                <adec:decorative xmlns:adec="http://schemas.microsoft.com/office/drawing/2017/decorative" xmlns="" val="1"/>
+                <adec:decorative xmlns:adec="http://schemas.microsoft.com/office/drawing/2017/decorative" val="1"/>
               </a:ext>
             </a:extLst>
           </p:cNvPr>
@@ -10864,7 +11175,7 @@
                 </a:solidFill>
                 <a:latin typeface="Avenir Next LT Pro" panose="020B0504020202020204" pitchFamily="34" charset="0"/>
               </a:rPr>
-              <a:t>Fila nos banheiros</a:t>
+              <a:t>Filas nos banheiros</a:t>
             </a:r>
           </a:p>
         </p:txBody>
@@ -11012,7 +11323,7 @@
         <p:spPr>
           <a:xfrm>
             <a:off x="1526931" y="2373131"/>
-            <a:ext cx="4182386" cy="461665"/>
+            <a:ext cx="2922521" cy="461665"/>
           </a:xfrm>
           <a:prstGeom prst="rect">
             <a:avLst/>
@@ -11055,7 +11366,7 @@
         <p:spPr>
           <a:xfrm>
             <a:off x="1526931" y="2834796"/>
-            <a:ext cx="4182386" cy="461665"/>
+            <a:ext cx="2206709" cy="461665"/>
           </a:xfrm>
           <a:prstGeom prst="rect">
             <a:avLst/>
@@ -11073,20 +11384,12 @@
               <a:buChar char="•"/>
             </a:pPr>
             <a:r>
-              <a:rPr lang="pt-BR" sz="2400" dirty="0" smtClean="0">
-                <a:solidFill>
-                  <a:schemeClr val="bg1"/>
-                </a:solidFill>
-              </a:rPr>
-              <a:t>Maus </a:t>
-            </a:r>
-            <a:r>
               <a:rPr lang="pt-BR" sz="2400" dirty="0">
                 <a:solidFill>
                   <a:schemeClr val="bg1"/>
                 </a:solidFill>
               </a:rPr>
-              <a:t>hábitos </a:t>
+              <a:t>Maus hábitos </a:t>
             </a:r>
           </a:p>
         </p:txBody>
@@ -11106,7 +11409,7 @@
         <p:spPr>
           <a:xfrm>
             <a:off x="7332891" y="3296461"/>
-            <a:ext cx="3474276" cy="461665"/>
+            <a:ext cx="3093154" cy="461665"/>
           </a:xfrm>
           <a:prstGeom prst="rect">
             <a:avLst/>
@@ -11129,7 +11432,7 @@
                   <a:schemeClr val="bg1"/>
                 </a:solidFill>
               </a:rPr>
-              <a:t>Plaquinha de entrada</a:t>
+              <a:t>Cartão de entrada</a:t>
             </a:r>
           </a:p>
         </p:txBody>
@@ -11149,7 +11452,7 @@
         <p:spPr>
           <a:xfrm>
             <a:off x="7332891" y="2756296"/>
-            <a:ext cx="4182386" cy="461665"/>
+            <a:ext cx="2838631" cy="461665"/>
           </a:xfrm>
           <a:prstGeom prst="rect">
             <a:avLst/>
@@ -11192,7 +11495,7 @@
         <p:spPr>
           <a:xfrm>
             <a:off x="7332891" y="2291380"/>
-            <a:ext cx="4182386" cy="461665"/>
+            <a:ext cx="2753789" cy="461665"/>
           </a:xfrm>
           <a:prstGeom prst="rect">
             <a:avLst/>
@@ -11602,7 +11905,7 @@
                 <a16:creationId xmlns:a16="http://schemas.microsoft.com/office/drawing/2014/main" id="{67009BBA-DC62-4808-B0A8-DC86986B7608}"/>
               </a:ext>
               <a:ext uri="{C183D7F6-B498-43B3-948B-1728B52AA6E4}">
-                <adec:decorative xmlns:adec="http://schemas.microsoft.com/office/drawing/2017/decorative" xmlns="" val="1"/>
+                <adec:decorative xmlns:adec="http://schemas.microsoft.com/office/drawing/2017/decorative" val="1"/>
               </a:ext>
             </a:extLst>
           </p:cNvPr>
@@ -11738,7 +12041,7 @@
                 <a16:creationId xmlns:a16="http://schemas.microsoft.com/office/drawing/2014/main" id="{3F9BDB9F-8714-4605-B1BF-670E94960019}"/>
               </a:ext>
               <a:ext uri="{C183D7F6-B498-43B3-948B-1728B52AA6E4}">
-                <adec:decorative xmlns:adec="http://schemas.microsoft.com/office/drawing/2017/decorative" xmlns="" val="1"/>
+                <adec:decorative xmlns:adec="http://schemas.microsoft.com/office/drawing/2017/decorative" val="1"/>
               </a:ext>
             </a:extLst>
           </p:cNvPr>
@@ -11831,7 +12134,7 @@
                 <a16:creationId xmlns:a16="http://schemas.microsoft.com/office/drawing/2014/main" id="{CB339924-0C86-4476-A81F-37DCF289E1AB}"/>
               </a:ext>
               <a:ext uri="{C183D7F6-B498-43B3-948B-1728B52AA6E4}">
-                <adec:decorative xmlns:adec="http://schemas.microsoft.com/office/drawing/2017/decorative" xmlns="" val="1"/>
+                <adec:decorative xmlns:adec="http://schemas.microsoft.com/office/drawing/2017/decorative" val="1"/>
               </a:ext>
             </a:extLst>
           </p:cNvPr>
@@ -11945,7 +12248,7 @@
           <a:p>
             <a:pPr algn="ctr"/>
             <a:r>
-              <a:rPr lang="pt-BR" sz="3600" b="1" dirty="0" smtClean="0">
+              <a:rPr lang="pt-BR" sz="3600" b="1" dirty="0">
                 <a:solidFill>
                   <a:schemeClr val="bg1"/>
                 </a:solidFill>
@@ -11957,7 +12260,7 @@
           <a:p>
             <a:pPr algn="ctr"/>
             <a:r>
-              <a:rPr lang="pt-BR" sz="3600" b="1" dirty="0" smtClean="0">
+              <a:rPr lang="pt-BR" sz="3600" b="1" dirty="0">
                 <a:solidFill>
                   <a:schemeClr val="bg1"/>
                 </a:solidFill>
@@ -11965,12 +12268,6 @@
               </a:rPr>
               <a:t>COVID-19</a:t>
             </a:r>
-            <a:endParaRPr lang="pt-BR" sz="3600" b="1" dirty="0">
-              <a:solidFill>
-                <a:schemeClr val="bg1"/>
-              </a:solidFill>
-              <a:latin typeface="Avenir Next LT Pro" panose="020B0504020202020204" pitchFamily="34" charset="0"/>
-            </a:endParaRPr>
           </a:p>
         </p:txBody>
       </p:sp>
@@ -12135,13 +12432,19 @@
               <a:buChar char="•"/>
             </a:pPr>
             <a:r>
-              <a:rPr lang="pt-BR" sz="2400" dirty="0" smtClean="0">
+              <a:rPr lang="pt-BR" sz="2400" dirty="0">
                 <a:solidFill>
                   <a:schemeClr val="bg1"/>
                 </a:solidFill>
               </a:rPr>
               <a:t>Aglomerações devem ser evitadas</a:t>
             </a:r>
+          </a:p>
+          <a:p>
+            <a:pPr marL="342900" indent="-342900">
+              <a:buFont typeface="Arial" panose="020B0604020202020204" pitchFamily="34" charset="0"/>
+              <a:buChar char="•"/>
+            </a:pPr>
             <a:endParaRPr lang="pt-BR" sz="2400" dirty="0">
               <a:solidFill>
                 <a:schemeClr val="bg1"/>
@@ -12153,30 +12456,14 @@
               <a:buFont typeface="Arial" panose="020B0604020202020204" pitchFamily="34" charset="0"/>
               <a:buChar char="•"/>
             </a:pPr>
-            <a:endParaRPr lang="pt-BR" sz="2400" dirty="0" smtClean="0">
-              <a:solidFill>
-                <a:schemeClr val="bg1"/>
-              </a:solidFill>
-            </a:endParaRPr>
-          </a:p>
-          <a:p>
-            <a:pPr marL="342900" indent="-342900">
-              <a:buFont typeface="Arial" panose="020B0604020202020204" pitchFamily="34" charset="0"/>
-              <a:buChar char="•"/>
-            </a:pPr>
-            <a:r>
-              <a:rPr lang="pt-BR" sz="2400" dirty="0" smtClean="0">
+            <a:r>
+              <a:rPr lang="pt-BR" sz="2400" dirty="0">
                 <a:solidFill>
                   <a:schemeClr val="bg1"/>
                 </a:solidFill>
               </a:rPr>
               <a:t>Isolamento Social</a:t>
             </a:r>
-            <a:endParaRPr lang="pt-BR" sz="2400" dirty="0" smtClean="0">
-              <a:solidFill>
-                <a:schemeClr val="bg1"/>
-              </a:solidFill>
-            </a:endParaRPr>
           </a:p>
         </p:txBody>
       </p:sp>
@@ -12213,43 +12500,13 @@
               <a:buChar char="•"/>
             </a:pPr>
             <a:r>
-              <a:rPr lang="pt-BR" sz="2400" dirty="0" smtClean="0">
+              <a:rPr lang="pt-BR" sz="2400" dirty="0">
                 <a:solidFill>
                   <a:schemeClr val="bg1"/>
                 </a:solidFill>
               </a:rPr>
               <a:t>Aulas Virtuais ao Vivo</a:t>
             </a:r>
-          </a:p>
-          <a:p>
-            <a:pPr marL="342900" indent="-342900">
-              <a:buFont typeface="Arial" panose="020B0604020202020204" pitchFamily="34" charset="0"/>
-              <a:buChar char="•"/>
-            </a:pPr>
-            <a:endParaRPr lang="pt-BR" sz="2400" dirty="0" smtClean="0">
-              <a:solidFill>
-                <a:schemeClr val="bg1"/>
-              </a:solidFill>
-            </a:endParaRPr>
-          </a:p>
-          <a:p>
-            <a:pPr marL="342900" indent="-342900">
-              <a:buFont typeface="Arial" panose="020B0604020202020204" pitchFamily="34" charset="0"/>
-              <a:buChar char="•"/>
-            </a:pPr>
-            <a:r>
-              <a:rPr lang="pt-BR" sz="2400" dirty="0" smtClean="0">
-                <a:solidFill>
-                  <a:schemeClr val="bg1"/>
-                </a:solidFill>
-              </a:rPr>
-              <a:t>Seção da Turma</a:t>
-            </a:r>
-            <a:endParaRPr lang="pt-BR" sz="2400" dirty="0">
-              <a:solidFill>
-                <a:schemeClr val="bg1"/>
-              </a:solidFill>
-            </a:endParaRPr>
           </a:p>
           <a:p>
             <a:pPr marL="342900" indent="-342900">
@@ -12268,12 +12525,12 @@
               <a:buChar char="•"/>
             </a:pPr>
             <a:r>
-              <a:rPr lang="pt-BR" sz="2400" dirty="0" smtClean="0">
+              <a:rPr lang="pt-BR" sz="2400" dirty="0">
                 <a:solidFill>
                   <a:schemeClr val="bg1"/>
                 </a:solidFill>
               </a:rPr>
-              <a:t>Rodízio de alunos para aulas presencias</a:t>
+              <a:t>Seção da Turma</a:t>
             </a:r>
           </a:p>
           <a:p>
@@ -12293,25 +12550,45 @@
               <a:buChar char="•"/>
             </a:pPr>
             <a:r>
-              <a:rPr lang="pt-BR" sz="2400" dirty="0" smtClean="0">
+              <a:rPr lang="pt-BR" sz="2400" dirty="0">
+                <a:solidFill>
+                  <a:schemeClr val="bg1"/>
+                </a:solidFill>
+              </a:rPr>
+              <a:t>Rodízio de alunos para aulas presencias</a:t>
+            </a:r>
+          </a:p>
+          <a:p>
+            <a:pPr marL="342900" indent="-342900">
+              <a:buFont typeface="Arial" panose="020B0604020202020204" pitchFamily="34" charset="0"/>
+              <a:buChar char="•"/>
+            </a:pPr>
+            <a:endParaRPr lang="pt-BR" sz="2400" dirty="0">
+              <a:solidFill>
+                <a:schemeClr val="bg1"/>
+              </a:solidFill>
+            </a:endParaRPr>
+          </a:p>
+          <a:p>
+            <a:pPr marL="342900" indent="-342900">
+              <a:buFont typeface="Arial" panose="020B0604020202020204" pitchFamily="34" charset="0"/>
+              <a:buChar char="•"/>
+            </a:pPr>
+            <a:r>
+              <a:rPr lang="pt-BR" sz="2400" dirty="0">
                 <a:solidFill>
                   <a:schemeClr val="bg1"/>
                 </a:solidFill>
               </a:rPr>
               <a:t>Aulas Simultâneas</a:t>
             </a:r>
-            <a:endParaRPr lang="pt-BR" sz="2400" dirty="0">
-              <a:solidFill>
-                <a:schemeClr val="bg1"/>
-              </a:solidFill>
-            </a:endParaRPr>
           </a:p>
           <a:p>
             <a:pPr marL="342900" indent="-342900">
               <a:buFont typeface="Arial" panose="020B0604020202020204" pitchFamily="34" charset="0"/>
               <a:buChar char="•"/>
             </a:pPr>
-            <a:endParaRPr lang="pt-BR" sz="2400" dirty="0" smtClean="0">
+            <a:endParaRPr lang="pt-BR" sz="2400" dirty="0">
               <a:solidFill>
                 <a:schemeClr val="bg1"/>
               </a:solidFill>
@@ -12563,7 +12840,7 @@
                 <a16:creationId xmlns:a16="http://schemas.microsoft.com/office/drawing/2014/main" id="{4E1BEB12-92AF-4445-98AD-4C7756E7C93B}"/>
               </a:ext>
               <a:ext uri="{C183D7F6-B498-43B3-948B-1728B52AA6E4}">
-                <adec:decorative xmlns:adec="http://schemas.microsoft.com/office/drawing/2017/decorative" xmlns="" val="1"/>
+                <adec:decorative xmlns:adec="http://schemas.microsoft.com/office/drawing/2017/decorative" val="1"/>
               </a:ext>
             </a:extLst>
           </p:cNvPr>
@@ -12623,7 +12900,7 @@
                 <a16:creationId xmlns:a16="http://schemas.microsoft.com/office/drawing/2014/main" id="{D0522C2C-7B5C-48A7-A969-03941E5D2E76}"/>
               </a:ext>
               <a:ext uri="{C183D7F6-B498-43B3-948B-1728B52AA6E4}">
-                <adec:decorative xmlns:adec="http://schemas.microsoft.com/office/drawing/2017/decorative" xmlns="" val="1"/>
+                <adec:decorative xmlns:adec="http://schemas.microsoft.com/office/drawing/2017/decorative" val="1"/>
               </a:ext>
             </a:extLst>
           </p:cNvPr>
@@ -12690,7 +12967,7 @@
                 <a16:creationId xmlns:a16="http://schemas.microsoft.com/office/drawing/2014/main" id="{9C682A1A-5B2D-4111-BBD6-620165633E5B}"/>
               </a:ext>
               <a:ext uri="{C183D7F6-B498-43B3-948B-1728B52AA6E4}">
-                <adec:decorative xmlns:adec="http://schemas.microsoft.com/office/drawing/2017/decorative" xmlns="" val="1"/>
+                <adec:decorative xmlns:adec="http://schemas.microsoft.com/office/drawing/2017/decorative" val="1"/>
               </a:ext>
             </a:extLst>
           </p:cNvPr>
@@ -12865,7 +13142,7 @@
                 <a16:creationId xmlns:a16="http://schemas.microsoft.com/office/drawing/2014/main" id="{D6EE29F2-D77F-4BD0-A20B-334D316A1C9D}"/>
               </a:ext>
               <a:ext uri="{C183D7F6-B498-43B3-948B-1728B52AA6E4}">
-                <adec:decorative xmlns:adec="http://schemas.microsoft.com/office/drawing/2017/decorative" xmlns="" val="1"/>
+                <adec:decorative xmlns:adec="http://schemas.microsoft.com/office/drawing/2017/decorative" val="1"/>
               </a:ext>
             </a:extLst>
           </p:cNvPr>
@@ -12957,7 +13234,7 @@
                 <a16:creationId xmlns:a16="http://schemas.microsoft.com/office/drawing/2014/main" id="{22D09ED2-868F-42C6-866E-F92E0CEF314F}"/>
               </a:ext>
               <a:ext uri="{C183D7F6-B498-43B3-948B-1728B52AA6E4}">
-                <adec:decorative xmlns:adec="http://schemas.microsoft.com/office/drawing/2017/decorative" xmlns="" val="1"/>
+                <adec:decorative xmlns:adec="http://schemas.microsoft.com/office/drawing/2017/decorative" val="1"/>
               </a:ext>
             </a:extLst>
           </p:cNvPr>
@@ -13207,7 +13484,7 @@
               <a:buChar char="•"/>
             </a:pPr>
             <a:r>
-              <a:rPr lang="pt-BR" sz="2400" dirty="0" smtClean="0"/>
+              <a:rPr lang="pt-BR" sz="2400" dirty="0"/>
               <a:t>Ação e Reação</a:t>
             </a:r>
           </a:p>
@@ -13224,7 +13501,7 @@
               <a:buChar char="•"/>
             </a:pPr>
             <a:r>
-              <a:rPr lang="pt-BR" sz="2400" dirty="0" smtClean="0"/>
+              <a:rPr lang="pt-BR" sz="2400" dirty="0"/>
               <a:t>Custos</a:t>
             </a:r>
           </a:p>
@@ -13241,10 +13518,9 @@
               <a:buChar char="•"/>
             </a:pPr>
             <a:r>
-              <a:rPr lang="pt-BR" sz="2400" dirty="0" smtClean="0"/>
+              <a:rPr lang="pt-BR" sz="2400" dirty="0"/>
               <a:t>Pertencimento</a:t>
             </a:r>
-            <a:endParaRPr lang="pt-BR" sz="2400" dirty="0"/>
           </a:p>
         </p:txBody>
       </p:sp>
@@ -13294,7 +13570,7 @@
                 <a16:creationId xmlns:a16="http://schemas.microsoft.com/office/drawing/2014/main" id="{4E1BEB12-92AF-4445-98AD-4C7756E7C93B}"/>
               </a:ext>
               <a:ext uri="{C183D7F6-B498-43B3-948B-1728B52AA6E4}">
-                <adec:decorative xmlns:adec="http://schemas.microsoft.com/office/drawing/2017/decorative" xmlns="" val="1"/>
+                <adec:decorative xmlns:adec="http://schemas.microsoft.com/office/drawing/2017/decorative" val="1"/>
               </a:ext>
             </a:extLst>
           </p:cNvPr>
@@ -13354,7 +13630,7 @@
                 <a16:creationId xmlns:a16="http://schemas.microsoft.com/office/drawing/2014/main" id="{D0522C2C-7B5C-48A7-A969-03941E5D2E76}"/>
               </a:ext>
               <a:ext uri="{C183D7F6-B498-43B3-948B-1728B52AA6E4}">
-                <adec:decorative xmlns:adec="http://schemas.microsoft.com/office/drawing/2017/decorative" xmlns="" val="1"/>
+                <adec:decorative xmlns:adec="http://schemas.microsoft.com/office/drawing/2017/decorative" val="1"/>
               </a:ext>
             </a:extLst>
           </p:cNvPr>
@@ -13421,7 +13697,7 @@
                 <a16:creationId xmlns:a16="http://schemas.microsoft.com/office/drawing/2014/main" id="{9C682A1A-5B2D-4111-BBD6-620165633E5B}"/>
               </a:ext>
               <a:ext uri="{C183D7F6-B498-43B3-948B-1728B52AA6E4}">
-                <adec:decorative xmlns:adec="http://schemas.microsoft.com/office/drawing/2017/decorative" xmlns="" val="1"/>
+                <adec:decorative xmlns:adec="http://schemas.microsoft.com/office/drawing/2017/decorative" val="1"/>
               </a:ext>
             </a:extLst>
           </p:cNvPr>
@@ -13596,7 +13872,7 @@
                 <a16:creationId xmlns:a16="http://schemas.microsoft.com/office/drawing/2014/main" id="{D6EE29F2-D77F-4BD0-A20B-334D316A1C9D}"/>
               </a:ext>
               <a:ext uri="{C183D7F6-B498-43B3-948B-1728B52AA6E4}">
-                <adec:decorative xmlns:adec="http://schemas.microsoft.com/office/drawing/2017/decorative" xmlns="" val="1"/>
+                <adec:decorative xmlns:adec="http://schemas.microsoft.com/office/drawing/2017/decorative" val="1"/>
               </a:ext>
             </a:extLst>
           </p:cNvPr>
@@ -13688,7 +13964,7 @@
                 <a16:creationId xmlns:a16="http://schemas.microsoft.com/office/drawing/2014/main" id="{22D09ED2-868F-42C6-866E-F92E0CEF314F}"/>
               </a:ext>
               <a:ext uri="{C183D7F6-B498-43B3-948B-1728B52AA6E4}">
-                <adec:decorative xmlns:adec="http://schemas.microsoft.com/office/drawing/2017/decorative" xmlns="" val="1"/>
+                <adec:decorative xmlns:adec="http://schemas.microsoft.com/office/drawing/2017/decorative" val="1"/>
               </a:ext>
             </a:extLst>
           </p:cNvPr>
@@ -14086,7 +14362,7 @@
                 <a16:creationId xmlns:a16="http://schemas.microsoft.com/office/drawing/2014/main" id="{362D44EE-C852-4460-B8B5-C4F2BC20510C}"/>
               </a:ext>
               <a:ext uri="{C183D7F6-B498-43B3-948B-1728B52AA6E4}">
-                <adec:decorative xmlns:adec="http://schemas.microsoft.com/office/drawing/2017/decorative" xmlns="" val="1"/>
+                <adec:decorative xmlns:adec="http://schemas.microsoft.com/office/drawing/2017/decorative" val="1"/>
               </a:ext>
             </a:extLst>
           </p:cNvPr>
@@ -14203,10 +14479,6 @@
               </a:rPr>
               <a:t>:</a:t>
             </a:r>
-            <a:r>
-              <a:rPr lang="en-US" sz="6000" dirty="0"/>
-              <a:t/>
-            </a:r>
             <a:br>
               <a:rPr lang="en-US" sz="6000" dirty="0"/>
             </a:br>
@@ -14222,7 +14494,7 @@
                 <a16:creationId xmlns:a16="http://schemas.microsoft.com/office/drawing/2014/main" id="{658970D8-8D1D-4B5C-894B-E871CC86543D}"/>
               </a:ext>
               <a:ext uri="{C183D7F6-B498-43B3-948B-1728B52AA6E4}">
-                <adec:decorative xmlns:adec="http://schemas.microsoft.com/office/drawing/2017/decorative" xmlns="" val="1"/>
+                <adec:decorative xmlns:adec="http://schemas.microsoft.com/office/drawing/2017/decorative" val="1"/>
               </a:ext>
             </a:extLst>
           </p:cNvPr>
@@ -14342,7 +14614,7 @@
                 <a16:creationId xmlns:a16="http://schemas.microsoft.com/office/drawing/2014/main" id="{F227E5B6-9132-43CA-B503-37A18562ADF2}"/>
               </a:ext>
               <a:ext uri="{C183D7F6-B498-43B3-948B-1728B52AA6E4}">
-                <adec:decorative xmlns:adec="http://schemas.microsoft.com/office/drawing/2017/decorative" xmlns="" val="1"/>
+                <adec:decorative xmlns:adec="http://schemas.microsoft.com/office/drawing/2017/decorative" val="1"/>
               </a:ext>
             </a:extLst>
           </p:cNvPr>
@@ -14469,7 +14741,7 @@
                 <a16:creationId xmlns:a16="http://schemas.microsoft.com/office/drawing/2014/main" id="{03C2051E-A88D-48E5-BACF-AAED17892722}"/>
               </a:ext>
               <a:ext uri="{C183D7F6-B498-43B3-948B-1728B52AA6E4}">
-                <adec:decorative xmlns:adec="http://schemas.microsoft.com/office/drawing/2017/decorative" xmlns="" val="1"/>
+                <adec:decorative xmlns:adec="http://schemas.microsoft.com/office/drawing/2017/decorative" val="1"/>
               </a:ext>
             </a:extLst>
           </p:cNvPr>
@@ -14589,7 +14861,7 @@
                 <a16:creationId xmlns:a16="http://schemas.microsoft.com/office/drawing/2014/main" id="{7821A508-2985-4905-874A-527429BAABFA}"/>
               </a:ext>
               <a:ext uri="{C183D7F6-B498-43B3-948B-1728B52AA6E4}">
-                <adec:decorative xmlns:adec="http://schemas.microsoft.com/office/drawing/2017/decorative" xmlns="" val="1"/>
+                <adec:decorative xmlns:adec="http://schemas.microsoft.com/office/drawing/2017/decorative" val="1"/>
               </a:ext>
             </a:extLst>
           </p:cNvPr>
@@ -14714,7 +14986,7 @@
                 <a16:creationId xmlns:a16="http://schemas.microsoft.com/office/drawing/2014/main" id="{D2929CB1-0E3C-4B2D-ADC5-0154FB33BA44}"/>
               </a:ext>
               <a:ext uri="{C183D7F6-B498-43B3-948B-1728B52AA6E4}">
-                <adec:decorative xmlns:adec="http://schemas.microsoft.com/office/drawing/2017/decorative" xmlns="" val="1"/>
+                <adec:decorative xmlns:adec="http://schemas.microsoft.com/office/drawing/2017/decorative" val="1"/>
               </a:ext>
             </a:extLst>
           </p:cNvPr>
@@ -15120,7 +15392,7 @@
                 <a16:creationId xmlns:a16="http://schemas.microsoft.com/office/drawing/2014/main" id="{5F2F0C84-BE8C-4DC2-A6D3-30349A801D5C}"/>
               </a:ext>
               <a:ext uri="{C183D7F6-B498-43B3-948B-1728B52AA6E4}">
-                <adec:decorative xmlns:adec="http://schemas.microsoft.com/office/drawing/2017/decorative" xmlns="" val="1"/>
+                <adec:decorative xmlns:adec="http://schemas.microsoft.com/office/drawing/2017/decorative" val="1"/>
               </a:ext>
             </a:extLst>
           </p:cNvPr>
@@ -15435,7 +15707,7 @@
                 <a16:creationId xmlns:a16="http://schemas.microsoft.com/office/drawing/2014/main" id="{A1D7EC86-7CB9-431D-8AC3-8AAF0440B162}"/>
               </a:ext>
               <a:ext uri="{C183D7F6-B498-43B3-948B-1728B52AA6E4}">
-                <adec:decorative xmlns:adec="http://schemas.microsoft.com/office/drawing/2017/decorative" xmlns="" val="1"/>
+                <adec:decorative xmlns:adec="http://schemas.microsoft.com/office/drawing/2017/decorative" val="1"/>
               </a:ext>
             </a:extLst>
           </p:cNvPr>
@@ -15492,7 +15764,7 @@
                 <a16:creationId xmlns:a16="http://schemas.microsoft.com/office/drawing/2014/main" id="{D4B9777F-B610-419B-9193-80306388F3E2}"/>
               </a:ext>
               <a:ext uri="{C183D7F6-B498-43B3-948B-1728B52AA6E4}">
-                <adec:decorative xmlns:adec="http://schemas.microsoft.com/office/drawing/2017/decorative" xmlns="" val="1"/>
+                <adec:decorative xmlns:adec="http://schemas.microsoft.com/office/drawing/2017/decorative" val="1"/>
               </a:ext>
             </a:extLst>
           </p:cNvPr>
@@ -15552,7 +15824,7 @@
                 <a16:creationId xmlns:a16="http://schemas.microsoft.com/office/drawing/2014/main" id="{311F016A-A753-449B-9EA6-322199B7119E}"/>
               </a:ext>
               <a:ext uri="{C183D7F6-B498-43B3-948B-1728B52AA6E4}">
-                <adec:decorative xmlns:adec="http://schemas.microsoft.com/office/drawing/2017/decorative" xmlns="" val="1"/>
+                <adec:decorative xmlns:adec="http://schemas.microsoft.com/office/drawing/2017/decorative" val="1"/>
               </a:ext>
             </a:extLst>
           </p:cNvPr>
@@ -15666,17 +15938,9 @@
           </a:bodyPr>
           <a:lstStyle/>
           <a:p>
-            <a:r>
-              <a:rPr lang="en-US" sz="5400" dirty="0"/>
-              <a:t/>
-            </a:r>
             <a:br>
               <a:rPr lang="en-US" sz="5400" dirty="0"/>
             </a:br>
-            <a:r>
-              <a:rPr lang="en-US" sz="5400" dirty="0"/>
-              <a:t/>
-            </a:r>
             <a:br>
               <a:rPr lang="en-US" sz="5400" dirty="0"/>
             </a:br>
@@ -15691,10 +15955,6 @@
             <a:r>
               <a:rPr lang="en-US" sz="5400" b="1" dirty="0"/>
               <a:t>!</a:t>
-            </a:r>
-            <a:r>
-              <a:rPr lang="en-US" sz="5400" dirty="0"/>
-              <a:t/>
             </a:r>
             <a:br>
               <a:rPr lang="en-US" sz="5400" dirty="0"/>
@@ -15782,7 +16042,7 @@
                 <a16:creationId xmlns:a16="http://schemas.microsoft.com/office/drawing/2014/main" id="{95106A28-883A-4993-BF9E-C403B81A8D66}"/>
               </a:ext>
               <a:ext uri="{C183D7F6-B498-43B3-948B-1728B52AA6E4}">
-                <adec:decorative xmlns:adec="http://schemas.microsoft.com/office/drawing/2017/decorative" xmlns="" val="1"/>
+                <adec:decorative xmlns:adec="http://schemas.microsoft.com/office/drawing/2017/decorative" val="1"/>
               </a:ext>
             </a:extLst>
           </p:cNvPr>
@@ -15875,7 +16135,7 @@
                 <a16:creationId xmlns:a16="http://schemas.microsoft.com/office/drawing/2014/main" id="{F5AE4E4F-9F4C-43ED-8299-9BD63B74E8F0}"/>
               </a:ext>
               <a:ext uri="{C183D7F6-B498-43B3-948B-1728B52AA6E4}">
-                <adec:decorative xmlns:adec="http://schemas.microsoft.com/office/drawing/2017/decorative" xmlns="" val="1"/>
+                <adec:decorative xmlns:adec="http://schemas.microsoft.com/office/drawing/2017/decorative" val="1"/>
               </a:ext>
             </a:extLst>
           </p:cNvPr>
@@ -16005,7 +16265,7 @@
                 <a16:creationId xmlns:a16="http://schemas.microsoft.com/office/drawing/2014/main" id="{9AFC454B-A080-4D23-B177-6D5356C6E6EF}"/>
               </a:ext>
               <a:ext uri="{C183D7F6-B498-43B3-948B-1728B52AA6E4}">
-                <adec:decorative xmlns:adec="http://schemas.microsoft.com/office/drawing/2017/decorative" xmlns="" val="1"/>
+                <adec:decorative xmlns:adec="http://schemas.microsoft.com/office/drawing/2017/decorative" val="1"/>
               </a:ext>
             </a:extLst>
           </p:cNvPr>
@@ -16065,7 +16325,7 @@
                 <a16:creationId xmlns:a16="http://schemas.microsoft.com/office/drawing/2014/main" id="{D0522C2C-7B5C-48A7-A969-03941E5D2E76}"/>
               </a:ext>
               <a:ext uri="{C183D7F6-B498-43B3-948B-1728B52AA6E4}">
-                <adec:decorative xmlns:adec="http://schemas.microsoft.com/office/drawing/2017/decorative" xmlns="" val="1"/>
+                <adec:decorative xmlns:adec="http://schemas.microsoft.com/office/drawing/2017/decorative" val="1"/>
               </a:ext>
             </a:extLst>
           </p:cNvPr>
@@ -16132,7 +16392,7 @@
                 <a16:creationId xmlns:a16="http://schemas.microsoft.com/office/drawing/2014/main" id="{9C682A1A-5B2D-4111-BBD6-620165633E5B}"/>
               </a:ext>
               <a:ext uri="{C183D7F6-B498-43B3-948B-1728B52AA6E4}">
-                <adec:decorative xmlns:adec="http://schemas.microsoft.com/office/drawing/2017/decorative" xmlns="" val="1"/>
+                <adec:decorative xmlns:adec="http://schemas.microsoft.com/office/drawing/2017/decorative" val="1"/>
               </a:ext>
             </a:extLst>
           </p:cNvPr>
@@ -16307,7 +16567,7 @@
                 <a16:creationId xmlns:a16="http://schemas.microsoft.com/office/drawing/2014/main" id="{D6EE29F2-D77F-4BD0-A20B-334D316A1C9D}"/>
               </a:ext>
               <a:ext uri="{C183D7F6-B498-43B3-948B-1728B52AA6E4}">
-                <adec:decorative xmlns:adec="http://schemas.microsoft.com/office/drawing/2017/decorative" xmlns="" val="1"/>
+                <adec:decorative xmlns:adec="http://schemas.microsoft.com/office/drawing/2017/decorative" val="1"/>
               </a:ext>
             </a:extLst>
           </p:cNvPr>
@@ -16399,7 +16659,7 @@
                 <a16:creationId xmlns:a16="http://schemas.microsoft.com/office/drawing/2014/main" id="{22D09ED2-868F-42C6-866E-F92E0CEF314F}"/>
               </a:ext>
               <a:ext uri="{C183D7F6-B498-43B3-948B-1728B52AA6E4}">
-                <adec:decorative xmlns:adec="http://schemas.microsoft.com/office/drawing/2017/decorative" xmlns="" val="1"/>
+                <adec:decorative xmlns:adec="http://schemas.microsoft.com/office/drawing/2017/decorative" val="1"/>
               </a:ext>
             </a:extLst>
           </p:cNvPr>
@@ -16899,7 +17159,7 @@
                 <a16:creationId xmlns:a16="http://schemas.microsoft.com/office/drawing/2014/main" id="{9AFC454B-A080-4D23-B177-6D5356C6E6EF}"/>
               </a:ext>
               <a:ext uri="{C183D7F6-B498-43B3-948B-1728B52AA6E4}">
-                <adec:decorative xmlns:adec="http://schemas.microsoft.com/office/drawing/2017/decorative" xmlns="" val="1"/>
+                <adec:decorative xmlns:adec="http://schemas.microsoft.com/office/drawing/2017/decorative" val="1"/>
               </a:ext>
             </a:extLst>
           </p:cNvPr>
@@ -16959,7 +17219,7 @@
                 <a16:creationId xmlns:a16="http://schemas.microsoft.com/office/drawing/2014/main" id="{D0522C2C-7B5C-48A7-A969-03941E5D2E76}"/>
               </a:ext>
               <a:ext uri="{C183D7F6-B498-43B3-948B-1728B52AA6E4}">
-                <adec:decorative xmlns:adec="http://schemas.microsoft.com/office/drawing/2017/decorative" xmlns="" val="1"/>
+                <adec:decorative xmlns:adec="http://schemas.microsoft.com/office/drawing/2017/decorative" val="1"/>
               </a:ext>
             </a:extLst>
           </p:cNvPr>
@@ -17026,7 +17286,7 @@
                 <a16:creationId xmlns:a16="http://schemas.microsoft.com/office/drawing/2014/main" id="{9C682A1A-5B2D-4111-BBD6-620165633E5B}"/>
               </a:ext>
               <a:ext uri="{C183D7F6-B498-43B3-948B-1728B52AA6E4}">
-                <adec:decorative xmlns:adec="http://schemas.microsoft.com/office/drawing/2017/decorative" xmlns="" val="1"/>
+                <adec:decorative xmlns:adec="http://schemas.microsoft.com/office/drawing/2017/decorative" val="1"/>
               </a:ext>
             </a:extLst>
           </p:cNvPr>
@@ -17201,7 +17461,7 @@
                 <a16:creationId xmlns:a16="http://schemas.microsoft.com/office/drawing/2014/main" id="{D6EE29F2-D77F-4BD0-A20B-334D316A1C9D}"/>
               </a:ext>
               <a:ext uri="{C183D7F6-B498-43B3-948B-1728B52AA6E4}">
-                <adec:decorative xmlns:adec="http://schemas.microsoft.com/office/drawing/2017/decorative" xmlns="" val="1"/>
+                <adec:decorative xmlns:adec="http://schemas.microsoft.com/office/drawing/2017/decorative" val="1"/>
               </a:ext>
             </a:extLst>
           </p:cNvPr>
@@ -17293,7 +17553,7 @@
                 <a16:creationId xmlns:a16="http://schemas.microsoft.com/office/drawing/2014/main" id="{22D09ED2-868F-42C6-866E-F92E0CEF314F}"/>
               </a:ext>
               <a:ext uri="{C183D7F6-B498-43B3-948B-1728B52AA6E4}">
-                <adec:decorative xmlns:adec="http://schemas.microsoft.com/office/drawing/2017/decorative" xmlns="" val="1"/>
+                <adec:decorative xmlns:adec="http://schemas.microsoft.com/office/drawing/2017/decorative" val="1"/>
               </a:ext>
             </a:extLst>
           </p:cNvPr>
@@ -17476,14 +17736,11 @@
               </a:rPr>
               <a:t>omunica</a:t>
             </a:r>
-            <a:r>
-              <a:rPr lang="en-US" sz="6000" b="1" kern="1200" dirty="0">
-                <a:solidFill>
-                  <a:schemeClr val="tx1"/>
-                </a:solidFill>
-              </a:rPr>
-              <a:t>. </a:t>
-            </a:r>
+            <a:endParaRPr lang="en-US" sz="6000" b="1" kern="1200" dirty="0">
+              <a:solidFill>
+                <a:schemeClr val="tx1"/>
+              </a:solidFill>
+            </a:endParaRPr>
           </a:p>
         </p:txBody>
       </p:sp>
@@ -17533,7 +17790,7 @@
                 <a16:creationId xmlns:a16="http://schemas.microsoft.com/office/drawing/2014/main" id="{67009BBA-DC62-4808-B0A8-DC86986B7608}"/>
               </a:ext>
               <a:ext uri="{C183D7F6-B498-43B3-948B-1728B52AA6E4}">
-                <adec:decorative xmlns:adec="http://schemas.microsoft.com/office/drawing/2017/decorative" xmlns="" val="1"/>
+                <adec:decorative xmlns:adec="http://schemas.microsoft.com/office/drawing/2017/decorative" val="1"/>
               </a:ext>
             </a:extLst>
           </p:cNvPr>
@@ -17669,7 +17926,7 @@
                 <a16:creationId xmlns:a16="http://schemas.microsoft.com/office/drawing/2014/main" id="{3F9BDB9F-8714-4605-B1BF-670E94960019}"/>
               </a:ext>
               <a:ext uri="{C183D7F6-B498-43B3-948B-1728B52AA6E4}">
-                <adec:decorative xmlns:adec="http://schemas.microsoft.com/office/drawing/2017/decorative" xmlns="" val="1"/>
+                <adec:decorative xmlns:adec="http://schemas.microsoft.com/office/drawing/2017/decorative" val="1"/>
               </a:ext>
             </a:extLst>
           </p:cNvPr>
@@ -17789,7 +18046,7 @@
                   <a:schemeClr val="bg1"/>
                 </a:solidFill>
               </a:rPr>
-              <a:t>Cores e formas influenciam o emocional.</a:t>
+              <a:t>Cores e formas influenciam o emocional</a:t>
             </a:r>
             <a:endParaRPr lang="en-US" sz="3600" dirty="0">
               <a:solidFill>
@@ -17807,7 +18064,7 @@
                 <a16:creationId xmlns:a16="http://schemas.microsoft.com/office/drawing/2014/main" id="{CB339924-0C86-4476-A81F-37DCF289E1AB}"/>
               </a:ext>
               <a:ext uri="{C183D7F6-B498-43B3-948B-1728B52AA6E4}">
-                <adec:decorative xmlns:adec="http://schemas.microsoft.com/office/drawing/2017/decorative" xmlns="" val="1"/>
+                <adec:decorative xmlns:adec="http://schemas.microsoft.com/office/drawing/2017/decorative" val="1"/>
               </a:ext>
             </a:extLst>
           </p:cNvPr>
@@ -17945,7 +18202,7 @@
                   <a:schemeClr val="bg1"/>
                 </a:solidFill>
               </a:rPr>
-              <a:t>A estética dos objetos contribui para o seu desempenho.</a:t>
+              <a:t>A estética dos objetos contribui para o seu desempenho</a:t>
             </a:r>
             <a:endParaRPr lang="en-US" sz="3600" dirty="0">
               <a:solidFill>
@@ -18088,7 +18345,7 @@
                   <a:schemeClr val="bg1"/>
                 </a:solidFill>
               </a:rPr>
-              <a:t> .</a:t>
+              <a:t> </a:t>
             </a:r>
           </a:p>
         </p:txBody>
@@ -18103,6 +18360,176 @@
   <p:clrMapOvr>
     <a:masterClrMapping/>
   </p:clrMapOvr>
+  <p:timing>
+    <p:tnLst>
+      <p:par>
+        <p:cTn id="1" dur="indefinite" restart="never" nodeType="tmRoot">
+          <p:childTnLst>
+            <p:seq concurrent="1" nextAc="seek">
+              <p:cTn id="2" dur="indefinite" nodeType="mainSeq">
+                <p:childTnLst>
+                  <p:par>
+                    <p:cTn id="3" fill="hold">
+                      <p:stCondLst>
+                        <p:cond delay="indefinite"/>
+                      </p:stCondLst>
+                      <p:childTnLst>
+                        <p:par>
+                          <p:cTn id="4" fill="hold">
+                            <p:stCondLst>
+                              <p:cond delay="0"/>
+                            </p:stCondLst>
+                            <p:childTnLst>
+                              <p:par>
+                                <p:cTn id="5" presetID="1" presetClass="entr" presetSubtype="0" fill="hold" grpId="0" nodeType="clickEffect">
+                                  <p:stCondLst>
+                                    <p:cond delay="0"/>
+                                  </p:stCondLst>
+                                  <p:childTnLst>
+                                    <p:set>
+                                      <p:cBhvr>
+                                        <p:cTn id="6" dur="1" fill="hold">
+                                          <p:stCondLst>
+                                            <p:cond delay="0"/>
+                                          </p:stCondLst>
+                                        </p:cTn>
+                                        <p:tgtEl>
+                                          <p:spTgt spid="2"/>
+                                        </p:tgtEl>
+                                        <p:attrNameLst>
+                                          <p:attrName>style.visibility</p:attrName>
+                                        </p:attrNameLst>
+                                      </p:cBhvr>
+                                      <p:to>
+                                        <p:strVal val="visible"/>
+                                      </p:to>
+                                    </p:set>
+                                  </p:childTnLst>
+                                </p:cTn>
+                              </p:par>
+                            </p:childTnLst>
+                          </p:cTn>
+                        </p:par>
+                      </p:childTnLst>
+                    </p:cTn>
+                  </p:par>
+                  <p:par>
+                    <p:cTn id="7" fill="hold">
+                      <p:stCondLst>
+                        <p:cond delay="indefinite"/>
+                      </p:stCondLst>
+                      <p:childTnLst>
+                        <p:par>
+                          <p:cTn id="8" fill="hold">
+                            <p:stCondLst>
+                              <p:cond delay="0"/>
+                            </p:stCondLst>
+                            <p:childTnLst>
+                              <p:par>
+                                <p:cTn id="9" presetID="1" presetClass="entr" presetSubtype="0" fill="hold" grpId="0" nodeType="clickEffect">
+                                  <p:stCondLst>
+                                    <p:cond delay="0"/>
+                                  </p:stCondLst>
+                                  <p:childTnLst>
+                                    <p:set>
+                                      <p:cBhvr>
+                                        <p:cTn id="10" dur="1" fill="hold">
+                                          <p:stCondLst>
+                                            <p:cond delay="0"/>
+                                          </p:stCondLst>
+                                        </p:cTn>
+                                        <p:tgtEl>
+                                          <p:spTgt spid="7"/>
+                                        </p:tgtEl>
+                                        <p:attrNameLst>
+                                          <p:attrName>style.visibility</p:attrName>
+                                        </p:attrNameLst>
+                                      </p:cBhvr>
+                                      <p:to>
+                                        <p:strVal val="visible"/>
+                                      </p:to>
+                                    </p:set>
+                                  </p:childTnLst>
+                                </p:cTn>
+                              </p:par>
+                            </p:childTnLst>
+                          </p:cTn>
+                        </p:par>
+                      </p:childTnLst>
+                    </p:cTn>
+                  </p:par>
+                  <p:par>
+                    <p:cTn id="11" fill="hold">
+                      <p:stCondLst>
+                        <p:cond delay="indefinite"/>
+                      </p:stCondLst>
+                      <p:childTnLst>
+                        <p:par>
+                          <p:cTn id="12" fill="hold">
+                            <p:stCondLst>
+                              <p:cond delay="0"/>
+                            </p:stCondLst>
+                            <p:childTnLst>
+                              <p:par>
+                                <p:cTn id="13" presetID="1" presetClass="entr" presetSubtype="0" fill="hold" grpId="0" nodeType="clickEffect">
+                                  <p:stCondLst>
+                                    <p:cond delay="0"/>
+                                  </p:stCondLst>
+                                  <p:childTnLst>
+                                    <p:set>
+                                      <p:cBhvr>
+                                        <p:cTn id="14" dur="1" fill="hold">
+                                          <p:stCondLst>
+                                            <p:cond delay="0"/>
+                                          </p:stCondLst>
+                                        </p:cTn>
+                                        <p:tgtEl>
+                                          <p:spTgt spid="8"/>
+                                        </p:tgtEl>
+                                        <p:attrNameLst>
+                                          <p:attrName>style.visibility</p:attrName>
+                                        </p:attrNameLst>
+                                      </p:cBhvr>
+                                      <p:to>
+                                        <p:strVal val="visible"/>
+                                      </p:to>
+                                    </p:set>
+                                  </p:childTnLst>
+                                </p:cTn>
+                              </p:par>
+                            </p:childTnLst>
+                          </p:cTn>
+                        </p:par>
+                      </p:childTnLst>
+                    </p:cTn>
+                  </p:par>
+                </p:childTnLst>
+              </p:cTn>
+              <p:prevCondLst>
+                <p:cond evt="onPrev" delay="0">
+                  <p:tgtEl>
+                    <p:sldTgt/>
+                  </p:tgtEl>
+                </p:cond>
+              </p:prevCondLst>
+              <p:nextCondLst>
+                <p:cond evt="onNext" delay="0">
+                  <p:tgtEl>
+                    <p:sldTgt/>
+                  </p:tgtEl>
+                </p:cond>
+              </p:nextCondLst>
+            </p:seq>
+          </p:childTnLst>
+        </p:cTn>
+      </p:par>
+    </p:tnLst>
+    <p:bldLst>
+      <p:bldP spid="2" grpId="0"/>
+      <p:bldP spid="7" grpId="0"/>
+      <p:bldP spid="8" grpId="0"/>
+    </p:bldLst>
+  </p:timing>
 </p:sld>
 </file>
 
@@ -18139,7 +18566,7 @@
                 <a16:creationId xmlns:a16="http://schemas.microsoft.com/office/drawing/2014/main" id="{9AFC454B-A080-4D23-B177-6D5356C6E6EF}"/>
               </a:ext>
               <a:ext uri="{C183D7F6-B498-43B3-948B-1728B52AA6E4}">
-                <adec:decorative xmlns:adec="http://schemas.microsoft.com/office/drawing/2017/decorative" xmlns="" val="1"/>
+                <adec:decorative xmlns:adec="http://schemas.microsoft.com/office/drawing/2017/decorative" val="1"/>
               </a:ext>
             </a:extLst>
           </p:cNvPr>
@@ -18199,7 +18626,7 @@
                 <a16:creationId xmlns:a16="http://schemas.microsoft.com/office/drawing/2014/main" id="{D0522C2C-7B5C-48A7-A969-03941E5D2E76}"/>
               </a:ext>
               <a:ext uri="{C183D7F6-B498-43B3-948B-1728B52AA6E4}">
-                <adec:decorative xmlns:adec="http://schemas.microsoft.com/office/drawing/2017/decorative" xmlns="" val="1"/>
+                <adec:decorative xmlns:adec="http://schemas.microsoft.com/office/drawing/2017/decorative" val="1"/>
               </a:ext>
             </a:extLst>
           </p:cNvPr>
@@ -18266,7 +18693,7 @@
                 <a16:creationId xmlns:a16="http://schemas.microsoft.com/office/drawing/2014/main" id="{9C682A1A-5B2D-4111-BBD6-620165633E5B}"/>
               </a:ext>
               <a:ext uri="{C183D7F6-B498-43B3-948B-1728B52AA6E4}">
-                <adec:decorative xmlns:adec="http://schemas.microsoft.com/office/drawing/2017/decorative" xmlns="" val="1"/>
+                <adec:decorative xmlns:adec="http://schemas.microsoft.com/office/drawing/2017/decorative" val="1"/>
               </a:ext>
             </a:extLst>
           </p:cNvPr>
@@ -18441,7 +18868,7 @@
                 <a16:creationId xmlns:a16="http://schemas.microsoft.com/office/drawing/2014/main" id="{D6EE29F2-D77F-4BD0-A20B-334D316A1C9D}"/>
               </a:ext>
               <a:ext uri="{C183D7F6-B498-43B3-948B-1728B52AA6E4}">
-                <adec:decorative xmlns:adec="http://schemas.microsoft.com/office/drawing/2017/decorative" xmlns="" val="1"/>
+                <adec:decorative xmlns:adec="http://schemas.microsoft.com/office/drawing/2017/decorative" val="1"/>
               </a:ext>
             </a:extLst>
           </p:cNvPr>
@@ -18533,7 +18960,7 @@
                 <a16:creationId xmlns:a16="http://schemas.microsoft.com/office/drawing/2014/main" id="{22D09ED2-868F-42C6-866E-F92E0CEF314F}"/>
               </a:ext>
               <a:ext uri="{C183D7F6-B498-43B3-948B-1728B52AA6E4}">
-                <adec:decorative xmlns:adec="http://schemas.microsoft.com/office/drawing/2017/decorative" xmlns="" val="1"/>
+                <adec:decorative xmlns:adec="http://schemas.microsoft.com/office/drawing/2017/decorative" val="1"/>
               </a:ext>
             </a:extLst>
           </p:cNvPr>
@@ -18789,15 +19216,7 @@
                   <a:schemeClr val="bg1"/>
                 </a:solidFill>
               </a:rPr>
-              <a:t>Apelo </a:t>
-            </a:r>
-            <a:r>
-              <a:rPr lang="pt-BR" sz="3600" dirty="0" smtClean="0">
-                <a:solidFill>
-                  <a:schemeClr val="bg1"/>
-                </a:solidFill>
-              </a:rPr>
-              <a:t>emocional a seguir </a:t>
+              <a:t>Apelo emocional a seguir </a:t>
             </a:r>
           </a:p>
           <a:p>
@@ -18808,63 +19227,7 @@
                   <a:schemeClr val="bg1"/>
                 </a:solidFill>
               </a:rPr>
-              <a:t>A</a:t>
-            </a:r>
-            <a:r>
-              <a:rPr lang="pt-BR" sz="3200" dirty="0" smtClean="0">
-                <a:solidFill>
-                  <a:schemeClr val="bg1"/>
-                </a:solidFill>
-              </a:rPr>
-              <a:t>s </a:t>
-            </a:r>
-            <a:r>
-              <a:rPr lang="pt-BR" sz="3200" dirty="0">
-                <a:solidFill>
-                  <a:schemeClr val="bg1"/>
-                </a:solidFill>
-              </a:rPr>
-              <a:t>imagens a </a:t>
-            </a:r>
-            <a:r>
-              <a:rPr lang="pt-BR" sz="3200" dirty="0" smtClean="0">
-                <a:solidFill>
-                  <a:schemeClr val="bg1"/>
-                </a:solidFill>
-              </a:rPr>
-              <a:t>serem exibidas pod</a:t>
-            </a:r>
-            <a:r>
-              <a:rPr lang="pt-BR" sz="3200" dirty="0" smtClean="0">
-                <a:solidFill>
-                  <a:schemeClr val="bg1"/>
-                </a:solidFill>
-              </a:rPr>
-              <a:t>em </a:t>
-            </a:r>
-            <a:r>
-              <a:rPr lang="pt-BR" sz="3200" dirty="0" smtClean="0">
-                <a:solidFill>
-                  <a:schemeClr val="bg1"/>
-                </a:solidFill>
-              </a:rPr>
-              <a:t>gerar </a:t>
-            </a:r>
-            <a:r>
-              <a:rPr lang="pt-BR" sz="3200" dirty="0">
-                <a:solidFill>
-                  <a:schemeClr val="bg1"/>
-                </a:solidFill>
-              </a:rPr>
-              <a:t>fortes </a:t>
-            </a:r>
-            <a:r>
-              <a:rPr lang="pt-BR" sz="3200" dirty="0" smtClean="0">
-                <a:solidFill>
-                  <a:schemeClr val="bg1"/>
-                </a:solidFill>
-              </a:rPr>
-              <a:t>emoções em públicos sensíveis. </a:t>
+              <a:t>As imagens a serem exibidas podem gerar fortes emoções em públicos sensíveis. </a:t>
             </a:r>
             <a:endParaRPr lang="pt-BR" dirty="0">
               <a:solidFill>
@@ -18914,13 +19277,6 @@
   <p:clrMapOvr>
     <a:masterClrMapping/>
   </p:clrMapOvr>
-  <p:timing>
-    <p:tnLst>
-      <p:par>
-        <p:cTn id="1" dur="indefinite" restart="never" nodeType="tmRoot"/>
-      </p:par>
-    </p:tnLst>
-  </p:timing>
 </p:sld>
 </file>
 
@@ -18957,7 +19313,7 @@
                 <a16:creationId xmlns:a16="http://schemas.microsoft.com/office/drawing/2014/main" id="{67009BBA-DC62-4808-B0A8-DC86986B7608}"/>
               </a:ext>
               <a:ext uri="{C183D7F6-B498-43B3-948B-1728B52AA6E4}">
-                <adec:decorative xmlns:adec="http://schemas.microsoft.com/office/drawing/2017/decorative" xmlns="" val="1"/>
+                <adec:decorative xmlns:adec="http://schemas.microsoft.com/office/drawing/2017/decorative" val="1"/>
               </a:ext>
             </a:extLst>
           </p:cNvPr>
@@ -19024,7 +19380,7 @@
                 <a16:creationId xmlns:a16="http://schemas.microsoft.com/office/drawing/2014/main" id="{3F9BDB9F-8714-4605-B1BF-670E94960019}"/>
               </a:ext>
               <a:ext uri="{C183D7F6-B498-43B3-948B-1728B52AA6E4}">
-                <adec:decorative xmlns:adec="http://schemas.microsoft.com/office/drawing/2017/decorative" xmlns="" val="1"/>
+                <adec:decorative xmlns:adec="http://schemas.microsoft.com/office/drawing/2017/decorative" val="1"/>
               </a:ext>
             </a:extLst>
           </p:cNvPr>
@@ -19117,7 +19473,7 @@
                 <a16:creationId xmlns:a16="http://schemas.microsoft.com/office/drawing/2014/main" id="{CB339924-0C86-4476-A81F-37DCF289E1AB}"/>
               </a:ext>
               <a:ext uri="{C183D7F6-B498-43B3-948B-1728B52AA6E4}">
-                <adec:decorative xmlns:adec="http://schemas.microsoft.com/office/drawing/2017/decorative" xmlns="" val="1"/>
+                <adec:decorative xmlns:adec="http://schemas.microsoft.com/office/drawing/2017/decorative" val="1"/>
               </a:ext>
             </a:extLst>
           </p:cNvPr>
@@ -19241,13 +19597,6 @@
   <p:clrMapOvr>
     <a:masterClrMapping/>
   </p:clrMapOvr>
-  <p:timing>
-    <p:tnLst>
-      <p:par>
-        <p:cTn id="1" dur="indefinite" restart="never" nodeType="tmRoot"/>
-      </p:par>
-    </p:tnLst>
-  </p:timing>
 </p:sld>
 </file>
 
@@ -19284,7 +19633,7 @@
                 <a16:creationId xmlns:a16="http://schemas.microsoft.com/office/drawing/2014/main" id="{67009BBA-DC62-4808-B0A8-DC86986B7608}"/>
               </a:ext>
               <a:ext uri="{C183D7F6-B498-43B3-948B-1728B52AA6E4}">
-                <adec:decorative xmlns:adec="http://schemas.microsoft.com/office/drawing/2017/decorative" xmlns="" val="1"/>
+                <adec:decorative xmlns:adec="http://schemas.microsoft.com/office/drawing/2017/decorative" val="1"/>
               </a:ext>
             </a:extLst>
           </p:cNvPr>
@@ -19351,7 +19700,7 @@
                 <a16:creationId xmlns:a16="http://schemas.microsoft.com/office/drawing/2014/main" id="{3F9BDB9F-8714-4605-B1BF-670E94960019}"/>
               </a:ext>
               <a:ext uri="{C183D7F6-B498-43B3-948B-1728B52AA6E4}">
-                <adec:decorative xmlns:adec="http://schemas.microsoft.com/office/drawing/2017/decorative" xmlns="" val="1"/>
+                <adec:decorative xmlns:adec="http://schemas.microsoft.com/office/drawing/2017/decorative" val="1"/>
               </a:ext>
             </a:extLst>
           </p:cNvPr>
@@ -19444,7 +19793,7 @@
                 <a16:creationId xmlns:a16="http://schemas.microsoft.com/office/drawing/2014/main" id="{CB339924-0C86-4476-A81F-37DCF289E1AB}"/>
               </a:ext>
               <a:ext uri="{C183D7F6-B498-43B3-948B-1728B52AA6E4}">
-                <adec:decorative xmlns:adec="http://schemas.microsoft.com/office/drawing/2017/decorative" xmlns="" val="1"/>
+                <adec:decorative xmlns:adec="http://schemas.microsoft.com/office/drawing/2017/decorative" val="1"/>
               </a:ext>
             </a:extLst>
           </p:cNvPr>
@@ -19568,13 +19917,6 @@
   <p:clrMapOvr>
     <a:masterClrMapping/>
   </p:clrMapOvr>
-  <p:timing>
-    <p:tnLst>
-      <p:par>
-        <p:cTn id="1" dur="indefinite" restart="never" nodeType="tmRoot"/>
-      </p:par>
-    </p:tnLst>
-  </p:timing>
 </p:sld>
 </file>
 
